--- a/InfoPath/Guidance/Decks/Office 365 JDP InfoPath - Self-service manual.pptx
+++ b/InfoPath/Guidance/Decks/Office 365 JDP InfoPath - Self-service manual.pptx
@@ -1389,21 +1389,21 @@
     </dgm:pt>
   </dgm:ptLst>
   <dgm:cxnLst>
-    <dgm:cxn modelId="{5716D4F9-2A68-441E-966F-26E65242A281}" type="presOf" srcId="{2C0D2936-777E-4462-91B0-BF17C8D984B7}" destId="{56BB8D5B-54FE-4F9F-AA61-A715B9428C6B}" srcOrd="0" destOrd="0" presId="urn:microsoft.com/office/officeart/2005/8/layout/hProcess9"/>
+    <dgm:cxn modelId="{8550A028-DBE0-4509-8EBA-FF2670BEB209}" srcId="{3DACF297-5310-45A0-A3A6-565C1FF8EA6C}" destId="{216489DD-1295-42FE-9259-277E9CCC362F}" srcOrd="0" destOrd="0" parTransId="{1D433916-A002-4778-B48D-9DDD70A115C7}" sibTransId="{4851FB91-2FBB-4F8A-93B7-0A093DB4D683}"/>
+    <dgm:cxn modelId="{4AC00209-014F-407C-B24F-893209C03251}" srcId="{2C0D2936-777E-4462-91B0-BF17C8D984B7}" destId="{DD3693BF-5BC7-4D55-89BB-9299761E946F}" srcOrd="1" destOrd="0" parTransId="{F941A24A-D8DC-4663-BE5C-352F9BCBFF60}" sibTransId="{79028361-ED90-423C-B571-0E83E3A82E55}"/>
+    <dgm:cxn modelId="{A3000F35-8275-4336-A82F-6BCBDA6444ED}" srcId="{3DACF297-5310-45A0-A3A6-565C1FF8EA6C}" destId="{D4879109-1274-4907-AD12-68D7E14A75B6}" srcOrd="1" destOrd="0" parTransId="{F972065F-F7DD-400A-B75F-BED682691CFE}" sibTransId="{04C21E68-B319-406C-9002-25A178F24478}"/>
+    <dgm:cxn modelId="{07984D59-0746-4103-8827-F02AA3FBD227}" type="presOf" srcId="{D4879109-1274-4907-AD12-68D7E14A75B6}" destId="{BF6E078A-929A-40EC-B13E-4F5DD3D77741}" srcOrd="0" destOrd="2" presId="urn:microsoft.com/office/officeart/2005/8/layout/hProcess9"/>
+    <dgm:cxn modelId="{1AB3576F-59CA-4E84-BA4E-F163CAE56C0D}" type="presOf" srcId="{E5F77C07-D3D6-4EB8-97AF-AC07C923E65D}" destId="{56BB8D5B-54FE-4F9F-AA61-A715B9428C6B}" srcOrd="0" destOrd="3" presId="urn:microsoft.com/office/officeart/2005/8/layout/hProcess9"/>
+    <dgm:cxn modelId="{A46E6612-9901-4293-93BC-8309175F27B3}" type="presOf" srcId="{3DACF297-5310-45A0-A3A6-565C1FF8EA6C}" destId="{BF6E078A-929A-40EC-B13E-4F5DD3D77741}" srcOrd="0" destOrd="0" presId="urn:microsoft.com/office/officeart/2005/8/layout/hProcess9"/>
     <dgm:cxn modelId="{7F320C29-D82C-48F1-8FEA-5D541AB56FFA}" srcId="{2C0D2936-777E-4462-91B0-BF17C8D984B7}" destId="{60281A9A-CE93-4D2D-8AA3-2F987CBD6EDE}" srcOrd="0" destOrd="0" parTransId="{E312DF7D-AC9E-4854-9E71-E56779E8A574}" sibTransId="{0F0CD3E3-4887-4745-8716-8AAEB49E408E}"/>
-    <dgm:cxn modelId="{B6611AF3-002F-4B27-8A77-0E6FCC5226FB}" srcId="{67D58608-672F-49E3-9FCB-4F7F16754615}" destId="{3DACF297-5310-45A0-A3A6-565C1FF8EA6C}" srcOrd="1" destOrd="0" parTransId="{E83DE440-3F97-4262-A6C9-2CA6A6313409}" sibTransId="{2AFAE38B-6127-4F74-80C8-EE268B893CA9}"/>
-    <dgm:cxn modelId="{1AB3576F-59CA-4E84-BA4E-F163CAE56C0D}" type="presOf" srcId="{E5F77C07-D3D6-4EB8-97AF-AC07C923E65D}" destId="{56BB8D5B-54FE-4F9F-AA61-A715B9428C6B}" srcOrd="0" destOrd="3" presId="urn:microsoft.com/office/officeart/2005/8/layout/hProcess9"/>
     <dgm:cxn modelId="{DE60C889-A13C-44CA-90C1-67996AFA25AB}" srcId="{2C0D2936-777E-4462-91B0-BF17C8D984B7}" destId="{E5F77C07-D3D6-4EB8-97AF-AC07C923E65D}" srcOrd="2" destOrd="0" parTransId="{2F2C7294-0CDB-44C4-81AB-3454406A111B}" sibTransId="{B6FE82DF-0EBE-44B4-82C4-E07C50CB806F}"/>
     <dgm:cxn modelId="{062EC294-B7AD-48C0-BB6E-834AB1DA29F5}" srcId="{67D58608-672F-49E3-9FCB-4F7F16754615}" destId="{2C0D2936-777E-4462-91B0-BF17C8D984B7}" srcOrd="0" destOrd="0" parTransId="{B1F19F3B-11D9-452A-A287-D6276AE5ADC6}" sibTransId="{D1B9B65C-645A-4C34-9A7F-4D5BC7BCC172}"/>
-    <dgm:cxn modelId="{8550A028-DBE0-4509-8EBA-FF2670BEB209}" srcId="{3DACF297-5310-45A0-A3A6-565C1FF8EA6C}" destId="{216489DD-1295-42FE-9259-277E9CCC362F}" srcOrd="0" destOrd="0" parTransId="{1D433916-A002-4778-B48D-9DDD70A115C7}" sibTransId="{4851FB91-2FBB-4F8A-93B7-0A093DB4D683}"/>
+    <dgm:cxn modelId="{B6611AF3-002F-4B27-8A77-0E6FCC5226FB}" srcId="{67D58608-672F-49E3-9FCB-4F7F16754615}" destId="{3DACF297-5310-45A0-A3A6-565C1FF8EA6C}" srcOrd="1" destOrd="0" parTransId="{E83DE440-3F97-4262-A6C9-2CA6A6313409}" sibTransId="{2AFAE38B-6127-4F74-80C8-EE268B893CA9}"/>
     <dgm:cxn modelId="{22246132-5F0C-4F00-A599-E10801C67AC2}" type="presOf" srcId="{216489DD-1295-42FE-9259-277E9CCC362F}" destId="{BF6E078A-929A-40EC-B13E-4F5DD3D77741}" srcOrd="0" destOrd="1" presId="urn:microsoft.com/office/officeart/2005/8/layout/hProcess9"/>
-    <dgm:cxn modelId="{4AC00209-014F-407C-B24F-893209C03251}" srcId="{2C0D2936-777E-4462-91B0-BF17C8D984B7}" destId="{DD3693BF-5BC7-4D55-89BB-9299761E946F}" srcOrd="1" destOrd="0" parTransId="{F941A24A-D8DC-4663-BE5C-352F9BCBFF60}" sibTransId="{79028361-ED90-423C-B571-0E83E3A82E55}"/>
+    <dgm:cxn modelId="{5716D4F9-2A68-441E-966F-26E65242A281}" type="presOf" srcId="{2C0D2936-777E-4462-91B0-BF17C8D984B7}" destId="{56BB8D5B-54FE-4F9F-AA61-A715B9428C6B}" srcOrd="0" destOrd="0" presId="urn:microsoft.com/office/officeart/2005/8/layout/hProcess9"/>
+    <dgm:cxn modelId="{539D75DA-F954-4B2A-A237-46636C4C53B4}" type="presOf" srcId="{67D58608-672F-49E3-9FCB-4F7F16754615}" destId="{EBC16904-9330-4C95-844C-44D2FC5FD5C2}" srcOrd="0" destOrd="0" presId="urn:microsoft.com/office/officeart/2005/8/layout/hProcess9"/>
     <dgm:cxn modelId="{7590F8F6-B79C-4B5B-B00B-593126B7D55D}" type="presOf" srcId="{60281A9A-CE93-4D2D-8AA3-2F987CBD6EDE}" destId="{56BB8D5B-54FE-4F9F-AA61-A715B9428C6B}" srcOrd="0" destOrd="1" presId="urn:microsoft.com/office/officeart/2005/8/layout/hProcess9"/>
-    <dgm:cxn modelId="{07984D59-0746-4103-8827-F02AA3FBD227}" type="presOf" srcId="{D4879109-1274-4907-AD12-68D7E14A75B6}" destId="{BF6E078A-929A-40EC-B13E-4F5DD3D77741}" srcOrd="0" destOrd="2" presId="urn:microsoft.com/office/officeart/2005/8/layout/hProcess9"/>
     <dgm:cxn modelId="{55C2A38E-3FB1-4167-B574-6FCEC43B4E6C}" type="presOf" srcId="{DD3693BF-5BC7-4D55-89BB-9299761E946F}" destId="{56BB8D5B-54FE-4F9F-AA61-A715B9428C6B}" srcOrd="0" destOrd="2" presId="urn:microsoft.com/office/officeart/2005/8/layout/hProcess9"/>
-    <dgm:cxn modelId="{A3000F35-8275-4336-A82F-6BCBDA6444ED}" srcId="{3DACF297-5310-45A0-A3A6-565C1FF8EA6C}" destId="{D4879109-1274-4907-AD12-68D7E14A75B6}" srcOrd="1" destOrd="0" parTransId="{F972065F-F7DD-400A-B75F-BED682691CFE}" sibTransId="{04C21E68-B319-406C-9002-25A178F24478}"/>
-    <dgm:cxn modelId="{539D75DA-F954-4B2A-A237-46636C4C53B4}" type="presOf" srcId="{67D58608-672F-49E3-9FCB-4F7F16754615}" destId="{EBC16904-9330-4C95-844C-44D2FC5FD5C2}" srcOrd="0" destOrd="0" presId="urn:microsoft.com/office/officeart/2005/8/layout/hProcess9"/>
-    <dgm:cxn modelId="{A46E6612-9901-4293-93BC-8309175F27B3}" type="presOf" srcId="{3DACF297-5310-45A0-A3A6-565C1FF8EA6C}" destId="{BF6E078A-929A-40EC-B13E-4F5DD3D77741}" srcOrd="0" destOrd="0" presId="urn:microsoft.com/office/officeart/2005/8/layout/hProcess9"/>
     <dgm:cxn modelId="{1664BA72-61CC-46BE-B991-7FB6C156BD06}" type="presParOf" srcId="{EBC16904-9330-4C95-844C-44D2FC5FD5C2}" destId="{60687949-2C33-48A3-9990-0047C6AD407B}" srcOrd="0" destOrd="0" presId="urn:microsoft.com/office/officeart/2005/8/layout/hProcess9"/>
     <dgm:cxn modelId="{A91EA486-5FCE-4BE5-937E-B842D18ABD23}" type="presParOf" srcId="{EBC16904-9330-4C95-844C-44D2FC5FD5C2}" destId="{21C35B38-7DC4-4586-AEDA-AF17BC8F9661}" srcOrd="1" destOrd="0" presId="urn:microsoft.com/office/officeart/2005/8/layout/hProcess9"/>
     <dgm:cxn modelId="{9DA7DDE7-C44D-4C82-873E-67861BD4237C}" type="presParOf" srcId="{21C35B38-7DC4-4586-AEDA-AF17BC8F9661}" destId="{56BB8D5B-54FE-4F9F-AA61-A715B9428C6B}" srcOrd="0" destOrd="0" presId="urn:microsoft.com/office/officeart/2005/8/layout/hProcess9"/>
@@ -2989,7 +2989,7 @@
           <a:p>
             <a:fld id="{DE219B1A-AE41-483B-A766-69B9363DDA6A}" type="datetimeFigureOut">
               <a:rPr lang="en-US" smtClean="0"/>
-              <a:t>2/10/2016</a:t>
+              <a:t>4/8/2016</a:t>
             </a:fld>
             <a:endParaRPr lang="en-US"/>
           </a:p>
@@ -3198,7 +3198,7 @@
           <a:p>
             <a:fld id="{D51B1278-D92B-4AF3-A9C1-71DD298190CE}" type="datetimeFigureOut">
               <a:rPr lang="en-US" smtClean="0"/>
-              <a:t>2/10/2016</a:t>
+              <a:t>4/8/2016</a:t>
             </a:fld>
             <a:endParaRPr lang="en-US"/>
           </a:p>
@@ -3641,7 +3641,7 @@
                 </a:solidFill>
               </a:rPr>
               <a:pPr/>
-              <a:t>2/10/2016</a:t>
+              <a:t>4/8/2016</a:t>
             </a:fld>
             <a:endParaRPr lang="en-US" dirty="0">
               <a:solidFill>
@@ -3955,7 +3955,7 @@
           <a:p>
             <a:fld id="{59D60AD9-3E85-41DF-99CB-B9873EE0A778}" type="datetime1">
               <a:rPr lang="en-US" smtClean="0"/>
-              <a:t>2/10/2016</a:t>
+              <a:t>4/8/2016</a:t>
             </a:fld>
             <a:endParaRPr lang="en-US"/>
           </a:p>
@@ -4225,7 +4225,7 @@
           <a:p>
             <a:fld id="{D23A6FA6-4DB3-4DBD-BC02-3E825058E62E}" type="datetime1">
               <a:rPr lang="en-US" smtClean="0"/>
-              <a:t>2/10/2016</a:t>
+              <a:t>4/8/2016</a:t>
             </a:fld>
             <a:endParaRPr lang="en-US"/>
           </a:p>
@@ -4543,7 +4543,7 @@
                 <a:tabLst/>
                 <a:defRPr/>
               </a:pPr>
-              <a:t>2/10/2016</a:t>
+              <a:t>4/8/2016</a:t>
             </a:fld>
             <a:endParaRPr kumimoji="0" lang="en-US" sz="1800" b="0" i="0" u="none" strike="noStrike" kern="0" cap="none" spc="0" normalizeH="0" baseline="0" noProof="0">
               <a:ln>
@@ -5062,7 +5062,7 @@
                 <a:tabLst/>
                 <a:defRPr/>
               </a:pPr>
-              <a:t>2/10/2016</a:t>
+              <a:t>4/8/2016</a:t>
             </a:fld>
             <a:endParaRPr kumimoji="0" lang="en-US" sz="1800" b="0" i="0" u="none" strike="noStrike" kern="0" cap="none" spc="0" normalizeH="0" baseline="0" noProof="0">
               <a:ln>
@@ -5514,7 +5514,7 @@
                 <a:tabLst/>
                 <a:defRPr/>
               </a:pPr>
-              <a:t>2/10/2016</a:t>
+              <a:t>4/8/2016</a:t>
             </a:fld>
             <a:endParaRPr kumimoji="0" lang="en-US" sz="1800" b="0" i="0" u="none" strike="noStrike" kern="0" cap="none" spc="0" normalizeH="0" baseline="0" noProof="0">
               <a:ln>
@@ -24037,7 +24037,7 @@
           <a:p>
             <a:r>
               <a:rPr lang="en-US" dirty="0"/>
-              <a:t>Forms with unsupported soap calls</a:t>
+              <a:t>Forms with unsupported soap/rest calls</a:t>
             </a:r>
             <a:endParaRPr lang="nl-BE" dirty="0"/>
           </a:p>
@@ -24065,7 +24065,7 @@
           <a:p>
             <a:r>
               <a:rPr lang="en-US" dirty="0"/>
-              <a:t>Root causes for failing soap calls are:</a:t>
+              <a:t>Root causes for failing soap/rest calls are:</a:t>
             </a:r>
           </a:p>
           <a:p>
@@ -41751,7 +41751,12 @@
             <p:ph type="title"/>
           </p:nvPr>
         </p:nvSpPr>
-        <p:spPr/>
+        <p:spPr>
+          <a:xfrm>
+            <a:off x="978696" y="2854337"/>
+            <a:ext cx="10237787" cy="997196"/>
+          </a:xfrm>
+        </p:spPr>
         <p:txBody>
           <a:bodyPr/>
           <a:lstStyle/>
@@ -41762,7 +41767,7 @@
                   <a:schemeClr val="bg1"/>
                 </a:solidFill>
               </a:rPr>
-              <a:t>Fixing forms with “unsupported” soap calls</a:t>
+              <a:t>Fixing forms with “unsupported” soap/rest calls</a:t>
             </a:r>
             <a:endParaRPr lang="nl-BE" dirty="0">
               <a:solidFill>
@@ -41782,7 +41787,12 @@
             <p:ph type="body" sz="quarter" idx="12"/>
           </p:nvPr>
         </p:nvSpPr>
-        <p:spPr/>
+        <p:spPr>
+          <a:xfrm>
+            <a:off x="978696" y="4170618"/>
+            <a:ext cx="10237787" cy="498598"/>
+          </a:xfrm>
+        </p:spPr>
         <p:txBody>
           <a:bodyPr/>
           <a:lstStyle/>
@@ -51751,7 +51761,7 @@
           <a:p>
             <a:r>
               <a:rPr lang="en-US" dirty="0"/>
-              <a:t>Single Page App (knockout.js)</a:t>
+              <a:t>Single Page App (knockout.js = JS + HTML)</a:t>
             </a:r>
             <a:endParaRPr lang="nl-BE" dirty="0"/>
           </a:p>
@@ -56102,6 +56112,27 @@
 </file>
 
 <file path=customXml/item1.xml><?xml version="1.0" encoding="utf-8"?>
+<Control xmlns="http://schemas.microsoft.com/VisualStudio/2011/storyboarding/control">
+  <Id Name="System.Storyboarding.Backgrounds.WebBrowser" Revision="1" Stencil="System.Storyboarding.Backgrounds" StencilVersion="0.1"/>
+</Control>
+</file>
+
+<file path=customXml/item2.xml><?xml version="1.0" encoding="utf-8"?>
+<?mso-contentType ?>
+<FormTemplates xmlns="http://schemas.microsoft.com/sharepoint/v3/contenttype/forms">
+  <Display>DocumentLibraryForm</Display>
+  <Edit>DocumentLibraryForm</Edit>
+  <New>DocumentLibraryForm</New>
+</FormTemplates>
+</file>
+
+<file path=customXml/item3.xml><?xml version="1.0" encoding="utf-8"?>
+<Control xmlns="http://schemas.microsoft.com/VisualStudio/2011/storyboarding/control">
+  <Id Name="System.Storyboarding.Backgrounds.WebBrowser" Revision="1" Stencil="System.Storyboarding.Backgrounds" StencilVersion="0.1"/>
+</Control>
+</file>
+
+<file path=customXml/item4.xml><?xml version="1.0" encoding="utf-8"?>
 <ct:contentTypeSchema xmlns:ct="http://schemas.microsoft.com/office/2006/metadata/contentType" xmlns:ma="http://schemas.microsoft.com/office/2006/metadata/properties/metaAttributes" ct:_="" ma:_="" ma:contentTypeName="Document" ma:contentTypeID="0x010100DD7BFE2324FCFB49A665688E9D54E8DB" ma:contentTypeVersion="3" ma:contentTypeDescription="Create a new document." ma:contentTypeScope="" ma:versionID="4d195f25be3b1b106d09dd5eb39adb0f">
   <xsd:schema xmlns:xsd="http://www.w3.org/2001/XMLSchema" xmlns:xs="http://www.w3.org/2001/XMLSchema" xmlns:p="http://schemas.microsoft.com/office/2006/metadata/properties" xmlns:ns2="5ec9502b-addf-4716-883a-9e6742fd5109" targetNamespace="http://schemas.microsoft.com/office/2006/metadata/properties" ma:root="true" ma:fieldsID="e57dfefa7c7616ba09ddcfd309c2667f" ns2:_="">
     <xsd:import namespace="5ec9502b-addf-4716-883a-9e6742fd5109"/>
@@ -56255,19 +56286,13 @@
 </ct:contentTypeSchema>
 </file>
 
-<file path=customXml/item2.xml><?xml version="1.0" encoding="utf-8"?>
+<file path=customXml/item5.xml><?xml version="1.0" encoding="utf-8"?>
 <Control xmlns="http://schemas.microsoft.com/VisualStudio/2011/storyboarding/control">
   <Id Name="System.Storyboarding.Backgrounds.WebBrowser" Revision="1" Stencil="System.Storyboarding.Backgrounds" StencilVersion="0.1"/>
 </Control>
 </file>
 
-<file path=customXml/item3.xml><?xml version="1.0" encoding="utf-8"?>
-<Control xmlns="http://schemas.microsoft.com/VisualStudio/2011/storyboarding/control">
-  <Id Name="System.Storyboarding.Backgrounds.WebBrowser" Revision="1" Stencil="System.Storyboarding.Backgrounds" StencilVersion="0.1"/>
-</Control>
-</file>
-
-<file path=customXml/item4.xml><?xml version="1.0" encoding="utf-8"?>
+<file path=customXml/item6.xml><?xml version="1.0" encoding="utf-8"?>
 <p:properties xmlns:p="http://schemas.microsoft.com/office/2006/metadata/properties" xmlns:xsi="http://www.w3.org/2001/XMLSchema-instance" xmlns:pc="http://schemas.microsoft.com/office/infopath/2007/PartnerControls">
   <documentManagement>
     <SharedWithUsers xmlns="5ec9502b-addf-4716-883a-9e6742fd5109">
@@ -56281,22 +56306,31 @@
 </p:properties>
 </file>
 
-<file path=customXml/item5.xml><?xml version="1.0" encoding="utf-8"?>
-<?mso-contentType ?>
-<FormTemplates xmlns="http://schemas.microsoft.com/sharepoint/v3/contenttype/forms">
-  <Display>DocumentLibraryForm</Display>
-  <Edit>DocumentLibraryForm</Edit>
-  <New>DocumentLibraryForm</New>
-</FormTemplates>
+<file path=customXml/itemProps1.xml><?xml version="1.0" encoding="utf-8"?>
+<ds:datastoreItem xmlns:ds="http://schemas.openxmlformats.org/officeDocument/2006/customXml" ds:itemID="{6769EEFD-0F61-4AA2-AE02-4E16ED5BCFE8}">
+  <ds:schemaRefs>
+    <ds:schemaRef ds:uri="http://schemas.microsoft.com/VisualStudio/2011/storyboarding/control"/>
+  </ds:schemaRefs>
+</ds:datastoreItem>
 </file>
 
-<file path=customXml/item6.xml><?xml version="1.0" encoding="utf-8"?>
-<Control xmlns="http://schemas.microsoft.com/VisualStudio/2011/storyboarding/control">
-  <Id Name="System.Storyboarding.Backgrounds.WebBrowser" Revision="1" Stencil="System.Storyboarding.Backgrounds" StencilVersion="0.1"/>
-</Control>
+<file path=customXml/itemProps2.xml><?xml version="1.0" encoding="utf-8"?>
+<ds:datastoreItem xmlns:ds="http://schemas.openxmlformats.org/officeDocument/2006/customXml" ds:itemID="{B4606E04-852E-4880-8CD1-0B186F4087B1}">
+  <ds:schemaRefs>
+    <ds:schemaRef ds:uri="http://schemas.microsoft.com/sharepoint/v3/contenttype/forms"/>
+  </ds:schemaRefs>
+</ds:datastoreItem>
 </file>
 
-<file path=customXml/itemProps1.xml><?xml version="1.0" encoding="utf-8"?>
+<file path=customXml/itemProps3.xml><?xml version="1.0" encoding="utf-8"?>
+<ds:datastoreItem xmlns:ds="http://schemas.openxmlformats.org/officeDocument/2006/customXml" ds:itemID="{57ED2E3B-EB43-4252-8C73-98EA6ACC344E}">
+  <ds:schemaRefs>
+    <ds:schemaRef ds:uri="http://schemas.microsoft.com/VisualStudio/2011/storyboarding/control"/>
+  </ds:schemaRefs>
+</ds:datastoreItem>
+</file>
+
+<file path=customXml/itemProps4.xml><?xml version="1.0" encoding="utf-8"?>
 <ds:datastoreItem xmlns:ds="http://schemas.openxmlformats.org/officeDocument/2006/customXml" ds:itemID="{651C9FB9-54B6-46A6-84D4-A6F207E58C93}">
   <ds:schemaRefs>
     <ds:schemaRef ds:uri="http://schemas.microsoft.com/office/2006/metadata/contentType"/>
@@ -56314,23 +56348,15 @@
 </ds:datastoreItem>
 </file>
 
-<file path=customXml/itemProps2.xml><?xml version="1.0" encoding="utf-8"?>
-<ds:datastoreItem xmlns:ds="http://schemas.openxmlformats.org/officeDocument/2006/customXml" ds:itemID="{6769EEFD-0F61-4AA2-AE02-4E16ED5BCFE8}">
+<file path=customXml/itemProps5.xml><?xml version="1.0" encoding="utf-8"?>
+<ds:datastoreItem xmlns:ds="http://schemas.openxmlformats.org/officeDocument/2006/customXml" ds:itemID="{CE030D2D-A334-4C40-95AD-E97580D89B11}">
   <ds:schemaRefs>
     <ds:schemaRef ds:uri="http://schemas.microsoft.com/VisualStudio/2011/storyboarding/control"/>
   </ds:schemaRefs>
 </ds:datastoreItem>
 </file>
 
-<file path=customXml/itemProps3.xml><?xml version="1.0" encoding="utf-8"?>
-<ds:datastoreItem xmlns:ds="http://schemas.openxmlformats.org/officeDocument/2006/customXml" ds:itemID="{57ED2E3B-EB43-4252-8C73-98EA6ACC344E}">
-  <ds:schemaRefs>
-    <ds:schemaRef ds:uri="http://schemas.microsoft.com/VisualStudio/2011/storyboarding/control"/>
-  </ds:schemaRefs>
-</ds:datastoreItem>
-</file>
-
-<file path=customXml/itemProps4.xml><?xml version="1.0" encoding="utf-8"?>
+<file path=customXml/itemProps6.xml><?xml version="1.0" encoding="utf-8"?>
 <ds:datastoreItem xmlns:ds="http://schemas.openxmlformats.org/officeDocument/2006/customXml" ds:itemID="{F1AEA8A7-A694-4DB0-82AB-EF48F2E9B6F9}">
   <ds:schemaRefs>
     <ds:schemaRef ds:uri="http://purl.org/dc/dcmitype/"/>
@@ -56344,20 +56370,4 @@
     <ds:schemaRef ds:uri="http://www.w3.org/XML/1998/namespace"/>
   </ds:schemaRefs>
 </ds:datastoreItem>
-</file>
-
-<file path=customXml/itemProps5.xml><?xml version="1.0" encoding="utf-8"?>
-<ds:datastoreItem xmlns:ds="http://schemas.openxmlformats.org/officeDocument/2006/customXml" ds:itemID="{B4606E04-852E-4880-8CD1-0B186F4087B1}">
-  <ds:schemaRefs>
-    <ds:schemaRef ds:uri="http://schemas.microsoft.com/sharepoint/v3/contenttype/forms"/>
-  </ds:schemaRefs>
-</ds:datastoreItem>
-</file>
-
-<file path=customXml/itemProps6.xml><?xml version="1.0" encoding="utf-8"?>
-<ds:datastoreItem xmlns:ds="http://schemas.openxmlformats.org/officeDocument/2006/customXml" ds:itemID="{CE030D2D-A334-4C40-95AD-E97580D89B11}">
-  <ds:schemaRefs>
-    <ds:schemaRef ds:uri="http://schemas.microsoft.com/VisualStudio/2011/storyboarding/control"/>
-  </ds:schemaRefs>
-</ds:datastoreItem>
 </file>
--- a/InfoPath/Guidance/Decks/Office 365 JDP InfoPath - Self-service manual.pptx
+++ b/InfoPath/Guidance/Decks/Office 365 JDP InfoPath - Self-service manual.pptx
@@ -2,104 +2,114 @@
 <file path=ppt/presentation.xml><?xml version="1.0" encoding="utf-8"?>
 <p:presentation xmlns:a="http://schemas.openxmlformats.org/drawingml/2006/main" xmlns:r="http://schemas.openxmlformats.org/officeDocument/2006/relationships" xmlns:p="http://schemas.openxmlformats.org/presentationml/2006/main" removePersonalInfoOnSave="1" saveSubsetFonts="1" autoCompressPictures="0">
   <p:sldMasterIdLst>
-    <p:sldMasterId id="2147484082" r:id="rId7"/>
-    <p:sldMasterId id="2147484149" r:id="rId8"/>
+    <p:sldMasterId id="2147484082" r:id="rId4"/>
+    <p:sldMasterId id="2147484149" r:id="rId5"/>
   </p:sldMasterIdLst>
   <p:notesMasterIdLst>
-    <p:notesMasterId r:id="rId97"/>
+    <p:notesMasterId r:id="rId104"/>
   </p:notesMasterIdLst>
   <p:handoutMasterIdLst>
-    <p:handoutMasterId r:id="rId98"/>
+    <p:handoutMasterId r:id="rId105"/>
   </p:handoutMasterIdLst>
   <p:sldIdLst>
-    <p:sldId id="1487" r:id="rId9"/>
-    <p:sldId id="1242" r:id="rId10"/>
-    <p:sldId id="1351" r:id="rId11"/>
-    <p:sldId id="1419" r:id="rId12"/>
-    <p:sldId id="1420" r:id="rId13"/>
-    <p:sldId id="1497" r:id="rId14"/>
-    <p:sldId id="1352" r:id="rId15"/>
-    <p:sldId id="1424" r:id="rId16"/>
-    <p:sldId id="1425" r:id="rId17"/>
-    <p:sldId id="1426" r:id="rId18"/>
-    <p:sldId id="1484" r:id="rId19"/>
-    <p:sldId id="1485" r:id="rId20"/>
-    <p:sldId id="1467" r:id="rId21"/>
-    <p:sldId id="1486" r:id="rId22"/>
-    <p:sldId id="1490" r:id="rId23"/>
-    <p:sldId id="1491" r:id="rId24"/>
-    <p:sldId id="1492" r:id="rId25"/>
-    <p:sldId id="1472" r:id="rId26"/>
-    <p:sldId id="1473" r:id="rId27"/>
-    <p:sldId id="1470" r:id="rId28"/>
-    <p:sldId id="1474" r:id="rId29"/>
-    <p:sldId id="1475" r:id="rId30"/>
-    <p:sldId id="1488" r:id="rId31"/>
-    <p:sldId id="1494" r:id="rId32"/>
-    <p:sldId id="1476" r:id="rId33"/>
-    <p:sldId id="1478" r:id="rId34"/>
-    <p:sldId id="1480" r:id="rId35"/>
-    <p:sldId id="1471" r:id="rId36"/>
-    <p:sldId id="1498" r:id="rId37"/>
-    <p:sldId id="1499" r:id="rId38"/>
-    <p:sldId id="1500" r:id="rId39"/>
-    <p:sldId id="1501" r:id="rId40"/>
-    <p:sldId id="1502" r:id="rId41"/>
-    <p:sldId id="1503" r:id="rId42"/>
-    <p:sldId id="1504" r:id="rId43"/>
-    <p:sldId id="1512" r:id="rId44"/>
-    <p:sldId id="1505" r:id="rId45"/>
-    <p:sldId id="1506" r:id="rId46"/>
-    <p:sldId id="1507" r:id="rId47"/>
-    <p:sldId id="1508" r:id="rId48"/>
-    <p:sldId id="1509" r:id="rId49"/>
-    <p:sldId id="1510" r:id="rId50"/>
-    <p:sldId id="1511" r:id="rId51"/>
-    <p:sldId id="1513" r:id="rId52"/>
-    <p:sldId id="1514" r:id="rId53"/>
-    <p:sldId id="1515" r:id="rId54"/>
-    <p:sldId id="1516" r:id="rId55"/>
-    <p:sldId id="1517" r:id="rId56"/>
-    <p:sldId id="1519" r:id="rId57"/>
-    <p:sldId id="1520" r:id="rId58"/>
-    <p:sldId id="1521" r:id="rId59"/>
-    <p:sldId id="1522" r:id="rId60"/>
-    <p:sldId id="1523" r:id="rId61"/>
-    <p:sldId id="1524" r:id="rId62"/>
-    <p:sldId id="1525" r:id="rId63"/>
-    <p:sldId id="1526" r:id="rId64"/>
-    <p:sldId id="1527" r:id="rId65"/>
-    <p:sldId id="1528" r:id="rId66"/>
-    <p:sldId id="1529" r:id="rId67"/>
-    <p:sldId id="1530" r:id="rId68"/>
-    <p:sldId id="1531" r:id="rId69"/>
-    <p:sldId id="1532" r:id="rId70"/>
-    <p:sldId id="1533" r:id="rId71"/>
-    <p:sldId id="1534" r:id="rId72"/>
-    <p:sldId id="1535" r:id="rId73"/>
-    <p:sldId id="1536" r:id="rId74"/>
-    <p:sldId id="1537" r:id="rId75"/>
-    <p:sldId id="1538" r:id="rId76"/>
-    <p:sldId id="1539" r:id="rId77"/>
-    <p:sldId id="1540" r:id="rId78"/>
-    <p:sldId id="1541" r:id="rId79"/>
-    <p:sldId id="1542" r:id="rId80"/>
-    <p:sldId id="1544" r:id="rId81"/>
-    <p:sldId id="1545" r:id="rId82"/>
-    <p:sldId id="1546" r:id="rId83"/>
-    <p:sldId id="1547" r:id="rId84"/>
-    <p:sldId id="1548" r:id="rId85"/>
-    <p:sldId id="1549" r:id="rId86"/>
-    <p:sldId id="1551" r:id="rId87"/>
-    <p:sldId id="1552" r:id="rId88"/>
-    <p:sldId id="1553" r:id="rId89"/>
-    <p:sldId id="1554" r:id="rId90"/>
-    <p:sldId id="1555" r:id="rId91"/>
-    <p:sldId id="1556" r:id="rId92"/>
-    <p:sldId id="1557" r:id="rId93"/>
-    <p:sldId id="1558" r:id="rId94"/>
-    <p:sldId id="1417" r:id="rId95"/>
-    <p:sldId id="1418" r:id="rId96"/>
+    <p:sldId id="1487" r:id="rId6"/>
+    <p:sldId id="1242" r:id="rId7"/>
+    <p:sldId id="1351" r:id="rId8"/>
+    <p:sldId id="1419" r:id="rId9"/>
+    <p:sldId id="1420" r:id="rId10"/>
+    <p:sldId id="1497" r:id="rId11"/>
+    <p:sldId id="1352" r:id="rId12"/>
+    <p:sldId id="1424" r:id="rId13"/>
+    <p:sldId id="1425" r:id="rId14"/>
+    <p:sldId id="1426" r:id="rId15"/>
+    <p:sldId id="1495" r:id="rId16"/>
+    <p:sldId id="1484" r:id="rId17"/>
+    <p:sldId id="1485" r:id="rId18"/>
+    <p:sldId id="1467" r:id="rId19"/>
+    <p:sldId id="1486" r:id="rId20"/>
+    <p:sldId id="1490" r:id="rId21"/>
+    <p:sldId id="1491" r:id="rId22"/>
+    <p:sldId id="1492" r:id="rId23"/>
+    <p:sldId id="1493" r:id="rId24"/>
+    <p:sldId id="1468" r:id="rId25"/>
+    <p:sldId id="1550" r:id="rId26"/>
+    <p:sldId id="1469" r:id="rId27"/>
+    <p:sldId id="1472" r:id="rId28"/>
+    <p:sldId id="1559" r:id="rId29"/>
+    <p:sldId id="1470" r:id="rId30"/>
+    <p:sldId id="1474" r:id="rId31"/>
+    <p:sldId id="1475" r:id="rId32"/>
+    <p:sldId id="1560" r:id="rId33"/>
+    <p:sldId id="1488" r:id="rId34"/>
+    <p:sldId id="1494" r:id="rId35"/>
+    <p:sldId id="1476" r:id="rId36"/>
+    <p:sldId id="1478" r:id="rId37"/>
+    <p:sldId id="1479" r:id="rId38"/>
+    <p:sldId id="1480" r:id="rId39"/>
+    <p:sldId id="1471" r:id="rId40"/>
+    <p:sldId id="1498" r:id="rId41"/>
+    <p:sldId id="1499" r:id="rId42"/>
+    <p:sldId id="1500" r:id="rId43"/>
+    <p:sldId id="1501" r:id="rId44"/>
+    <p:sldId id="1502" r:id="rId45"/>
+    <p:sldId id="1503" r:id="rId46"/>
+    <p:sldId id="1504" r:id="rId47"/>
+    <p:sldId id="1512" r:id="rId48"/>
+    <p:sldId id="1505" r:id="rId49"/>
+    <p:sldId id="1561" r:id="rId50"/>
+    <p:sldId id="1507" r:id="rId51"/>
+    <p:sldId id="1508" r:id="rId52"/>
+    <p:sldId id="1509" r:id="rId53"/>
+    <p:sldId id="1510" r:id="rId54"/>
+    <p:sldId id="1511" r:id="rId55"/>
+    <p:sldId id="1513" r:id="rId56"/>
+    <p:sldId id="1514" r:id="rId57"/>
+    <p:sldId id="1515" r:id="rId58"/>
+    <p:sldId id="1516" r:id="rId59"/>
+    <p:sldId id="1517" r:id="rId60"/>
+    <p:sldId id="1518" r:id="rId61"/>
+    <p:sldId id="1519" r:id="rId62"/>
+    <p:sldId id="1520" r:id="rId63"/>
+    <p:sldId id="1521" r:id="rId64"/>
+    <p:sldId id="1522" r:id="rId65"/>
+    <p:sldId id="1523" r:id="rId66"/>
+    <p:sldId id="1524" r:id="rId67"/>
+    <p:sldId id="1525" r:id="rId68"/>
+    <p:sldId id="1526" r:id="rId69"/>
+    <p:sldId id="1527" r:id="rId70"/>
+    <p:sldId id="1528" r:id="rId71"/>
+    <p:sldId id="1529" r:id="rId72"/>
+    <p:sldId id="1563" r:id="rId73"/>
+    <p:sldId id="1531" r:id="rId74"/>
+    <p:sldId id="1532" r:id="rId75"/>
+    <p:sldId id="1564" r:id="rId76"/>
+    <p:sldId id="1533" r:id="rId77"/>
+    <p:sldId id="1534" r:id="rId78"/>
+    <p:sldId id="1535" r:id="rId79"/>
+    <p:sldId id="1536" r:id="rId80"/>
+    <p:sldId id="1537" r:id="rId81"/>
+    <p:sldId id="1538" r:id="rId82"/>
+    <p:sldId id="1562" r:id="rId83"/>
+    <p:sldId id="1540" r:id="rId84"/>
+    <p:sldId id="1541" r:id="rId85"/>
+    <p:sldId id="1542" r:id="rId86"/>
+    <p:sldId id="1544" r:id="rId87"/>
+    <p:sldId id="1545" r:id="rId88"/>
+    <p:sldId id="1546" r:id="rId89"/>
+    <p:sldId id="1547" r:id="rId90"/>
+    <p:sldId id="1548" r:id="rId91"/>
+    <p:sldId id="1549" r:id="rId92"/>
+    <p:sldId id="1551" r:id="rId93"/>
+    <p:sldId id="1552" r:id="rId94"/>
+    <p:sldId id="1565" r:id="rId95"/>
+    <p:sldId id="1566" r:id="rId96"/>
+    <p:sldId id="1567" r:id="rId97"/>
+    <p:sldId id="1568" r:id="rId98"/>
+    <p:sldId id="1569" r:id="rId99"/>
+    <p:sldId id="1570" r:id="rId100"/>
+    <p:sldId id="1571" r:id="rId101"/>
+    <p:sldId id="1417" r:id="rId102"/>
+    <p:sldId id="1418" r:id="rId103"/>
   </p:sldIdLst>
   <p:sldSz cx="12188825" cy="6858000"/>
   <p:notesSz cx="7086600" cy="9372600"/>
@@ -1390,8 +1400,8 @@
   </dgm:ptLst>
   <dgm:cxnLst>
     <dgm:cxn modelId="{8550A028-DBE0-4509-8EBA-FF2670BEB209}" srcId="{3DACF297-5310-45A0-A3A6-565C1FF8EA6C}" destId="{216489DD-1295-42FE-9259-277E9CCC362F}" srcOrd="0" destOrd="0" parTransId="{1D433916-A002-4778-B48D-9DDD70A115C7}" sibTransId="{4851FB91-2FBB-4F8A-93B7-0A093DB4D683}"/>
+    <dgm:cxn modelId="{A3000F35-8275-4336-A82F-6BCBDA6444ED}" srcId="{3DACF297-5310-45A0-A3A6-565C1FF8EA6C}" destId="{D4879109-1274-4907-AD12-68D7E14A75B6}" srcOrd="1" destOrd="0" parTransId="{F972065F-F7DD-400A-B75F-BED682691CFE}" sibTransId="{04C21E68-B319-406C-9002-25A178F24478}"/>
     <dgm:cxn modelId="{4AC00209-014F-407C-B24F-893209C03251}" srcId="{2C0D2936-777E-4462-91B0-BF17C8D984B7}" destId="{DD3693BF-5BC7-4D55-89BB-9299761E946F}" srcOrd="1" destOrd="0" parTransId="{F941A24A-D8DC-4663-BE5C-352F9BCBFF60}" sibTransId="{79028361-ED90-423C-B571-0E83E3A82E55}"/>
-    <dgm:cxn modelId="{A3000F35-8275-4336-A82F-6BCBDA6444ED}" srcId="{3DACF297-5310-45A0-A3A6-565C1FF8EA6C}" destId="{D4879109-1274-4907-AD12-68D7E14A75B6}" srcOrd="1" destOrd="0" parTransId="{F972065F-F7DD-400A-B75F-BED682691CFE}" sibTransId="{04C21E68-B319-406C-9002-25A178F24478}"/>
     <dgm:cxn modelId="{07984D59-0746-4103-8827-F02AA3FBD227}" type="presOf" srcId="{D4879109-1274-4907-AD12-68D7E14A75B6}" destId="{BF6E078A-929A-40EC-B13E-4F5DD3D77741}" srcOrd="0" destOrd="2" presId="urn:microsoft.com/office/officeart/2005/8/layout/hProcess9"/>
     <dgm:cxn modelId="{1AB3576F-59CA-4E84-BA4E-F163CAE56C0D}" type="presOf" srcId="{E5F77C07-D3D6-4EB8-97AF-AC07C923E65D}" destId="{56BB8D5B-54FE-4F9F-AA61-A715B9428C6B}" srcOrd="0" destOrd="3" presId="urn:microsoft.com/office/officeart/2005/8/layout/hProcess9"/>
     <dgm:cxn modelId="{A46E6612-9901-4293-93BC-8309175F27B3}" type="presOf" srcId="{3DACF297-5310-45A0-A3A6-565C1FF8EA6C}" destId="{BF6E078A-929A-40EC-B13E-4F5DD3D77741}" srcOrd="0" destOrd="0" presId="urn:microsoft.com/office/officeart/2005/8/layout/hProcess9"/>
@@ -2989,7 +2999,7 @@
           <a:p>
             <a:fld id="{DE219B1A-AE41-483B-A766-69B9363DDA6A}" type="datetimeFigureOut">
               <a:rPr lang="en-US" smtClean="0"/>
-              <a:t>4/8/2016</a:t>
+              <a:t>11/22/2016</a:t>
             </a:fld>
             <a:endParaRPr lang="en-US"/>
           </a:p>
@@ -3198,7 +3208,7 @@
           <a:p>
             <a:fld id="{D51B1278-D92B-4AF3-A9C1-71DD298190CE}" type="datetimeFigureOut">
               <a:rPr lang="en-US" smtClean="0"/>
-              <a:t>4/8/2016</a:t>
+              <a:t>11/22/2016</a:t>
             </a:fld>
             <a:endParaRPr lang="en-US"/>
           </a:p>
@@ -3641,7 +3651,7 @@
                 </a:solidFill>
               </a:rPr>
               <a:pPr/>
-              <a:t>4/8/2016</a:t>
+              <a:t>11/22/2016</a:t>
             </a:fld>
             <a:endParaRPr lang="en-US" dirty="0">
               <a:solidFill>
@@ -3955,7 +3965,7 @@
           <a:p>
             <a:fld id="{59D60AD9-3E85-41DF-99CB-B9873EE0A778}" type="datetime1">
               <a:rPr lang="en-US" smtClean="0"/>
-              <a:t>4/8/2016</a:t>
+              <a:t>11/22/2016</a:t>
             </a:fld>
             <a:endParaRPr lang="en-US"/>
           </a:p>
@@ -4225,7 +4235,7 @@
           <a:p>
             <a:fld id="{D23A6FA6-4DB3-4DBD-BC02-3E825058E62E}" type="datetime1">
               <a:rPr lang="en-US" smtClean="0"/>
-              <a:t>4/8/2016</a:t>
+              <a:t>11/22/2016</a:t>
             </a:fld>
             <a:endParaRPr lang="en-US"/>
           </a:p>
@@ -4248,7 +4258,7 @@
           <a:p>
             <a:fld id="{B4008EB6-D09E-4580-8CD6-DDB14511944F}" type="slidenum">
               <a:rPr lang="en-US" smtClean="0"/>
-              <a:t>17</a:t>
+              <a:t>18</a:t>
             </a:fld>
             <a:endParaRPr lang="en-US" dirty="0"/>
           </a:p>
@@ -4543,7 +4553,7 @@
                 <a:tabLst/>
                 <a:defRPr/>
               </a:pPr>
-              <a:t>4/8/2016</a:t>
+              <a:t>11/22/2016</a:t>
             </a:fld>
             <a:endParaRPr kumimoji="0" lang="en-US" sz="1800" b="0" i="0" u="none" strike="noStrike" kern="0" cap="none" spc="0" normalizeH="0" baseline="0" noProof="0">
               <a:ln>
@@ -4620,7 +4630,7 @@
                 <a:tabLst/>
                 <a:defRPr/>
               </a:pPr>
-              <a:t>59</a:t>
+              <a:t>67</a:t>
             </a:fld>
             <a:endParaRPr kumimoji="0" lang="en-US" sz="1800" b="0" i="0" u="none" strike="noStrike" kern="0" cap="none" spc="0" normalizeH="0" baseline="0" noProof="0" dirty="0">
               <a:ln>
@@ -5062,7 +5072,7 @@
                 <a:tabLst/>
                 <a:defRPr/>
               </a:pPr>
-              <a:t>4/8/2016</a:t>
+              <a:t>11/22/2016</a:t>
             </a:fld>
             <a:endParaRPr kumimoji="0" lang="en-US" sz="1800" b="0" i="0" u="none" strike="noStrike" kern="0" cap="none" spc="0" normalizeH="0" baseline="0" noProof="0">
               <a:ln>
@@ -5139,7 +5149,7 @@
                 <a:tabLst/>
                 <a:defRPr/>
               </a:pPr>
-              <a:t>62</a:t>
+              <a:t>70</a:t>
             </a:fld>
             <a:endParaRPr kumimoji="0" lang="en-US" sz="1800" b="0" i="0" u="none" strike="noStrike" kern="0" cap="none" spc="0" normalizeH="0" baseline="0" noProof="0" dirty="0">
               <a:ln>
@@ -5514,7 +5524,7 @@
                 <a:tabLst/>
                 <a:defRPr/>
               </a:pPr>
-              <a:t>4/8/2016</a:t>
+              <a:t>11/22/2016</a:t>
             </a:fld>
             <a:endParaRPr kumimoji="0" lang="en-US" sz="1800" b="0" i="0" u="none" strike="noStrike" kern="0" cap="none" spc="0" normalizeH="0" baseline="0" noProof="0">
               <a:ln>
@@ -5591,7 +5601,7 @@
                 <a:tabLst/>
                 <a:defRPr/>
               </a:pPr>
-              <a:t>66</a:t>
+              <a:t>75</a:t>
             </a:fld>
             <a:endParaRPr kumimoji="0" lang="en-US" sz="1800" b="0" i="0" u="none" strike="noStrike" kern="0" cap="none" spc="0" normalizeH="0" baseline="0" noProof="0" dirty="0">
               <a:ln>
@@ -19232,6 +19242,289 @@
       </p:grpSpPr>
       <p:sp>
         <p:nvSpPr>
+          <p:cNvPr id="2" name="Title 1"/>
+          <p:cNvSpPr>
+            <a:spLocks noGrp="1"/>
+          </p:cNvSpPr>
+          <p:nvPr>
+            <p:ph type="title"/>
+          </p:nvPr>
+        </p:nvSpPr>
+        <p:spPr>
+          <a:xfrm>
+            <a:off x="519112" y="228600"/>
+            <a:ext cx="11446916" cy="747897"/>
+          </a:xfrm>
+        </p:spPr>
+        <p:txBody>
+          <a:bodyPr/>
+          <a:lstStyle/>
+          <a:p>
+            <a:r>
+              <a:rPr lang="en-US" dirty="0"/>
+              <a:t>Potential problematic forms by root cause</a:t>
+            </a:r>
+            <a:endParaRPr lang="nl-BE" dirty="0"/>
+          </a:p>
+        </p:txBody>
+      </p:sp>
+      <p:sp>
+        <p:nvSpPr>
+          <p:cNvPr id="4" name="Rectangle 3"/>
+          <p:cNvSpPr/>
+          <p:nvPr/>
+        </p:nvSpPr>
+        <p:spPr bwMode="auto">
+          <a:xfrm>
+            <a:off x="519112" y="4749570"/>
+            <a:ext cx="7714995" cy="1042738"/>
+          </a:xfrm>
+          <a:prstGeom prst="rect">
+            <a:avLst/>
+          </a:prstGeom>
+          <a:ln>
+            <a:headEnd type="none" w="med" len="med"/>
+            <a:tailEnd type="none" w="med" len="med"/>
+          </a:ln>
+        </p:spPr>
+        <p:style>
+          <a:lnRef idx="2">
+            <a:schemeClr val="accent6">
+              <a:shade val="50000"/>
+            </a:schemeClr>
+          </a:lnRef>
+          <a:fillRef idx="1">
+            <a:schemeClr val="accent6"/>
+          </a:fillRef>
+          <a:effectRef idx="0">
+            <a:schemeClr val="accent6"/>
+          </a:effectRef>
+          <a:fontRef idx="minor">
+            <a:schemeClr val="lt1"/>
+          </a:fontRef>
+        </p:style>
+        <p:txBody>
+          <a:bodyPr rot="0" spcFirstLastPara="0" vertOverflow="overflow" horzOverflow="overflow" vert="horz" wrap="square" lIns="45720" tIns="45720" rIns="45720" bIns="45720" numCol="1" spcCol="0" rtlCol="0" fromWordArt="0" anchor="ctr" anchorCtr="0" forceAA="0" compatLnSpc="1">
+            <a:prstTxWarp prst="textNoShape">
+              <a:avLst/>
+            </a:prstTxWarp>
+            <a:noAutofit/>
+          </a:bodyPr>
+          <a:lstStyle/>
+          <a:p>
+            <a:pPr defTabSz="914099" fontAlgn="base">
+              <a:spcBef>
+                <a:spcPct val="0"/>
+              </a:spcBef>
+              <a:spcAft>
+                <a:spcPct val="0"/>
+              </a:spcAft>
+            </a:pPr>
+            <a:r>
+              <a:rPr lang="en-US" sz="2200" dirty="0">
+                <a:gradFill>
+                  <a:gsLst>
+                    <a:gs pos="0">
+                      <a:srgbClr val="FFFFFF"/>
+                    </a:gs>
+                    <a:gs pos="100000">
+                      <a:srgbClr val="FFFFFF"/>
+                    </a:gs>
+                  </a:gsLst>
+                  <a:lin ang="5400000" scaled="0"/>
+                </a:gradFill>
+                <a:ea typeface="Segoe UI" pitchFamily="34" charset="0"/>
+                <a:cs typeface="Segoe UI" pitchFamily="34" charset="0"/>
+              </a:rPr>
+              <a:t>317 of 415 forms have managed code (76%)</a:t>
+            </a:r>
+          </a:p>
+          <a:p>
+            <a:pPr defTabSz="914099" fontAlgn="base">
+              <a:spcBef>
+                <a:spcPct val="0"/>
+              </a:spcBef>
+              <a:spcAft>
+                <a:spcPct val="0"/>
+              </a:spcAft>
+            </a:pPr>
+            <a:r>
+              <a:rPr lang="en-US" sz="2200" dirty="0">
+                <a:gradFill>
+                  <a:gsLst>
+                    <a:gs pos="0">
+                      <a:srgbClr val="FFFFFF"/>
+                    </a:gs>
+                    <a:gs pos="100000">
+                      <a:srgbClr val="FFFFFF"/>
+                    </a:gs>
+                  </a:gsLst>
+                  <a:lin ang="5400000" scaled="0"/>
+                </a:gradFill>
+                <a:ea typeface="Segoe UI" pitchFamily="34" charset="0"/>
+                <a:cs typeface="Segoe UI" pitchFamily="34" charset="0"/>
+              </a:rPr>
+              <a:t>44 of 415 forms have unsupported soap calls (11%)</a:t>
+            </a:r>
+          </a:p>
+          <a:p>
+            <a:pPr defTabSz="914099" fontAlgn="base">
+              <a:spcBef>
+                <a:spcPct val="0"/>
+              </a:spcBef>
+              <a:spcAft>
+                <a:spcPct val="0"/>
+              </a:spcAft>
+            </a:pPr>
+            <a:r>
+              <a:rPr lang="en-US" sz="2200" dirty="0">
+                <a:gradFill>
+                  <a:gsLst>
+                    <a:gs pos="0">
+                      <a:srgbClr val="FFFFFF"/>
+                    </a:gs>
+                    <a:gs pos="100000">
+                      <a:srgbClr val="FFFFFF"/>
+                    </a:gs>
+                  </a:gsLst>
+                  <a:lin ang="5400000" scaled="0"/>
+                </a:gradFill>
+                <a:ea typeface="Segoe UI" pitchFamily="34" charset="0"/>
+                <a:cs typeface="Segoe UI" pitchFamily="34" charset="0"/>
+              </a:rPr>
+              <a:t>60 of 415 forms have unsupported data connections (14%)</a:t>
+            </a:r>
+            <a:endParaRPr lang="nl-BE" sz="2200" dirty="0">
+              <a:gradFill>
+                <a:gsLst>
+                  <a:gs pos="0">
+                    <a:srgbClr val="FFFFFF"/>
+                  </a:gs>
+                  <a:gs pos="100000">
+                    <a:srgbClr val="FFFFFF"/>
+                  </a:gs>
+                </a:gsLst>
+                <a:lin ang="5400000" scaled="0"/>
+              </a:gradFill>
+              <a:ea typeface="Segoe UI" pitchFamily="34" charset="0"/>
+              <a:cs typeface="Segoe UI" pitchFamily="34" charset="0"/>
+            </a:endParaRPr>
+          </a:p>
+        </p:txBody>
+      </p:sp>
+      <p:sp>
+        <p:nvSpPr>
+          <p:cNvPr id="6" name="TextBox 5"/>
+          <p:cNvSpPr txBox="1"/>
+          <p:nvPr/>
+        </p:nvSpPr>
+        <p:spPr>
+          <a:xfrm>
+            <a:off x="526995" y="5856888"/>
+            <a:ext cx="9222268" cy="215444"/>
+          </a:xfrm>
+          <a:prstGeom prst="rect">
+            <a:avLst/>
+          </a:prstGeom>
+          <a:noFill/>
+        </p:spPr>
+        <p:txBody>
+          <a:bodyPr wrap="none" lIns="0" tIns="0" rIns="0" bIns="0" rtlCol="0">
+            <a:spAutoFit/>
+          </a:bodyPr>
+          <a:lstStyle/>
+          <a:p>
+            <a:r>
+              <a:rPr lang="en-US" sz="1400" i="1" spc="-70" dirty="0">
+                <a:gradFill>
+                  <a:gsLst>
+                    <a:gs pos="2917">
+                      <a:schemeClr val="bg2"/>
+                    </a:gs>
+                    <a:gs pos="95000">
+                      <a:schemeClr val="bg2"/>
+                    </a:gs>
+                  </a:gsLst>
+                  <a:lin ang="5400000" scaled="0"/>
+                </a:gradFill>
+              </a:rPr>
+              <a:t>Note: there are a few forms that have a combination of managed code, unsupported soap calls and unsupported data connections</a:t>
+            </a:r>
+            <a:endParaRPr lang="nl-BE" sz="1400" i="1" spc="-70" dirty="0">
+              <a:gradFill>
+                <a:gsLst>
+                  <a:gs pos="2917">
+                    <a:schemeClr val="bg2"/>
+                  </a:gs>
+                  <a:gs pos="95000">
+                    <a:schemeClr val="bg2"/>
+                  </a:gs>
+                </a:gsLst>
+                <a:lin ang="5400000" scaled="0"/>
+              </a:gradFill>
+            </a:endParaRPr>
+          </a:p>
+        </p:txBody>
+      </p:sp>
+      <p:pic>
+        <p:nvPicPr>
+          <p:cNvPr id="3" name="Picture 2"/>
+          <p:cNvPicPr>
+            <a:picLocks noChangeAspect="1"/>
+          </p:cNvPicPr>
+          <p:nvPr/>
+        </p:nvPicPr>
+        <p:blipFill>
+          <a:blip r:embed="rId2"/>
+          <a:stretch>
+            <a:fillRect/>
+          </a:stretch>
+        </p:blipFill>
+        <p:spPr>
+          <a:xfrm>
+            <a:off x="526995" y="1290129"/>
+            <a:ext cx="8144962" cy="3145809"/>
+          </a:xfrm>
+          <a:prstGeom prst="rect">
+            <a:avLst/>
+          </a:prstGeom>
+        </p:spPr>
+      </p:pic>
+    </p:spTree>
+    <p:extLst>
+      <p:ext uri="{BB962C8B-B14F-4D97-AF65-F5344CB8AC3E}">
+        <p14:creationId xmlns:p14="http://schemas.microsoft.com/office/powerpoint/2010/main" val="3075152644"/>
+      </p:ext>
+    </p:extLst>
+  </p:cSld>
+  <p:clrMapOvr>
+    <a:masterClrMapping/>
+  </p:clrMapOvr>
+  <p:transition>
+    <p:fade/>
+  </p:transition>
+</p:sld>
+</file>
+
+<file path=ppt/slides/slide12.xml><?xml version="1.0" encoding="utf-8"?>
+<p:sld xmlns:a="http://schemas.openxmlformats.org/drawingml/2006/main" xmlns:r="http://schemas.openxmlformats.org/officeDocument/2006/relationships" xmlns:p="http://schemas.openxmlformats.org/presentationml/2006/main">
+  <p:cSld>
+    <p:spTree>
+      <p:nvGrpSpPr>
+        <p:cNvPr id="1" name=""/>
+        <p:cNvGrpSpPr/>
+        <p:nvPr/>
+      </p:nvGrpSpPr>
+      <p:grpSpPr>
+        <a:xfrm>
+          <a:off x="0" y="0"/>
+          <a:ext cx="0" cy="0"/>
+          <a:chOff x="0" y="0"/>
+          <a:chExt cx="0" cy="0"/>
+        </a:xfrm>
+      </p:grpSpPr>
+      <p:sp>
+        <p:nvSpPr>
           <p:cNvPr id="4" name="Title 3"/>
           <p:cNvSpPr>
             <a:spLocks noGrp="1"/>
@@ -19268,7 +19561,7 @@
 </p:sld>
 </file>
 
-<file path=ppt/slides/slide12.xml><?xml version="1.0" encoding="utf-8"?>
+<file path=ppt/slides/slide13.xml><?xml version="1.0" encoding="utf-8"?>
 <p:sld xmlns:a="http://schemas.openxmlformats.org/drawingml/2006/main" xmlns:r="http://schemas.openxmlformats.org/officeDocument/2006/relationships" xmlns:p="http://schemas.openxmlformats.org/presentationml/2006/main">
   <p:cSld>
     <p:spTree>
@@ -20632,7 +20925,7 @@
                 <a:ea typeface="Segoe UI" pitchFamily="34" charset="0"/>
                 <a:cs typeface="Segoe UI" pitchFamily="34" charset="0"/>
               </a:rPr>
-              <a:t>Azure Power Apps </a:t>
+              <a:t>Azure Power Apps (*)</a:t>
             </a:r>
             <a:endParaRPr lang="nl-BE" sz="2200" dirty="0">
               <a:gradFill>
@@ -21256,6 +21549,47 @@
           </a:p>
         </p:txBody>
       </p:sp>
+      <p:sp>
+        <p:nvSpPr>
+          <p:cNvPr id="5" name="TextBox 4"/>
+          <p:cNvSpPr txBox="1"/>
+          <p:nvPr/>
+        </p:nvSpPr>
+        <p:spPr>
+          <a:xfrm>
+            <a:off x="8589755" y="5888621"/>
+            <a:ext cx="1887248" cy="215444"/>
+          </a:xfrm>
+          <a:prstGeom prst="rect">
+            <a:avLst/>
+          </a:prstGeom>
+          <a:noFill/>
+        </p:spPr>
+        <p:txBody>
+          <a:bodyPr wrap="none" lIns="0" tIns="0" rIns="0" bIns="0" rtlCol="0">
+            <a:spAutoFit/>
+          </a:bodyPr>
+          <a:lstStyle/>
+          <a:p>
+            <a:r>
+              <a:rPr lang="en-US" sz="1400" spc="-70" dirty="0">
+                <a:gradFill>
+                  <a:gsLst>
+                    <a:gs pos="2917">
+                      <a:schemeClr val="bg2"/>
+                    </a:gs>
+                    <a:gs pos="95000">
+                      <a:schemeClr val="bg2"/>
+                    </a:gs>
+                  </a:gsLst>
+                  <a:lin ang="5400000" scaled="0"/>
+                </a:gradFill>
+              </a:rPr>
+              <a:t>(*) Public preview: Q4 2015</a:t>
+            </a:r>
+          </a:p>
+        </p:txBody>
+      </p:sp>
       <p:cxnSp>
         <p:nvCxnSpPr>
           <p:cNvPr id="39" name="Straight Arrow Connector 38"/>
@@ -21312,7 +21646,7 @@
 </p:sld>
 </file>
 
-<file path=ppt/slides/slide13.xml><?xml version="1.0" encoding="utf-8"?>
+<file path=ppt/slides/slide14.xml><?xml version="1.0" encoding="utf-8"?>
 <p:sld xmlns:a="http://schemas.openxmlformats.org/drawingml/2006/main" xmlns:r="http://schemas.openxmlformats.org/officeDocument/2006/relationships" xmlns:p="http://schemas.openxmlformats.org/presentationml/2006/main">
   <p:cSld>
     <p:spTree>
@@ -21367,7 +21701,7 @@
 </p:sld>
 </file>
 
-<file path=ppt/slides/slide14.xml><?xml version="1.0" encoding="utf-8"?>
+<file path=ppt/slides/slide15.xml><?xml version="1.0" encoding="utf-8"?>
 <p:sld xmlns:a="http://schemas.openxmlformats.org/drawingml/2006/main" xmlns:r="http://schemas.openxmlformats.org/officeDocument/2006/relationships" xmlns:p="http://schemas.openxmlformats.org/presentationml/2006/main">
   <p:cSld>
     <p:spTree>
@@ -21424,24 +21758,31 @@
           <a:p>
             <a:r>
               <a:rPr lang="en-US" dirty="0"/>
-              <a:t>Data will be delivered in CSV format</a:t>
+              <a:t>Data will be delivered in Excel format</a:t>
             </a:r>
           </a:p>
           <a:p>
             <a:r>
               <a:rPr lang="en-US" dirty="0"/>
-              <a:t>We’ll deliver the following files:</a:t>
+              <a:t>Excel sheet contains 4 sheets:</a:t>
             </a:r>
           </a:p>
           <a:p>
             <a:pPr lvl="1"/>
             <a:r>
-              <a:rPr lang="en-US" b="1" dirty="0" err="1"/>
-              <a:t>InfoPathForms</a:t>
-            </a:r>
-            <a:r>
               <a:rPr lang="en-US" b="1" dirty="0"/>
-              <a:t>_&lt;date&gt;</a:t>
+              <a:t>Dashboard</a:t>
+            </a:r>
+            <a:r>
+              <a:rPr lang="en-US" dirty="0"/>
+              <a:t> = a set of Pivot charts providing insight in which types of problematic forms there are</a:t>
+            </a:r>
+          </a:p>
+          <a:p>
+            <a:pPr lvl="1"/>
+            <a:r>
+              <a:rPr lang="en-US" b="1" dirty="0"/>
+              <a:t>Forms</a:t>
             </a:r>
             <a:r>
               <a:rPr lang="en-US" dirty="0"/>
@@ -21451,12 +21792,8 @@
           <a:p>
             <a:pPr lvl="1"/>
             <a:r>
-              <a:rPr lang="en-US" b="1" dirty="0" err="1"/>
-              <a:t>InfoPathFormsUsage</a:t>
-            </a:r>
-            <a:r>
               <a:rPr lang="en-US" b="1" dirty="0"/>
-              <a:t>_&lt;date&gt;</a:t>
+              <a:t>Usage</a:t>
             </a:r>
             <a:r>
               <a:rPr lang="en-US" dirty="0"/>
@@ -21466,142 +21803,14 @@
           <a:p>
             <a:pPr lvl="1"/>
             <a:r>
-              <a:rPr lang="en-US" b="1" dirty="0" err="1"/>
-              <a:t>UDCXReport</a:t>
+              <a:rPr lang="en-US" b="1" dirty="0"/>
+              <a:t>Code</a:t>
             </a:r>
             <a:r>
               <a:rPr lang="en-US" dirty="0"/>
-              <a:t> = contains a list of all UDCX files in the farm</a:t>
+              <a:t> = contains the code analysis feedback in case a form variation was analyzed</a:t>
             </a:r>
             <a:endParaRPr lang="nl-BE" dirty="0"/>
-          </a:p>
-        </p:txBody>
-      </p:sp>
-      <p:sp>
-        <p:nvSpPr>
-          <p:cNvPr id="4" name="Rectangle 3"/>
-          <p:cNvSpPr/>
-          <p:nvPr/>
-        </p:nvSpPr>
-        <p:spPr bwMode="auto">
-          <a:xfrm>
-            <a:off x="1039390" y="4340111"/>
-            <a:ext cx="4993019" cy="698957"/>
-          </a:xfrm>
-          <a:prstGeom prst="rect">
-            <a:avLst/>
-          </a:prstGeom>
-          <a:solidFill>
-            <a:schemeClr val="accent1"/>
-          </a:solidFill>
-          <a:ln>
-            <a:noFill/>
-            <a:headEnd type="none" w="med" len="med"/>
-            <a:tailEnd type="none" w="med" len="med"/>
-          </a:ln>
-          <a:effectLst/>
-        </p:spPr>
-        <p:style>
-          <a:lnRef idx="1">
-            <a:schemeClr val="accent2"/>
-          </a:lnRef>
-          <a:fillRef idx="3">
-            <a:schemeClr val="accent2"/>
-          </a:fillRef>
-          <a:effectRef idx="2">
-            <a:schemeClr val="accent2"/>
-          </a:effectRef>
-          <a:fontRef idx="minor">
-            <a:schemeClr val="lt1"/>
-          </a:fontRef>
-        </p:style>
-        <p:txBody>
-          <a:bodyPr rot="0" spcFirstLastPara="0" vertOverflow="overflow" horzOverflow="overflow" vert="horz" wrap="square" lIns="45720" tIns="45720" rIns="45720" bIns="45720" numCol="1" spcCol="0" rtlCol="0" fromWordArt="0" anchor="ctr" anchorCtr="0" forceAA="0" compatLnSpc="1">
-            <a:prstTxWarp prst="textNoShape">
-              <a:avLst/>
-            </a:prstTxWarp>
-            <a:noAutofit/>
-          </a:bodyPr>
-          <a:lstStyle/>
-          <a:p>
-            <a:pPr algn="ctr" defTabSz="914099" fontAlgn="base">
-              <a:spcBef>
-                <a:spcPct val="0"/>
-              </a:spcBef>
-              <a:spcAft>
-                <a:spcPct val="0"/>
-              </a:spcAft>
-            </a:pPr>
-            <a:r>
-              <a:rPr lang="en-US" sz="2200" dirty="0">
-                <a:gradFill>
-                  <a:gsLst>
-                    <a:gs pos="0">
-                      <a:srgbClr val="FFFFFF"/>
-                    </a:gs>
-                    <a:gs pos="100000">
-                      <a:srgbClr val="FFFFFF"/>
-                    </a:gs>
-                  </a:gsLst>
-                  <a:lin ang="5400000" scaled="0"/>
-                </a:gradFill>
-                <a:ea typeface="Segoe UI" pitchFamily="34" charset="0"/>
-                <a:cs typeface="Segoe UI" pitchFamily="34" charset="0"/>
-              </a:rPr>
-              <a:t>See also the UDCX fixit tool in the </a:t>
-            </a:r>
-            <a:r>
-              <a:rPr lang="en-US" sz="2200" dirty="0">
-                <a:gradFill>
-                  <a:gsLst>
-                    <a:gs pos="0">
-                      <a:srgbClr val="FFFFFF"/>
-                    </a:gs>
-                    <a:gs pos="100000">
-                      <a:srgbClr val="FFFFFF"/>
-                    </a:gs>
-                  </a:gsLst>
-                  <a:lin ang="5400000" scaled="0"/>
-                </a:gradFill>
-                <a:ea typeface="Segoe UI" pitchFamily="34" charset="0"/>
-                <a:cs typeface="Segoe UI" pitchFamily="34" charset="0"/>
-                <a:hlinkClick r:id="rId2"/>
-              </a:rPr>
-              <a:t>PnP-Transformation</a:t>
-            </a:r>
-            <a:r>
-              <a:rPr lang="en-US" sz="2200" dirty="0">
-                <a:gradFill>
-                  <a:gsLst>
-                    <a:gs pos="0">
-                      <a:srgbClr val="FFFFFF"/>
-                    </a:gs>
-                    <a:gs pos="100000">
-                      <a:srgbClr val="FFFFFF"/>
-                    </a:gs>
-                  </a:gsLst>
-                  <a:lin ang="5400000" scaled="0"/>
-                </a:gradFill>
-                <a:ea typeface="Segoe UI" pitchFamily="34" charset="0"/>
-                <a:cs typeface="Segoe UI" pitchFamily="34" charset="0"/>
-              </a:rPr>
-              <a:t> repository</a:t>
-            </a:r>
-            <a:endParaRPr lang="nl-BE" sz="2200" dirty="0">
-              <a:gradFill>
-                <a:gsLst>
-                  <a:gs pos="0">
-                    <a:srgbClr val="FFFFFF"/>
-                  </a:gs>
-                  <a:gs pos="100000">
-                    <a:srgbClr val="FFFFFF"/>
-                  </a:gs>
-                </a:gsLst>
-                <a:lin ang="5400000" scaled="0"/>
-              </a:gradFill>
-              <a:ea typeface="Segoe UI" pitchFamily="34" charset="0"/>
-              <a:cs typeface="Segoe UI" pitchFamily="34" charset="0"/>
-            </a:endParaRPr>
           </a:p>
         </p:txBody>
       </p:sp>
@@ -21621,7 +21830,7 @@
 </p:sld>
 </file>
 
-<file path=ppt/slides/slide15.xml><?xml version="1.0" encoding="utf-8"?>
+<file path=ppt/slides/slide16.xml><?xml version="1.0" encoding="utf-8"?>
 <p:sld xmlns:a="http://schemas.openxmlformats.org/drawingml/2006/main" xmlns:r="http://schemas.openxmlformats.org/officeDocument/2006/relationships" xmlns:p="http://schemas.openxmlformats.org/presentationml/2006/main">
   <p:cSld>
     <p:spTree>
@@ -21984,7 +22193,7 @@
 </p:sld>
 </file>
 
-<file path=ppt/slides/slide16.xml><?xml version="1.0" encoding="utf-8"?>
+<file path=ppt/slides/slide17.xml><?xml version="1.0" encoding="utf-8"?>
 <p:sld xmlns:a="http://schemas.openxmlformats.org/drawingml/2006/main" xmlns:r="http://schemas.openxmlformats.org/officeDocument/2006/relationships" xmlns:p="http://schemas.openxmlformats.org/presentationml/2006/main">
   <p:cSld>
     <p:spTree>
@@ -22725,7 +22934,7 @@
 </p:sld>
 </file>
 
-<file path=ppt/slides/slide17.xml><?xml version="1.0" encoding="utf-8"?>
+<file path=ppt/slides/slide18.xml><?xml version="1.0" encoding="utf-8"?>
 <p:sld xmlns:a="http://schemas.openxmlformats.org/drawingml/2006/main" xmlns:r="http://schemas.openxmlformats.org/officeDocument/2006/relationships" xmlns:p="http://schemas.openxmlformats.org/presentationml/2006/main">
   <p:cSld>
     <p:spTree>
@@ -22774,14 +22983,14 @@
           <p:nvPr>
             <p:extLst>
               <p:ext uri="{D42A27DB-BD31-4B8C-83A1-F6EECF244321}">
-                <p14:modId xmlns:p14="http://schemas.microsoft.com/office/powerpoint/2010/main" val="3073614818"/>
+                <p14:modId xmlns:p14="http://schemas.microsoft.com/office/powerpoint/2010/main" val="2383055868"/>
               </p:ext>
             </p:extLst>
           </p:nvPr>
         </p:nvGraphicFramePr>
         <p:xfrm>
           <a:off x="590598" y="1025175"/>
-          <a:ext cx="11001039" cy="4861560"/>
+          <a:ext cx="11001039" cy="5603240"/>
         </p:xfrm>
         <a:graphic>
           <a:graphicData uri="http://schemas.openxmlformats.org/drawingml/2006/table">
@@ -23314,6 +23523,154 @@
                   </a:ext>
                 </a:extLst>
               </a:tr>
+              <a:tr h="370840">
+                <a:tc>
+                  <a:txBody>
+                    <a:bodyPr/>
+                    <a:lstStyle/>
+                    <a:p>
+                      <a:r>
+                        <a:rPr lang="en-US" dirty="0" err="1"/>
+                        <a:t>ItemCount</a:t>
+                      </a:r>
+                      <a:r>
+                        <a:rPr lang="en-US" baseline="0" dirty="0"/>
+                        <a:t> &gt; 100</a:t>
+                      </a:r>
+                      <a:endParaRPr lang="nl-BE" dirty="0"/>
+                    </a:p>
+                  </a:txBody>
+                  <a:tcPr/>
+                </a:tc>
+                <a:tc>
+                  <a:txBody>
+                    <a:bodyPr/>
+                    <a:lstStyle/>
+                    <a:p>
+                      <a:pPr marL="0" marR="0" indent="0" algn="l" defTabSz="914363" rtl="0" eaLnBrk="1" fontAlgn="auto" latinLnBrk="0" hangingPunct="1">
+                        <a:lnSpc>
+                          <a:spcPct val="100000"/>
+                        </a:lnSpc>
+                        <a:spcBef>
+                          <a:spcPts val="0"/>
+                        </a:spcBef>
+                        <a:spcAft>
+                          <a:spcPts val="0"/>
+                        </a:spcAft>
+                        <a:buClrTx/>
+                        <a:buSzTx/>
+                        <a:buFontTx/>
+                        <a:buNone/>
+                        <a:tabLst/>
+                        <a:defRPr/>
+                      </a:pPr>
+                      <a:r>
+                        <a:rPr lang="en-US" dirty="0"/>
+                        <a:t>Manual</a:t>
+                      </a:r>
+                      <a:r>
+                        <a:rPr lang="en-US" baseline="0" dirty="0"/>
+                        <a:t> data enrichment</a:t>
+                      </a:r>
+                      <a:endParaRPr lang="nl-BE" dirty="0"/>
+                    </a:p>
+                  </a:txBody>
+                  <a:tcPr/>
+                </a:tc>
+                <a:tc>
+                  <a:txBody>
+                    <a:bodyPr/>
+                    <a:lstStyle/>
+                    <a:p>
+                      <a:r>
+                        <a:rPr lang="en-US" dirty="0"/>
+                        <a:t>More than 100 list items (if available)</a:t>
+                      </a:r>
+                      <a:endParaRPr lang="nl-BE" dirty="0"/>
+                    </a:p>
+                  </a:txBody>
+                  <a:tcPr/>
+                </a:tc>
+                <a:extLst>
+                  <a:ext uri="{0D108BD9-81ED-4DB2-BD59-A6C34878D82A}">
+                    <a16:rowId xmlns:a16="http://schemas.microsoft.com/office/drawing/2014/main" val="1124266799"/>
+                  </a:ext>
+                </a:extLst>
+              </a:tr>
+              <a:tr h="370840">
+                <a:tc>
+                  <a:txBody>
+                    <a:bodyPr/>
+                    <a:lstStyle/>
+                    <a:p>
+                      <a:r>
+                        <a:rPr lang="en-US" dirty="0" err="1"/>
+                        <a:t>ItemCountStatus</a:t>
+                      </a:r>
+                      <a:endParaRPr lang="nl-BE" dirty="0"/>
+                    </a:p>
+                  </a:txBody>
+                  <a:tcPr/>
+                </a:tc>
+                <a:tc>
+                  <a:txBody>
+                    <a:bodyPr/>
+                    <a:lstStyle/>
+                    <a:p>
+                      <a:pPr marL="0" marR="0" indent="0" algn="l" defTabSz="914363" rtl="0" eaLnBrk="1" fontAlgn="auto" latinLnBrk="0" hangingPunct="1">
+                        <a:lnSpc>
+                          <a:spcPct val="100000"/>
+                        </a:lnSpc>
+                        <a:spcBef>
+                          <a:spcPts val="0"/>
+                        </a:spcBef>
+                        <a:spcAft>
+                          <a:spcPts val="0"/>
+                        </a:spcAft>
+                        <a:buClrTx/>
+                        <a:buSzTx/>
+                        <a:buFontTx/>
+                        <a:buNone/>
+                        <a:tabLst/>
+                        <a:defRPr/>
+                      </a:pPr>
+                      <a:r>
+                        <a:rPr lang="en-US" dirty="0"/>
+                        <a:t>Manual</a:t>
+                      </a:r>
+                      <a:r>
+                        <a:rPr lang="en-US" baseline="0" dirty="0"/>
+                        <a:t> data enrichment</a:t>
+                      </a:r>
+                      <a:endParaRPr lang="nl-BE" dirty="0"/>
+                    </a:p>
+                  </a:txBody>
+                  <a:tcPr/>
+                </a:tc>
+                <a:tc>
+                  <a:txBody>
+                    <a:bodyPr/>
+                    <a:lstStyle/>
+                    <a:p>
+                      <a:r>
+                        <a:rPr lang="en-US" dirty="0"/>
+                        <a:t>Did we manage</a:t>
+                      </a:r>
+                      <a:r>
+                        <a:rPr lang="en-US" baseline="0" dirty="0"/>
+                        <a:t> to grab the items?</a:t>
+                      </a:r>
+                      <a:endParaRPr lang="nl-BE" dirty="0"/>
+                    </a:p>
+                  </a:txBody>
+                  <a:tcPr/>
+                </a:tc>
+                <a:extLst>
+                  <a:ext uri="{0D108BD9-81ED-4DB2-BD59-A6C34878D82A}">
+                    <a16:rowId xmlns:a16="http://schemas.microsoft.com/office/drawing/2014/main" val="80281985"/>
+                  </a:ext>
+                </a:extLst>
+              </a:tr>
             </a:tbl>
           </a:graphicData>
         </a:graphic>
@@ -23322,180 +23679,6 @@
     <p:extLst>
       <p:ext uri="{BB962C8B-B14F-4D97-AF65-F5344CB8AC3E}">
         <p14:creationId xmlns:p14="http://schemas.microsoft.com/office/powerpoint/2010/main" val="2953366674"/>
-      </p:ext>
-    </p:extLst>
-  </p:cSld>
-  <p:clrMapOvr>
-    <a:masterClrMapping/>
-  </p:clrMapOvr>
-  <p:transition>
-    <p:fade/>
-  </p:transition>
-</p:sld>
-</file>
-
-<file path=ppt/slides/slide18.xml><?xml version="1.0" encoding="utf-8"?>
-<p:sld xmlns:a="http://schemas.openxmlformats.org/drawingml/2006/main" xmlns:r="http://schemas.openxmlformats.org/officeDocument/2006/relationships" xmlns:p="http://schemas.openxmlformats.org/presentationml/2006/main">
-  <p:cSld>
-    <p:spTree>
-      <p:nvGrpSpPr>
-        <p:cNvPr id="1" name=""/>
-        <p:cNvGrpSpPr/>
-        <p:nvPr/>
-      </p:nvGrpSpPr>
-      <p:grpSpPr>
-        <a:xfrm>
-          <a:off x="0" y="0"/>
-          <a:ext cx="0" cy="0"/>
-          <a:chOff x="0" y="0"/>
-          <a:chExt cx="0" cy="0"/>
-        </a:xfrm>
-      </p:grpSpPr>
-      <p:sp>
-        <p:nvSpPr>
-          <p:cNvPr id="2" name="Title 1"/>
-          <p:cNvSpPr>
-            <a:spLocks noGrp="1"/>
-          </p:cNvSpPr>
-          <p:nvPr>
-            <p:ph type="title"/>
-          </p:nvPr>
-        </p:nvSpPr>
-        <p:spPr/>
-        <p:txBody>
-          <a:bodyPr/>
-          <a:lstStyle/>
-          <a:p>
-            <a:r>
-              <a:rPr lang="en-US" dirty="0"/>
-              <a:t>Managed code details</a:t>
-            </a:r>
-            <a:endParaRPr lang="nl-BE" dirty="0"/>
-          </a:p>
-        </p:txBody>
-      </p:sp>
-      <p:pic>
-        <p:nvPicPr>
-          <p:cNvPr id="3" name="Picture 2"/>
-          <p:cNvPicPr>
-            <a:picLocks noChangeAspect="1"/>
-          </p:cNvPicPr>
-          <p:nvPr/>
-        </p:nvPicPr>
-        <p:blipFill>
-          <a:blip r:embed="rId2"/>
-          <a:stretch>
-            <a:fillRect/>
-          </a:stretch>
-        </p:blipFill>
-        <p:spPr>
-          <a:xfrm>
-            <a:off x="1343333" y="1165067"/>
-            <a:ext cx="8364084" cy="5076101"/>
-          </a:xfrm>
-          <a:prstGeom prst="rect">
-            <a:avLst/>
-          </a:prstGeom>
-        </p:spPr>
-      </p:pic>
-      <p:sp>
-        <p:nvSpPr>
-          <p:cNvPr id="5" name="Rectangular Callout 4"/>
-          <p:cNvSpPr/>
-          <p:nvPr/>
-        </p:nvSpPr>
-        <p:spPr bwMode="auto">
-          <a:xfrm>
-            <a:off x="7906328" y="311480"/>
-            <a:ext cx="3879272" cy="1009320"/>
-          </a:xfrm>
-          <a:prstGeom prst="wedgeRectCallout">
-            <a:avLst>
-              <a:gd name="adj1" fmla="val -13862"/>
-              <a:gd name="adj2" fmla="val 120973"/>
-            </a:avLst>
-          </a:prstGeom>
-          <a:solidFill>
-            <a:schemeClr val="accent1"/>
-          </a:solidFill>
-          <a:ln>
-            <a:noFill/>
-            <a:headEnd type="none" w="med" len="med"/>
-            <a:tailEnd type="none" w="med" len="med"/>
-          </a:ln>
-          <a:effectLst/>
-        </p:spPr>
-        <p:style>
-          <a:lnRef idx="1">
-            <a:schemeClr val="accent2"/>
-          </a:lnRef>
-          <a:fillRef idx="3">
-            <a:schemeClr val="accent2"/>
-          </a:fillRef>
-          <a:effectRef idx="2">
-            <a:schemeClr val="accent2"/>
-          </a:effectRef>
-          <a:fontRef idx="minor">
-            <a:schemeClr val="lt1"/>
-          </a:fontRef>
-        </p:style>
-        <p:txBody>
-          <a:bodyPr rot="0" spcFirstLastPara="0" vertOverflow="overflow" horzOverflow="overflow" vert="horz" wrap="square" lIns="45720" tIns="45720" rIns="45720" bIns="45720" numCol="1" spcCol="0" rtlCol="0" fromWordArt="0" anchor="ctr" anchorCtr="0" forceAA="0" compatLnSpc="1">
-            <a:prstTxWarp prst="textNoShape">
-              <a:avLst/>
-            </a:prstTxWarp>
-            <a:noAutofit/>
-          </a:bodyPr>
-          <a:lstStyle/>
-          <a:p>
-            <a:pPr algn="ctr" defTabSz="914099" fontAlgn="base">
-              <a:spcBef>
-                <a:spcPct val="0"/>
-              </a:spcBef>
-              <a:spcAft>
-                <a:spcPct val="0"/>
-              </a:spcAft>
-            </a:pPr>
-            <a:r>
-              <a:rPr lang="en-US" sz="2200" dirty="0">
-                <a:gradFill>
-                  <a:gsLst>
-                    <a:gs pos="0">
-                      <a:srgbClr val="FFFFFF"/>
-                    </a:gs>
-                    <a:gs pos="100000">
-                      <a:srgbClr val="FFFFFF"/>
-                    </a:gs>
-                  </a:gsLst>
-                  <a:lin ang="5400000" scaled="0"/>
-                </a:gradFill>
-                <a:ea typeface="Segoe UI" pitchFamily="34" charset="0"/>
-                <a:cs typeface="Segoe UI" pitchFamily="34" charset="0"/>
-              </a:rPr>
-              <a:t>See upcoming slides for more details on how to test</a:t>
-            </a:r>
-            <a:endParaRPr lang="nl-BE" sz="2200" dirty="0">
-              <a:gradFill>
-                <a:gsLst>
-                  <a:gs pos="0">
-                    <a:srgbClr val="FFFFFF"/>
-                  </a:gs>
-                  <a:gs pos="100000">
-                    <a:srgbClr val="FFFFFF"/>
-                  </a:gs>
-                </a:gsLst>
-                <a:lin ang="5400000" scaled="0"/>
-              </a:gradFill>
-              <a:ea typeface="Segoe UI" pitchFamily="34" charset="0"/>
-              <a:cs typeface="Segoe UI" pitchFamily="34" charset="0"/>
-            </a:endParaRPr>
-          </a:p>
-        </p:txBody>
-      </p:sp>
-    </p:spTree>
-    <p:extLst>
-      <p:ext uri="{BB962C8B-B14F-4D97-AF65-F5344CB8AC3E}">
-        <p14:creationId xmlns:p14="http://schemas.microsoft.com/office/powerpoint/2010/main" val="733219109"/>
       </p:ext>
     </p:extLst>
   </p:cSld>
@@ -23542,163 +23725,405 @@
           <a:p>
             <a:r>
               <a:rPr lang="en-US" dirty="0"/>
-              <a:t>InfoPath versus Sandboxed solutions</a:t>
+              <a:t>Code columns</a:t>
             </a:r>
             <a:endParaRPr lang="nl-BE" dirty="0"/>
           </a:p>
         </p:txBody>
       </p:sp>
-      <p:sp>
-        <p:nvSpPr>
-          <p:cNvPr id="3" name="Text Placeholder 2"/>
-          <p:cNvSpPr>
-            <a:spLocks noGrp="1"/>
-          </p:cNvSpPr>
+      <p:graphicFrame>
+        <p:nvGraphicFramePr>
+          <p:cNvPr id="3" name="Table 2"/>
+          <p:cNvGraphicFramePr>
+            <a:graphicFrameLocks noGrp="1"/>
+          </p:cNvGraphicFramePr>
           <p:nvPr>
-            <p:ph type="body" sz="quarter" idx="10"/>
+            <p:extLst>
+              <p:ext uri="{D42A27DB-BD31-4B8C-83A1-F6EECF244321}">
+                <p14:modId xmlns:p14="http://schemas.microsoft.com/office/powerpoint/2010/main" val="3158008295"/>
+              </p:ext>
+            </p:extLst>
           </p:nvPr>
-        </p:nvSpPr>
-        <p:spPr/>
-        <p:txBody>
-          <a:bodyPr/>
-          <a:lstStyle/>
-          <a:p>
-            <a:r>
-              <a:rPr lang="en-US" sz="3600" dirty="0"/>
-              <a:t>Forms with code behind typically use sandboxed solutions</a:t>
-            </a:r>
-          </a:p>
-          <a:p>
-            <a:pPr lvl="1"/>
-            <a:r>
-              <a:rPr lang="en-US" sz="2000" dirty="0"/>
-              <a:t>Sandboxed solutions with code behind are deprecated: </a:t>
-            </a:r>
-            <a:r>
-              <a:rPr lang="en-US" sz="2000" dirty="0">
-                <a:hlinkClick r:id="rId2"/>
-              </a:rPr>
-              <a:t>http://blogs.msdn.com/b/sharepointdev/archive/2014/01/14/deprecation-of-custom-code-in-sandboxed-solutions.aspx</a:t>
-            </a:r>
-            <a:r>
-              <a:rPr lang="en-US" sz="2000" dirty="0"/>
-              <a:t> </a:t>
-            </a:r>
-            <a:endParaRPr lang="nl-BE" sz="2000" dirty="0"/>
-          </a:p>
-          <a:p>
-            <a:pPr lvl="1"/>
-            <a:r>
-              <a:rPr lang="en-US" sz="2000" dirty="0"/>
-              <a:t>Minimize usage of sandboxed solutions with code:</a:t>
-            </a:r>
-          </a:p>
-          <a:p>
-            <a:pPr lvl="2"/>
-            <a:r>
-              <a:rPr lang="en-US" sz="2000" dirty="0">
-                <a:solidFill>
-                  <a:srgbClr val="FF0000"/>
-                </a:solidFill>
-              </a:rPr>
-              <a:t>MUST</a:t>
-            </a:r>
-            <a:r>
-              <a:rPr lang="en-US" sz="2000" dirty="0"/>
-              <a:t>: “Fix” forms with just “useless” code (e.g. empty event handlers)</a:t>
-            </a:r>
-          </a:p>
-          <a:p>
-            <a:pPr lvl="2"/>
-            <a:r>
-              <a:rPr lang="en-US" sz="2000" dirty="0">
-                <a:solidFill>
-                  <a:schemeClr val="accent2"/>
-                </a:solidFill>
-              </a:rPr>
-              <a:t>RECOMMENDED</a:t>
-            </a:r>
-            <a:r>
-              <a:rPr lang="en-US" sz="2000" dirty="0"/>
-              <a:t>: Plan remediation of the remaining forms with code behind, even if they work in </a:t>
-            </a:r>
-            <a:r>
-              <a:rPr lang="en-US" sz="2000" dirty="0" err="1"/>
-              <a:t>DvNext</a:t>
-            </a:r>
-            <a:r>
-              <a:rPr lang="en-US" sz="2000" dirty="0"/>
-              <a:t> / MT</a:t>
-            </a:r>
-          </a:p>
-          <a:p>
-            <a:pPr lvl="1"/>
-            <a:r>
-              <a:rPr lang="en-US" sz="2000" dirty="0"/>
-              <a:t>Sandboxed FTC proxies = FTC and as such not allowed in </a:t>
-            </a:r>
-            <a:r>
-              <a:rPr lang="en-US" sz="2000" dirty="0" err="1"/>
-              <a:t>DvNext</a:t>
-            </a:r>
-            <a:r>
-              <a:rPr lang="en-US" sz="2000" dirty="0"/>
-              <a:t>/MT</a:t>
-            </a:r>
-          </a:p>
-          <a:p>
-            <a:pPr lvl="2"/>
-            <a:r>
-              <a:rPr lang="en-US" sz="2000" dirty="0">
-                <a:solidFill>
-                  <a:srgbClr val="EB3C00"/>
-                </a:solidFill>
-              </a:rPr>
-              <a:t>MUST</a:t>
-            </a:r>
-            <a:r>
-              <a:rPr lang="en-US" sz="2000" dirty="0"/>
-              <a:t>: Remediate form to remove dependency on FTC proxy</a:t>
-            </a:r>
-          </a:p>
-          <a:p>
-            <a:r>
-              <a:rPr lang="en-US" sz="3600" dirty="0"/>
-              <a:t>No sandbox, but code behind = Administrator deployed forms</a:t>
-            </a:r>
-          </a:p>
-          <a:p>
-            <a:pPr lvl="1"/>
-            <a:r>
-              <a:rPr lang="en-US" sz="2000" dirty="0">
-                <a:solidFill>
-                  <a:srgbClr val="EB3C00"/>
-                </a:solidFill>
-              </a:rPr>
-              <a:t>MUST</a:t>
-            </a:r>
-            <a:r>
-              <a:rPr lang="en-US" sz="2000" dirty="0"/>
-              <a:t>: Remediation is required since these forms are not allowed in </a:t>
-            </a:r>
-            <a:r>
-              <a:rPr lang="en-US" sz="2000" dirty="0" err="1"/>
-              <a:t>DvNext</a:t>
-            </a:r>
-            <a:r>
-              <a:rPr lang="en-US" sz="2000" dirty="0"/>
-              <a:t>/MT</a:t>
-            </a:r>
-          </a:p>
-          <a:p>
-            <a:endParaRPr lang="nl-BE" sz="3600" dirty="0"/>
-          </a:p>
-        </p:txBody>
-      </p:sp>
+        </p:nvGraphicFramePr>
+        <p:xfrm>
+          <a:off x="590598" y="1154481"/>
+          <a:ext cx="11001039" cy="2936240"/>
+        </p:xfrm>
+        <a:graphic>
+          <a:graphicData uri="http://schemas.openxmlformats.org/drawingml/2006/table">
+            <a:tbl>
+              <a:tblPr firstRow="1" bandRow="1">
+                <a:tableStyleId>{5C22544A-7EE6-4342-B048-85BDC9FD1C3A}</a:tableStyleId>
+              </a:tblPr>
+              <a:tblGrid>
+                <a:gridCol w="1644602">
+                  <a:extLst>
+                    <a:ext uri="{9D8B030D-6E8A-4147-A177-3AD203B41FA5}">
+                      <a16:colId xmlns:a16="http://schemas.microsoft.com/office/drawing/2014/main" val="3595542135"/>
+                    </a:ext>
+                  </a:extLst>
+                </a:gridCol>
+                <a:gridCol w="4765964">
+                  <a:extLst>
+                    <a:ext uri="{9D8B030D-6E8A-4147-A177-3AD203B41FA5}">
+                      <a16:colId xmlns:a16="http://schemas.microsoft.com/office/drawing/2014/main" val="4010846236"/>
+                    </a:ext>
+                  </a:extLst>
+                </a:gridCol>
+                <a:gridCol w="4590473">
+                  <a:extLst>
+                    <a:ext uri="{9D8B030D-6E8A-4147-A177-3AD203B41FA5}">
+                      <a16:colId xmlns:a16="http://schemas.microsoft.com/office/drawing/2014/main" val="3389423868"/>
+                    </a:ext>
+                  </a:extLst>
+                </a:gridCol>
+              </a:tblGrid>
+              <a:tr h="370840">
+                <a:tc>
+                  <a:txBody>
+                    <a:bodyPr/>
+                    <a:lstStyle/>
+                    <a:p>
+                      <a:r>
+                        <a:rPr lang="en-US" dirty="0"/>
+                        <a:t>Name</a:t>
+                      </a:r>
+                      <a:endParaRPr lang="nl-BE" dirty="0"/>
+                    </a:p>
+                  </a:txBody>
+                  <a:tcPr/>
+                </a:tc>
+                <a:tc>
+                  <a:txBody>
+                    <a:bodyPr/>
+                    <a:lstStyle/>
+                    <a:p>
+                      <a:r>
+                        <a:rPr lang="en-US" dirty="0"/>
+                        <a:t>Source</a:t>
+                      </a:r>
+                      <a:endParaRPr lang="nl-BE" dirty="0"/>
+                    </a:p>
+                  </a:txBody>
+                  <a:tcPr/>
+                </a:tc>
+                <a:tc>
+                  <a:txBody>
+                    <a:bodyPr/>
+                    <a:lstStyle/>
+                    <a:p>
+                      <a:r>
+                        <a:rPr lang="en-US" dirty="0"/>
+                        <a:t>Notes</a:t>
+                      </a:r>
+                      <a:endParaRPr lang="nl-BE" dirty="0"/>
+                    </a:p>
+                  </a:txBody>
+                  <a:tcPr/>
+                </a:tc>
+                <a:extLst>
+                  <a:ext uri="{0D108BD9-81ED-4DB2-BD59-A6C34878D82A}">
+                    <a16:rowId xmlns:a16="http://schemas.microsoft.com/office/drawing/2014/main" val="456484741"/>
+                  </a:ext>
+                </a:extLst>
+              </a:tr>
+              <a:tr h="370840">
+                <a:tc>
+                  <a:txBody>
+                    <a:bodyPr/>
+                    <a:lstStyle/>
+                    <a:p>
+                      <a:r>
+                        <a:rPr lang="en-US" dirty="0"/>
+                        <a:t>Urn</a:t>
+                      </a:r>
+                      <a:endParaRPr lang="nl-BE" dirty="0"/>
+                    </a:p>
+                  </a:txBody>
+                  <a:tcPr/>
+                </a:tc>
+                <a:tc>
+                  <a:txBody>
+                    <a:bodyPr/>
+                    <a:lstStyle/>
+                    <a:p>
+                      <a:r>
+                        <a:rPr lang="en-US" dirty="0"/>
+                        <a:t>Name property from &lt;</a:t>
+                      </a:r>
+                      <a:r>
+                        <a:rPr lang="en-US" dirty="0" err="1"/>
+                        <a:t>xsf:xDocumentClass</a:t>
+                      </a:r>
+                      <a:r>
+                        <a:rPr lang="en-US" dirty="0"/>
+                        <a:t> </a:t>
+                      </a:r>
+                      <a:endParaRPr lang="nl-BE" dirty="0"/>
+                    </a:p>
+                  </a:txBody>
+                  <a:tcPr/>
+                </a:tc>
+                <a:tc>
+                  <a:txBody>
+                    <a:bodyPr/>
+                    <a:lstStyle/>
+                    <a:p>
+                      <a:r>
+                        <a:rPr lang="en-US" dirty="0"/>
+                        <a:t>Unique</a:t>
+                      </a:r>
+                      <a:r>
+                        <a:rPr lang="en-US" baseline="0" dirty="0"/>
+                        <a:t> key</a:t>
+                      </a:r>
+                      <a:endParaRPr lang="nl-BE" dirty="0"/>
+                    </a:p>
+                  </a:txBody>
+                  <a:tcPr/>
+                </a:tc>
+                <a:extLst>
+                  <a:ext uri="{0D108BD9-81ED-4DB2-BD59-A6C34878D82A}">
+                    <a16:rowId xmlns:a16="http://schemas.microsoft.com/office/drawing/2014/main" val="2465535205"/>
+                  </a:ext>
+                </a:extLst>
+              </a:tr>
+              <a:tr h="370840">
+                <a:tc>
+                  <a:txBody>
+                    <a:bodyPr/>
+                    <a:lstStyle/>
+                    <a:p>
+                      <a:r>
+                        <a:rPr lang="en-US" dirty="0" err="1"/>
+                        <a:t>InstanceCount</a:t>
+                      </a:r>
+                      <a:endParaRPr lang="nl-BE" dirty="0"/>
+                    </a:p>
+                  </a:txBody>
+                  <a:tcPr/>
+                </a:tc>
+                <a:tc>
+                  <a:txBody>
+                    <a:bodyPr/>
+                    <a:lstStyle/>
+                    <a:p>
+                      <a:r>
+                        <a:rPr lang="en-US" dirty="0"/>
+                        <a:t>Scanning</a:t>
+                      </a:r>
+                      <a:r>
+                        <a:rPr lang="en-US" baseline="0" dirty="0"/>
+                        <a:t> tools</a:t>
+                      </a:r>
+                      <a:endParaRPr lang="nl-BE" dirty="0"/>
+                    </a:p>
+                  </a:txBody>
+                  <a:tcPr/>
+                </a:tc>
+                <a:tc>
+                  <a:txBody>
+                    <a:bodyPr/>
+                    <a:lstStyle/>
+                    <a:p>
+                      <a:r>
+                        <a:rPr lang="en-US" dirty="0"/>
+                        <a:t>Number of occurrences</a:t>
+                      </a:r>
+                      <a:r>
+                        <a:rPr lang="en-US" baseline="0" dirty="0"/>
+                        <a:t> of forms with this urn</a:t>
+                      </a:r>
+                      <a:endParaRPr lang="nl-BE" dirty="0"/>
+                    </a:p>
+                  </a:txBody>
+                  <a:tcPr/>
+                </a:tc>
+                <a:extLst>
+                  <a:ext uri="{0D108BD9-81ED-4DB2-BD59-A6C34878D82A}">
+                    <a16:rowId xmlns:a16="http://schemas.microsoft.com/office/drawing/2014/main" val="1907149091"/>
+                  </a:ext>
+                </a:extLst>
+              </a:tr>
+              <a:tr h="370840">
+                <a:tc>
+                  <a:txBody>
+                    <a:bodyPr/>
+                    <a:lstStyle/>
+                    <a:p>
+                      <a:r>
+                        <a:rPr lang="en-US" dirty="0" err="1"/>
+                        <a:t>Urls</a:t>
+                      </a:r>
+                      <a:endParaRPr lang="nl-BE" dirty="0"/>
+                    </a:p>
+                  </a:txBody>
+                  <a:tcPr/>
+                </a:tc>
+                <a:tc>
+                  <a:txBody>
+                    <a:bodyPr/>
+                    <a:lstStyle/>
+                    <a:p>
+                      <a:r>
+                        <a:rPr lang="en-US" dirty="0"/>
+                        <a:t>Scanning tools</a:t>
+                      </a:r>
+                      <a:endParaRPr lang="nl-BE" dirty="0"/>
+                    </a:p>
+                  </a:txBody>
+                  <a:tcPr/>
+                </a:tc>
+                <a:tc>
+                  <a:txBody>
+                    <a:bodyPr/>
+                    <a:lstStyle/>
+                    <a:p>
+                      <a:pPr marL="0" marR="0" indent="0" algn="l" defTabSz="914363" rtl="0" eaLnBrk="1" fontAlgn="auto" latinLnBrk="0" hangingPunct="1">
+                        <a:lnSpc>
+                          <a:spcPct val="100000"/>
+                        </a:lnSpc>
+                        <a:spcBef>
+                          <a:spcPts val="0"/>
+                        </a:spcBef>
+                        <a:spcAft>
+                          <a:spcPts val="0"/>
+                        </a:spcAft>
+                        <a:buClrTx/>
+                        <a:buSzTx/>
+                        <a:buFontTx/>
+                        <a:buNone/>
+                        <a:tabLst/>
+                        <a:defRPr/>
+                      </a:pPr>
+                      <a:r>
+                        <a:rPr lang="en-US" dirty="0"/>
+                        <a:t>Delimited</a:t>
+                      </a:r>
+                      <a:r>
+                        <a:rPr lang="en-US" baseline="0" dirty="0"/>
+                        <a:t> list of </a:t>
+                      </a:r>
+                      <a:r>
+                        <a:rPr lang="en-US" baseline="0" dirty="0" err="1"/>
+                        <a:t>xsn</a:t>
+                      </a:r>
+                      <a:r>
+                        <a:rPr lang="en-US" baseline="0" dirty="0"/>
+                        <a:t> </a:t>
+                      </a:r>
+                      <a:r>
+                        <a:rPr lang="en-US" baseline="0" dirty="0" err="1"/>
+                        <a:t>urls</a:t>
+                      </a:r>
+                      <a:r>
+                        <a:rPr lang="en-US" baseline="0" dirty="0"/>
+                        <a:t> with this urn</a:t>
+                      </a:r>
+                      <a:endParaRPr lang="nl-BE" dirty="0"/>
+                    </a:p>
+                    <a:p>
+                      <a:endParaRPr lang="nl-BE" dirty="0"/>
+                    </a:p>
+                  </a:txBody>
+                  <a:tcPr/>
+                </a:tc>
+                <a:extLst>
+                  <a:ext uri="{0D108BD9-81ED-4DB2-BD59-A6C34878D82A}">
+                    <a16:rowId xmlns:a16="http://schemas.microsoft.com/office/drawing/2014/main" val="2562463468"/>
+                  </a:ext>
+                </a:extLst>
+              </a:tr>
+              <a:tr h="370840">
+                <a:tc>
+                  <a:txBody>
+                    <a:bodyPr/>
+                    <a:lstStyle/>
+                    <a:p>
+                      <a:r>
+                        <a:rPr lang="en-US" dirty="0"/>
+                        <a:t>Comments</a:t>
+                      </a:r>
+                      <a:endParaRPr lang="nl-BE" dirty="0"/>
+                    </a:p>
+                  </a:txBody>
+                  <a:tcPr/>
+                </a:tc>
+                <a:tc>
+                  <a:txBody>
+                    <a:bodyPr/>
+                    <a:lstStyle/>
+                    <a:p>
+                      <a:pPr marL="0" marR="0" indent="0" algn="l" defTabSz="914363" rtl="0" eaLnBrk="1" fontAlgn="auto" latinLnBrk="0" hangingPunct="1">
+                        <a:lnSpc>
+                          <a:spcPct val="100000"/>
+                        </a:lnSpc>
+                        <a:spcBef>
+                          <a:spcPts val="0"/>
+                        </a:spcBef>
+                        <a:spcAft>
+                          <a:spcPts val="0"/>
+                        </a:spcAft>
+                        <a:buClrTx/>
+                        <a:buSzTx/>
+                        <a:buFontTx/>
+                        <a:buNone/>
+                        <a:tabLst/>
+                        <a:defRPr/>
+                      </a:pPr>
+                      <a:r>
+                        <a:rPr lang="en-US" dirty="0"/>
+                        <a:t>Manual</a:t>
+                      </a:r>
+                      <a:r>
+                        <a:rPr lang="en-US" baseline="0" dirty="0"/>
+                        <a:t> data enrichment</a:t>
+                      </a:r>
+                      <a:endParaRPr lang="nl-BE" dirty="0"/>
+                    </a:p>
+                  </a:txBody>
+                  <a:tcPr/>
+                </a:tc>
+                <a:tc>
+                  <a:txBody>
+                    <a:bodyPr/>
+                    <a:lstStyle/>
+                    <a:p>
+                      <a:r>
+                        <a:rPr lang="en-US" dirty="0"/>
+                        <a:t>Comments on the code behind</a:t>
+                      </a:r>
+                      <a:r>
+                        <a:rPr lang="en-US" baseline="0" dirty="0"/>
+                        <a:t> after inspection of the found binaries (inspection done use </a:t>
+                      </a:r>
+                      <a:r>
+                        <a:rPr lang="en-US" baseline="0" dirty="0" err="1"/>
+                        <a:t>ILSpy</a:t>
+                      </a:r>
+                      <a:r>
+                        <a:rPr lang="en-US" baseline="0" dirty="0"/>
+                        <a:t>)</a:t>
+                      </a:r>
+                      <a:endParaRPr lang="nl-BE" dirty="0"/>
+                    </a:p>
+                  </a:txBody>
+                  <a:tcPr/>
+                </a:tc>
+                <a:extLst>
+                  <a:ext uri="{0D108BD9-81ED-4DB2-BD59-A6C34878D82A}">
+                    <a16:rowId xmlns:a16="http://schemas.microsoft.com/office/drawing/2014/main" val="181993774"/>
+                  </a:ext>
+                </a:extLst>
+              </a:tr>
+            </a:tbl>
+          </a:graphicData>
+        </a:graphic>
+      </p:graphicFrame>
     </p:spTree>
     <p:extLst>
       <p:ext uri="{BB962C8B-B14F-4D97-AF65-F5344CB8AC3E}">
-        <p14:creationId xmlns:p14="http://schemas.microsoft.com/office/powerpoint/2010/main" val="1859820066"/>
+        <p14:creationId xmlns:p14="http://schemas.microsoft.com/office/powerpoint/2010/main" val="948726401"/>
       </p:ext>
     </p:extLst>
   </p:cSld>
@@ -24037,12 +24462,36 @@
           <a:p>
             <a:r>
               <a:rPr lang="en-US" dirty="0"/>
-              <a:t>Forms with unsupported soap/rest calls</a:t>
+              <a:t>Forms versus variations</a:t>
             </a:r>
             <a:endParaRPr lang="nl-BE" dirty="0"/>
           </a:p>
         </p:txBody>
       </p:sp>
+      <p:pic>
+        <p:nvPicPr>
+          <p:cNvPr id="5" name="Picture 4"/>
+          <p:cNvPicPr>
+            <a:picLocks noChangeAspect="1"/>
+          </p:cNvPicPr>
+          <p:nvPr/>
+        </p:nvPicPr>
+        <p:blipFill>
+          <a:blip r:embed="rId2"/>
+          <a:stretch>
+            <a:fillRect/>
+          </a:stretch>
+        </p:blipFill>
+        <p:spPr>
+          <a:xfrm>
+            <a:off x="571739" y="1605135"/>
+            <a:ext cx="4131829" cy="2551348"/>
+          </a:xfrm>
+          <a:prstGeom prst="rect">
+            <a:avLst/>
+          </a:prstGeom>
+        </p:spPr>
+      </p:pic>
       <p:sp>
         <p:nvSpPr>
           <p:cNvPr id="3" name="Text Placeholder 2"/>
@@ -24055,8 +24504,8 @@
         </p:nvSpPr>
         <p:spPr>
           <a:xfrm>
-            <a:off x="585480" y="1447799"/>
-            <a:ext cx="11082646" cy="2043636"/>
+            <a:off x="5242998" y="1605134"/>
+            <a:ext cx="6791983" cy="2755631"/>
           </a:xfrm>
         </p:spPr>
         <p:txBody>
@@ -24065,71 +24514,306 @@
           <a:p>
             <a:r>
               <a:rPr lang="en-US" dirty="0"/>
-              <a:t>Root causes for failing soap/rest calls are:</a:t>
-            </a:r>
-          </a:p>
-          <a:p>
-            <a:pPr lvl="1"/>
-            <a:r>
-              <a:rPr lang="en-US" dirty="0"/>
-              <a:t>SharePoint loop back protection</a:t>
-            </a:r>
-          </a:p>
-          <a:p>
-            <a:pPr lvl="1"/>
-            <a:r>
-              <a:rPr lang="en-US" dirty="0"/>
-              <a:t>Secured services</a:t>
-            </a:r>
-          </a:p>
-          <a:p>
-            <a:pPr lvl="2"/>
-            <a:r>
-              <a:rPr lang="en-US" dirty="0"/>
-              <a:t>Unavailability of the “Authentication” section in the used UDCX files or embedded authentication in forms</a:t>
-            </a:r>
-          </a:p>
-          <a:p>
-            <a:pPr lvl="2"/>
-            <a:r>
-              <a:rPr lang="en-US" dirty="0"/>
-              <a:t>Embedded credentials</a:t>
-            </a:r>
-          </a:p>
-          <a:p>
-            <a:pPr lvl="1"/>
-            <a:r>
-              <a:rPr lang="en-US" dirty="0"/>
-              <a:t>Network setup in </a:t>
-            </a:r>
-            <a:r>
-              <a:rPr lang="en-US" dirty="0" err="1"/>
-              <a:t>DvNext</a:t>
-            </a:r>
-            <a:r>
-              <a:rPr lang="en-US" dirty="0"/>
-              <a:t>/MT</a:t>
-            </a:r>
-          </a:p>
-          <a:p>
-            <a:pPr lvl="1"/>
-            <a:r>
-              <a:rPr lang="en-US" dirty="0"/>
-              <a:t>Using non publicly trusted SSL certificates</a:t>
-            </a:r>
-          </a:p>
-          <a:p>
-            <a:pPr marL="284162" lvl="1" indent="0">
-              <a:buNone/>
-            </a:pPr>
-            <a:endParaRPr lang="nl-BE" dirty="0"/>
+              <a:t>17 forms &amp; 25 variations</a:t>
+            </a:r>
           </a:p>
         </p:txBody>
       </p:sp>
+      <p:graphicFrame>
+        <p:nvGraphicFramePr>
+          <p:cNvPr id="7" name="Table 6"/>
+          <p:cNvGraphicFramePr>
+            <a:graphicFrameLocks noGrp="1"/>
+          </p:cNvGraphicFramePr>
+          <p:nvPr>
+            <p:extLst>
+              <p:ext uri="{D42A27DB-BD31-4B8C-83A1-F6EECF244321}">
+                <p14:modId xmlns:p14="http://schemas.microsoft.com/office/powerpoint/2010/main" val="3831255157"/>
+              </p:ext>
+            </p:extLst>
+          </p:nvPr>
+        </p:nvGraphicFramePr>
+        <p:xfrm>
+          <a:off x="5521664" y="2302283"/>
+          <a:ext cx="5019625" cy="1854200"/>
+        </p:xfrm>
+        <a:graphic>
+          <a:graphicData uri="http://schemas.openxmlformats.org/drawingml/2006/table">
+            <a:tbl>
+              <a:tblPr firstRow="1" bandRow="1">
+                <a:tableStyleId>{5C22544A-7EE6-4342-B048-85BDC9FD1C3A}</a:tableStyleId>
+              </a:tblPr>
+              <a:tblGrid>
+                <a:gridCol w="2047949">
+                  <a:extLst>
+                    <a:ext uri="{9D8B030D-6E8A-4147-A177-3AD203B41FA5}">
+                      <a16:colId xmlns:a16="http://schemas.microsoft.com/office/drawing/2014/main" val="218335753"/>
+                    </a:ext>
+                  </a:extLst>
+                </a:gridCol>
+                <a:gridCol w="1485838">
+                  <a:extLst>
+                    <a:ext uri="{9D8B030D-6E8A-4147-A177-3AD203B41FA5}">
+                      <a16:colId xmlns:a16="http://schemas.microsoft.com/office/drawing/2014/main" val="389649906"/>
+                    </a:ext>
+                  </a:extLst>
+                </a:gridCol>
+                <a:gridCol w="1485838">
+                  <a:extLst>
+                    <a:ext uri="{9D8B030D-6E8A-4147-A177-3AD203B41FA5}">
+                      <a16:colId xmlns:a16="http://schemas.microsoft.com/office/drawing/2014/main" val="2002174651"/>
+                    </a:ext>
+                  </a:extLst>
+                </a:gridCol>
+              </a:tblGrid>
+              <a:tr h="370840">
+                <a:tc>
+                  <a:txBody>
+                    <a:bodyPr/>
+                    <a:lstStyle/>
+                    <a:p>
+                      <a:r>
+                        <a:rPr lang="en-US" dirty="0"/>
+                        <a:t>Form Deployed…</a:t>
+                      </a:r>
+                      <a:endParaRPr lang="nl-BE" dirty="0"/>
+                    </a:p>
+                  </a:txBody>
+                  <a:tcPr/>
+                </a:tc>
+                <a:tc>
+                  <a:txBody>
+                    <a:bodyPr/>
+                    <a:lstStyle/>
+                    <a:p>
+                      <a:r>
+                        <a:rPr lang="en-US" dirty="0"/>
+                        <a:t># Forms</a:t>
+                      </a:r>
+                      <a:endParaRPr lang="nl-BE" dirty="0"/>
+                    </a:p>
+                  </a:txBody>
+                  <a:tcPr/>
+                </a:tc>
+                <a:tc>
+                  <a:txBody>
+                    <a:bodyPr/>
+                    <a:lstStyle/>
+                    <a:p>
+                      <a:r>
+                        <a:rPr lang="nl-BE" dirty="0"/>
+                        <a:t># Variations</a:t>
+                      </a:r>
+                    </a:p>
+                  </a:txBody>
+                  <a:tcPr/>
+                </a:tc>
+                <a:extLst>
+                  <a:ext uri="{0D108BD9-81ED-4DB2-BD59-A6C34878D82A}">
+                    <a16:rowId xmlns:a16="http://schemas.microsoft.com/office/drawing/2014/main" val="1814261199"/>
+                  </a:ext>
+                </a:extLst>
+              </a:tr>
+              <a:tr h="370840">
+                <a:tc>
+                  <a:txBody>
+                    <a:bodyPr/>
+                    <a:lstStyle/>
+                    <a:p>
+                      <a:r>
+                        <a:rPr lang="en-US" dirty="0"/>
+                        <a:t>1 time</a:t>
+                      </a:r>
+                      <a:endParaRPr lang="nl-BE" dirty="0"/>
+                    </a:p>
+                  </a:txBody>
+                  <a:tcPr/>
+                </a:tc>
+                <a:tc>
+                  <a:txBody>
+                    <a:bodyPr/>
+                    <a:lstStyle/>
+                    <a:p>
+                      <a:r>
+                        <a:rPr lang="en-US" dirty="0"/>
+                        <a:t>15</a:t>
+                      </a:r>
+                      <a:endParaRPr lang="nl-BE" dirty="0"/>
+                    </a:p>
+                  </a:txBody>
+                  <a:tcPr/>
+                </a:tc>
+                <a:tc>
+                  <a:txBody>
+                    <a:bodyPr/>
+                    <a:lstStyle/>
+                    <a:p>
+                      <a:r>
+                        <a:rPr lang="nl-BE" dirty="0"/>
+                        <a:t>15</a:t>
+                      </a:r>
+                    </a:p>
+                  </a:txBody>
+                  <a:tcPr/>
+                </a:tc>
+                <a:extLst>
+                  <a:ext uri="{0D108BD9-81ED-4DB2-BD59-A6C34878D82A}">
+                    <a16:rowId xmlns:a16="http://schemas.microsoft.com/office/drawing/2014/main" val="3130986455"/>
+                  </a:ext>
+                </a:extLst>
+              </a:tr>
+              <a:tr h="370840">
+                <a:tc>
+                  <a:txBody>
+                    <a:bodyPr/>
+                    <a:lstStyle/>
+                    <a:p>
+                      <a:r>
+                        <a:rPr lang="en-US" dirty="0"/>
+                        <a:t>2 times</a:t>
+                      </a:r>
+                      <a:endParaRPr lang="nl-BE" dirty="0"/>
+                    </a:p>
+                  </a:txBody>
+                  <a:tcPr/>
+                </a:tc>
+                <a:tc>
+                  <a:txBody>
+                    <a:bodyPr/>
+                    <a:lstStyle/>
+                    <a:p>
+                      <a:r>
+                        <a:rPr lang="en-US" dirty="0"/>
+                        <a:t>1</a:t>
+                      </a:r>
+                      <a:endParaRPr lang="nl-BE" dirty="0"/>
+                    </a:p>
+                  </a:txBody>
+                  <a:tcPr/>
+                </a:tc>
+                <a:tc>
+                  <a:txBody>
+                    <a:bodyPr/>
+                    <a:lstStyle/>
+                    <a:p>
+                      <a:r>
+                        <a:rPr lang="nl-BE" dirty="0"/>
+                        <a:t>2</a:t>
+                      </a:r>
+                    </a:p>
+                  </a:txBody>
+                  <a:tcPr/>
+                </a:tc>
+                <a:extLst>
+                  <a:ext uri="{0D108BD9-81ED-4DB2-BD59-A6C34878D82A}">
+                    <a16:rowId xmlns:a16="http://schemas.microsoft.com/office/drawing/2014/main" val="82501791"/>
+                  </a:ext>
+                </a:extLst>
+              </a:tr>
+              <a:tr h="370840">
+                <a:tc>
+                  <a:txBody>
+                    <a:bodyPr/>
+                    <a:lstStyle/>
+                    <a:p>
+                      <a:r>
+                        <a:rPr lang="en-US" dirty="0"/>
+                        <a:t>8 times</a:t>
+                      </a:r>
+                      <a:endParaRPr lang="nl-BE" dirty="0"/>
+                    </a:p>
+                  </a:txBody>
+                  <a:tcPr/>
+                </a:tc>
+                <a:tc>
+                  <a:txBody>
+                    <a:bodyPr/>
+                    <a:lstStyle/>
+                    <a:p>
+                      <a:r>
+                        <a:rPr lang="en-US" dirty="0"/>
+                        <a:t>1</a:t>
+                      </a:r>
+                      <a:endParaRPr lang="nl-BE" dirty="0"/>
+                    </a:p>
+                  </a:txBody>
+                  <a:tcPr/>
+                </a:tc>
+                <a:tc>
+                  <a:txBody>
+                    <a:bodyPr/>
+                    <a:lstStyle/>
+                    <a:p>
+                      <a:r>
+                        <a:rPr lang="en-US" dirty="0"/>
+                        <a:t>8</a:t>
+                      </a:r>
+                      <a:endParaRPr lang="nl-BE" dirty="0"/>
+                    </a:p>
+                  </a:txBody>
+                  <a:tcPr/>
+                </a:tc>
+                <a:extLst>
+                  <a:ext uri="{0D108BD9-81ED-4DB2-BD59-A6C34878D82A}">
+                    <a16:rowId xmlns:a16="http://schemas.microsoft.com/office/drawing/2014/main" val="1097077357"/>
+                  </a:ext>
+                </a:extLst>
+              </a:tr>
+              <a:tr h="370840">
+                <a:tc>
+                  <a:txBody>
+                    <a:bodyPr/>
+                    <a:lstStyle/>
+                    <a:p>
+                      <a:r>
+                        <a:rPr lang="nl-BE" b="1" dirty="0"/>
+                        <a:t>TOTALS</a:t>
+                      </a:r>
+                    </a:p>
+                  </a:txBody>
+                  <a:tcPr/>
+                </a:tc>
+                <a:tc>
+                  <a:txBody>
+                    <a:bodyPr/>
+                    <a:lstStyle/>
+                    <a:p>
+                      <a:r>
+                        <a:rPr lang="en-US" dirty="0"/>
+                        <a:t>17</a:t>
+                      </a:r>
+                      <a:endParaRPr lang="nl-BE" dirty="0"/>
+                    </a:p>
+                  </a:txBody>
+                  <a:tcPr/>
+                </a:tc>
+                <a:tc>
+                  <a:txBody>
+                    <a:bodyPr/>
+                    <a:lstStyle/>
+                    <a:p>
+                      <a:r>
+                        <a:rPr lang="nl-BE" dirty="0"/>
+                        <a:t>25</a:t>
+                      </a:r>
+                    </a:p>
+                  </a:txBody>
+                  <a:tcPr/>
+                </a:tc>
+                <a:extLst>
+                  <a:ext uri="{0D108BD9-81ED-4DB2-BD59-A6C34878D82A}">
+                    <a16:rowId xmlns:a16="http://schemas.microsoft.com/office/drawing/2014/main" val="3263622905"/>
+                  </a:ext>
+                </a:extLst>
+              </a:tr>
+            </a:tbl>
+          </a:graphicData>
+        </a:graphic>
+      </p:graphicFrame>
     </p:spTree>
     <p:extLst>
       <p:ext uri="{BB962C8B-B14F-4D97-AF65-F5344CB8AC3E}">
-        <p14:creationId xmlns:p14="http://schemas.microsoft.com/office/powerpoint/2010/main" val="663999164"/>
+        <p14:creationId xmlns:p14="http://schemas.microsoft.com/office/powerpoint/2010/main" val="2386916869"/>
       </p:ext>
     </p:extLst>
   </p:cSld>
@@ -24176,7 +24860,7 @@
           <a:p>
             <a:r>
               <a:rPr lang="en-US" dirty="0"/>
-              <a:t>Root causes – loop back protection</a:t>
+              <a:t>Summary of Form Issues</a:t>
             </a:r>
             <a:endParaRPr lang="nl-BE" dirty="0"/>
           </a:p>
@@ -24192,71 +24876,242 @@
             <p:ph type="body" sz="quarter" idx="10"/>
           </p:nvPr>
         </p:nvSpPr>
-        <p:spPr/>
+        <p:spPr>
+          <a:xfrm>
+            <a:off x="519112" y="1356096"/>
+            <a:ext cx="11458523" cy="2030199"/>
+          </a:xfrm>
+        </p:spPr>
         <p:txBody>
           <a:bodyPr/>
           <a:lstStyle/>
           <a:p>
             <a:r>
               <a:rPr lang="en-US" dirty="0"/>
-              <a:t>In </a:t>
-            </a:r>
-            <a:r>
-              <a:rPr lang="en-US" dirty="0" err="1"/>
-              <a:t>DvNext</a:t>
-            </a:r>
+              <a:t>21 variations have Managed Code</a:t>
+            </a:r>
+          </a:p>
+          <a:p>
             <a:r>
               <a:rPr lang="en-US" dirty="0"/>
-              <a:t>/MT there loop back protection enabled resulting in errors when services hosted on SharePoint call another service hosted by SharePoint</a:t>
-            </a:r>
-          </a:p>
-          <a:p>
-            <a:pPr lvl="1"/>
+              <a:t>1 form variation has Unsupported SOAP Calls</a:t>
+            </a:r>
+          </a:p>
+          <a:p>
             <a:r>
               <a:rPr lang="en-US" dirty="0"/>
-              <a:t>See </a:t>
-            </a:r>
-            <a:r>
-              <a:rPr lang="en-US" dirty="0">
-                <a:hlinkClick r:id="rId2"/>
-              </a:rPr>
-              <a:t>https://support.microsoft.com/en-us/kb/2674193</a:t>
-            </a:r>
-            <a:r>
-              <a:rPr lang="en-US" dirty="0"/>
-              <a:t> and </a:t>
-            </a:r>
-            <a:r>
-              <a:rPr lang="en-US" dirty="0">
-                <a:hlinkClick r:id="rId3"/>
-              </a:rPr>
-              <a:t>http://blogs.technet.com/b/rajbugga/archive/2013/08/07/infopath-over-claims-authentication-sharepoint-2010-amp-2013.aspx</a:t>
-            </a:r>
-            <a:r>
-              <a:rPr lang="en-US" dirty="0"/>
-              <a:t> </a:t>
-            </a:r>
-          </a:p>
-          <a:p>
-            <a:r>
-              <a:rPr lang="en-US" dirty="0"/>
-              <a:t>This does </a:t>
-            </a:r>
-            <a:r>
-              <a:rPr lang="en-US" b="1" dirty="0"/>
-              <a:t>*not* </a:t>
-            </a:r>
-            <a:r>
-              <a:rPr lang="en-US" dirty="0"/>
-              <a:t>apply to SP2013 workflow as that’s running as a “supporting Azure service” thus outside of SharePoint </a:t>
-            </a:r>
+              <a:t>4 form variations have Data Connections</a:t>
+            </a:r>
+          </a:p>
+          <a:p>
+            <a:endParaRPr lang="en-US" dirty="0"/>
           </a:p>
         </p:txBody>
       </p:sp>
+      <p:graphicFrame>
+        <p:nvGraphicFramePr>
+          <p:cNvPr id="5" name="Table 4"/>
+          <p:cNvGraphicFramePr>
+            <a:graphicFrameLocks noGrp="1"/>
+          </p:cNvGraphicFramePr>
+          <p:nvPr>
+            <p:extLst>
+              <p:ext uri="{D42A27DB-BD31-4B8C-83A1-F6EECF244321}">
+                <p14:modId xmlns:p14="http://schemas.microsoft.com/office/powerpoint/2010/main" val="3039467776"/>
+              </p:ext>
+            </p:extLst>
+          </p:nvPr>
+        </p:nvGraphicFramePr>
+        <p:xfrm>
+          <a:off x="793412" y="3694215"/>
+          <a:ext cx="4552848" cy="1483360"/>
+        </p:xfrm>
+        <a:graphic>
+          <a:graphicData uri="http://schemas.openxmlformats.org/drawingml/2006/table">
+            <a:tbl>
+              <a:tblPr firstRow="1" bandRow="1">
+                <a:tableStyleId>{5C22544A-7EE6-4342-B048-85BDC9FD1C3A}</a:tableStyleId>
+              </a:tblPr>
+              <a:tblGrid>
+                <a:gridCol w="2638529">
+                  <a:extLst>
+                    <a:ext uri="{9D8B030D-6E8A-4147-A177-3AD203B41FA5}">
+                      <a16:colId xmlns:a16="http://schemas.microsoft.com/office/drawing/2014/main" val="218335753"/>
+                    </a:ext>
+                  </a:extLst>
+                </a:gridCol>
+                <a:gridCol w="1914319">
+                  <a:extLst>
+                    <a:ext uri="{9D8B030D-6E8A-4147-A177-3AD203B41FA5}">
+                      <a16:colId xmlns:a16="http://schemas.microsoft.com/office/drawing/2014/main" val="389649906"/>
+                    </a:ext>
+                  </a:extLst>
+                </a:gridCol>
+              </a:tblGrid>
+              <a:tr h="370840">
+                <a:tc>
+                  <a:txBody>
+                    <a:bodyPr/>
+                    <a:lstStyle/>
+                    <a:p>
+                      <a:r>
+                        <a:rPr lang="en-US" dirty="0"/>
+                        <a:t>Root cause</a:t>
+                      </a:r>
+                      <a:endParaRPr lang="nl-BE" dirty="0"/>
+                    </a:p>
+                  </a:txBody>
+                  <a:tcPr/>
+                </a:tc>
+                <a:tc>
+                  <a:txBody>
+                    <a:bodyPr/>
+                    <a:lstStyle/>
+                    <a:p>
+                      <a:r>
+                        <a:rPr lang="en-US" dirty="0"/>
+                        <a:t>Form</a:t>
+                      </a:r>
+                      <a:r>
+                        <a:rPr lang="en-US" baseline="0" dirty="0"/>
+                        <a:t> variations</a:t>
+                      </a:r>
+                      <a:endParaRPr lang="nl-BE" dirty="0"/>
+                    </a:p>
+                  </a:txBody>
+                  <a:tcPr/>
+                </a:tc>
+                <a:extLst>
+                  <a:ext uri="{0D108BD9-81ED-4DB2-BD59-A6C34878D82A}">
+                    <a16:rowId xmlns:a16="http://schemas.microsoft.com/office/drawing/2014/main" val="1814261199"/>
+                  </a:ext>
+                </a:extLst>
+              </a:tr>
+              <a:tr h="370840">
+                <a:tc>
+                  <a:txBody>
+                    <a:bodyPr/>
+                    <a:lstStyle/>
+                    <a:p>
+                      <a:r>
+                        <a:rPr lang="en-US" dirty="0"/>
+                        <a:t>Managed</a:t>
+                      </a:r>
+                      <a:r>
+                        <a:rPr lang="en-US" baseline="0" dirty="0"/>
+                        <a:t> Code</a:t>
+                      </a:r>
+                      <a:endParaRPr lang="nl-BE" dirty="0"/>
+                    </a:p>
+                  </a:txBody>
+                  <a:tcPr/>
+                </a:tc>
+                <a:tc>
+                  <a:txBody>
+                    <a:bodyPr/>
+                    <a:lstStyle/>
+                    <a:p>
+                      <a:r>
+                        <a:rPr lang="en-US" dirty="0"/>
+                        <a:t>21</a:t>
+                      </a:r>
+                      <a:endParaRPr lang="nl-BE" dirty="0"/>
+                    </a:p>
+                  </a:txBody>
+                  <a:tcPr/>
+                </a:tc>
+                <a:extLst>
+                  <a:ext uri="{0D108BD9-81ED-4DB2-BD59-A6C34878D82A}">
+                    <a16:rowId xmlns:a16="http://schemas.microsoft.com/office/drawing/2014/main" val="3130986455"/>
+                  </a:ext>
+                </a:extLst>
+              </a:tr>
+              <a:tr h="370840">
+                <a:tc>
+                  <a:txBody>
+                    <a:bodyPr/>
+                    <a:lstStyle/>
+                    <a:p>
+                      <a:r>
+                        <a:rPr lang="en-US" dirty="0"/>
+                        <a:t>Unsupported soap</a:t>
+                      </a:r>
+                      <a:r>
+                        <a:rPr lang="en-US" baseline="0" dirty="0"/>
+                        <a:t> calls</a:t>
+                      </a:r>
+                      <a:endParaRPr lang="nl-BE" dirty="0"/>
+                    </a:p>
+                  </a:txBody>
+                  <a:tcPr/>
+                </a:tc>
+                <a:tc>
+                  <a:txBody>
+                    <a:bodyPr/>
+                    <a:lstStyle/>
+                    <a:p>
+                      <a:r>
+                        <a:rPr lang="en-US" dirty="0"/>
+                        <a:t>1</a:t>
+                      </a:r>
+                      <a:endParaRPr lang="nl-BE" dirty="0"/>
+                    </a:p>
+                  </a:txBody>
+                  <a:tcPr/>
+                </a:tc>
+                <a:extLst>
+                  <a:ext uri="{0D108BD9-81ED-4DB2-BD59-A6C34878D82A}">
+                    <a16:rowId xmlns:a16="http://schemas.microsoft.com/office/drawing/2014/main" val="82501791"/>
+                  </a:ext>
+                </a:extLst>
+              </a:tr>
+              <a:tr h="370840">
+                <a:tc>
+                  <a:txBody>
+                    <a:bodyPr/>
+                    <a:lstStyle/>
+                    <a:p>
+                      <a:r>
+                        <a:rPr lang="en-US" dirty="0"/>
+                        <a:t>Data</a:t>
+                      </a:r>
+                      <a:r>
+                        <a:rPr lang="en-US" baseline="0" dirty="0"/>
+                        <a:t> connections</a:t>
+                      </a:r>
+                      <a:endParaRPr lang="nl-BE" dirty="0"/>
+                    </a:p>
+                  </a:txBody>
+                  <a:tcPr/>
+                </a:tc>
+                <a:tc>
+                  <a:txBody>
+                    <a:bodyPr/>
+                    <a:lstStyle/>
+                    <a:p>
+                      <a:r>
+                        <a:rPr lang="en-US" dirty="0"/>
+                        <a:t>4</a:t>
+                      </a:r>
+                      <a:endParaRPr lang="nl-BE" dirty="0"/>
+                    </a:p>
+                  </a:txBody>
+                  <a:tcPr/>
+                </a:tc>
+                <a:extLst>
+                  <a:ext uri="{0D108BD9-81ED-4DB2-BD59-A6C34878D82A}">
+                    <a16:rowId xmlns:a16="http://schemas.microsoft.com/office/drawing/2014/main" val="1097077357"/>
+                  </a:ext>
+                </a:extLst>
+              </a:tr>
+            </a:tbl>
+          </a:graphicData>
+        </a:graphic>
+      </p:graphicFrame>
     </p:spTree>
     <p:extLst>
       <p:ext uri="{BB962C8B-B14F-4D97-AF65-F5344CB8AC3E}">
-        <p14:creationId xmlns:p14="http://schemas.microsoft.com/office/powerpoint/2010/main" val="2922229993"/>
+        <p14:creationId xmlns:p14="http://schemas.microsoft.com/office/powerpoint/2010/main" val="855155062"/>
       </p:ext>
     </p:extLst>
   </p:cSld>
@@ -24303,12 +25158,36 @@
           <a:p>
             <a:r>
               <a:rPr lang="en-US" dirty="0"/>
-              <a:t>Root causes – loop back protection</a:t>
+              <a:t>Forms variations with managed code</a:t>
             </a:r>
             <a:endParaRPr lang="nl-BE" dirty="0"/>
           </a:p>
         </p:txBody>
       </p:sp>
+      <p:pic>
+        <p:nvPicPr>
+          <p:cNvPr id="5" name="Picture 4"/>
+          <p:cNvPicPr>
+            <a:picLocks noChangeAspect="1"/>
+          </p:cNvPicPr>
+          <p:nvPr/>
+        </p:nvPicPr>
+        <p:blipFill>
+          <a:blip r:embed="rId2"/>
+          <a:stretch>
+            <a:fillRect/>
+          </a:stretch>
+        </p:blipFill>
+        <p:spPr>
+          <a:xfrm>
+            <a:off x="578900" y="976497"/>
+            <a:ext cx="7303641" cy="2755631"/>
+          </a:xfrm>
+          <a:prstGeom prst="rect">
+            <a:avLst/>
+          </a:prstGeom>
+        </p:spPr>
+      </p:pic>
       <p:sp>
         <p:nvSpPr>
           <p:cNvPr id="3" name="Text Placeholder 2"/>
@@ -24319,127 +25198,42 @@
             <p:ph type="body" sz="quarter" idx="10"/>
           </p:nvPr>
         </p:nvSpPr>
-        <p:spPr/>
+        <p:spPr>
+          <a:xfrm>
+            <a:off x="578900" y="3934441"/>
+            <a:ext cx="10078136" cy="2043636"/>
+          </a:xfrm>
+        </p:spPr>
         <p:txBody>
           <a:bodyPr/>
           <a:lstStyle/>
           <a:p>
             <a:r>
-              <a:rPr lang="en-US" sz="3600" dirty="0"/>
-              <a:t>List of “supported” services and their operations:</a:t>
+              <a:rPr lang="en-US" dirty="0"/>
+              <a:t>21 out of 25 variations have managed code</a:t>
             </a:r>
           </a:p>
           <a:p>
             <a:pPr lvl="1"/>
             <a:r>
-              <a:rPr lang="nl-BE" sz="2000" dirty="0"/>
-              <a:t>Lists.asmx</a:t>
-            </a:r>
-          </a:p>
-          <a:p>
-            <a:pPr lvl="2"/>
-            <a:r>
-              <a:rPr lang="nl-BE" sz="2000" dirty="0" err="1"/>
-              <a:t>CheckOutFile</a:t>
-            </a:r>
-            <a:endParaRPr lang="nl-BE" sz="2000" dirty="0"/>
-          </a:p>
-          <a:p>
-            <a:pPr lvl="2"/>
-            <a:r>
-              <a:rPr lang="nl-BE" sz="2000" dirty="0" err="1"/>
-              <a:t>CheckInFile</a:t>
-            </a:r>
-            <a:endParaRPr lang="nl-BE" sz="2000" dirty="0"/>
+              <a:rPr lang="en-US" dirty="0"/>
+              <a:t>15 out of 21 are marked as “Remediation required”</a:t>
+            </a:r>
           </a:p>
           <a:p>
             <a:pPr lvl="1"/>
             <a:r>
-              <a:rPr lang="nl-BE" sz="2000" dirty="0"/>
-              <a:t>Usergroup.asmx</a:t>
-            </a:r>
-          </a:p>
-          <a:p>
-            <a:pPr lvl="2"/>
-            <a:r>
-              <a:rPr lang="nl-BE" sz="2000" dirty="0" err="1"/>
-              <a:t>GetUserCollectionFromGroup</a:t>
-            </a:r>
-            <a:endParaRPr lang="nl-BE" sz="2000" dirty="0"/>
-          </a:p>
-          <a:p>
-            <a:pPr lvl="2"/>
-            <a:r>
-              <a:rPr lang="nl-BE" sz="2000" dirty="0" err="1"/>
-              <a:t>GetUserCollectionFromSite</a:t>
-            </a:r>
-            <a:endParaRPr lang="nl-BE" sz="2000" dirty="0"/>
-          </a:p>
-          <a:p>
-            <a:pPr lvl="2"/>
-            <a:r>
-              <a:rPr lang="nl-BE" sz="2000" dirty="0" err="1"/>
-              <a:t>GetGroupCollectionFromWeb</a:t>
-            </a:r>
-            <a:endParaRPr lang="nl-BE" sz="2000" dirty="0"/>
-          </a:p>
-          <a:p>
-            <a:pPr lvl="1"/>
-            <a:r>
-              <a:rPr lang="nl-BE" sz="2000" dirty="0"/>
-              <a:t>UserProfileService.asmx</a:t>
-            </a:r>
-          </a:p>
-          <a:p>
-            <a:pPr lvl="2"/>
-            <a:r>
-              <a:rPr lang="nl-BE" sz="2000" dirty="0" err="1"/>
-              <a:t>GetUserProfileByName</a:t>
-            </a:r>
-            <a:endParaRPr lang="nl-BE" sz="2000" dirty="0"/>
-          </a:p>
-          <a:p>
-            <a:pPr lvl="2"/>
-            <a:r>
-              <a:rPr lang="nl-BE" sz="2000" dirty="0" err="1"/>
-              <a:t>GetUserPropertyByAccountName</a:t>
-            </a:r>
-            <a:endParaRPr lang="nl-BE" sz="2000" dirty="0"/>
-          </a:p>
-          <a:p>
-            <a:pPr lvl="2"/>
-            <a:r>
-              <a:rPr lang="nl-BE" sz="2000" dirty="0" err="1"/>
-              <a:t>GetCommonManager</a:t>
-            </a:r>
-            <a:endParaRPr lang="nl-BE" sz="2000" dirty="0"/>
-          </a:p>
-          <a:p>
-            <a:pPr lvl="2"/>
-            <a:r>
-              <a:rPr lang="nl-BE" sz="2000" dirty="0" err="1"/>
-              <a:t>GetUserMemberships</a:t>
-            </a:r>
-            <a:endParaRPr lang="nl-BE" sz="2000" dirty="0"/>
-          </a:p>
-          <a:p>
-            <a:pPr lvl="2"/>
-            <a:r>
-              <a:rPr lang="nl-BE" sz="2000" dirty="0" err="1"/>
-              <a:t>GetCommonMemberships</a:t>
-            </a:r>
-            <a:endParaRPr lang="nl-BE" sz="2000" dirty="0"/>
-          </a:p>
-          <a:p>
-            <a:pPr lvl="1"/>
-            <a:endParaRPr lang="nl-BE" sz="2000" dirty="0"/>
+              <a:rPr lang="en-US" dirty="0"/>
+              <a:t>6 out of 21 are marked as “Validation required”</a:t>
+            </a:r>
+            <a:endParaRPr lang="nl-BE" dirty="0"/>
           </a:p>
         </p:txBody>
       </p:sp>
     </p:spTree>
     <p:extLst>
       <p:ext uri="{BB962C8B-B14F-4D97-AF65-F5344CB8AC3E}">
-        <p14:creationId xmlns:p14="http://schemas.microsoft.com/office/powerpoint/2010/main" val="1689979809"/>
+        <p14:creationId xmlns:p14="http://schemas.microsoft.com/office/powerpoint/2010/main" val="247980754"/>
       </p:ext>
     </p:extLst>
   </p:cSld>
@@ -24486,112 +25280,260 @@
           <a:p>
             <a:r>
               <a:rPr lang="en-US" dirty="0"/>
-              <a:t>Root causes – secured services</a:t>
+              <a:t>Managed code details</a:t>
             </a:r>
             <a:endParaRPr lang="nl-BE" dirty="0"/>
+          </a:p>
+        </p:txBody>
+      </p:sp>
+      <p:pic>
+        <p:nvPicPr>
+          <p:cNvPr id="3" name="Picture 2"/>
+          <p:cNvPicPr>
+            <a:picLocks noChangeAspect="1"/>
+          </p:cNvPicPr>
+          <p:nvPr/>
+        </p:nvPicPr>
+        <p:blipFill>
+          <a:blip r:embed="rId2"/>
+          <a:stretch>
+            <a:fillRect/>
+          </a:stretch>
+        </p:blipFill>
+        <p:spPr>
+          <a:xfrm>
+            <a:off x="1343333" y="1165067"/>
+            <a:ext cx="8364084" cy="5076101"/>
+          </a:xfrm>
+          <a:prstGeom prst="rect">
+            <a:avLst/>
+          </a:prstGeom>
+        </p:spPr>
+      </p:pic>
+      <p:sp>
+        <p:nvSpPr>
+          <p:cNvPr id="5" name="Rectangular Callout 4"/>
+          <p:cNvSpPr/>
+          <p:nvPr/>
+        </p:nvSpPr>
+        <p:spPr bwMode="auto">
+          <a:xfrm>
+            <a:off x="7906328" y="311480"/>
+            <a:ext cx="3879272" cy="1009320"/>
+          </a:xfrm>
+          <a:prstGeom prst="wedgeRectCallout">
+            <a:avLst>
+              <a:gd name="adj1" fmla="val -13862"/>
+              <a:gd name="adj2" fmla="val 120973"/>
+            </a:avLst>
+          </a:prstGeom>
+          <a:solidFill>
+            <a:schemeClr val="accent1"/>
+          </a:solidFill>
+          <a:ln>
+            <a:noFill/>
+            <a:headEnd type="none" w="med" len="med"/>
+            <a:tailEnd type="none" w="med" len="med"/>
+          </a:ln>
+          <a:effectLst/>
+        </p:spPr>
+        <p:style>
+          <a:lnRef idx="1">
+            <a:schemeClr val="accent2"/>
+          </a:lnRef>
+          <a:fillRef idx="3">
+            <a:schemeClr val="accent2"/>
+          </a:fillRef>
+          <a:effectRef idx="2">
+            <a:schemeClr val="accent2"/>
+          </a:effectRef>
+          <a:fontRef idx="minor">
+            <a:schemeClr val="lt1"/>
+          </a:fontRef>
+        </p:style>
+        <p:txBody>
+          <a:bodyPr rot="0" spcFirstLastPara="0" vertOverflow="overflow" horzOverflow="overflow" vert="horz" wrap="square" lIns="45720" tIns="45720" rIns="45720" bIns="45720" numCol="1" spcCol="0" rtlCol="0" fromWordArt="0" anchor="ctr" anchorCtr="0" forceAA="0" compatLnSpc="1">
+            <a:prstTxWarp prst="textNoShape">
+              <a:avLst/>
+            </a:prstTxWarp>
+            <a:noAutofit/>
+          </a:bodyPr>
+          <a:lstStyle/>
+          <a:p>
+            <a:pPr algn="ctr" defTabSz="914099" fontAlgn="base">
+              <a:spcBef>
+                <a:spcPct val="0"/>
+              </a:spcBef>
+              <a:spcAft>
+                <a:spcPct val="0"/>
+              </a:spcAft>
+            </a:pPr>
+            <a:r>
+              <a:rPr lang="en-US" sz="2200" dirty="0">
+                <a:gradFill>
+                  <a:gsLst>
+                    <a:gs pos="0">
+                      <a:srgbClr val="FFFFFF"/>
+                    </a:gs>
+                    <a:gs pos="100000">
+                      <a:srgbClr val="FFFFFF"/>
+                    </a:gs>
+                  </a:gsLst>
+                  <a:lin ang="5400000" scaled="0"/>
+                </a:gradFill>
+                <a:ea typeface="Segoe UI" pitchFamily="34" charset="0"/>
+                <a:cs typeface="Segoe UI" pitchFamily="34" charset="0"/>
+              </a:rPr>
+              <a:t>See upcoming slides for more details on how to test</a:t>
+            </a:r>
+            <a:endParaRPr lang="nl-BE" sz="2200" dirty="0">
+              <a:gradFill>
+                <a:gsLst>
+                  <a:gs pos="0">
+                    <a:srgbClr val="FFFFFF"/>
+                  </a:gs>
+                  <a:gs pos="100000">
+                    <a:srgbClr val="FFFFFF"/>
+                  </a:gs>
+                </a:gsLst>
+                <a:lin ang="5400000" scaled="0"/>
+              </a:gradFill>
+              <a:ea typeface="Segoe UI" pitchFamily="34" charset="0"/>
+              <a:cs typeface="Segoe UI" pitchFamily="34" charset="0"/>
+            </a:endParaRPr>
           </a:p>
         </p:txBody>
       </p:sp>
       <p:sp>
         <p:nvSpPr>
-          <p:cNvPr id="3" name="Text Placeholder 2"/>
-          <p:cNvSpPr>
-            <a:spLocks noGrp="1"/>
-          </p:cNvSpPr>
-          <p:nvPr>
-            <p:ph type="body" sz="quarter" idx="10"/>
-          </p:nvPr>
+          <p:cNvPr id="6" name="Rectangle 5"/>
+          <p:cNvSpPr/>
+          <p:nvPr/>
         </p:nvSpPr>
-        <p:spPr/>
+        <p:spPr bwMode="auto">
+          <a:xfrm>
+            <a:off x="8019091" y="3651021"/>
+            <a:ext cx="3889848" cy="2530941"/>
+          </a:xfrm>
+          <a:prstGeom prst="rect">
+            <a:avLst/>
+          </a:prstGeom>
+          <a:solidFill>
+            <a:schemeClr val="accent3"/>
+          </a:solidFill>
+          <a:ln>
+            <a:noFill/>
+          </a:ln>
+        </p:spPr>
+        <p:style>
+          <a:lnRef idx="0">
+            <a:scrgbClr r="0" g="0" b="0"/>
+          </a:lnRef>
+          <a:fillRef idx="0">
+            <a:scrgbClr r="0" g="0" b="0"/>
+          </a:fillRef>
+          <a:effectRef idx="0">
+            <a:scrgbClr r="0" g="0" b="0"/>
+          </a:effectRef>
+          <a:fontRef idx="minor">
+            <a:schemeClr val="lt1"/>
+          </a:fontRef>
+        </p:style>
         <p:txBody>
-          <a:bodyPr/>
+          <a:bodyPr rot="0" spcFirstLastPara="0" vertOverflow="overflow" horzOverflow="overflow" vert="horz" wrap="square" lIns="45720" tIns="45720" rIns="45720" bIns="45720" numCol="1" spcCol="0" rtlCol="0" fromWordArt="0" anchor="ctr" anchorCtr="0" forceAA="0" compatLnSpc="1">
+            <a:prstTxWarp prst="textNoShape">
+              <a:avLst/>
+            </a:prstTxWarp>
+            <a:noAutofit/>
+          </a:bodyPr>
           <a:lstStyle/>
           <a:p>
-            <a:r>
-              <a:rPr lang="en-US" sz="3600" dirty="0"/>
-              <a:t>In </a:t>
-            </a:r>
-            <a:r>
-              <a:rPr lang="en-US" sz="3600" dirty="0" err="1"/>
-              <a:t>DvNext</a:t>
-            </a:r>
-            <a:r>
-              <a:rPr lang="en-US" sz="3600" dirty="0"/>
-              <a:t>/MT InfoPath Forms services cannot call protected services:</a:t>
-            </a:r>
-          </a:p>
-          <a:p>
-            <a:pPr lvl="1"/>
-            <a:endParaRPr lang="nl-BE" sz="400" dirty="0"/>
-          </a:p>
-          <a:p>
-            <a:pPr lvl="1"/>
-            <a:r>
-              <a:rPr lang="en-US" sz="2000" dirty="0"/>
-              <a:t>Adding credentials in the service request will fail</a:t>
-            </a:r>
-          </a:p>
-          <a:p>
-            <a:pPr lvl="1"/>
-            <a:r>
-              <a:rPr lang="en-US" sz="2000" dirty="0"/>
-              <a:t>Using credentials or a secure store definition will not work as the “Authentication” section of the UDCX files is prohibited in </a:t>
-            </a:r>
-            <a:r>
-              <a:rPr lang="en-US" sz="2000" dirty="0" err="1"/>
-              <a:t>DvNext</a:t>
-            </a:r>
-            <a:r>
-              <a:rPr lang="en-US" sz="2000" dirty="0"/>
-              <a:t>/MT</a:t>
-            </a:r>
-          </a:p>
-          <a:p>
-            <a:pPr lvl="1"/>
-            <a:r>
-              <a:rPr lang="en-US" sz="2000" b="1" dirty="0">
-                <a:solidFill>
-                  <a:srgbClr val="FF0000"/>
-                </a:solidFill>
+            <a:pPr algn="ctr" defTabSz="914099" fontAlgn="base">
+              <a:spcBef>
+                <a:spcPct val="0"/>
+              </a:spcBef>
+              <a:spcAft>
+                <a:spcPct val="0"/>
+              </a:spcAft>
+            </a:pPr>
+            <a:r>
+              <a:rPr lang="en-US" sz="2000" u="sng" dirty="0">
+                <a:gradFill>
+                  <a:gsLst>
+                    <a:gs pos="0">
+                      <a:srgbClr val="FFFFFF"/>
+                    </a:gs>
+                    <a:gs pos="100000">
+                      <a:srgbClr val="FFFFFF"/>
+                    </a:gs>
+                  </a:gsLst>
+                  <a:lin ang="5400000" scaled="0"/>
+                </a:gradFill>
+                <a:ea typeface="Segoe UI" pitchFamily="34" charset="0"/>
+                <a:cs typeface="Segoe UI" pitchFamily="34" charset="0"/>
               </a:rPr>
-              <a:t>Resolution</a:t>
-            </a:r>
-            <a:r>
-              <a:rPr lang="en-US" sz="2000" dirty="0"/>
-              <a:t>:</a:t>
-            </a:r>
-          </a:p>
-          <a:p>
-            <a:pPr lvl="2"/>
-            <a:r>
-              <a:rPr lang="en-US" sz="2000" dirty="0"/>
-              <a:t>Make services unauthenticated callable and provide additional “security date” as input parameters to the service (for custom services)</a:t>
-            </a:r>
-          </a:p>
-          <a:p>
-            <a:pPr lvl="2"/>
-            <a:r>
-              <a:rPr lang="en-US" sz="2000" dirty="0"/>
-              <a:t>Create your own “proxy” service for existing SharePoint ASMX operations, see next slide for more details</a:t>
-            </a:r>
-          </a:p>
-          <a:p>
-            <a:pPr lvl="2"/>
-            <a:r>
-              <a:rPr lang="en-US" sz="2000" dirty="0"/>
-              <a:t>Move away from InfoPath and create a SharePoint Add-In</a:t>
-            </a:r>
-          </a:p>
-          <a:p>
-            <a:pPr lvl="2"/>
-            <a:endParaRPr lang="nl-BE" sz="2000" dirty="0"/>
+              <a:t>Update:</a:t>
+            </a:r>
+          </a:p>
+          <a:p>
+            <a:pPr algn="ctr" defTabSz="914099" fontAlgn="base">
+              <a:spcBef>
+                <a:spcPct val="0"/>
+              </a:spcBef>
+              <a:spcAft>
+                <a:spcPct val="0"/>
+              </a:spcAft>
+            </a:pPr>
+            <a:endParaRPr lang="en-US" sz="2000" dirty="0">
+              <a:gradFill>
+                <a:gsLst>
+                  <a:gs pos="0">
+                    <a:srgbClr val="FFFFFF"/>
+                  </a:gs>
+                  <a:gs pos="100000">
+                    <a:srgbClr val="FFFFFF"/>
+                  </a:gs>
+                </a:gsLst>
+                <a:lin ang="5400000" scaled="0"/>
+              </a:gradFill>
+              <a:ea typeface="Segoe UI" pitchFamily="34" charset="0"/>
+              <a:cs typeface="Segoe UI" pitchFamily="34" charset="0"/>
+            </a:endParaRPr>
+          </a:p>
+          <a:p>
+            <a:pPr algn="ctr" defTabSz="914099" fontAlgn="base">
+              <a:spcBef>
+                <a:spcPct val="0"/>
+              </a:spcBef>
+              <a:spcAft>
+                <a:spcPct val="0"/>
+              </a:spcAft>
+            </a:pPr>
+            <a:r>
+              <a:rPr lang="en-US" sz="2000" dirty="0">
+                <a:gradFill>
+                  <a:gsLst>
+                    <a:gs pos="0">
+                      <a:srgbClr val="FFFFFF"/>
+                    </a:gs>
+                    <a:gs pos="100000">
+                      <a:srgbClr val="FFFFFF"/>
+                    </a:gs>
+                  </a:gsLst>
+                  <a:lin ang="5400000" scaled="0"/>
+                </a:gradFill>
+                <a:ea typeface="Segoe UI" pitchFamily="34" charset="0"/>
+                <a:cs typeface="Segoe UI" pitchFamily="34" charset="0"/>
+              </a:rPr>
+              <a:t>InfoPath forms with code behind depend on sandbox solutions with an assembly and these are not allowed anymore. All InfoPath forms with code behind must be updated! </a:t>
+            </a:r>
           </a:p>
         </p:txBody>
       </p:sp>
     </p:spTree>
     <p:extLst>
       <p:ext uri="{BB962C8B-B14F-4D97-AF65-F5344CB8AC3E}">
-        <p14:creationId xmlns:p14="http://schemas.microsoft.com/office/powerpoint/2010/main" val="486089549"/>
+        <p14:creationId xmlns:p14="http://schemas.microsoft.com/office/powerpoint/2010/main" val="733219109"/>
       </p:ext>
     </p:extLst>
   </p:cSld>
@@ -24637,10 +25579,10 @@
           <a:lstStyle/>
           <a:p>
             <a:r>
-              <a:rPr lang="en-US" sz="4800" dirty="0"/>
-              <a:t>How to call an “not supported” ASMX service</a:t>
-            </a:r>
-            <a:endParaRPr lang="nl-BE" sz="4800" dirty="0"/>
+              <a:rPr lang="en-US" dirty="0"/>
+              <a:t>InfoPath versus Sandboxed solutions</a:t>
+            </a:r>
+            <a:endParaRPr lang="nl-BE" dirty="0"/>
           </a:p>
         </p:txBody>
       </p:sp>
@@ -24661,142 +25603,140 @@
           <a:p>
             <a:r>
               <a:rPr lang="en-US" sz="3600" dirty="0"/>
-              <a:t>Suppose you want to call the “</a:t>
-            </a:r>
-            <a:r>
-              <a:rPr lang="en-US" sz="3600" dirty="0" err="1"/>
-              <a:t>GetGroupCollectionFromUser</a:t>
-            </a:r>
-            <a:r>
-              <a:rPr lang="en-US" sz="3600" dirty="0"/>
-              <a:t>” operation of UserProfileService.asmx:</a:t>
+              <a:t>Forms with code behind typically use sandboxed solutions</a:t>
             </a:r>
           </a:p>
           <a:p>
             <a:pPr lvl="1"/>
             <a:r>
               <a:rPr lang="en-US" sz="2000" dirty="0"/>
-              <a:t>Create a custom service endpoint (e.g. </a:t>
-            </a:r>
-            <a:r>
-              <a:rPr lang="en-US" sz="2000" dirty="0" err="1"/>
-              <a:t>ASMXWrapper</a:t>
-            </a:r>
-            <a:r>
-              <a:rPr lang="en-US" sz="2000" dirty="0"/>
-              <a:t>) with a method named </a:t>
-            </a:r>
-            <a:r>
-              <a:rPr lang="en-US" sz="2000" dirty="0" err="1"/>
-              <a:t>GetGroupCollectionFromUser</a:t>
-            </a:r>
-            <a:endParaRPr lang="en-US" sz="2000" dirty="0"/>
-          </a:p>
-          <a:p>
-            <a:pPr lvl="1"/>
-            <a:r>
-              <a:rPr lang="en-US" sz="2000" dirty="0"/>
-              <a:t>Foresee string input parameters </a:t>
-            </a:r>
-            <a:r>
-              <a:rPr lang="en-US" sz="2000" dirty="0" err="1"/>
-              <a:t>ClientId</a:t>
-            </a:r>
-            <a:r>
-              <a:rPr lang="en-US" sz="2000" dirty="0"/>
-              <a:t> and </a:t>
-            </a:r>
-            <a:r>
-              <a:rPr lang="en-US" sz="2000" dirty="0" err="1"/>
-              <a:t>ClientSecret</a:t>
-            </a:r>
-            <a:r>
-              <a:rPr lang="en-US" sz="2000" dirty="0"/>
-              <a:t> next to the input parameters the original </a:t>
-            </a:r>
-            <a:r>
-              <a:rPr lang="en-US" sz="2000" dirty="0" err="1"/>
-              <a:t>asmx</a:t>
-            </a:r>
-            <a:r>
-              <a:rPr lang="en-US" sz="2000" dirty="0"/>
-              <a:t> operation had</a:t>
-            </a:r>
-          </a:p>
-          <a:p>
-            <a:pPr lvl="1"/>
-            <a:r>
-              <a:rPr lang="en-US" sz="2000" dirty="0"/>
-              <a:t>Register this </a:t>
-            </a:r>
-            <a:r>
-              <a:rPr lang="en-US" sz="2000" dirty="0" err="1"/>
-              <a:t>clientID</a:t>
-            </a:r>
-            <a:r>
-              <a:rPr lang="en-US" sz="2000" dirty="0"/>
-              <a:t>/Secret combination in the farm by either making an app and installing it or by using appregnew.aspx/appinv.aspx (check the allow App-Only option)</a:t>
-            </a:r>
-          </a:p>
-          <a:p>
-            <a:pPr lvl="1"/>
-            <a:r>
-              <a:rPr lang="en-US" sz="2000" dirty="0"/>
-              <a:t>Host this service endpoint anonymously</a:t>
-            </a:r>
-          </a:p>
-          <a:p>
-            <a:pPr lvl="1"/>
-            <a:r>
-              <a:rPr lang="en-US" sz="2000" dirty="0"/>
-              <a:t>Adjust your existing InfoPath form to point to this new endpoint and hardcoded provide the client/secret combination in your form</a:t>
-            </a:r>
-          </a:p>
-          <a:p>
-            <a:pPr lvl="1"/>
-            <a:r>
-              <a:rPr lang="en-US" sz="2000" dirty="0"/>
-              <a:t>In the service create an </a:t>
-            </a:r>
-            <a:r>
-              <a:rPr lang="en-US" sz="2000" dirty="0" err="1"/>
-              <a:t>apponly</a:t>
+              <a:t>Sandboxed solutions with code behind are deprecated: </a:t>
+            </a:r>
+            <a:r>
+              <a:rPr lang="en-US" sz="2000" dirty="0">
+                <a:hlinkClick r:id="rId2"/>
+              </a:rPr>
+              <a:t>http://blogs.msdn.com/b/sharepointdev/archive/2014/01/14/deprecation-of-custom-code-in-sandboxed-solutions.aspx</a:t>
             </a:r>
             <a:r>
               <a:rPr lang="en-US" sz="2000" dirty="0"/>
               <a:t> </a:t>
             </a:r>
+            <a:endParaRPr lang="nl-BE" sz="2000" dirty="0"/>
+          </a:p>
+          <a:p>
+            <a:pPr lvl="1"/>
+            <a:r>
+              <a:rPr lang="en-US" sz="2000" dirty="0"/>
+              <a:t>Minimize usage of sandboxed solutions with code:</a:t>
+            </a:r>
+          </a:p>
+          <a:p>
+            <a:pPr lvl="2"/>
+            <a:r>
+              <a:rPr lang="en-US" sz="2000" dirty="0">
+                <a:solidFill>
+                  <a:srgbClr val="FF0000"/>
+                </a:solidFill>
+              </a:rPr>
+              <a:t>MUST</a:t>
+            </a:r>
+            <a:r>
+              <a:rPr lang="en-US" sz="2000" dirty="0"/>
+              <a:t>: “Fix” forms with just “useless” code (e.g. empty event handlers)</a:t>
+            </a:r>
+          </a:p>
+          <a:p>
+            <a:pPr lvl="2"/>
+            <a:r>
+              <a:rPr lang="en-US" sz="2000" dirty="0">
+                <a:solidFill>
+                  <a:srgbClr val="FF0000"/>
+                </a:solidFill>
+              </a:rPr>
+              <a:t>MUST</a:t>
+            </a:r>
+            <a:r>
+              <a:rPr lang="en-US" sz="2000" dirty="0"/>
+              <a:t>: Fix forms by removing the code dependency as these will not run in </a:t>
+            </a:r>
             <a:r>
               <a:rPr lang="en-US" sz="2000" dirty="0" err="1"/>
-              <a:t>clientcontext</a:t>
+              <a:t>DvNext</a:t>
             </a:r>
             <a:r>
               <a:rPr lang="en-US" sz="2000" dirty="0"/>
-              <a:t> to talk back to SharePoint</a:t>
+              <a:t>/MT</a:t>
             </a:r>
           </a:p>
           <a:p>
             <a:pPr lvl="1"/>
-            <a:endParaRPr lang="en-US" sz="2000" dirty="0"/>
+            <a:r>
+              <a:rPr lang="en-US" sz="2000" dirty="0"/>
+              <a:t>Sandboxed FTC proxies = FTC and as such not allowed in </a:t>
+            </a:r>
+            <a:r>
+              <a:rPr lang="en-US" sz="2000" dirty="0" err="1"/>
+              <a:t>DvNext</a:t>
+            </a:r>
+            <a:r>
+              <a:rPr lang="en-US" sz="2000" dirty="0"/>
+              <a:t>/MT</a:t>
+            </a:r>
+          </a:p>
+          <a:p>
+            <a:pPr lvl="2"/>
+            <a:r>
+              <a:rPr lang="en-US" sz="2000" dirty="0">
+                <a:solidFill>
+                  <a:srgbClr val="EB3C00"/>
+                </a:solidFill>
+              </a:rPr>
+              <a:t>MUST</a:t>
+            </a:r>
+            <a:r>
+              <a:rPr lang="en-US" sz="2000" dirty="0"/>
+              <a:t>: Remediate form to remove dependency on FTC proxy</a:t>
+            </a:r>
+          </a:p>
+          <a:p>
+            <a:r>
+              <a:rPr lang="en-US" sz="3600" dirty="0"/>
+              <a:t>No sandbox, but code behind = Administrator deployed forms</a:t>
+            </a:r>
           </a:p>
           <a:p>
             <a:pPr lvl="1"/>
-            <a:endParaRPr lang="en-US" sz="2000" dirty="0"/>
-          </a:p>
-          <a:p>
-            <a:pPr lvl="1"/>
-            <a:endParaRPr lang="nl-BE" sz="400" dirty="0"/>
-          </a:p>
-          <a:p>
-            <a:pPr lvl="1"/>
-            <a:endParaRPr lang="nl-BE" sz="2000" dirty="0"/>
+            <a:r>
+              <a:rPr lang="en-US" sz="2000" dirty="0">
+                <a:solidFill>
+                  <a:srgbClr val="EB3C00"/>
+                </a:solidFill>
+              </a:rPr>
+              <a:t>MUST</a:t>
+            </a:r>
+            <a:r>
+              <a:rPr lang="en-US" sz="2000" dirty="0"/>
+              <a:t>: Remediation is required since these forms are not allowed in </a:t>
+            </a:r>
+            <a:r>
+              <a:rPr lang="en-US" sz="2000" dirty="0" err="1"/>
+              <a:t>DvNext</a:t>
+            </a:r>
+            <a:r>
+              <a:rPr lang="en-US" sz="2000" dirty="0"/>
+              <a:t>/MT</a:t>
+            </a:r>
+          </a:p>
+          <a:p>
+            <a:endParaRPr lang="nl-BE" sz="3600" dirty="0"/>
           </a:p>
         </p:txBody>
       </p:sp>
     </p:spTree>
     <p:extLst>
       <p:ext uri="{BB962C8B-B14F-4D97-AF65-F5344CB8AC3E}">
-        <p14:creationId xmlns:p14="http://schemas.microsoft.com/office/powerpoint/2010/main" val="1419739233"/>
+        <p14:creationId xmlns:p14="http://schemas.microsoft.com/office/powerpoint/2010/main" val="1495552934"/>
       </p:ext>
     </p:extLst>
   </p:cSld>
@@ -24843,7 +25783,7 @@
           <a:p>
             <a:r>
               <a:rPr lang="en-US" dirty="0"/>
-              <a:t>Root causes – Network setup</a:t>
+              <a:t>Forms with unsupported soap calls</a:t>
             </a:r>
             <a:endParaRPr lang="nl-BE" dirty="0"/>
           </a:p>
@@ -24859,37 +25799,113 @@
             <p:ph type="body" sz="quarter" idx="10"/>
           </p:nvPr>
         </p:nvSpPr>
-        <p:spPr/>
+        <p:spPr>
+          <a:xfrm>
+            <a:off x="3947050" y="1447799"/>
+            <a:ext cx="7721075" cy="2043636"/>
+          </a:xfrm>
+        </p:spPr>
         <p:txBody>
           <a:bodyPr/>
           <a:lstStyle/>
           <a:p>
             <a:r>
               <a:rPr lang="en-US" dirty="0"/>
-              <a:t>InfoPath forms services is the SharePoint component that executes soap/rest calls</a:t>
+              <a:t>1 out of 25 variations has unsupported soap calls</a:t>
+            </a:r>
+          </a:p>
+          <a:p>
+            <a:r>
+              <a:rPr lang="en-US" dirty="0"/>
+              <a:t>Root causes for failing soap calls are:</a:t>
             </a:r>
           </a:p>
           <a:p>
             <a:pPr lvl="1"/>
             <a:r>
               <a:rPr lang="en-US" dirty="0"/>
-              <a:t>SP servers should be able to resolve the service host name</a:t>
+              <a:t>SharePoint loop back protection</a:t>
             </a:r>
           </a:p>
           <a:p>
             <a:pPr lvl="1"/>
             <a:r>
               <a:rPr lang="en-US" dirty="0"/>
-              <a:t>SP servers should be able to have a network path to the service endpoint</a:t>
-            </a:r>
+              <a:t>Secured services</a:t>
+            </a:r>
+          </a:p>
+          <a:p>
+            <a:pPr lvl="2"/>
+            <a:r>
+              <a:rPr lang="en-US" dirty="0"/>
+              <a:t>Unavailability of the “Authentication” section in the used UDCX files or embedded authentication in forms</a:t>
+            </a:r>
+          </a:p>
+          <a:p>
+            <a:pPr lvl="2"/>
+            <a:r>
+              <a:rPr lang="en-US" dirty="0"/>
+              <a:t>Embedded credentials</a:t>
+            </a:r>
+          </a:p>
+          <a:p>
+            <a:pPr lvl="1"/>
+            <a:r>
+              <a:rPr lang="en-US" dirty="0"/>
+              <a:t>Network setup in </a:t>
+            </a:r>
+            <a:r>
+              <a:rPr lang="en-US" dirty="0" err="1"/>
+              <a:t>DvNext</a:t>
+            </a:r>
+            <a:r>
+              <a:rPr lang="en-US" dirty="0"/>
+              <a:t>/MT</a:t>
+            </a:r>
+          </a:p>
+          <a:p>
+            <a:pPr lvl="1"/>
+            <a:r>
+              <a:rPr lang="en-US" dirty="0"/>
+              <a:t>Using non publicly trusted SSL certificates</a:t>
+            </a:r>
+          </a:p>
+          <a:p>
+            <a:pPr marL="284162" lvl="1" indent="0">
+              <a:buNone/>
+            </a:pPr>
             <a:endParaRPr lang="nl-BE" dirty="0"/>
           </a:p>
         </p:txBody>
       </p:sp>
+      <p:pic>
+        <p:nvPicPr>
+          <p:cNvPr id="5" name="Picture 4"/>
+          <p:cNvPicPr>
+            <a:picLocks noChangeAspect="1"/>
+          </p:cNvPicPr>
+          <p:nvPr/>
+        </p:nvPicPr>
+        <p:blipFill>
+          <a:blip r:embed="rId2"/>
+          <a:stretch>
+            <a:fillRect/>
+          </a:stretch>
+        </p:blipFill>
+        <p:spPr>
+          <a:xfrm>
+            <a:off x="519113" y="1447799"/>
+            <a:ext cx="3329262" cy="2001099"/>
+          </a:xfrm>
+          <a:prstGeom prst="rect">
+            <a:avLst/>
+          </a:prstGeom>
+        </p:spPr>
+      </p:pic>
     </p:spTree>
     <p:extLst>
       <p:ext uri="{BB962C8B-B14F-4D97-AF65-F5344CB8AC3E}">
-        <p14:creationId xmlns:p14="http://schemas.microsoft.com/office/powerpoint/2010/main" val="1907321050"/>
+        <p14:creationId xmlns:p14="http://schemas.microsoft.com/office/powerpoint/2010/main" val="663999164"/>
       </p:ext>
     </p:extLst>
   </p:cSld>
@@ -24936,7 +25952,7 @@
           <a:p>
             <a:r>
               <a:rPr lang="en-US" dirty="0"/>
-              <a:t>Root causes – Network setup - DNS</a:t>
+              <a:t>Root causes – loop back protection</a:t>
             </a:r>
             <a:endParaRPr lang="nl-BE" dirty="0"/>
           </a:p>
@@ -24952,102 +25968,63 @@
             <p:ph type="body" sz="quarter" idx="10"/>
           </p:nvPr>
         </p:nvSpPr>
-        <p:spPr>
-          <a:xfrm>
-            <a:off x="519112" y="1447798"/>
-            <a:ext cx="11149013" cy="4795119"/>
-          </a:xfrm>
-        </p:spPr>
+        <p:spPr/>
         <p:txBody>
           <a:bodyPr/>
           <a:lstStyle/>
           <a:p>
             <a:r>
-              <a:rPr lang="en-US" sz="3600" dirty="0"/>
-              <a:t>What’s the setup in “current” D:</a:t>
+              <a:rPr lang="en-US" dirty="0"/>
+              <a:t>In </a:t>
+            </a:r>
+            <a:r>
+              <a:rPr lang="en-US" dirty="0" err="1"/>
+              <a:t>DvNext</a:t>
+            </a:r>
+            <a:r>
+              <a:rPr lang="en-US" dirty="0"/>
+              <a:t>/MT there loop back protection enabled resulting in errors when services hosted on SharePoint call another service hosted by SharePoint</a:t>
             </a:r>
           </a:p>
           <a:p>
             <a:pPr lvl="1"/>
             <a:r>
-              <a:rPr lang="en-US" sz="2000" dirty="0"/>
-              <a:t>SharePoint and the services that need to be used from InfoPath are in the same network</a:t>
-            </a:r>
-          </a:p>
-          <a:p>
-            <a:pPr lvl="1"/>
-            <a:r>
-              <a:rPr lang="en-US" sz="2000" b="1" dirty="0"/>
-              <a:t>Result:</a:t>
-            </a:r>
-            <a:r>
-              <a:rPr lang="en-US" sz="2000" dirty="0"/>
-              <a:t> SP servers can resolve hosts from internal customer DNS</a:t>
-            </a:r>
-          </a:p>
-          <a:p>
-            <a:r>
-              <a:rPr lang="en-US" sz="3600" dirty="0"/>
-              <a:t>What’s the setup in MT / </a:t>
-            </a:r>
-            <a:r>
-              <a:rPr lang="en-US" sz="3600" dirty="0" err="1"/>
-              <a:t>DvNext</a:t>
-            </a:r>
-            <a:r>
-              <a:rPr lang="en-US" sz="3600" dirty="0"/>
-              <a:t>:</a:t>
-            </a:r>
-          </a:p>
-          <a:p>
-            <a:pPr lvl="1"/>
-            <a:r>
-              <a:rPr lang="en-US" sz="2000" dirty="0"/>
-              <a:t>Customers can have a private MPLS/AER connection with MSFT</a:t>
-            </a:r>
-          </a:p>
-          <a:p>
-            <a:pPr lvl="1"/>
-            <a:r>
-              <a:rPr lang="en-US" sz="2000" dirty="0"/>
-              <a:t>There’s </a:t>
-            </a:r>
-            <a:r>
-              <a:rPr lang="en-US" sz="2000" b="1" dirty="0"/>
-              <a:t>*no* </a:t>
-            </a:r>
-            <a:r>
-              <a:rPr lang="en-US" sz="2000" dirty="0"/>
-              <a:t>AD/DNS integration</a:t>
-            </a:r>
-          </a:p>
-          <a:p>
-            <a:pPr lvl="1"/>
-            <a:r>
-              <a:rPr lang="en-US" sz="2000" b="1" dirty="0"/>
-              <a:t>Result</a:t>
-            </a:r>
-            <a:r>
-              <a:rPr lang="en-US" sz="2000" dirty="0"/>
-              <a:t>: SP servers cannot resolve hosts from internal DNS</a:t>
-            </a:r>
-          </a:p>
-          <a:p>
-            <a:pPr lvl="1"/>
-            <a:r>
-              <a:rPr lang="en-US" sz="2000" b="1" dirty="0">
-                <a:solidFill>
-                  <a:srgbClr val="EB3C00"/>
-                </a:solidFill>
+              <a:rPr lang="en-US" dirty="0"/>
+              <a:t>See </a:t>
+            </a:r>
+            <a:r>
+              <a:rPr lang="en-US" dirty="0">
+                <a:hlinkClick r:id="rId2"/>
               </a:rPr>
-              <a:t>Resolution:</a:t>
-            </a:r>
-          </a:p>
-          <a:p>
-            <a:pPr lvl="2"/>
-            <a:r>
-              <a:rPr lang="en-US" sz="2000" dirty="0"/>
-              <a:t>Publish endpoints in public DNS (using internal IP addresses)</a:t>
+              <a:t>https://support.microsoft.com/en-us/kb/2674193</a:t>
+            </a:r>
+            <a:r>
+              <a:rPr lang="en-US" dirty="0"/>
+              <a:t> and </a:t>
+            </a:r>
+            <a:r>
+              <a:rPr lang="en-US" dirty="0">
+                <a:hlinkClick r:id="rId3"/>
+              </a:rPr>
+              <a:t>http://blogs.technet.com/b/rajbugga/archive/2013/08/07/infopath-over-claims-authentication-sharepoint-2010-amp-2013.aspx</a:t>
+            </a:r>
+            <a:r>
+              <a:rPr lang="en-US" dirty="0"/>
+              <a:t> </a:t>
+            </a:r>
+          </a:p>
+          <a:p>
+            <a:r>
+              <a:rPr lang="en-US" dirty="0"/>
+              <a:t>This does </a:t>
+            </a:r>
+            <a:r>
+              <a:rPr lang="en-US" b="1" dirty="0"/>
+              <a:t>*not* </a:t>
+            </a:r>
+            <a:r>
+              <a:rPr lang="en-US" dirty="0"/>
+              <a:t>apply to SP2013 workflow as that’s running as a “supporting Azure service” thus outside of SharePoint </a:t>
             </a:r>
           </a:p>
         </p:txBody>
@@ -25055,7 +26032,7 @@
     </p:spTree>
     <p:extLst>
       <p:ext uri="{BB962C8B-B14F-4D97-AF65-F5344CB8AC3E}">
-        <p14:creationId xmlns:p14="http://schemas.microsoft.com/office/powerpoint/2010/main" val="91924358"/>
+        <p14:creationId xmlns:p14="http://schemas.microsoft.com/office/powerpoint/2010/main" val="2922229993"/>
       </p:ext>
     </p:extLst>
   </p:cSld>
@@ -25101,10 +26078,10 @@
           <a:lstStyle/>
           <a:p>
             <a:r>
-              <a:rPr lang="en-US" sz="4800" dirty="0"/>
-              <a:t>Root causes – Network setup - Certificates</a:t>
-            </a:r>
-            <a:endParaRPr lang="nl-BE" sz="4800" dirty="0"/>
+              <a:rPr lang="en-US" dirty="0"/>
+              <a:t>Root causes – loop back protection</a:t>
+            </a:r>
+            <a:endParaRPr lang="nl-BE" dirty="0"/>
           </a:p>
         </p:txBody>
       </p:sp>
@@ -25124,83 +26101,247 @@
           <a:lstStyle/>
           <a:p>
             <a:r>
-              <a:rPr lang="en-US" dirty="0"/>
-              <a:t>What’s the setup in “current” on-premises:</a:t>
+              <a:rPr lang="en-US" sz="3600" dirty="0"/>
+              <a:t>List of “supported” services and their operations:</a:t>
             </a:r>
           </a:p>
           <a:p>
             <a:pPr lvl="1"/>
             <a:r>
-              <a:rPr lang="en-US" dirty="0"/>
-              <a:t>Customer issued certs can be deployed to SP farm trusted certs</a:t>
-            </a:r>
+              <a:rPr lang="nl-BE" sz="2000" dirty="0"/>
+              <a:t>Lists.asmx</a:t>
+            </a:r>
+          </a:p>
+          <a:p>
+            <a:pPr lvl="2"/>
+            <a:r>
+              <a:rPr lang="nl-BE" sz="2000" dirty="0" err="1"/>
+              <a:t>CheckOutFile</a:t>
+            </a:r>
+            <a:endParaRPr lang="nl-BE" sz="2000" dirty="0"/>
+          </a:p>
+          <a:p>
+            <a:pPr lvl="2"/>
+            <a:r>
+              <a:rPr lang="nl-BE" sz="2000" dirty="0" err="1"/>
+              <a:t>CheckInFile</a:t>
+            </a:r>
+            <a:endParaRPr lang="nl-BE" sz="2000" dirty="0"/>
           </a:p>
           <a:p>
             <a:pPr lvl="1"/>
             <a:r>
-              <a:rPr lang="en-US" dirty="0"/>
-              <a:t>Calling an service secured with a customer issued cert works</a:t>
-            </a:r>
-          </a:p>
-          <a:p>
-            <a:r>
-              <a:rPr lang="en-US" dirty="0"/>
-              <a:t>What’s the setup in </a:t>
-            </a:r>
-            <a:r>
-              <a:rPr lang="en-US" dirty="0" err="1"/>
-              <a:t>DvNext</a:t>
-            </a:r>
-            <a:r>
-              <a:rPr lang="en-US" dirty="0"/>
-              <a:t>/MT:</a:t>
-            </a:r>
+              <a:rPr lang="nl-BE" sz="2000" dirty="0"/>
+              <a:t>Usergroup.asmx</a:t>
+            </a:r>
+          </a:p>
+          <a:p>
+            <a:pPr lvl="2"/>
+            <a:r>
+              <a:rPr lang="nl-BE" sz="2000" dirty="0" err="1"/>
+              <a:t>GetUserCollectionFromGroup</a:t>
+            </a:r>
+            <a:endParaRPr lang="nl-BE" sz="2000" dirty="0"/>
+          </a:p>
+          <a:p>
+            <a:pPr lvl="2"/>
+            <a:r>
+              <a:rPr lang="nl-BE" sz="2000" dirty="0" err="1"/>
+              <a:t>GetUserCollectionFromSite</a:t>
+            </a:r>
+            <a:endParaRPr lang="nl-BE" sz="2000" dirty="0"/>
+          </a:p>
+          <a:p>
+            <a:pPr lvl="2"/>
+            <a:r>
+              <a:rPr lang="nl-BE" sz="2000" dirty="0" err="1"/>
+              <a:t>GetGroupCollectionFromWeb</a:t>
+            </a:r>
+            <a:endParaRPr lang="nl-BE" sz="2000" dirty="0"/>
           </a:p>
           <a:p>
             <a:pPr lvl="1"/>
             <a:r>
-              <a:rPr lang="en-US" dirty="0"/>
-              <a:t>Only certificates issued by publicly trusted authorities are trusted</a:t>
-            </a:r>
+              <a:rPr lang="nl-BE" sz="2000" dirty="0"/>
+              <a:t>UserProfileService.asmx</a:t>
+            </a:r>
+          </a:p>
+          <a:p>
+            <a:pPr lvl="2"/>
+            <a:r>
+              <a:rPr lang="nl-BE" sz="2000" dirty="0" err="1"/>
+              <a:t>GetUserProfileByName</a:t>
+            </a:r>
+            <a:endParaRPr lang="nl-BE" sz="2000" dirty="0"/>
+          </a:p>
+          <a:p>
+            <a:pPr lvl="2"/>
+            <a:r>
+              <a:rPr lang="nl-BE" sz="2000" dirty="0" err="1"/>
+              <a:t>GetUserPropertyByAccountName</a:t>
+            </a:r>
+            <a:endParaRPr lang="nl-BE" sz="2000" dirty="0"/>
+          </a:p>
+          <a:p>
+            <a:pPr lvl="2"/>
+            <a:r>
+              <a:rPr lang="nl-BE" sz="2000" dirty="0" err="1"/>
+              <a:t>GetCommonManager</a:t>
+            </a:r>
+            <a:endParaRPr lang="nl-BE" sz="2000" dirty="0"/>
+          </a:p>
+          <a:p>
+            <a:pPr lvl="2"/>
+            <a:r>
+              <a:rPr lang="nl-BE" sz="2000" dirty="0" err="1"/>
+              <a:t>GetUserMemberships</a:t>
+            </a:r>
+            <a:endParaRPr lang="nl-BE" sz="2000" dirty="0"/>
+          </a:p>
+          <a:p>
+            <a:pPr lvl="2"/>
+            <a:r>
+              <a:rPr lang="nl-BE" sz="2000" dirty="0" err="1"/>
+              <a:t>GetCommonMemberships</a:t>
+            </a:r>
+            <a:endParaRPr lang="nl-BE" sz="2000" dirty="0"/>
           </a:p>
           <a:p>
             <a:pPr lvl="1"/>
-            <a:r>
-              <a:rPr lang="en-US" dirty="0"/>
-              <a:t>Calling services using a customer issued cert results in “The underlying connection was closed: Could not establish trust relationship for the SSL/TLS secure channel”</a:t>
-            </a:r>
-          </a:p>
-          <a:p>
-            <a:pPr lvl="1"/>
-            <a:r>
-              <a:rPr lang="en-US" b="1" dirty="0">
-                <a:solidFill>
-                  <a:srgbClr val="EB3C00"/>
-                </a:solidFill>
+            <a:endParaRPr lang="nl-BE" sz="2000" dirty="0"/>
+          </a:p>
+        </p:txBody>
+      </p:sp>
+      <p:sp>
+        <p:nvSpPr>
+          <p:cNvPr id="4" name="Rectangle 3"/>
+          <p:cNvSpPr/>
+          <p:nvPr/>
+        </p:nvSpPr>
+        <p:spPr bwMode="auto">
+          <a:xfrm>
+            <a:off x="7380985" y="2631366"/>
+            <a:ext cx="3889848" cy="2530941"/>
+          </a:xfrm>
+          <a:prstGeom prst="rect">
+            <a:avLst/>
+          </a:prstGeom>
+          <a:solidFill>
+            <a:schemeClr val="accent3"/>
+          </a:solidFill>
+          <a:ln>
+            <a:noFill/>
+          </a:ln>
+        </p:spPr>
+        <p:style>
+          <a:lnRef idx="0">
+            <a:scrgbClr r="0" g="0" b="0"/>
+          </a:lnRef>
+          <a:fillRef idx="0">
+            <a:scrgbClr r="0" g="0" b="0"/>
+          </a:fillRef>
+          <a:effectRef idx="0">
+            <a:scrgbClr r="0" g="0" b="0"/>
+          </a:effectRef>
+          <a:fontRef idx="minor">
+            <a:schemeClr val="lt1"/>
+          </a:fontRef>
+        </p:style>
+        <p:txBody>
+          <a:bodyPr rot="0" spcFirstLastPara="0" vertOverflow="overflow" horzOverflow="overflow" vert="horz" wrap="square" lIns="45720" tIns="45720" rIns="45720" bIns="45720" numCol="1" spcCol="0" rtlCol="0" fromWordArt="0" anchor="ctr" anchorCtr="0" forceAA="0" compatLnSpc="1">
+            <a:prstTxWarp prst="textNoShape">
+              <a:avLst/>
+            </a:prstTxWarp>
+            <a:noAutofit/>
+          </a:bodyPr>
+          <a:lstStyle/>
+          <a:p>
+            <a:pPr algn="ctr" defTabSz="914099" fontAlgn="base">
+              <a:spcBef>
+                <a:spcPct val="0"/>
+              </a:spcBef>
+              <a:spcAft>
+                <a:spcPct val="0"/>
+              </a:spcAft>
+            </a:pPr>
+            <a:r>
+              <a:rPr lang="en-US" sz="2000" u="sng" dirty="0">
+                <a:gradFill>
+                  <a:gsLst>
+                    <a:gs pos="0">
+                      <a:srgbClr val="FFFFFF"/>
+                    </a:gs>
+                    <a:gs pos="100000">
+                      <a:srgbClr val="FFFFFF"/>
+                    </a:gs>
+                  </a:gsLst>
+                  <a:lin ang="5400000" scaled="0"/>
+                </a:gradFill>
+                <a:ea typeface="Segoe UI" pitchFamily="34" charset="0"/>
+                <a:cs typeface="Segoe UI" pitchFamily="34" charset="0"/>
               </a:rPr>
-              <a:t>Resolution:</a:t>
-            </a:r>
-          </a:p>
-          <a:p>
-            <a:pPr lvl="2"/>
-            <a:r>
-              <a:rPr lang="en-US" dirty="0"/>
-              <a:t>Switch service to use a publicly trusted certificate</a:t>
-            </a:r>
-          </a:p>
-          <a:p>
-            <a:pPr lvl="1"/>
-            <a:endParaRPr lang="en-US" dirty="0"/>
-          </a:p>
-          <a:p>
-            <a:endParaRPr lang="nl-BE" dirty="0"/>
+              <a:t>Update:</a:t>
+            </a:r>
+          </a:p>
+          <a:p>
+            <a:pPr algn="ctr" defTabSz="914099" fontAlgn="base">
+              <a:spcBef>
+                <a:spcPct val="0"/>
+              </a:spcBef>
+              <a:spcAft>
+                <a:spcPct val="0"/>
+              </a:spcAft>
+            </a:pPr>
+            <a:endParaRPr lang="en-US" sz="2000" dirty="0">
+              <a:gradFill>
+                <a:gsLst>
+                  <a:gs pos="0">
+                    <a:srgbClr val="FFFFFF"/>
+                  </a:gs>
+                  <a:gs pos="100000">
+                    <a:srgbClr val="FFFFFF"/>
+                  </a:gs>
+                </a:gsLst>
+                <a:lin ang="5400000" scaled="0"/>
+              </a:gradFill>
+              <a:ea typeface="Segoe UI" pitchFamily="34" charset="0"/>
+              <a:cs typeface="Segoe UI" pitchFamily="34" charset="0"/>
+            </a:endParaRPr>
+          </a:p>
+          <a:p>
+            <a:pPr algn="ctr" defTabSz="914099" fontAlgn="base">
+              <a:spcBef>
+                <a:spcPct val="0"/>
+              </a:spcBef>
+              <a:spcAft>
+                <a:spcPct val="0"/>
+              </a:spcAft>
+            </a:pPr>
+            <a:r>
+              <a:rPr lang="en-US" sz="2000" dirty="0">
+                <a:gradFill>
+                  <a:gsLst>
+                    <a:gs pos="0">
+                      <a:srgbClr val="FFFFFF"/>
+                    </a:gs>
+                    <a:gs pos="100000">
+                      <a:srgbClr val="FFFFFF"/>
+                    </a:gs>
+                  </a:gsLst>
+                  <a:lin ang="5400000" scaled="0"/>
+                </a:gradFill>
+                <a:ea typeface="Segoe UI" pitchFamily="34" charset="0"/>
+                <a:cs typeface="Segoe UI" pitchFamily="34" charset="0"/>
+              </a:rPr>
+              <a:t>Calling supported ASMX operations only works when the form uses the ASMX endpoint from the same site collection as the form is hosted into.</a:t>
+            </a:r>
           </a:p>
         </p:txBody>
       </p:sp>
     </p:spTree>
     <p:extLst>
       <p:ext uri="{BB962C8B-B14F-4D97-AF65-F5344CB8AC3E}">
-        <p14:creationId xmlns:p14="http://schemas.microsoft.com/office/powerpoint/2010/main" val="2175445403"/>
+        <p14:creationId xmlns:p14="http://schemas.microsoft.com/office/powerpoint/2010/main" val="1689979809"/>
       </p:ext>
     </p:extLst>
   </p:cSld>
@@ -25247,7 +26388,7 @@
           <a:p>
             <a:r>
               <a:rPr lang="en-US" dirty="0"/>
-              <a:t>Forms with data connections</a:t>
+              <a:t>Forms using incompliant UDCX files</a:t>
             </a:r>
             <a:endParaRPr lang="nl-BE" dirty="0"/>
           </a:p>
@@ -25265,8 +26406,8 @@
         </p:nvSpPr>
         <p:spPr>
           <a:xfrm>
-            <a:off x="605214" y="1447799"/>
-            <a:ext cx="11062911" cy="2043636"/>
+            <a:off x="1065704" y="1447799"/>
+            <a:ext cx="10602421" cy="2043636"/>
           </a:xfrm>
         </p:spPr>
         <p:txBody>
@@ -25275,40 +26416,53 @@
           <a:p>
             <a:r>
               <a:rPr lang="en-US" dirty="0"/>
-              <a:t>Root causes for failing data connections are:</a:t>
+              <a:t>1 out of 25 variations uses uncompliant UDCX files:</a:t>
             </a:r>
           </a:p>
           <a:p>
             <a:pPr lvl="1"/>
             <a:r>
               <a:rPr lang="en-US" dirty="0"/>
-              <a:t>Network setup in </a:t>
-            </a:r>
-            <a:r>
-              <a:rPr lang="en-US" dirty="0" err="1"/>
-              <a:t>DvNext</a:t>
+              <a:t>Form uses UDCX file that points to ASMX endpoint hosted on a different site collection then the actual form. E.g. form is hosted on </a:t>
+            </a:r>
+            <a:r>
+              <a:rPr lang="en-US" dirty="0">
+                <a:hlinkClick r:id="rId2"/>
+              </a:rPr>
+              <a:t>https://contoso.sharepoint.com/sites/HR</a:t>
             </a:r>
             <a:r>
               <a:rPr lang="en-US" dirty="0"/>
-              <a:t>/MT</a:t>
+              <a:t> whereas the UDCX points to an ASMX endpoint hosted in </a:t>
+            </a:r>
+            <a:r>
+              <a:rPr lang="en-US" dirty="0">
+                <a:hlinkClick r:id="rId3"/>
+              </a:rPr>
+              <a:t>https://contoso.sharepoint.com</a:t>
+            </a:r>
+            <a:r>
+              <a:rPr lang="en-US" dirty="0"/>
+              <a:t> </a:t>
+            </a:r>
+          </a:p>
+          <a:p>
+            <a:r>
+              <a:rPr lang="en-US" dirty="0"/>
+              <a:t>Root causes for incompliant UDCX files are:</a:t>
             </a:r>
           </a:p>
           <a:p>
             <a:pPr lvl="1"/>
             <a:r>
               <a:rPr lang="en-US" dirty="0"/>
-              <a:t>Unavailability of the “Authentication” section in the used UDCX files or embedded authentication in forms</a:t>
-            </a:r>
-          </a:p>
-          <a:p>
-            <a:pPr lvl="1"/>
-            <a:r>
-              <a:rPr lang="en-US" dirty="0"/>
-              <a:t>Embedded credentials</a:t>
-            </a:r>
-          </a:p>
-          <a:p>
-            <a:pPr lvl="1"/>
+              <a:t>UDCX files being copied/reused for new forms which are hosted in different site collections</a:t>
+            </a:r>
+          </a:p>
+          <a:p>
+            <a:pPr marL="284162" lvl="1" indent="0">
+              <a:buNone/>
+            </a:pPr>
             <a:endParaRPr lang="nl-BE" dirty="0"/>
           </a:p>
         </p:txBody>
@@ -25316,7 +26470,7 @@
     </p:spTree>
     <p:extLst>
       <p:ext uri="{BB962C8B-B14F-4D97-AF65-F5344CB8AC3E}">
-        <p14:creationId xmlns:p14="http://schemas.microsoft.com/office/powerpoint/2010/main" val="498940696"/>
+        <p14:creationId xmlns:p14="http://schemas.microsoft.com/office/powerpoint/2010/main" val="688777952"/>
       </p:ext>
     </p:extLst>
   </p:cSld>
@@ -25348,7 +26502,7 @@
       </p:grpSpPr>
       <p:sp>
         <p:nvSpPr>
-          <p:cNvPr id="4" name="Title 3"/>
+          <p:cNvPr id="2" name="Title 1"/>
           <p:cNvSpPr>
             <a:spLocks noGrp="1"/>
           </p:cNvSpPr>
@@ -25363,15 +26517,112 @@
           <a:p>
             <a:r>
               <a:rPr lang="en-US" dirty="0"/>
-              <a:t>Form Testing</a:t>
-            </a:r>
+              <a:t>Root causes – secured services</a:t>
+            </a:r>
+            <a:endParaRPr lang="nl-BE" dirty="0"/>
+          </a:p>
+        </p:txBody>
+      </p:sp>
+      <p:sp>
+        <p:nvSpPr>
+          <p:cNvPr id="3" name="Text Placeholder 2"/>
+          <p:cNvSpPr>
+            <a:spLocks noGrp="1"/>
+          </p:cNvSpPr>
+          <p:nvPr>
+            <p:ph type="body" sz="quarter" idx="10"/>
+          </p:nvPr>
+        </p:nvSpPr>
+        <p:spPr/>
+        <p:txBody>
+          <a:bodyPr/>
+          <a:lstStyle/>
+          <a:p>
+            <a:r>
+              <a:rPr lang="en-US" sz="3600" dirty="0"/>
+              <a:t>In </a:t>
+            </a:r>
+            <a:r>
+              <a:rPr lang="en-US" sz="3600" dirty="0" err="1"/>
+              <a:t>DvNext</a:t>
+            </a:r>
+            <a:r>
+              <a:rPr lang="en-US" sz="3600" dirty="0"/>
+              <a:t>/MT InfoPath Forms services cannot call protected services:</a:t>
+            </a:r>
+          </a:p>
+          <a:p>
+            <a:pPr lvl="1"/>
+            <a:endParaRPr lang="nl-BE" sz="400" dirty="0"/>
+          </a:p>
+          <a:p>
+            <a:pPr lvl="1"/>
+            <a:r>
+              <a:rPr lang="en-US" sz="2000" dirty="0"/>
+              <a:t>Adding credentials in the service request will fail</a:t>
+            </a:r>
+          </a:p>
+          <a:p>
+            <a:pPr lvl="1"/>
+            <a:r>
+              <a:rPr lang="en-US" sz="2000" dirty="0"/>
+              <a:t>Using credentials or a secure store definition will not work as the “Authentication” section of the UDCX files is prohibited in </a:t>
+            </a:r>
+            <a:r>
+              <a:rPr lang="en-US" sz="2000" dirty="0" err="1"/>
+              <a:t>DvNext</a:t>
+            </a:r>
+            <a:r>
+              <a:rPr lang="en-US" sz="2000" dirty="0"/>
+              <a:t>/MT</a:t>
+            </a:r>
+          </a:p>
+          <a:p>
+            <a:pPr lvl="1"/>
+            <a:r>
+              <a:rPr lang="en-US" sz="2000" b="1" dirty="0">
+                <a:solidFill>
+                  <a:srgbClr val="FF0000"/>
+                </a:solidFill>
+              </a:rPr>
+              <a:t>Resolution</a:t>
+            </a:r>
+            <a:r>
+              <a:rPr lang="en-US" sz="2000" dirty="0"/>
+              <a:t>:</a:t>
+            </a:r>
+          </a:p>
+          <a:p>
+            <a:pPr lvl="2"/>
+            <a:r>
+              <a:rPr lang="en-US" sz="2000" dirty="0"/>
+              <a:t>Make services unauthenticated callable and provide additional “security date” as input parameters to the service (for custom services)</a:t>
+            </a:r>
+          </a:p>
+          <a:p>
+            <a:pPr lvl="2"/>
+            <a:r>
+              <a:rPr lang="en-US" sz="2000" dirty="0"/>
+              <a:t>Create your own “proxy” service for existing SharePoint ASMX operations, see next slide for more details</a:t>
+            </a:r>
+          </a:p>
+          <a:p>
+            <a:pPr lvl="2"/>
+            <a:r>
+              <a:rPr lang="en-US" sz="2000" dirty="0"/>
+              <a:t>Move away from InfoPath and create a SharePoint Add-In</a:t>
+            </a:r>
+          </a:p>
+          <a:p>
+            <a:pPr lvl="2"/>
+            <a:endParaRPr lang="nl-BE" sz="2000" dirty="0"/>
           </a:p>
         </p:txBody>
       </p:sp>
     </p:spTree>
     <p:extLst>
       <p:ext uri="{BB962C8B-B14F-4D97-AF65-F5344CB8AC3E}">
-        <p14:creationId xmlns:p14="http://schemas.microsoft.com/office/powerpoint/2010/main" val="619161563"/>
+        <p14:creationId xmlns:p14="http://schemas.microsoft.com/office/powerpoint/2010/main" val="486089549"/>
       </p:ext>
     </p:extLst>
   </p:cSld>
@@ -25536,10 +26787,10 @@
           <a:lstStyle/>
           <a:p>
             <a:r>
-              <a:rPr lang="en-US" dirty="0"/>
-              <a:t>Introduction</a:t>
-            </a:r>
-            <a:endParaRPr lang="nl-BE" dirty="0"/>
+              <a:rPr lang="en-US" sz="4800" dirty="0"/>
+              <a:t>How to call an “not supported” ASMX service</a:t>
+            </a:r>
+            <a:endParaRPr lang="nl-BE" sz="4800" dirty="0"/>
           </a:p>
         </p:txBody>
       </p:sp>
@@ -25553,41 +26804,149 @@
             <p:ph type="body" sz="quarter" idx="10"/>
           </p:nvPr>
         </p:nvSpPr>
-        <p:spPr>
-          <a:xfrm>
-            <a:off x="519112" y="1447798"/>
-            <a:ext cx="11149013" cy="3475183"/>
-          </a:xfrm>
-        </p:spPr>
+        <p:spPr/>
         <p:txBody>
           <a:bodyPr/>
           <a:lstStyle/>
           <a:p>
             <a:r>
-              <a:rPr lang="en-US" dirty="0"/>
-              <a:t>The forms listed are potentially problematic forms…testing is the only way to rule out things:</a:t>
+              <a:rPr lang="en-US" sz="3600" dirty="0"/>
+              <a:t>Suppose you want to call the “</a:t>
+            </a:r>
+            <a:r>
+              <a:rPr lang="en-US" sz="3600" dirty="0" err="1"/>
+              <a:t>GetGroupCollectionFromUser</a:t>
+            </a:r>
+            <a:r>
+              <a:rPr lang="en-US" sz="3600" dirty="0"/>
+              <a:t>” operation of UserProfileService.asmx:</a:t>
             </a:r>
           </a:p>
           <a:p>
             <a:pPr lvl="1"/>
             <a:r>
-              <a:rPr lang="en-US" dirty="0"/>
-              <a:t>Some forms will simply work (forms with code marked as validation required)</a:t>
-            </a:r>
+              <a:rPr lang="en-US" sz="2000" dirty="0"/>
+              <a:t>Create a custom service endpoint (e.g. </a:t>
+            </a:r>
+            <a:r>
+              <a:rPr lang="en-US" sz="2000" dirty="0" err="1"/>
+              <a:t>ASMXWrapper</a:t>
+            </a:r>
+            <a:r>
+              <a:rPr lang="en-US" sz="2000" dirty="0"/>
+              <a:t>) with a method named </a:t>
+            </a:r>
+            <a:r>
+              <a:rPr lang="en-US" sz="2000" dirty="0" err="1"/>
+              <a:t>GetGroupCollectionFromUser</a:t>
+            </a:r>
+            <a:endParaRPr lang="en-US" sz="2000" dirty="0"/>
           </a:p>
           <a:p>
             <a:pPr lvl="1"/>
             <a:r>
-              <a:rPr lang="en-US" dirty="0"/>
-              <a:t>Some forms can be made to work by changing / republishing them</a:t>
-            </a:r>
+              <a:rPr lang="en-US" sz="2000" dirty="0"/>
+              <a:t>Foresee string input parameters </a:t>
+            </a:r>
+            <a:r>
+              <a:rPr lang="en-US" sz="2000" dirty="0" err="1"/>
+              <a:t>ClientId</a:t>
+            </a:r>
+            <a:r>
+              <a:rPr lang="en-US" sz="2000" dirty="0"/>
+              <a:t> and </a:t>
+            </a:r>
+            <a:r>
+              <a:rPr lang="en-US" sz="2000" dirty="0" err="1"/>
+              <a:t>ClientSecret</a:t>
+            </a:r>
+            <a:r>
+              <a:rPr lang="en-US" sz="2000" dirty="0"/>
+              <a:t> next to the input parameters the original </a:t>
+            </a:r>
+            <a:r>
+              <a:rPr lang="en-US" sz="2000" dirty="0" err="1"/>
+              <a:t>asmx</a:t>
+            </a:r>
+            <a:r>
+              <a:rPr lang="en-US" sz="2000" dirty="0"/>
+              <a:t> operation had</a:t>
+            </a:r>
+          </a:p>
+          <a:p>
+            <a:pPr lvl="1"/>
+            <a:r>
+              <a:rPr lang="en-US" sz="2000" dirty="0"/>
+              <a:t>Register this </a:t>
+            </a:r>
+            <a:r>
+              <a:rPr lang="en-US" sz="2000" dirty="0" err="1"/>
+              <a:t>clientID</a:t>
+            </a:r>
+            <a:r>
+              <a:rPr lang="en-US" sz="2000" dirty="0"/>
+              <a:t>/Secret combination in the farm by either making an app and installing it or by using appregnew.aspx/appinv.aspx (check the allow App-Only option)</a:t>
+            </a:r>
+          </a:p>
+          <a:p>
+            <a:pPr lvl="1"/>
+            <a:r>
+              <a:rPr lang="en-US" sz="2000" dirty="0"/>
+              <a:t>Host this service endpoint anonymously</a:t>
+            </a:r>
+          </a:p>
+          <a:p>
+            <a:pPr lvl="1"/>
+            <a:r>
+              <a:rPr lang="en-US" sz="2000" dirty="0"/>
+              <a:t>Adjust your existing InfoPath form to point to this new endpoint and hardcoded provide the client/secret combination in your form</a:t>
+            </a:r>
+          </a:p>
+          <a:p>
+            <a:pPr lvl="1"/>
+            <a:r>
+              <a:rPr lang="en-US" sz="2000" dirty="0"/>
+              <a:t>In the service create an </a:t>
+            </a:r>
+            <a:r>
+              <a:rPr lang="en-US" sz="2000" dirty="0" err="1"/>
+              <a:t>apponly</a:t>
+            </a:r>
+            <a:r>
+              <a:rPr lang="en-US" sz="2000" dirty="0"/>
+              <a:t> </a:t>
+            </a:r>
+            <a:r>
+              <a:rPr lang="en-US" sz="2000" dirty="0" err="1"/>
+              <a:t>clientcontext</a:t>
+            </a:r>
+            <a:r>
+              <a:rPr lang="en-US" sz="2000" dirty="0"/>
+              <a:t> to talk back to SharePoint</a:t>
+            </a:r>
+          </a:p>
+          <a:p>
+            <a:pPr lvl="1"/>
+            <a:endParaRPr lang="en-US" sz="2000" dirty="0"/>
+          </a:p>
+          <a:p>
+            <a:pPr lvl="1"/>
+            <a:endParaRPr lang="en-US" sz="2000" dirty="0"/>
+          </a:p>
+          <a:p>
+            <a:pPr lvl="1"/>
+            <a:endParaRPr lang="nl-BE" sz="400" dirty="0"/>
+          </a:p>
+          <a:p>
+            <a:pPr lvl="1"/>
+            <a:endParaRPr lang="nl-BE" sz="2000" dirty="0"/>
           </a:p>
         </p:txBody>
       </p:sp>
     </p:spTree>
     <p:extLst>
       <p:ext uri="{BB962C8B-B14F-4D97-AF65-F5344CB8AC3E}">
-        <p14:creationId xmlns:p14="http://schemas.microsoft.com/office/powerpoint/2010/main" val="3284390499"/>
+        <p14:creationId xmlns:p14="http://schemas.microsoft.com/office/powerpoint/2010/main" val="1419739233"/>
       </p:ext>
     </p:extLst>
   </p:cSld>
@@ -25634,7 +26993,7 @@
           <a:p>
             <a:r>
               <a:rPr lang="en-US" dirty="0"/>
-              <a:t>Test environments</a:t>
+              <a:t>Root causes – Network setup</a:t>
             </a:r>
             <a:endParaRPr lang="nl-BE" dirty="0"/>
           </a:p>
@@ -25657,48 +27016,30 @@
           <a:p>
             <a:r>
               <a:rPr lang="en-US" dirty="0"/>
-              <a:t>You’ve started the </a:t>
-            </a:r>
-            <a:r>
-              <a:rPr lang="en-US" dirty="0" err="1"/>
-              <a:t>DvNext</a:t>
-            </a:r>
+              <a:t>InfoPath forms services is the SharePoint component that executes soap/rest calls</a:t>
+            </a:r>
+          </a:p>
+          <a:p>
+            <a:pPr lvl="1"/>
             <a:r>
               <a:rPr lang="en-US" dirty="0"/>
-              <a:t>/MT migration:</a:t>
+              <a:t>SP servers should be able to resolve the service host name</a:t>
             </a:r>
           </a:p>
           <a:p>
             <a:pPr lvl="1"/>
             <a:r>
               <a:rPr lang="en-US" dirty="0"/>
-              <a:t>Test in a </a:t>
-            </a:r>
-            <a:r>
-              <a:rPr lang="en-US" dirty="0" err="1"/>
-              <a:t>DvNext</a:t>
-            </a:r>
-            <a:r>
-              <a:rPr lang="en-US" dirty="0"/>
-              <a:t>/MT environment:</a:t>
-            </a:r>
-          </a:p>
-          <a:p>
-            <a:pPr lvl="2"/>
-            <a:r>
-              <a:rPr lang="en-US" dirty="0"/>
-              <a:t>Create a test site collection and publish the needed forms in that site collection</a:t>
-            </a:r>
-          </a:p>
-          <a:p>
-            <a:endParaRPr lang="en-US" dirty="0"/>
+              <a:t>SP servers should be able to have a network path to the service endpoint</a:t>
+            </a:r>
+            <a:endParaRPr lang="nl-BE" dirty="0"/>
           </a:p>
         </p:txBody>
       </p:sp>
     </p:spTree>
     <p:extLst>
       <p:ext uri="{BB962C8B-B14F-4D97-AF65-F5344CB8AC3E}">
-        <p14:creationId xmlns:p14="http://schemas.microsoft.com/office/powerpoint/2010/main" val="3056778169"/>
+        <p14:creationId xmlns:p14="http://schemas.microsoft.com/office/powerpoint/2010/main" val="1907321050"/>
       </p:ext>
     </p:extLst>
   </p:cSld>
@@ -25745,7 +27086,7 @@
           <a:p>
             <a:r>
               <a:rPr lang="en-US" dirty="0"/>
-              <a:t>Basic testing approach</a:t>
+              <a:t>Root causes – Network setup - DNS</a:t>
             </a:r>
             <a:endParaRPr lang="nl-BE" dirty="0"/>
           </a:p>
@@ -25758,40 +27099,129 @@
             <a:spLocks noGrp="1"/>
           </p:cNvSpPr>
           <p:nvPr>
-            <p:ph type="body" sz="quarter" idx="12"/>
+            <p:ph type="body" sz="quarter" idx="10"/>
           </p:nvPr>
         </p:nvSpPr>
-        <p:spPr/>
+        <p:spPr>
+          <a:xfrm>
+            <a:off x="519112" y="1447798"/>
+            <a:ext cx="11149013" cy="4795119"/>
+          </a:xfrm>
+        </p:spPr>
         <p:txBody>
           <a:bodyPr/>
           <a:lstStyle/>
           <a:p>
-            <a:endParaRPr lang="nl-BE"/>
+            <a:r>
+              <a:rPr lang="en-US" sz="3600" dirty="0"/>
+              <a:t>What’s the setup in “current” D:</a:t>
+            </a:r>
+          </a:p>
+          <a:p>
+            <a:pPr lvl="1"/>
+            <a:r>
+              <a:rPr lang="en-US" sz="2000" dirty="0"/>
+              <a:t>Most customers have a private MPLS connection with MSFT</a:t>
+            </a:r>
+          </a:p>
+          <a:p>
+            <a:pPr lvl="1"/>
+            <a:r>
+              <a:rPr lang="en-US" sz="2000" dirty="0"/>
+              <a:t>Customers have AD/DNS integration with MSFT via their private MPLS link</a:t>
+            </a:r>
+          </a:p>
+          <a:p>
+            <a:pPr lvl="1"/>
+            <a:r>
+              <a:rPr lang="en-US" sz="2000" b="1" dirty="0"/>
+              <a:t>Result:</a:t>
+            </a:r>
+            <a:r>
+              <a:rPr lang="en-US" sz="2000" dirty="0"/>
+              <a:t> SP servers can resolve hosts from internal customer DNS</a:t>
+            </a:r>
+          </a:p>
+          <a:p>
+            <a:r>
+              <a:rPr lang="en-US" sz="3600" dirty="0"/>
+              <a:t>What’s the setup in </a:t>
+            </a:r>
+            <a:r>
+              <a:rPr lang="en-US" sz="3600" dirty="0" err="1"/>
+              <a:t>DvNext</a:t>
+            </a:r>
+            <a:r>
+              <a:rPr lang="en-US" sz="3600" dirty="0"/>
+              <a:t>:</a:t>
+            </a:r>
+          </a:p>
+          <a:p>
+            <a:pPr lvl="1"/>
+            <a:r>
+              <a:rPr lang="en-US" sz="2000" dirty="0"/>
+              <a:t>Most customers have a private MPLS/AER connection with MSFT</a:t>
+            </a:r>
+          </a:p>
+          <a:p>
+            <a:pPr lvl="1"/>
+            <a:r>
+              <a:rPr lang="en-US" sz="2000" dirty="0"/>
+              <a:t>There’s </a:t>
+            </a:r>
+            <a:r>
+              <a:rPr lang="en-US" sz="2000" b="1" dirty="0"/>
+              <a:t>*no* </a:t>
+            </a:r>
+            <a:r>
+              <a:rPr lang="en-US" sz="2000" dirty="0"/>
+              <a:t>AD/DNS integration anymore</a:t>
+            </a:r>
+          </a:p>
+          <a:p>
+            <a:pPr lvl="1"/>
+            <a:r>
+              <a:rPr lang="en-US" sz="2000" b="1" dirty="0"/>
+              <a:t>Result</a:t>
+            </a:r>
+            <a:r>
+              <a:rPr lang="en-US" sz="2000" dirty="0"/>
+              <a:t>: SP servers cannot resolve hosts from internal DNS</a:t>
+            </a:r>
+          </a:p>
+          <a:p>
+            <a:pPr lvl="1"/>
+            <a:r>
+              <a:rPr lang="en-US" sz="2000" b="1" dirty="0">
+                <a:solidFill>
+                  <a:srgbClr val="EB3C00"/>
+                </a:solidFill>
+              </a:rPr>
+              <a:t>Resolution:</a:t>
+            </a:r>
+          </a:p>
+          <a:p>
+            <a:pPr lvl="2"/>
+            <a:r>
+              <a:rPr lang="en-US" sz="2000" dirty="0"/>
+              <a:t>Publish endpoints in public DNS (using internal IP addresses)</a:t>
+            </a:r>
           </a:p>
         </p:txBody>
       </p:sp>
     </p:spTree>
     <p:extLst>
       <p:ext uri="{BB962C8B-B14F-4D97-AF65-F5344CB8AC3E}">
-        <p14:creationId xmlns:p14="http://schemas.microsoft.com/office/powerpoint/2010/main" val="109414093"/>
+        <p14:creationId xmlns:p14="http://schemas.microsoft.com/office/powerpoint/2010/main" val="91924358"/>
       </p:ext>
     </p:extLst>
   </p:cSld>
   <p:clrMapOvr>
     <a:masterClrMapping/>
   </p:clrMapOvr>
-  <mc:AlternateContent xmlns:mc="http://schemas.openxmlformats.org/markup-compatibility/2006" xmlns:p14="http://schemas.microsoft.com/office/powerpoint/2010/main">
-    <mc:Choice Requires="p14">
-      <p:transition spd="slow" p14:dur="3400">
-        <p14:reveal/>
-      </p:transition>
-    </mc:Choice>
-    <mc:Fallback xmlns="">
-      <p:transition spd="slow">
-        <p:fade/>
-      </p:transition>
-    </mc:Fallback>
-  </mc:AlternateContent>
+  <p:transition>
+    <p:fade/>
+  </p:transition>
 </p:sld>
 </file>
 
@@ -25829,7 +27259,7 @@
           <a:p>
             <a:r>
               <a:rPr lang="en-US" dirty="0"/>
-              <a:t>Testing approach: list forms</a:t>
+              <a:t>Root causes – Network setup - Path</a:t>
             </a:r>
             <a:endParaRPr lang="nl-BE" dirty="0"/>
           </a:p>
@@ -25847,8 +27277,8 @@
         </p:nvSpPr>
         <p:spPr>
           <a:xfrm>
-            <a:off x="519112" y="1447799"/>
-            <a:ext cx="11149013" cy="4879110"/>
+            <a:off x="519112" y="1447798"/>
+            <a:ext cx="11149013" cy="4795119"/>
           </a:xfrm>
         </p:spPr>
         <p:txBody>
@@ -25856,86 +27286,99 @@
           <a:lstStyle/>
           <a:p>
             <a:r>
-              <a:rPr lang="en-US" dirty="0"/>
-              <a:t>InfoPath forms used to replace the OOB add/edit list forms:</a:t>
+              <a:rPr lang="en-US" sz="3600" dirty="0"/>
+              <a:t>What’s the setup in “current” D:</a:t>
             </a:r>
           </a:p>
           <a:p>
             <a:pPr lvl="1"/>
             <a:r>
-              <a:rPr lang="en-US" dirty="0"/>
-              <a:t>Create a list template from that list (</a:t>
-            </a:r>
-            <a:r>
-              <a:rPr lang="en-US" b="1" dirty="0"/>
-              <a:t>List Settings </a:t>
-            </a:r>
-            <a:r>
-              <a:rPr lang="en-US" b="1" dirty="0">
-                <a:sym typeface="Wingdings" panose="05000000000000000000" pitchFamily="2" charset="2"/>
+              <a:rPr lang="en-US" sz="2000" dirty="0"/>
+              <a:t>Most customers have a private MPLS connection with MSFT</a:t>
+            </a:r>
+          </a:p>
+          <a:p>
+            <a:pPr lvl="1"/>
+            <a:r>
+              <a:rPr lang="en-US" sz="2000" dirty="0"/>
+              <a:t>Customers have AD/DNS integration with MSFT via their private MPLS link</a:t>
+            </a:r>
+          </a:p>
+          <a:p>
+            <a:pPr lvl="1"/>
+            <a:r>
+              <a:rPr lang="en-US" sz="2000" b="1" dirty="0"/>
+              <a:t>Result:</a:t>
+            </a:r>
+            <a:r>
+              <a:rPr lang="en-US" sz="2000" dirty="0"/>
+              <a:t> SP servers have a path towards services running in customer premises</a:t>
+            </a:r>
+          </a:p>
+          <a:p>
+            <a:r>
+              <a:rPr lang="en-US" sz="3600" dirty="0"/>
+              <a:t>What’s the setup in </a:t>
+            </a:r>
+            <a:r>
+              <a:rPr lang="en-US" sz="3600" dirty="0" err="1"/>
+              <a:t>DvNext</a:t>
+            </a:r>
+            <a:r>
+              <a:rPr lang="en-US" sz="3600" dirty="0"/>
+              <a:t>:</a:t>
+            </a:r>
+          </a:p>
+          <a:p>
+            <a:pPr lvl="1"/>
+            <a:r>
+              <a:rPr lang="en-US" sz="2000" dirty="0"/>
+              <a:t>Most customers have a private MPLS/AER connection with MSFT</a:t>
+            </a:r>
+          </a:p>
+          <a:p>
+            <a:pPr lvl="1"/>
+            <a:r>
+              <a:rPr lang="en-US" sz="2000" dirty="0"/>
+              <a:t>Network ACL’s might have changed in the new setup</a:t>
+            </a:r>
+          </a:p>
+          <a:p>
+            <a:pPr lvl="1"/>
+            <a:r>
+              <a:rPr lang="en-US" sz="2000" b="1" dirty="0"/>
+              <a:t>Result</a:t>
+            </a:r>
+            <a:r>
+              <a:rPr lang="en-US" sz="2000" dirty="0"/>
+              <a:t>: SP servers running in the MSFT datacenter cannot reach services running in customer premises</a:t>
+            </a:r>
+          </a:p>
+          <a:p>
+            <a:pPr lvl="1"/>
+            <a:r>
+              <a:rPr lang="en-US" sz="2000" b="1" dirty="0">
+                <a:solidFill>
+                  <a:srgbClr val="EB3C00"/>
+                </a:solidFill>
               </a:rPr>
-              <a:t> Save list as template</a:t>
-            </a:r>
-            <a:r>
-              <a:rPr lang="en-US" dirty="0">
-                <a:sym typeface="Wingdings" panose="05000000000000000000" pitchFamily="2" charset="2"/>
-              </a:rPr>
-              <a:t>)</a:t>
-            </a:r>
-            <a:endParaRPr lang="en-US" dirty="0"/>
-          </a:p>
-          <a:p>
-            <a:pPr lvl="1"/>
-            <a:r>
-              <a:rPr lang="en-US" dirty="0"/>
-              <a:t>Download the list template from the “List Template” gallery (</a:t>
-            </a:r>
-            <a:r>
-              <a:rPr lang="en-US" b="1" dirty="0"/>
-              <a:t>Site Settings </a:t>
-            </a:r>
-            <a:r>
-              <a:rPr lang="en-US" b="1" dirty="0">
-                <a:sym typeface="Wingdings" panose="05000000000000000000" pitchFamily="2" charset="2"/>
-              </a:rPr>
-              <a:t> List templates</a:t>
-            </a:r>
-            <a:r>
-              <a:rPr lang="en-US" dirty="0">
-                <a:sym typeface="Wingdings" panose="05000000000000000000" pitchFamily="2" charset="2"/>
-              </a:rPr>
-              <a:t>)</a:t>
-            </a:r>
-            <a:endParaRPr lang="en-US" dirty="0"/>
-          </a:p>
-          <a:p>
-            <a:pPr lvl="1"/>
-            <a:r>
-              <a:rPr lang="en-US" dirty="0"/>
-              <a:t>Upload into the “List Template” gallery of the test site collection</a:t>
-            </a:r>
-          </a:p>
-          <a:p>
-            <a:pPr lvl="1"/>
-            <a:r>
-              <a:rPr lang="en-US" dirty="0"/>
-              <a:t>Create list based on the uploaded list template</a:t>
-            </a:r>
-          </a:p>
-          <a:p>
-            <a:pPr lvl="1"/>
-            <a:r>
-              <a:rPr lang="en-US" dirty="0"/>
-              <a:t>Test the form</a:t>
-            </a:r>
-            <a:endParaRPr lang="nl-BE" dirty="0"/>
+              <a:t>Resolution:</a:t>
+            </a:r>
+          </a:p>
+          <a:p>
+            <a:pPr lvl="2"/>
+            <a:r>
+              <a:rPr lang="en-US" sz="2000" dirty="0"/>
+              <a:t>Validate network path (MSFT does not have ACL’s on outbound/inbound traffic in case of private MPLS/AER connection)</a:t>
+            </a:r>
+            <a:endParaRPr lang="nl-BE" sz="2000" dirty="0"/>
           </a:p>
         </p:txBody>
       </p:sp>
     </p:spTree>
     <p:extLst>
       <p:ext uri="{BB962C8B-B14F-4D97-AF65-F5344CB8AC3E}">
-        <p14:creationId xmlns:p14="http://schemas.microsoft.com/office/powerpoint/2010/main" val="1786823227"/>
+        <p14:creationId xmlns:p14="http://schemas.microsoft.com/office/powerpoint/2010/main" val="3613163345"/>
       </p:ext>
     </p:extLst>
   </p:cSld>
@@ -25981,6 +27424,964 @@
           <a:lstStyle/>
           <a:p>
             <a:r>
+              <a:rPr lang="en-US" sz="4800" dirty="0"/>
+              <a:t>Root causes – Network setup - Certificates</a:t>
+            </a:r>
+            <a:endParaRPr lang="nl-BE" sz="4800" dirty="0"/>
+          </a:p>
+        </p:txBody>
+      </p:sp>
+      <p:sp>
+        <p:nvSpPr>
+          <p:cNvPr id="3" name="Text Placeholder 2"/>
+          <p:cNvSpPr>
+            <a:spLocks noGrp="1"/>
+          </p:cNvSpPr>
+          <p:nvPr>
+            <p:ph type="body" sz="quarter" idx="10"/>
+          </p:nvPr>
+        </p:nvSpPr>
+        <p:spPr/>
+        <p:txBody>
+          <a:bodyPr/>
+          <a:lstStyle/>
+          <a:p>
+            <a:r>
+              <a:rPr lang="en-US" dirty="0"/>
+              <a:t>What’s the setup in “current” D:</a:t>
+            </a:r>
+          </a:p>
+          <a:p>
+            <a:pPr lvl="1"/>
+            <a:r>
+              <a:rPr lang="en-US" dirty="0"/>
+              <a:t>Customer issued certs might be deployed to SP farm trusted certs</a:t>
+            </a:r>
+          </a:p>
+          <a:p>
+            <a:pPr lvl="1"/>
+            <a:r>
+              <a:rPr lang="en-US" dirty="0"/>
+              <a:t>Calling an service secured with a customer issued cert works</a:t>
+            </a:r>
+          </a:p>
+          <a:p>
+            <a:r>
+              <a:rPr lang="en-US" dirty="0"/>
+              <a:t>What’s the setup in </a:t>
+            </a:r>
+            <a:r>
+              <a:rPr lang="en-US" dirty="0" err="1"/>
+              <a:t>DvNext</a:t>
+            </a:r>
+            <a:r>
+              <a:rPr lang="en-US" dirty="0"/>
+              <a:t>/MT:</a:t>
+            </a:r>
+          </a:p>
+          <a:p>
+            <a:pPr lvl="1"/>
+            <a:r>
+              <a:rPr lang="en-US" dirty="0"/>
+              <a:t>Only certificates issued by publicly trusted authorities are trusted</a:t>
+            </a:r>
+          </a:p>
+          <a:p>
+            <a:pPr lvl="1"/>
+            <a:r>
+              <a:rPr lang="en-US" dirty="0"/>
+              <a:t>Calling services using a customer issued cert results in “The underlying connection was closed: Could not establish trust relationship for the SSL/TLS secure channel”</a:t>
+            </a:r>
+          </a:p>
+          <a:p>
+            <a:pPr lvl="1"/>
+            <a:r>
+              <a:rPr lang="en-US" b="1" dirty="0">
+                <a:solidFill>
+                  <a:srgbClr val="EB3C00"/>
+                </a:solidFill>
+              </a:rPr>
+              <a:t>Resolution:</a:t>
+            </a:r>
+          </a:p>
+          <a:p>
+            <a:pPr lvl="2"/>
+            <a:r>
+              <a:rPr lang="en-US" dirty="0"/>
+              <a:t>Switch service to use a publicly trusted certificate</a:t>
+            </a:r>
+          </a:p>
+          <a:p>
+            <a:pPr lvl="1"/>
+            <a:endParaRPr lang="en-US" dirty="0"/>
+          </a:p>
+          <a:p>
+            <a:endParaRPr lang="nl-BE" dirty="0"/>
+          </a:p>
+        </p:txBody>
+      </p:sp>
+    </p:spTree>
+    <p:extLst>
+      <p:ext uri="{BB962C8B-B14F-4D97-AF65-F5344CB8AC3E}">
+        <p14:creationId xmlns:p14="http://schemas.microsoft.com/office/powerpoint/2010/main" val="2175445403"/>
+      </p:ext>
+    </p:extLst>
+  </p:cSld>
+  <p:clrMapOvr>
+    <a:masterClrMapping/>
+  </p:clrMapOvr>
+  <p:transition>
+    <p:fade/>
+  </p:transition>
+</p:sld>
+</file>
+
+<file path=ppt/slides/slide35.xml><?xml version="1.0" encoding="utf-8"?>
+<p:sld xmlns:a="http://schemas.openxmlformats.org/drawingml/2006/main" xmlns:r="http://schemas.openxmlformats.org/officeDocument/2006/relationships" xmlns:p="http://schemas.openxmlformats.org/presentationml/2006/main">
+  <p:cSld>
+    <p:spTree>
+      <p:nvGrpSpPr>
+        <p:cNvPr id="1" name=""/>
+        <p:cNvGrpSpPr/>
+        <p:nvPr/>
+      </p:nvGrpSpPr>
+      <p:grpSpPr>
+        <a:xfrm>
+          <a:off x="0" y="0"/>
+          <a:ext cx="0" cy="0"/>
+          <a:chOff x="0" y="0"/>
+          <a:chExt cx="0" cy="0"/>
+        </a:xfrm>
+      </p:grpSpPr>
+      <p:sp>
+        <p:nvSpPr>
+          <p:cNvPr id="2" name="Title 1"/>
+          <p:cNvSpPr>
+            <a:spLocks noGrp="1"/>
+          </p:cNvSpPr>
+          <p:nvPr>
+            <p:ph type="title"/>
+          </p:nvPr>
+        </p:nvSpPr>
+        <p:spPr/>
+        <p:txBody>
+          <a:bodyPr/>
+          <a:lstStyle/>
+          <a:p>
+            <a:r>
+              <a:rPr lang="en-US" dirty="0"/>
+              <a:t>Forms with data connections</a:t>
+            </a:r>
+            <a:endParaRPr lang="nl-BE" dirty="0"/>
+          </a:p>
+        </p:txBody>
+      </p:sp>
+      <p:sp>
+        <p:nvSpPr>
+          <p:cNvPr id="3" name="Text Placeholder 2"/>
+          <p:cNvSpPr>
+            <a:spLocks noGrp="1"/>
+          </p:cNvSpPr>
+          <p:nvPr>
+            <p:ph type="body" sz="quarter" idx="10"/>
+          </p:nvPr>
+        </p:nvSpPr>
+        <p:spPr>
+          <a:xfrm>
+            <a:off x="4532529" y="1447799"/>
+            <a:ext cx="7135596" cy="2043636"/>
+          </a:xfrm>
+        </p:spPr>
+        <p:txBody>
+          <a:bodyPr/>
+          <a:lstStyle/>
+          <a:p>
+            <a:r>
+              <a:rPr lang="en-US" dirty="0"/>
+              <a:t>4 out of 25 variations have data connections that need to be validated</a:t>
+            </a:r>
+          </a:p>
+          <a:p>
+            <a:r>
+              <a:rPr lang="en-US" dirty="0"/>
+              <a:t>Root causes for failing data connections are:</a:t>
+            </a:r>
+          </a:p>
+          <a:p>
+            <a:pPr lvl="1"/>
+            <a:r>
+              <a:rPr lang="en-US" dirty="0"/>
+              <a:t>Network setup in </a:t>
+            </a:r>
+            <a:r>
+              <a:rPr lang="en-US" dirty="0" err="1"/>
+              <a:t>DvNext</a:t>
+            </a:r>
+            <a:r>
+              <a:rPr lang="en-US" dirty="0"/>
+              <a:t>/MT</a:t>
+            </a:r>
+          </a:p>
+          <a:p>
+            <a:pPr lvl="1"/>
+            <a:r>
+              <a:rPr lang="en-US" dirty="0"/>
+              <a:t>Unavailability of the “Authentication” section in the used UDCX files or embedded authentication in forms</a:t>
+            </a:r>
+          </a:p>
+          <a:p>
+            <a:pPr lvl="1"/>
+            <a:r>
+              <a:rPr lang="en-US" dirty="0"/>
+              <a:t>Embedded credentials</a:t>
+            </a:r>
+          </a:p>
+          <a:p>
+            <a:pPr lvl="1"/>
+            <a:endParaRPr lang="nl-BE" dirty="0"/>
+          </a:p>
+        </p:txBody>
+      </p:sp>
+      <p:pic>
+        <p:nvPicPr>
+          <p:cNvPr id="6" name="Picture 5"/>
+          <p:cNvPicPr>
+            <a:picLocks noChangeAspect="1"/>
+          </p:cNvPicPr>
+          <p:nvPr/>
+        </p:nvPicPr>
+        <p:blipFill>
+          <a:blip r:embed="rId2"/>
+          <a:stretch>
+            <a:fillRect/>
+          </a:stretch>
+        </p:blipFill>
+        <p:spPr>
+          <a:xfrm>
+            <a:off x="519112" y="1446094"/>
+            <a:ext cx="3737124" cy="2386293"/>
+          </a:xfrm>
+          <a:prstGeom prst="rect">
+            <a:avLst/>
+          </a:prstGeom>
+        </p:spPr>
+      </p:pic>
+    </p:spTree>
+    <p:extLst>
+      <p:ext uri="{BB962C8B-B14F-4D97-AF65-F5344CB8AC3E}">
+        <p14:creationId xmlns:p14="http://schemas.microsoft.com/office/powerpoint/2010/main" val="498940696"/>
+      </p:ext>
+    </p:extLst>
+  </p:cSld>
+  <p:clrMapOvr>
+    <a:masterClrMapping/>
+  </p:clrMapOvr>
+  <p:transition>
+    <p:fade/>
+  </p:transition>
+</p:sld>
+</file>
+
+<file path=ppt/slides/slide36.xml><?xml version="1.0" encoding="utf-8"?>
+<p:sld xmlns:a="http://schemas.openxmlformats.org/drawingml/2006/main" xmlns:r="http://schemas.openxmlformats.org/officeDocument/2006/relationships" xmlns:p="http://schemas.openxmlformats.org/presentationml/2006/main">
+  <p:cSld>
+    <p:spTree>
+      <p:nvGrpSpPr>
+        <p:cNvPr id="1" name=""/>
+        <p:cNvGrpSpPr/>
+        <p:nvPr/>
+      </p:nvGrpSpPr>
+      <p:grpSpPr>
+        <a:xfrm>
+          <a:off x="0" y="0"/>
+          <a:ext cx="0" cy="0"/>
+          <a:chOff x="0" y="0"/>
+          <a:chExt cx="0" cy="0"/>
+        </a:xfrm>
+      </p:grpSpPr>
+      <p:sp>
+        <p:nvSpPr>
+          <p:cNvPr id="4" name="Title 3"/>
+          <p:cNvSpPr>
+            <a:spLocks noGrp="1"/>
+          </p:cNvSpPr>
+          <p:nvPr>
+            <p:ph type="title"/>
+          </p:nvPr>
+        </p:nvSpPr>
+        <p:spPr/>
+        <p:txBody>
+          <a:bodyPr/>
+          <a:lstStyle/>
+          <a:p>
+            <a:r>
+              <a:rPr lang="en-US" dirty="0"/>
+              <a:t>Form Testing</a:t>
+            </a:r>
+          </a:p>
+        </p:txBody>
+      </p:sp>
+    </p:spTree>
+    <p:extLst>
+      <p:ext uri="{BB962C8B-B14F-4D97-AF65-F5344CB8AC3E}">
+        <p14:creationId xmlns:p14="http://schemas.microsoft.com/office/powerpoint/2010/main" val="619161563"/>
+      </p:ext>
+    </p:extLst>
+  </p:cSld>
+  <p:clrMapOvr>
+    <a:masterClrMapping/>
+  </p:clrMapOvr>
+  <p:transition>
+    <p:fade/>
+  </p:transition>
+</p:sld>
+</file>
+
+<file path=ppt/slides/slide37.xml><?xml version="1.0" encoding="utf-8"?>
+<p:sld xmlns:a="http://schemas.openxmlformats.org/drawingml/2006/main" xmlns:r="http://schemas.openxmlformats.org/officeDocument/2006/relationships" xmlns:p="http://schemas.openxmlformats.org/presentationml/2006/main">
+  <p:cSld>
+    <p:spTree>
+      <p:nvGrpSpPr>
+        <p:cNvPr id="1" name=""/>
+        <p:cNvGrpSpPr/>
+        <p:nvPr/>
+      </p:nvGrpSpPr>
+      <p:grpSpPr>
+        <a:xfrm>
+          <a:off x="0" y="0"/>
+          <a:ext cx="0" cy="0"/>
+          <a:chOff x="0" y="0"/>
+          <a:chExt cx="0" cy="0"/>
+        </a:xfrm>
+      </p:grpSpPr>
+      <p:sp>
+        <p:nvSpPr>
+          <p:cNvPr id="2" name="Title 1"/>
+          <p:cNvSpPr>
+            <a:spLocks noGrp="1"/>
+          </p:cNvSpPr>
+          <p:nvPr>
+            <p:ph type="title"/>
+          </p:nvPr>
+        </p:nvSpPr>
+        <p:spPr/>
+        <p:txBody>
+          <a:bodyPr/>
+          <a:lstStyle/>
+          <a:p>
+            <a:r>
+              <a:rPr lang="en-US" dirty="0"/>
+              <a:t>Introduction</a:t>
+            </a:r>
+            <a:endParaRPr lang="nl-BE" dirty="0"/>
+          </a:p>
+        </p:txBody>
+      </p:sp>
+      <p:sp>
+        <p:nvSpPr>
+          <p:cNvPr id="3" name="Text Placeholder 2"/>
+          <p:cNvSpPr>
+            <a:spLocks noGrp="1"/>
+          </p:cNvSpPr>
+          <p:nvPr>
+            <p:ph type="body" sz="quarter" idx="10"/>
+          </p:nvPr>
+        </p:nvSpPr>
+        <p:spPr>
+          <a:xfrm>
+            <a:off x="519112" y="1447798"/>
+            <a:ext cx="11149013" cy="3475183"/>
+          </a:xfrm>
+        </p:spPr>
+        <p:txBody>
+          <a:bodyPr/>
+          <a:lstStyle/>
+          <a:p>
+            <a:r>
+              <a:rPr lang="en-US" dirty="0"/>
+              <a:t>The forms listed are potentially problematic forms…testing is the only way to rule out things:</a:t>
+            </a:r>
+          </a:p>
+          <a:p>
+            <a:pPr lvl="1"/>
+            <a:r>
+              <a:rPr lang="en-US" dirty="0"/>
+              <a:t>Some forms will simply work (forms with code marked as validation required)</a:t>
+            </a:r>
+          </a:p>
+          <a:p>
+            <a:pPr lvl="1"/>
+            <a:r>
+              <a:rPr lang="en-US" dirty="0"/>
+              <a:t>Some forms can be made to work by changing / republishing them</a:t>
+            </a:r>
+          </a:p>
+        </p:txBody>
+      </p:sp>
+    </p:spTree>
+    <p:extLst>
+      <p:ext uri="{BB962C8B-B14F-4D97-AF65-F5344CB8AC3E}">
+        <p14:creationId xmlns:p14="http://schemas.microsoft.com/office/powerpoint/2010/main" val="3284390499"/>
+      </p:ext>
+    </p:extLst>
+  </p:cSld>
+  <p:clrMapOvr>
+    <a:masterClrMapping/>
+  </p:clrMapOvr>
+  <p:transition>
+    <p:fade/>
+  </p:transition>
+</p:sld>
+</file>
+
+<file path=ppt/slides/slide38.xml><?xml version="1.0" encoding="utf-8"?>
+<p:sld xmlns:a="http://schemas.openxmlformats.org/drawingml/2006/main" xmlns:r="http://schemas.openxmlformats.org/officeDocument/2006/relationships" xmlns:p="http://schemas.openxmlformats.org/presentationml/2006/main">
+  <p:cSld>
+    <p:spTree>
+      <p:nvGrpSpPr>
+        <p:cNvPr id="1" name=""/>
+        <p:cNvGrpSpPr/>
+        <p:nvPr/>
+      </p:nvGrpSpPr>
+      <p:grpSpPr>
+        <a:xfrm>
+          <a:off x="0" y="0"/>
+          <a:ext cx="0" cy="0"/>
+          <a:chOff x="0" y="0"/>
+          <a:chExt cx="0" cy="0"/>
+        </a:xfrm>
+      </p:grpSpPr>
+      <p:sp>
+        <p:nvSpPr>
+          <p:cNvPr id="2" name="Title 1"/>
+          <p:cNvSpPr>
+            <a:spLocks noGrp="1"/>
+          </p:cNvSpPr>
+          <p:nvPr>
+            <p:ph type="title"/>
+          </p:nvPr>
+        </p:nvSpPr>
+        <p:spPr/>
+        <p:txBody>
+          <a:bodyPr/>
+          <a:lstStyle/>
+          <a:p>
+            <a:r>
+              <a:rPr lang="en-US" dirty="0"/>
+              <a:t>Test environments</a:t>
+            </a:r>
+            <a:endParaRPr lang="nl-BE" dirty="0"/>
+          </a:p>
+        </p:txBody>
+      </p:sp>
+      <p:sp>
+        <p:nvSpPr>
+          <p:cNvPr id="3" name="Text Placeholder 2"/>
+          <p:cNvSpPr>
+            <a:spLocks noGrp="1"/>
+          </p:cNvSpPr>
+          <p:nvPr>
+            <p:ph type="body" sz="quarter" idx="10"/>
+          </p:nvPr>
+        </p:nvSpPr>
+        <p:spPr/>
+        <p:txBody>
+          <a:bodyPr/>
+          <a:lstStyle/>
+          <a:p>
+            <a:r>
+              <a:rPr lang="en-US" dirty="0"/>
+              <a:t>You’ve started the </a:t>
+            </a:r>
+            <a:r>
+              <a:rPr lang="en-US" dirty="0" err="1"/>
+              <a:t>DvNext</a:t>
+            </a:r>
+            <a:r>
+              <a:rPr lang="en-US" dirty="0"/>
+              <a:t> migration:</a:t>
+            </a:r>
+          </a:p>
+          <a:p>
+            <a:pPr lvl="1"/>
+            <a:r>
+              <a:rPr lang="en-US" dirty="0"/>
+              <a:t>Test in a </a:t>
+            </a:r>
+            <a:r>
+              <a:rPr lang="en-US" dirty="0" err="1"/>
+              <a:t>DvNext</a:t>
+            </a:r>
+            <a:r>
+              <a:rPr lang="en-US" dirty="0"/>
+              <a:t> environment:</a:t>
+            </a:r>
+          </a:p>
+          <a:p>
+            <a:pPr lvl="2"/>
+            <a:r>
+              <a:rPr lang="en-US" dirty="0"/>
+              <a:t>Create a test site collection and publish the needed forms in that site collection</a:t>
+            </a:r>
+          </a:p>
+          <a:p>
+            <a:pPr lvl="2"/>
+            <a:r>
+              <a:rPr lang="en-US" dirty="0"/>
+              <a:t>Use the production </a:t>
+            </a:r>
+            <a:r>
+              <a:rPr lang="en-US" dirty="0" err="1"/>
+              <a:t>DvNext</a:t>
+            </a:r>
+            <a:r>
+              <a:rPr lang="en-US" dirty="0"/>
+              <a:t> environment if already available, if not use the current dry-run environment</a:t>
+            </a:r>
+          </a:p>
+          <a:p>
+            <a:r>
+              <a:rPr lang="en-US" dirty="0"/>
+              <a:t>You’ve already a OneDrive on </a:t>
+            </a:r>
+            <a:r>
+              <a:rPr lang="en-US" dirty="0" err="1"/>
+              <a:t>DvNext</a:t>
+            </a:r>
+            <a:r>
+              <a:rPr lang="en-US" dirty="0"/>
+              <a:t>:</a:t>
+            </a:r>
+          </a:p>
+          <a:p>
+            <a:pPr lvl="1"/>
+            <a:r>
+              <a:rPr lang="en-US" dirty="0"/>
+              <a:t>Use your OneDrive site collection </a:t>
+            </a:r>
+            <a:r>
+              <a:rPr lang="en-US"/>
+              <a:t>to test</a:t>
+            </a:r>
+          </a:p>
+          <a:p>
+            <a:r>
+              <a:rPr lang="en-US" dirty="0" err="1"/>
+              <a:t>DvNext</a:t>
+            </a:r>
+            <a:r>
+              <a:rPr lang="en-US" dirty="0"/>
+              <a:t> migration still has to start:</a:t>
+            </a:r>
+          </a:p>
+          <a:p>
+            <a:pPr lvl="1"/>
+            <a:r>
+              <a:rPr lang="en-US" dirty="0"/>
+              <a:t>Use an MT environment to test as this is the closest to the future </a:t>
+            </a:r>
+            <a:r>
+              <a:rPr lang="en-US" dirty="0" err="1"/>
+              <a:t>DvNext</a:t>
+            </a:r>
+            <a:r>
+              <a:rPr lang="en-US" dirty="0"/>
+              <a:t> environment</a:t>
+            </a:r>
+            <a:endParaRPr lang="nl-BE" dirty="0"/>
+          </a:p>
+        </p:txBody>
+      </p:sp>
+    </p:spTree>
+    <p:extLst>
+      <p:ext uri="{BB962C8B-B14F-4D97-AF65-F5344CB8AC3E}">
+        <p14:creationId xmlns:p14="http://schemas.microsoft.com/office/powerpoint/2010/main" val="3056778169"/>
+      </p:ext>
+    </p:extLst>
+  </p:cSld>
+  <p:clrMapOvr>
+    <a:masterClrMapping/>
+  </p:clrMapOvr>
+  <p:transition>
+    <p:fade/>
+  </p:transition>
+</p:sld>
+</file>
+
+<file path=ppt/slides/slide39.xml><?xml version="1.0" encoding="utf-8"?>
+<p:sld xmlns:a="http://schemas.openxmlformats.org/drawingml/2006/main" xmlns:r="http://schemas.openxmlformats.org/officeDocument/2006/relationships" xmlns:p="http://schemas.openxmlformats.org/presentationml/2006/main">
+  <p:cSld>
+    <p:spTree>
+      <p:nvGrpSpPr>
+        <p:cNvPr id="1" name=""/>
+        <p:cNvGrpSpPr/>
+        <p:nvPr/>
+      </p:nvGrpSpPr>
+      <p:grpSpPr>
+        <a:xfrm>
+          <a:off x="0" y="0"/>
+          <a:ext cx="0" cy="0"/>
+          <a:chOff x="0" y="0"/>
+          <a:chExt cx="0" cy="0"/>
+        </a:xfrm>
+      </p:grpSpPr>
+      <p:sp>
+        <p:nvSpPr>
+          <p:cNvPr id="2" name="Title 1"/>
+          <p:cNvSpPr>
+            <a:spLocks noGrp="1"/>
+          </p:cNvSpPr>
+          <p:nvPr>
+            <p:ph type="title"/>
+          </p:nvPr>
+        </p:nvSpPr>
+        <p:spPr/>
+        <p:txBody>
+          <a:bodyPr/>
+          <a:lstStyle/>
+          <a:p>
+            <a:r>
+              <a:rPr lang="en-US" dirty="0"/>
+              <a:t>Basic testing approach</a:t>
+            </a:r>
+            <a:endParaRPr lang="nl-BE" dirty="0"/>
+          </a:p>
+        </p:txBody>
+      </p:sp>
+      <p:sp>
+        <p:nvSpPr>
+          <p:cNvPr id="3" name="Text Placeholder 2"/>
+          <p:cNvSpPr>
+            <a:spLocks noGrp="1"/>
+          </p:cNvSpPr>
+          <p:nvPr>
+            <p:ph type="body" sz="quarter" idx="12"/>
+          </p:nvPr>
+        </p:nvSpPr>
+        <p:spPr/>
+        <p:txBody>
+          <a:bodyPr/>
+          <a:lstStyle/>
+          <a:p>
+            <a:endParaRPr lang="nl-BE"/>
+          </a:p>
+        </p:txBody>
+      </p:sp>
+    </p:spTree>
+    <p:extLst>
+      <p:ext uri="{BB962C8B-B14F-4D97-AF65-F5344CB8AC3E}">
+        <p14:creationId xmlns:p14="http://schemas.microsoft.com/office/powerpoint/2010/main" val="109414093"/>
+      </p:ext>
+    </p:extLst>
+  </p:cSld>
+  <p:clrMapOvr>
+    <a:masterClrMapping/>
+  </p:clrMapOvr>
+  <mc:AlternateContent xmlns:mc="http://schemas.openxmlformats.org/markup-compatibility/2006" xmlns:p14="http://schemas.microsoft.com/office/powerpoint/2010/main">
+    <mc:Choice Requires="p14">
+      <p:transition spd="slow" p14:dur="3400">
+        <p14:reveal/>
+      </p:transition>
+    </mc:Choice>
+    <mc:Fallback xmlns="">
+      <p:transition spd="slow">
+        <p:fade/>
+      </p:transition>
+    </mc:Fallback>
+  </mc:AlternateContent>
+</p:sld>
+</file>
+
+<file path=ppt/slides/slide4.xml><?xml version="1.0" encoding="utf-8"?>
+<p:sld xmlns:a="http://schemas.openxmlformats.org/drawingml/2006/main" xmlns:r="http://schemas.openxmlformats.org/officeDocument/2006/relationships" xmlns:p="http://schemas.openxmlformats.org/presentationml/2006/main">
+  <p:cSld>
+    <p:spTree>
+      <p:nvGrpSpPr>
+        <p:cNvPr id="1" name=""/>
+        <p:cNvGrpSpPr/>
+        <p:nvPr/>
+      </p:nvGrpSpPr>
+      <p:grpSpPr>
+        <a:xfrm>
+          <a:off x="0" y="0"/>
+          <a:ext cx="0" cy="0"/>
+          <a:chOff x="0" y="0"/>
+          <a:chExt cx="0" cy="0"/>
+        </a:xfrm>
+      </p:grpSpPr>
+      <p:sp>
+        <p:nvSpPr>
+          <p:cNvPr id="3" name="Title 2"/>
+          <p:cNvSpPr>
+            <a:spLocks noGrp="1"/>
+          </p:cNvSpPr>
+          <p:nvPr>
+            <p:ph type="title"/>
+          </p:nvPr>
+        </p:nvSpPr>
+        <p:spPr/>
+        <p:txBody>
+          <a:bodyPr/>
+          <a:lstStyle/>
+          <a:p>
+            <a:r>
+              <a:rPr lang="en-US" dirty="0"/>
+              <a:t>Introduction</a:t>
+            </a:r>
+            <a:endParaRPr lang="nl-BE" dirty="0"/>
+          </a:p>
+        </p:txBody>
+      </p:sp>
+      <p:sp>
+        <p:nvSpPr>
+          <p:cNvPr id="4" name="Text Placeholder 3"/>
+          <p:cNvSpPr>
+            <a:spLocks noGrp="1"/>
+          </p:cNvSpPr>
+          <p:nvPr>
+            <p:ph type="body" sz="quarter" idx="10"/>
+          </p:nvPr>
+        </p:nvSpPr>
+        <p:spPr>
+          <a:xfrm>
+            <a:off x="519112" y="1447799"/>
+            <a:ext cx="11149013" cy="3857626"/>
+          </a:xfrm>
+        </p:spPr>
+        <p:txBody>
+          <a:bodyPr/>
+          <a:lstStyle/>
+          <a:p>
+            <a:r>
+              <a:rPr lang="en-US" dirty="0"/>
+              <a:t>SharePoint Online Dedicated customers are using a subset of InfoPath forms that stop working after migration to </a:t>
+            </a:r>
+            <a:r>
+              <a:rPr lang="en-US" dirty="0" err="1"/>
+              <a:t>DvNext</a:t>
+            </a:r>
+            <a:r>
+              <a:rPr lang="en-US" dirty="0"/>
+              <a:t> or MT</a:t>
+            </a:r>
+          </a:p>
+          <a:p>
+            <a:r>
+              <a:rPr lang="en-US" dirty="0"/>
+              <a:t>Microsoft is expanding the JDP (Joint Development Program) program to include InfoPath</a:t>
+            </a:r>
+          </a:p>
+          <a:p>
+            <a:r>
+              <a:rPr lang="en-US" dirty="0"/>
+              <a:t>You’ve opted to not participate in the program, but we wanted to share our data and approach with you</a:t>
+            </a:r>
+            <a:endParaRPr lang="nl-BE" dirty="0"/>
+          </a:p>
+        </p:txBody>
+      </p:sp>
+    </p:spTree>
+    <p:extLst>
+      <p:ext uri="{BB962C8B-B14F-4D97-AF65-F5344CB8AC3E}">
+        <p14:creationId xmlns:p14="http://schemas.microsoft.com/office/powerpoint/2010/main" val="2024968938"/>
+      </p:ext>
+    </p:extLst>
+  </p:cSld>
+  <p:clrMapOvr>
+    <a:masterClrMapping/>
+  </p:clrMapOvr>
+  <p:transition>
+    <p:fade/>
+  </p:transition>
+</p:sld>
+</file>
+
+<file path=ppt/slides/slide40.xml><?xml version="1.0" encoding="utf-8"?>
+<p:sld xmlns:a="http://schemas.openxmlformats.org/drawingml/2006/main" xmlns:r="http://schemas.openxmlformats.org/officeDocument/2006/relationships" xmlns:p="http://schemas.openxmlformats.org/presentationml/2006/main">
+  <p:cSld>
+    <p:spTree>
+      <p:nvGrpSpPr>
+        <p:cNvPr id="1" name=""/>
+        <p:cNvGrpSpPr/>
+        <p:nvPr/>
+      </p:nvGrpSpPr>
+      <p:grpSpPr>
+        <a:xfrm>
+          <a:off x="0" y="0"/>
+          <a:ext cx="0" cy="0"/>
+          <a:chOff x="0" y="0"/>
+          <a:chExt cx="0" cy="0"/>
+        </a:xfrm>
+      </p:grpSpPr>
+      <p:sp>
+        <p:nvSpPr>
+          <p:cNvPr id="2" name="Title 1"/>
+          <p:cNvSpPr>
+            <a:spLocks noGrp="1"/>
+          </p:cNvSpPr>
+          <p:nvPr>
+            <p:ph type="title"/>
+          </p:nvPr>
+        </p:nvSpPr>
+        <p:spPr/>
+        <p:txBody>
+          <a:bodyPr/>
+          <a:lstStyle/>
+          <a:p>
+            <a:r>
+              <a:rPr lang="en-US" dirty="0"/>
+              <a:t>Testing approach: list forms</a:t>
+            </a:r>
+            <a:endParaRPr lang="nl-BE" dirty="0"/>
+          </a:p>
+        </p:txBody>
+      </p:sp>
+      <p:sp>
+        <p:nvSpPr>
+          <p:cNvPr id="3" name="Text Placeholder 2"/>
+          <p:cNvSpPr>
+            <a:spLocks noGrp="1"/>
+          </p:cNvSpPr>
+          <p:nvPr>
+            <p:ph type="body" sz="quarter" idx="10"/>
+          </p:nvPr>
+        </p:nvSpPr>
+        <p:spPr>
+          <a:xfrm>
+            <a:off x="519112" y="1447799"/>
+            <a:ext cx="11149013" cy="4879110"/>
+          </a:xfrm>
+        </p:spPr>
+        <p:txBody>
+          <a:bodyPr/>
+          <a:lstStyle/>
+          <a:p>
+            <a:r>
+              <a:rPr lang="en-US" dirty="0"/>
+              <a:t>InfoPath forms used to replace the OOB add/edit list forms:</a:t>
+            </a:r>
+          </a:p>
+          <a:p>
+            <a:pPr lvl="1"/>
+            <a:r>
+              <a:rPr lang="en-US" dirty="0"/>
+              <a:t>Create a list template from that list (</a:t>
+            </a:r>
+            <a:r>
+              <a:rPr lang="en-US" b="1" dirty="0"/>
+              <a:t>List Settings </a:t>
+            </a:r>
+            <a:r>
+              <a:rPr lang="en-US" b="1" dirty="0">
+                <a:sym typeface="Wingdings" panose="05000000000000000000" pitchFamily="2" charset="2"/>
+              </a:rPr>
+              <a:t> Save list as template</a:t>
+            </a:r>
+            <a:r>
+              <a:rPr lang="en-US" dirty="0">
+                <a:sym typeface="Wingdings" panose="05000000000000000000" pitchFamily="2" charset="2"/>
+              </a:rPr>
+              <a:t>)</a:t>
+            </a:r>
+            <a:endParaRPr lang="en-US" dirty="0"/>
+          </a:p>
+          <a:p>
+            <a:pPr lvl="1"/>
+            <a:r>
+              <a:rPr lang="en-US" dirty="0"/>
+              <a:t>Download the list template from the “List Template” gallery (</a:t>
+            </a:r>
+            <a:r>
+              <a:rPr lang="en-US" b="1" dirty="0"/>
+              <a:t>Site Settings </a:t>
+            </a:r>
+            <a:r>
+              <a:rPr lang="en-US" b="1" dirty="0">
+                <a:sym typeface="Wingdings" panose="05000000000000000000" pitchFamily="2" charset="2"/>
+              </a:rPr>
+              <a:t> List templates</a:t>
+            </a:r>
+            <a:r>
+              <a:rPr lang="en-US" dirty="0">
+                <a:sym typeface="Wingdings" panose="05000000000000000000" pitchFamily="2" charset="2"/>
+              </a:rPr>
+              <a:t>)</a:t>
+            </a:r>
+            <a:endParaRPr lang="en-US" dirty="0"/>
+          </a:p>
+          <a:p>
+            <a:pPr lvl="1"/>
+            <a:r>
+              <a:rPr lang="en-US" dirty="0"/>
+              <a:t>Upload into the “List Template” gallery of the test site collection</a:t>
+            </a:r>
+          </a:p>
+          <a:p>
+            <a:pPr lvl="1"/>
+            <a:r>
+              <a:rPr lang="en-US" dirty="0"/>
+              <a:t>Create list based on the uploaded list template</a:t>
+            </a:r>
+          </a:p>
+          <a:p>
+            <a:pPr lvl="1"/>
+            <a:r>
+              <a:rPr lang="en-US" dirty="0"/>
+              <a:t>Test the form</a:t>
+            </a:r>
+            <a:endParaRPr lang="nl-BE" dirty="0"/>
+          </a:p>
+        </p:txBody>
+      </p:sp>
+    </p:spTree>
+    <p:extLst>
+      <p:ext uri="{BB962C8B-B14F-4D97-AF65-F5344CB8AC3E}">
+        <p14:creationId xmlns:p14="http://schemas.microsoft.com/office/powerpoint/2010/main" val="1786823227"/>
+      </p:ext>
+    </p:extLst>
+  </p:cSld>
+  <p:clrMapOvr>
+    <a:masterClrMapping/>
+  </p:clrMapOvr>
+  <p:transition>
+    <p:fade/>
+  </p:transition>
+</p:sld>
+</file>
+
+<file path=ppt/slides/slide41.xml><?xml version="1.0" encoding="utf-8"?>
+<p:sld xmlns:a="http://schemas.openxmlformats.org/drawingml/2006/main" xmlns:r="http://schemas.openxmlformats.org/officeDocument/2006/relationships" xmlns:p="http://schemas.openxmlformats.org/presentationml/2006/main">
+  <p:cSld>
+    <p:spTree>
+      <p:nvGrpSpPr>
+        <p:cNvPr id="1" name=""/>
+        <p:cNvGrpSpPr/>
+        <p:nvPr/>
+      </p:nvGrpSpPr>
+      <p:grpSpPr>
+        <a:xfrm>
+          <a:off x="0" y="0"/>
+          <a:ext cx="0" cy="0"/>
+          <a:chOff x="0" y="0"/>
+          <a:chExt cx="0" cy="0"/>
+        </a:xfrm>
+      </p:grpSpPr>
+      <p:sp>
+        <p:nvSpPr>
+          <p:cNvPr id="2" name="Title 1"/>
+          <p:cNvSpPr>
+            <a:spLocks noGrp="1"/>
+          </p:cNvSpPr>
+          <p:nvPr>
+            <p:ph type="title"/>
+          </p:nvPr>
+        </p:nvSpPr>
+        <p:spPr/>
+        <p:txBody>
+          <a:bodyPr/>
+          <a:lstStyle/>
+          <a:p>
+            <a:r>
               <a:rPr lang="en-US" dirty="0"/>
               <a:t>Testing approach: form library</a:t>
             </a:r>
@@ -26105,7 +28506,7 @@
 </p:sld>
 </file>
 
-<file path=ppt/slides/slide35.xml><?xml version="1.0" encoding="utf-8"?>
+<file path=ppt/slides/slide42.xml><?xml version="1.0" encoding="utf-8"?>
 <p:sld xmlns:a="http://schemas.openxmlformats.org/drawingml/2006/main" xmlns:r="http://schemas.openxmlformats.org/officeDocument/2006/relationships" xmlns:p="http://schemas.openxmlformats.org/presentationml/2006/main">
   <p:cSld>
     <p:spTree>
@@ -26664,7 +29065,7 @@
 </p:sld>
 </file>
 
-<file path=ppt/slides/slide36.xml><?xml version="1.0" encoding="utf-8"?>
+<file path=ppt/slides/slide43.xml><?xml version="1.0" encoding="utf-8"?>
 <p:sld xmlns:a="http://schemas.openxmlformats.org/drawingml/2006/main" xmlns:r="http://schemas.openxmlformats.org/officeDocument/2006/relationships" xmlns:p="http://schemas.openxmlformats.org/presentationml/2006/main">
   <p:cSld>
     <p:spTree>
@@ -26748,7 +29149,7 @@
 </p:sld>
 </file>
 
-<file path=ppt/slides/slide37.xml><?xml version="1.0" encoding="utf-8"?>
+<file path=ppt/slides/slide44.xml><?xml version="1.0" encoding="utf-8"?>
 <p:sld xmlns:a="http://schemas.openxmlformats.org/drawingml/2006/main" xmlns:r="http://schemas.openxmlformats.org/officeDocument/2006/relationships" xmlns:p="http://schemas.openxmlformats.org/presentationml/2006/main">
   <p:cSld>
     <p:spTree>
@@ -28406,7 +30807,7 @@
 </p:sld>
 </file>
 
-<file path=ppt/slides/slide38.xml><?xml version="1.0" encoding="utf-8"?>
+<file path=ppt/slides/slide45.xml><?xml version="1.0" encoding="utf-8"?>
 <p:sld xmlns:a="http://schemas.openxmlformats.org/drawingml/2006/main" xmlns:r="http://schemas.openxmlformats.org/officeDocument/2006/relationships" xmlns:p="http://schemas.openxmlformats.org/presentationml/2006/main">
   <p:cSld>
     <p:spTree>
@@ -28488,12 +30889,6 @@
             </a:endParaRPr>
           </a:p>
           <a:p>
-            <a:pPr marL="284162" lvl="1" indent="0">
-              <a:buNone/>
-            </a:pPr>
-            <a:endParaRPr lang="en-US" dirty="0"/>
-          </a:p>
-          <a:p>
             <a:r>
               <a:rPr lang="en-US" dirty="0"/>
               <a:t>Forms marked as “</a:t>
@@ -28513,10 +30908,28 @@
               <a:rPr lang="en-US" dirty="0"/>
               <a:t>Can be republished from the InfoPath XSN file</a:t>
             </a:r>
-            <a:br>
-              <a:rPr lang="en-US" dirty="0"/>
-            </a:br>
-            <a:endParaRPr lang="en-US" dirty="0"/>
+          </a:p>
+          <a:p>
+            <a:pPr lvl="1"/>
+            <a:r>
+              <a:rPr lang="en-US" b="1" dirty="0">
+                <a:solidFill>
+                  <a:srgbClr val="FF0000"/>
+                </a:solidFill>
+                <a:highlight>
+                  <a:srgbClr val="FFFF00"/>
+                </a:highlight>
+              </a:rPr>
+              <a:t>UPDATE</a:t>
+            </a:r>
+            <a:r>
+              <a:rPr lang="en-US" dirty="0">
+                <a:highlight>
+                  <a:srgbClr val="FFFF00"/>
+                </a:highlight>
+              </a:rPr>
+              <a:t>: these forms also require fixing since sandbox solutions with code are not allowed anymore</a:t>
+            </a:r>
           </a:p>
           <a:p>
             <a:r>
@@ -28554,7 +30967,7 @@
                   <a:schemeClr val="accent1"/>
                 </a:solidFill>
               </a:rPr>
-              <a:t>See the “fix” guidance in this deck</a:t>
+              <a:t>See the “fix” guidance in the InfoPath JDP Remediation deck</a:t>
             </a:r>
             <a:endParaRPr lang="nl-BE" dirty="0">
               <a:solidFill>
@@ -28595,7 +31008,7 @@
     </p:spTree>
     <p:extLst>
       <p:ext uri="{BB962C8B-B14F-4D97-AF65-F5344CB8AC3E}">
-        <p14:creationId xmlns:p14="http://schemas.microsoft.com/office/powerpoint/2010/main" val="1166020499"/>
+        <p14:creationId xmlns:p14="http://schemas.microsoft.com/office/powerpoint/2010/main" val="2744138275"/>
       </p:ext>
     </p:extLst>
   </p:cSld>
@@ -28608,7 +31021,7 @@
 </p:sld>
 </file>
 
-<file path=ppt/slides/slide39.xml><?xml version="1.0" encoding="utf-8"?>
+<file path=ppt/slides/slide46.xml><?xml version="1.0" encoding="utf-8"?>
 <p:sld xmlns:a="http://schemas.openxmlformats.org/drawingml/2006/main" xmlns:r="http://schemas.openxmlformats.org/officeDocument/2006/relationships" xmlns:p="http://schemas.openxmlformats.org/presentationml/2006/main">
   <p:cSld>
     <p:spTree>
@@ -31025,98 +33438,7 @@
 </p:sld>
 </file>
 
-<file path=ppt/slides/slide4.xml><?xml version="1.0" encoding="utf-8"?>
-<p:sld xmlns:a="http://schemas.openxmlformats.org/drawingml/2006/main" xmlns:r="http://schemas.openxmlformats.org/officeDocument/2006/relationships" xmlns:p="http://schemas.openxmlformats.org/presentationml/2006/main">
-  <p:cSld>
-    <p:spTree>
-      <p:nvGrpSpPr>
-        <p:cNvPr id="1" name=""/>
-        <p:cNvGrpSpPr/>
-        <p:nvPr/>
-      </p:nvGrpSpPr>
-      <p:grpSpPr>
-        <a:xfrm>
-          <a:off x="0" y="0"/>
-          <a:ext cx="0" cy="0"/>
-          <a:chOff x="0" y="0"/>
-          <a:chExt cx="0" cy="0"/>
-        </a:xfrm>
-      </p:grpSpPr>
-      <p:sp>
-        <p:nvSpPr>
-          <p:cNvPr id="3" name="Title 2"/>
-          <p:cNvSpPr>
-            <a:spLocks noGrp="1"/>
-          </p:cNvSpPr>
-          <p:nvPr>
-            <p:ph type="title"/>
-          </p:nvPr>
-        </p:nvSpPr>
-        <p:spPr/>
-        <p:txBody>
-          <a:bodyPr/>
-          <a:lstStyle/>
-          <a:p>
-            <a:r>
-              <a:rPr lang="en-US" dirty="0"/>
-              <a:t>Introduction</a:t>
-            </a:r>
-            <a:endParaRPr lang="nl-BE" dirty="0"/>
-          </a:p>
-        </p:txBody>
-      </p:sp>
-      <p:sp>
-        <p:nvSpPr>
-          <p:cNvPr id="4" name="Text Placeholder 3"/>
-          <p:cNvSpPr>
-            <a:spLocks noGrp="1"/>
-          </p:cNvSpPr>
-          <p:nvPr>
-            <p:ph type="body" sz="quarter" idx="10"/>
-          </p:nvPr>
-        </p:nvSpPr>
-        <p:spPr>
-          <a:xfrm>
-            <a:off x="519112" y="1447799"/>
-            <a:ext cx="11149013" cy="3857626"/>
-          </a:xfrm>
-        </p:spPr>
-        <p:txBody>
-          <a:bodyPr/>
-          <a:lstStyle/>
-          <a:p>
-            <a:r>
-              <a:rPr lang="en-US" dirty="0"/>
-              <a:t>SharePoint On-Premises customers are using a subset of InfoPath forms that stop working after migration to </a:t>
-            </a:r>
-            <a:r>
-              <a:rPr lang="en-US" dirty="0" err="1"/>
-              <a:t>DvNext</a:t>
-            </a:r>
-            <a:r>
-              <a:rPr lang="en-US" dirty="0"/>
-              <a:t> or MT</a:t>
-            </a:r>
-          </a:p>
-        </p:txBody>
-      </p:sp>
-    </p:spTree>
-    <p:extLst>
-      <p:ext uri="{BB962C8B-B14F-4D97-AF65-F5344CB8AC3E}">
-        <p14:creationId xmlns:p14="http://schemas.microsoft.com/office/powerpoint/2010/main" val="2024968938"/>
-      </p:ext>
-    </p:extLst>
-  </p:cSld>
-  <p:clrMapOvr>
-    <a:masterClrMapping/>
-  </p:clrMapOvr>
-  <p:transition>
-    <p:fade/>
-  </p:transition>
-</p:sld>
-</file>
-
-<file path=ppt/slides/slide40.xml><?xml version="1.0" encoding="utf-8"?>
+<file path=ppt/slides/slide47.xml><?xml version="1.0" encoding="utf-8"?>
 <p:sld xmlns:a="http://schemas.openxmlformats.org/drawingml/2006/main" xmlns:r="http://schemas.openxmlformats.org/officeDocument/2006/relationships" xmlns:p="http://schemas.openxmlformats.org/presentationml/2006/main">
   <p:cSld>
     <p:spTree>
@@ -31285,7 +33607,7 @@
 </p:sld>
 </file>
 
-<file path=ppt/slides/slide41.xml><?xml version="1.0" encoding="utf-8"?>
+<file path=ppt/slides/slide48.xml><?xml version="1.0" encoding="utf-8"?>
 <p:sld xmlns:a="http://schemas.openxmlformats.org/drawingml/2006/main" xmlns:r="http://schemas.openxmlformats.org/officeDocument/2006/relationships" xmlns:p="http://schemas.openxmlformats.org/presentationml/2006/main">
   <p:cSld>
     <p:spTree>
@@ -31467,7 +33789,7 @@
 </p:sld>
 </file>
 
-<file path=ppt/slides/slide42.xml><?xml version="1.0" encoding="utf-8"?>
+<file path=ppt/slides/slide49.xml><?xml version="1.0" encoding="utf-8"?>
 <p:sld xmlns:a="http://schemas.openxmlformats.org/drawingml/2006/main" xmlns:r="http://schemas.openxmlformats.org/officeDocument/2006/relationships" xmlns:p="http://schemas.openxmlformats.org/presentationml/2006/main">
   <p:cSld>
     <p:spTree>
@@ -32767,7 +35089,7 @@
 </p:sld>
 </file>
 
-<file path=ppt/slides/slide43.xml><?xml version="1.0" encoding="utf-8"?>
+<file path=ppt/slides/slide5.xml><?xml version="1.0" encoding="utf-8"?>
 <p:sld xmlns:a="http://schemas.openxmlformats.org/drawingml/2006/main" xmlns:r="http://schemas.openxmlformats.org/officeDocument/2006/relationships" xmlns:p="http://schemas.openxmlformats.org/presentationml/2006/main">
   <p:cSld>
     <p:spTree>
@@ -32800,6 +35122,114 @@
           <a:lstStyle/>
           <a:p>
             <a:r>
+              <a:rPr lang="en-US" dirty="0"/>
+              <a:t>Guiding principles</a:t>
+            </a:r>
+            <a:endParaRPr lang="nl-BE" dirty="0"/>
+          </a:p>
+        </p:txBody>
+      </p:sp>
+      <p:sp>
+        <p:nvSpPr>
+          <p:cNvPr id="3" name="Text Placeholder 2"/>
+          <p:cNvSpPr>
+            <a:spLocks noGrp="1"/>
+          </p:cNvSpPr>
+          <p:nvPr>
+            <p:ph type="body" sz="quarter" idx="10"/>
+          </p:nvPr>
+        </p:nvSpPr>
+        <p:spPr>
+          <a:xfrm>
+            <a:off x="519112" y="1447798"/>
+            <a:ext cx="11149013" cy="3238501"/>
+          </a:xfrm>
+        </p:spPr>
+        <p:txBody>
+          <a:bodyPr/>
+          <a:lstStyle/>
+          <a:p>
+            <a:r>
+              <a:rPr lang="en-US" dirty="0"/>
+              <a:t>InfoPath will continue to be supported on </a:t>
+            </a:r>
+            <a:r>
+              <a:rPr lang="en-US" dirty="0" err="1"/>
+              <a:t>DvNext</a:t>
+            </a:r>
+            <a:r>
+              <a:rPr lang="en-US" dirty="0"/>
+              <a:t>, MT and SP 2016 on-premises releases</a:t>
+            </a:r>
+          </a:p>
+          <a:p>
+            <a:r>
+              <a:rPr lang="en-US" dirty="0"/>
+              <a:t>Only a subset of forms use unsupported features, therefore, not all forms need to be remediated</a:t>
+            </a:r>
+          </a:p>
+          <a:p>
+            <a:r>
+              <a:rPr lang="en-US" dirty="0"/>
+              <a:t>The goal is to focus on the problematic forms that may cease to work properly after migration to </a:t>
+            </a:r>
+            <a:r>
+              <a:rPr lang="en-US" dirty="0" err="1"/>
+              <a:t>DvNext</a:t>
+            </a:r>
+            <a:endParaRPr lang="en-US" dirty="0"/>
+          </a:p>
+        </p:txBody>
+      </p:sp>
+    </p:spTree>
+    <p:extLst>
+      <p:ext uri="{BB962C8B-B14F-4D97-AF65-F5344CB8AC3E}">
+        <p14:creationId xmlns:p14="http://schemas.microsoft.com/office/powerpoint/2010/main" val="597255473"/>
+      </p:ext>
+    </p:extLst>
+  </p:cSld>
+  <p:clrMapOvr>
+    <a:masterClrMapping/>
+  </p:clrMapOvr>
+  <p:transition>
+    <p:fade/>
+  </p:transition>
+</p:sld>
+</file>
+
+<file path=ppt/slides/slide50.xml><?xml version="1.0" encoding="utf-8"?>
+<p:sld xmlns:a="http://schemas.openxmlformats.org/drawingml/2006/main" xmlns:r="http://schemas.openxmlformats.org/officeDocument/2006/relationships" xmlns:p="http://schemas.openxmlformats.org/presentationml/2006/main">
+  <p:cSld>
+    <p:spTree>
+      <p:nvGrpSpPr>
+        <p:cNvPr id="1" name=""/>
+        <p:cNvGrpSpPr/>
+        <p:nvPr/>
+      </p:nvGrpSpPr>
+      <p:grpSpPr>
+        <a:xfrm>
+          <a:off x="0" y="0"/>
+          <a:ext cx="0" cy="0"/>
+          <a:chOff x="0" y="0"/>
+          <a:chExt cx="0" cy="0"/>
+        </a:xfrm>
+      </p:grpSpPr>
+      <p:sp>
+        <p:nvSpPr>
+          <p:cNvPr id="2" name="Title 1"/>
+          <p:cNvSpPr>
+            <a:spLocks noGrp="1"/>
+          </p:cNvSpPr>
+          <p:nvPr>
+            <p:ph type="title"/>
+          </p:nvPr>
+        </p:nvSpPr>
+        <p:spPr/>
+        <p:txBody>
+          <a:bodyPr/>
+          <a:lstStyle/>
+          <a:p>
+            <a:r>
               <a:rPr lang="en-US" sz="4400" dirty="0"/>
               <a:t>Testing forms with unsupported data connections </a:t>
             </a:r>
@@ -32863,7 +35293,7 @@
 </p:sld>
 </file>
 
-<file path=ppt/slides/slide44.xml><?xml version="1.0" encoding="utf-8"?>
+<file path=ppt/slides/slide51.xml><?xml version="1.0" encoding="utf-8"?>
 <p:sld xmlns:a="http://schemas.openxmlformats.org/drawingml/2006/main" xmlns:r="http://schemas.openxmlformats.org/officeDocument/2006/relationships" xmlns:p="http://schemas.openxmlformats.org/presentationml/2006/main">
   <p:cSld>
     <p:spTree>
@@ -32918,7 +35348,7 @@
 </p:sld>
 </file>
 
-<file path=ppt/slides/slide45.xml><?xml version="1.0" encoding="utf-8"?>
+<file path=ppt/slides/slide52.xml><?xml version="1.0" encoding="utf-8"?>
 <p:sld xmlns:a="http://schemas.openxmlformats.org/drawingml/2006/main" xmlns:r="http://schemas.openxmlformats.org/officeDocument/2006/relationships" xmlns:p="http://schemas.openxmlformats.org/presentationml/2006/main">
   <p:cSld>
     <p:spTree>
@@ -32992,7 +35422,7 @@
 </p:sld>
 </file>
 
-<file path=ppt/slides/slide46.xml><?xml version="1.0" encoding="utf-8"?>
+<file path=ppt/slides/slide53.xml><?xml version="1.0" encoding="utf-8"?>
 <p:sld xmlns:a="http://schemas.openxmlformats.org/drawingml/2006/main" xmlns:r="http://schemas.openxmlformats.org/officeDocument/2006/relationships" xmlns:p="http://schemas.openxmlformats.org/presentationml/2006/main">
   <p:cSld>
     <p:spTree>
@@ -33076,7 +35506,7 @@
 </p:sld>
 </file>
 
-<file path=ppt/slides/slide47.xml><?xml version="1.0" encoding="utf-8"?>
+<file path=ppt/slides/slide54.xml><?xml version="1.0" encoding="utf-8"?>
 <p:sld xmlns:a="http://schemas.openxmlformats.org/drawingml/2006/main" xmlns:r="http://schemas.openxmlformats.org/officeDocument/2006/relationships" xmlns:p="http://schemas.openxmlformats.org/presentationml/2006/main">
   <p:cSld>
     <p:spTree>
@@ -35045,8 +37475,8 @@
         </p:nvSpPr>
         <p:spPr>
           <a:xfrm>
-            <a:off x="10353825" y="4615574"/>
-            <a:ext cx="322945" cy="215444"/>
+            <a:off x="10353826" y="4615574"/>
+            <a:ext cx="228204" cy="215444"/>
           </a:xfrm>
           <a:prstGeom prst="rect">
             <a:avLst/>
@@ -35854,7 +38284,7 @@
 </p:sld>
 </file>
 
-<file path=ppt/slides/slide48.xml><?xml version="1.0" encoding="utf-8"?>
+<file path=ppt/slides/slide55.xml><?xml version="1.0" encoding="utf-8"?>
 <p:sld xmlns:a="http://schemas.openxmlformats.org/drawingml/2006/main" xmlns:r="http://schemas.openxmlformats.org/officeDocument/2006/relationships" xmlns:p="http://schemas.openxmlformats.org/presentationml/2006/main">
   <p:cSld>
     <p:spTree>
@@ -35958,7 +38388,181 @@
 </p:sld>
 </file>
 
-<file path=ppt/slides/slide49.xml><?xml version="1.0" encoding="utf-8"?>
+<file path=ppt/slides/slide56.xml><?xml version="1.0" encoding="utf-8"?>
+<p:sld xmlns:a="http://schemas.openxmlformats.org/drawingml/2006/main" xmlns:r="http://schemas.openxmlformats.org/officeDocument/2006/relationships" xmlns:p="http://schemas.openxmlformats.org/presentationml/2006/main">
+  <p:cSld>
+    <p:spTree>
+      <p:nvGrpSpPr>
+        <p:cNvPr id="1" name=""/>
+        <p:cNvGrpSpPr/>
+        <p:nvPr/>
+      </p:nvGrpSpPr>
+      <p:grpSpPr>
+        <a:xfrm>
+          <a:off x="0" y="0"/>
+          <a:ext cx="0" cy="0"/>
+          <a:chOff x="0" y="0"/>
+          <a:chExt cx="0" cy="0"/>
+        </a:xfrm>
+      </p:grpSpPr>
+      <p:sp>
+        <p:nvSpPr>
+          <p:cNvPr id="2" name="Title 1"/>
+          <p:cNvSpPr>
+            <a:spLocks noGrp="1"/>
+          </p:cNvSpPr>
+          <p:nvPr>
+            <p:ph type="title"/>
+          </p:nvPr>
+        </p:nvSpPr>
+        <p:spPr/>
+        <p:txBody>
+          <a:bodyPr/>
+          <a:lstStyle/>
+          <a:p>
+            <a:r>
+              <a:rPr lang="en-US" dirty="0"/>
+              <a:t>Test environments</a:t>
+            </a:r>
+            <a:endParaRPr lang="nl-BE" dirty="0"/>
+          </a:p>
+        </p:txBody>
+      </p:sp>
+      <p:sp>
+        <p:nvSpPr>
+          <p:cNvPr id="3" name="Text Placeholder 2"/>
+          <p:cNvSpPr>
+            <a:spLocks noGrp="1"/>
+          </p:cNvSpPr>
+          <p:nvPr>
+            <p:ph type="body" sz="quarter" idx="10"/>
+          </p:nvPr>
+        </p:nvSpPr>
+        <p:spPr/>
+        <p:txBody>
+          <a:bodyPr/>
+          <a:lstStyle/>
+          <a:p>
+            <a:r>
+              <a:rPr lang="en-US" dirty="0"/>
+              <a:t>You’ve started the </a:t>
+            </a:r>
+            <a:r>
+              <a:rPr lang="en-US" dirty="0" err="1"/>
+              <a:t>DvNext</a:t>
+            </a:r>
+            <a:r>
+              <a:rPr lang="en-US" dirty="0"/>
+              <a:t> migration:</a:t>
+            </a:r>
+          </a:p>
+          <a:p>
+            <a:pPr lvl="1"/>
+            <a:r>
+              <a:rPr lang="en-US" dirty="0"/>
+              <a:t>Test in a </a:t>
+            </a:r>
+            <a:r>
+              <a:rPr lang="en-US" dirty="0" err="1"/>
+              <a:t>DvNext</a:t>
+            </a:r>
+            <a:r>
+              <a:rPr lang="en-US" dirty="0"/>
+              <a:t> environment:</a:t>
+            </a:r>
+          </a:p>
+          <a:p>
+            <a:pPr lvl="2"/>
+            <a:r>
+              <a:rPr lang="en-US" dirty="0"/>
+              <a:t>Create a test site collection and publish the needed forms in that site collection</a:t>
+            </a:r>
+          </a:p>
+          <a:p>
+            <a:pPr lvl="2"/>
+            <a:r>
+              <a:rPr lang="en-US" dirty="0"/>
+              <a:t>Use the production </a:t>
+            </a:r>
+            <a:r>
+              <a:rPr lang="en-US" dirty="0" err="1"/>
+              <a:t>DvNext</a:t>
+            </a:r>
+            <a:r>
+              <a:rPr lang="en-US" dirty="0"/>
+              <a:t> environment if already available, if not use the current dry-run environment</a:t>
+            </a:r>
+          </a:p>
+          <a:p>
+            <a:r>
+              <a:rPr lang="en-US" dirty="0"/>
+              <a:t>You’ve already a OneDrive on </a:t>
+            </a:r>
+            <a:r>
+              <a:rPr lang="en-US" dirty="0" err="1"/>
+              <a:t>DvNext</a:t>
+            </a:r>
+            <a:r>
+              <a:rPr lang="en-US" dirty="0"/>
+              <a:t>:</a:t>
+            </a:r>
+          </a:p>
+          <a:p>
+            <a:pPr lvl="1"/>
+            <a:r>
+              <a:rPr lang="en-US" dirty="0"/>
+              <a:t>Use your OneDrive site collection </a:t>
+            </a:r>
+            <a:r>
+              <a:rPr lang="en-US"/>
+              <a:t>to test</a:t>
+            </a:r>
+          </a:p>
+          <a:p>
+            <a:r>
+              <a:rPr lang="en-US" dirty="0" err="1"/>
+              <a:t>DvNext</a:t>
+            </a:r>
+            <a:r>
+              <a:rPr lang="en-US" dirty="0"/>
+              <a:t> migration still has to start:</a:t>
+            </a:r>
+          </a:p>
+          <a:p>
+            <a:pPr lvl="1"/>
+            <a:r>
+              <a:rPr lang="en-US" dirty="0"/>
+              <a:t>Use an MT environment to test as this is the closest to the future </a:t>
+            </a:r>
+            <a:r>
+              <a:rPr lang="en-US" dirty="0" err="1"/>
+              <a:t>DvNext</a:t>
+            </a:r>
+            <a:r>
+              <a:rPr lang="en-US" dirty="0"/>
+              <a:t> environment</a:t>
+            </a:r>
+            <a:endParaRPr lang="nl-BE" dirty="0"/>
+          </a:p>
+        </p:txBody>
+      </p:sp>
+    </p:spTree>
+    <p:extLst>
+      <p:ext uri="{BB962C8B-B14F-4D97-AF65-F5344CB8AC3E}">
+        <p14:creationId xmlns:p14="http://schemas.microsoft.com/office/powerpoint/2010/main" val="2935198463"/>
+      </p:ext>
+    </p:extLst>
+  </p:cSld>
+  <p:clrMapOvr>
+    <a:masterClrMapping/>
+  </p:clrMapOvr>
+  <p:transition>
+    <p:fade/>
+  </p:transition>
+</p:sld>
+</file>
+
+<file path=ppt/slides/slide57.xml><?xml version="1.0" encoding="utf-8"?>
 <p:sld xmlns:a="http://schemas.openxmlformats.org/drawingml/2006/main" xmlns:r="http://schemas.openxmlformats.org/officeDocument/2006/relationships" xmlns:p="http://schemas.openxmlformats.org/presentationml/2006/main">
   <p:cSld>
     <p:spTree>
@@ -36142,118 +38746,7 @@
 </p:sld>
 </file>
 
-<file path=ppt/slides/slide5.xml><?xml version="1.0" encoding="utf-8"?>
-<p:sld xmlns:a="http://schemas.openxmlformats.org/drawingml/2006/main" xmlns:r="http://schemas.openxmlformats.org/officeDocument/2006/relationships" xmlns:p="http://schemas.openxmlformats.org/presentationml/2006/main">
-  <p:cSld>
-    <p:spTree>
-      <p:nvGrpSpPr>
-        <p:cNvPr id="1" name=""/>
-        <p:cNvGrpSpPr/>
-        <p:nvPr/>
-      </p:nvGrpSpPr>
-      <p:grpSpPr>
-        <a:xfrm>
-          <a:off x="0" y="0"/>
-          <a:ext cx="0" cy="0"/>
-          <a:chOff x="0" y="0"/>
-          <a:chExt cx="0" cy="0"/>
-        </a:xfrm>
-      </p:grpSpPr>
-      <p:sp>
-        <p:nvSpPr>
-          <p:cNvPr id="2" name="Title 1"/>
-          <p:cNvSpPr>
-            <a:spLocks noGrp="1"/>
-          </p:cNvSpPr>
-          <p:nvPr>
-            <p:ph type="title"/>
-          </p:nvPr>
-        </p:nvSpPr>
-        <p:spPr/>
-        <p:txBody>
-          <a:bodyPr/>
-          <a:lstStyle/>
-          <a:p>
-            <a:r>
-              <a:rPr lang="en-US" dirty="0"/>
-              <a:t>Guiding principles</a:t>
-            </a:r>
-            <a:endParaRPr lang="nl-BE" dirty="0"/>
-          </a:p>
-        </p:txBody>
-      </p:sp>
-      <p:sp>
-        <p:nvSpPr>
-          <p:cNvPr id="3" name="Text Placeholder 2"/>
-          <p:cNvSpPr>
-            <a:spLocks noGrp="1"/>
-          </p:cNvSpPr>
-          <p:nvPr>
-            <p:ph type="body" sz="quarter" idx="10"/>
-          </p:nvPr>
-        </p:nvSpPr>
-        <p:spPr>
-          <a:xfrm>
-            <a:off x="519112" y="1447798"/>
-            <a:ext cx="11149013" cy="3238501"/>
-          </a:xfrm>
-        </p:spPr>
-        <p:txBody>
-          <a:bodyPr/>
-          <a:lstStyle/>
-          <a:p>
-            <a:r>
-              <a:rPr lang="en-US" dirty="0"/>
-              <a:t>InfoPath will continue to be supported on </a:t>
-            </a:r>
-            <a:r>
-              <a:rPr lang="en-US" dirty="0" err="1"/>
-              <a:t>DvNext</a:t>
-            </a:r>
-            <a:r>
-              <a:rPr lang="en-US" dirty="0"/>
-              <a:t>, MT and SP 2016 on-premises releases</a:t>
-            </a:r>
-          </a:p>
-          <a:p>
-            <a:r>
-              <a:rPr lang="en-US" dirty="0"/>
-              <a:t>Only a subset of forms use unsupported features, therefore, not all forms need to be remediated</a:t>
-            </a:r>
-          </a:p>
-          <a:p>
-            <a:r>
-              <a:rPr lang="en-US" dirty="0"/>
-              <a:t>The goal is to focus on the problematic forms that may cease to work properly after migration to </a:t>
-            </a:r>
-            <a:r>
-              <a:rPr lang="en-US" dirty="0" err="1"/>
-              <a:t>DvNext</a:t>
-            </a:r>
-            <a:r>
-              <a:rPr lang="en-US" dirty="0"/>
-              <a:t> / MT</a:t>
-            </a:r>
-          </a:p>
-        </p:txBody>
-      </p:sp>
-    </p:spTree>
-    <p:extLst>
-      <p:ext uri="{BB962C8B-B14F-4D97-AF65-F5344CB8AC3E}">
-        <p14:creationId xmlns:p14="http://schemas.microsoft.com/office/powerpoint/2010/main" val="597255473"/>
-      </p:ext>
-    </p:extLst>
-  </p:cSld>
-  <p:clrMapOvr>
-    <a:masterClrMapping/>
-  </p:clrMapOvr>
-  <p:transition>
-    <p:fade/>
-  </p:transition>
-</p:sld>
-</file>
-
-<file path=ppt/slides/slide50.xml><?xml version="1.0" encoding="utf-8"?>
+<file path=ppt/slides/slide58.xml><?xml version="1.0" encoding="utf-8"?>
 <p:sld xmlns:a="http://schemas.openxmlformats.org/drawingml/2006/main" xmlns:r="http://schemas.openxmlformats.org/officeDocument/2006/relationships" xmlns:p="http://schemas.openxmlformats.org/presentationml/2006/main">
   <p:cSld>
     <p:spTree>
@@ -36404,7 +38897,7 @@
 </p:sld>
 </file>
 
-<file path=ppt/slides/slide51.xml><?xml version="1.0" encoding="utf-8"?>
+<file path=ppt/slides/slide59.xml><?xml version="1.0" encoding="utf-8"?>
 <p:sld xmlns:a="http://schemas.openxmlformats.org/drawingml/2006/main" xmlns:r="http://schemas.openxmlformats.org/officeDocument/2006/relationships" xmlns:p="http://schemas.openxmlformats.org/presentationml/2006/main">
   <p:cSld>
     <p:spTree>
@@ -36967,7 +39460,671 @@
 </p:sld>
 </file>
 
-<file path=ppt/slides/slide52.xml><?xml version="1.0" encoding="utf-8"?>
+<file path=ppt/slides/slide6.xml><?xml version="1.0" encoding="utf-8"?>
+<p:sld xmlns:a="http://schemas.openxmlformats.org/drawingml/2006/main" xmlns:r="http://schemas.openxmlformats.org/officeDocument/2006/relationships" xmlns:p="http://schemas.openxmlformats.org/presentationml/2006/main">
+  <p:cSld>
+    <p:spTree>
+      <p:nvGrpSpPr>
+        <p:cNvPr id="1" name=""/>
+        <p:cNvGrpSpPr/>
+        <p:nvPr/>
+      </p:nvGrpSpPr>
+      <p:grpSpPr>
+        <a:xfrm>
+          <a:off x="0" y="0"/>
+          <a:ext cx="0" cy="0"/>
+          <a:chOff x="0" y="0"/>
+          <a:chExt cx="0" cy="0"/>
+        </a:xfrm>
+      </p:grpSpPr>
+      <p:sp>
+        <p:nvSpPr>
+          <p:cNvPr id="4" name="Title 3"/>
+          <p:cNvSpPr>
+            <a:spLocks noGrp="1"/>
+          </p:cNvSpPr>
+          <p:nvPr>
+            <p:ph type="title"/>
+          </p:nvPr>
+        </p:nvSpPr>
+        <p:spPr>
+          <a:xfrm>
+            <a:off x="314060" y="170238"/>
+            <a:ext cx="11149013" cy="747897"/>
+          </a:xfrm>
+        </p:spPr>
+        <p:txBody>
+          <a:bodyPr/>
+          <a:lstStyle/>
+          <a:p>
+            <a:r>
+              <a:rPr lang="en-US" sz="4800" dirty="0"/>
+              <a:t>Recommended steps</a:t>
+            </a:r>
+          </a:p>
+        </p:txBody>
+      </p:sp>
+      <p:sp>
+        <p:nvSpPr>
+          <p:cNvPr id="16" name="Rectangle 15"/>
+          <p:cNvSpPr/>
+          <p:nvPr>
+            <p:custDataLst>
+              <p:tags r:id="rId1"/>
+            </p:custDataLst>
+          </p:nvPr>
+        </p:nvSpPr>
+        <p:spPr bwMode="auto">
+          <a:xfrm>
+            <a:off x="7790229" y="1627001"/>
+            <a:ext cx="3031502" cy="526103"/>
+          </a:xfrm>
+          <a:prstGeom prst="rect">
+            <a:avLst/>
+          </a:prstGeom>
+          <a:solidFill>
+            <a:srgbClr val="008272"/>
+          </a:solidFill>
+          <a:ln>
+            <a:noFill/>
+            <a:headEnd type="none" w="med" len="med"/>
+            <a:tailEnd type="none" w="med" len="med"/>
+          </a:ln>
+          <a:effectLst/>
+        </p:spPr>
+        <p:style>
+          <a:lnRef idx="1">
+            <a:schemeClr val="accent2"/>
+          </a:lnRef>
+          <a:fillRef idx="3">
+            <a:schemeClr val="accent2"/>
+          </a:fillRef>
+          <a:effectRef idx="2">
+            <a:schemeClr val="accent2"/>
+          </a:effectRef>
+          <a:fontRef idx="minor">
+            <a:schemeClr val="lt1"/>
+          </a:fontRef>
+        </p:style>
+        <p:txBody>
+          <a:bodyPr rot="0" spcFirstLastPara="0" vertOverflow="overflow" horzOverflow="overflow" vert="horz" wrap="square" lIns="91416" tIns="45708" rIns="91416" bIns="45708" numCol="1" spcCol="0" rtlCol="0" fromWordArt="0" anchor="ctr" anchorCtr="0" forceAA="0" compatLnSpc="1">
+            <a:prstTxWarp prst="textNoShape">
+              <a:avLst/>
+            </a:prstTxWarp>
+            <a:noAutofit/>
+          </a:bodyPr>
+          <a:lstStyle/>
+          <a:p>
+            <a:pPr algn="ctr" defTabSz="913650" fontAlgn="base">
+              <a:spcBef>
+                <a:spcPct val="0"/>
+              </a:spcBef>
+              <a:spcAft>
+                <a:spcPct val="0"/>
+              </a:spcAft>
+            </a:pPr>
+            <a:r>
+              <a:rPr lang="en-US" sz="2000" dirty="0">
+                <a:gradFill flip="none" rotWithShape="1">
+                  <a:gsLst>
+                    <a:gs pos="0">
+                      <a:srgbClr val="FFFFFF"/>
+                    </a:gs>
+                    <a:gs pos="100000">
+                      <a:srgbClr val="FFFFFF"/>
+                    </a:gs>
+                  </a:gsLst>
+                  <a:lin ang="5400000" scaled="0"/>
+                  <a:tileRect/>
+                </a:gradFill>
+                <a:ea typeface="Segoe UI" pitchFamily="34" charset="0"/>
+                <a:cs typeface="Segoe UI Semibold" panose="020B0702040204020203" pitchFamily="34" charset="0"/>
+              </a:rPr>
+              <a:t>Remediation</a:t>
+            </a:r>
+          </a:p>
+        </p:txBody>
+      </p:sp>
+      <p:sp>
+        <p:nvSpPr>
+          <p:cNvPr id="17" name="Rectangle 16"/>
+          <p:cNvSpPr/>
+          <p:nvPr>
+            <p:custDataLst>
+              <p:tags r:id="rId2"/>
+            </p:custDataLst>
+          </p:nvPr>
+        </p:nvSpPr>
+        <p:spPr bwMode="auto">
+          <a:xfrm>
+            <a:off x="1275349" y="1627001"/>
+            <a:ext cx="3056705" cy="526103"/>
+          </a:xfrm>
+          <a:prstGeom prst="rect">
+            <a:avLst/>
+          </a:prstGeom>
+          <a:solidFill>
+            <a:schemeClr val="accent5"/>
+          </a:solidFill>
+          <a:ln>
+            <a:noFill/>
+            <a:headEnd type="none" w="med" len="med"/>
+            <a:tailEnd type="none" w="med" len="med"/>
+          </a:ln>
+          <a:effectLst/>
+        </p:spPr>
+        <p:style>
+          <a:lnRef idx="1">
+            <a:schemeClr val="accent2"/>
+          </a:lnRef>
+          <a:fillRef idx="3">
+            <a:schemeClr val="accent2"/>
+          </a:fillRef>
+          <a:effectRef idx="2">
+            <a:schemeClr val="accent2"/>
+          </a:effectRef>
+          <a:fontRef idx="minor">
+            <a:schemeClr val="lt1"/>
+          </a:fontRef>
+        </p:style>
+        <p:txBody>
+          <a:bodyPr rot="0" spcFirstLastPara="0" vertOverflow="overflow" horzOverflow="overflow" vert="horz" wrap="square" lIns="91416" tIns="45708" rIns="91416" bIns="45708" numCol="1" spcCol="0" rtlCol="0" fromWordArt="0" anchor="ctr" anchorCtr="0" forceAA="0" compatLnSpc="1">
+            <a:prstTxWarp prst="textNoShape">
+              <a:avLst/>
+            </a:prstTxWarp>
+            <a:noAutofit/>
+          </a:bodyPr>
+          <a:lstStyle/>
+          <a:p>
+            <a:pPr algn="ctr" defTabSz="913650" fontAlgn="base">
+              <a:spcBef>
+                <a:spcPct val="0"/>
+              </a:spcBef>
+              <a:spcAft>
+                <a:spcPct val="0"/>
+              </a:spcAft>
+            </a:pPr>
+            <a:r>
+              <a:rPr lang="en-US" sz="2000" dirty="0">
+                <a:gradFill flip="none" rotWithShape="1">
+                  <a:gsLst>
+                    <a:gs pos="0">
+                      <a:srgbClr val="FFFFFF"/>
+                    </a:gs>
+                    <a:gs pos="100000">
+                      <a:srgbClr val="FFFFFF"/>
+                    </a:gs>
+                  </a:gsLst>
+                  <a:lin ang="5400000" scaled="0"/>
+                  <a:tileRect/>
+                </a:gradFill>
+                <a:ea typeface="Segoe UI" pitchFamily="34" charset="0"/>
+                <a:cs typeface="Segoe UI Semibold" panose="020B0702040204020203" pitchFamily="34" charset="0"/>
+              </a:rPr>
+              <a:t>Analysis</a:t>
+            </a:r>
+          </a:p>
+        </p:txBody>
+      </p:sp>
+      <p:sp>
+        <p:nvSpPr>
+          <p:cNvPr id="18" name="Rectangle 17"/>
+          <p:cNvSpPr/>
+          <p:nvPr>
+            <p:custDataLst>
+              <p:tags r:id="rId3"/>
+            </p:custDataLst>
+          </p:nvPr>
+        </p:nvSpPr>
+        <p:spPr bwMode="auto">
+          <a:xfrm>
+            <a:off x="4524318" y="1628696"/>
+            <a:ext cx="3048443" cy="526103"/>
+          </a:xfrm>
+          <a:prstGeom prst="rect">
+            <a:avLst/>
+          </a:prstGeom>
+          <a:solidFill>
+            <a:srgbClr val="007FDE"/>
+          </a:solidFill>
+          <a:ln>
+            <a:noFill/>
+            <a:headEnd type="none" w="med" len="med"/>
+            <a:tailEnd type="none" w="med" len="med"/>
+          </a:ln>
+          <a:effectLst/>
+        </p:spPr>
+        <p:style>
+          <a:lnRef idx="1">
+            <a:schemeClr val="accent2"/>
+          </a:lnRef>
+          <a:fillRef idx="3">
+            <a:schemeClr val="accent2"/>
+          </a:fillRef>
+          <a:effectRef idx="2">
+            <a:schemeClr val="accent2"/>
+          </a:effectRef>
+          <a:fontRef idx="minor">
+            <a:schemeClr val="lt1"/>
+          </a:fontRef>
+        </p:style>
+        <p:txBody>
+          <a:bodyPr rot="0" spcFirstLastPara="0" vertOverflow="overflow" horzOverflow="overflow" vert="horz" wrap="square" lIns="91416" tIns="45708" rIns="91416" bIns="45708" numCol="1" spcCol="0" rtlCol="0" fromWordArt="0" anchor="ctr" anchorCtr="0" forceAA="0" compatLnSpc="1">
+            <a:prstTxWarp prst="textNoShape">
+              <a:avLst/>
+            </a:prstTxWarp>
+            <a:noAutofit/>
+          </a:bodyPr>
+          <a:lstStyle/>
+          <a:p>
+            <a:pPr algn="ctr" defTabSz="913650" fontAlgn="base">
+              <a:spcBef>
+                <a:spcPct val="0"/>
+              </a:spcBef>
+              <a:spcAft>
+                <a:spcPct val="0"/>
+              </a:spcAft>
+            </a:pPr>
+            <a:r>
+              <a:rPr lang="en-US" sz="2000" dirty="0">
+                <a:gradFill flip="none" rotWithShape="1">
+                  <a:gsLst>
+                    <a:gs pos="0">
+                      <a:srgbClr val="FFFFFF"/>
+                    </a:gs>
+                    <a:gs pos="100000">
+                      <a:srgbClr val="FFFFFF"/>
+                    </a:gs>
+                  </a:gsLst>
+                  <a:lin ang="5400000" scaled="0"/>
+                  <a:tileRect/>
+                </a:gradFill>
+                <a:ea typeface="Segoe UI" pitchFamily="34" charset="0"/>
+                <a:cs typeface="Segoe UI Semibold" panose="020B0702040204020203" pitchFamily="34" charset="0"/>
+              </a:rPr>
+              <a:t>Planning</a:t>
+            </a:r>
+          </a:p>
+        </p:txBody>
+      </p:sp>
+      <p:sp>
+        <p:nvSpPr>
+          <p:cNvPr id="19" name="TextBox 18"/>
+          <p:cNvSpPr txBox="1"/>
+          <p:nvPr/>
+        </p:nvSpPr>
+        <p:spPr>
+          <a:xfrm>
+            <a:off x="1317775" y="2125794"/>
+            <a:ext cx="2959554" cy="1141801"/>
+          </a:xfrm>
+          <a:prstGeom prst="rect">
+            <a:avLst/>
+          </a:prstGeom>
+          <a:noFill/>
+        </p:spPr>
+        <p:txBody>
+          <a:bodyPr wrap="square" lIns="91416" tIns="45708" rIns="91416" bIns="45708" rtlCol="0">
+            <a:noAutofit/>
+          </a:bodyPr>
+          <a:lstStyle/>
+          <a:p>
+            <a:pPr marL="285750" indent="-285750" defTabSz="913951">
+              <a:buFont typeface="Arial" panose="020B0604020202020204" pitchFamily="34" charset="0"/>
+              <a:buChar char="•"/>
+            </a:pPr>
+            <a:r>
+              <a:rPr lang="en-US" sz="1400" dirty="0">
+                <a:solidFill>
+                  <a:schemeClr val="bg2">
+                    <a:lumMod val="50000"/>
+                  </a:schemeClr>
+                </a:solidFill>
+                <a:cs typeface="Segoe UI" panose="020B0502040204020203" pitchFamily="34" charset="0"/>
+              </a:rPr>
+              <a:t>You verify which of the forms you receive from us are still needed. Exclude forms of which you’re sure they’re not relevant, the other should be taken over to the planning step</a:t>
+            </a:r>
+          </a:p>
+          <a:p>
+            <a:pPr defTabSz="913951"/>
+            <a:endParaRPr lang="en-US" sz="1400" dirty="0">
+              <a:solidFill>
+                <a:schemeClr val="bg2">
+                  <a:lumMod val="50000"/>
+                </a:schemeClr>
+              </a:solidFill>
+              <a:cs typeface="Segoe UI" panose="020B0502040204020203" pitchFamily="34" charset="0"/>
+            </a:endParaRPr>
+          </a:p>
+          <a:p>
+            <a:pPr defTabSz="913951"/>
+            <a:endParaRPr lang="en-US" sz="1400" dirty="0">
+              <a:solidFill>
+                <a:schemeClr val="bg2">
+                  <a:lumMod val="50000"/>
+                </a:schemeClr>
+              </a:solidFill>
+              <a:cs typeface="Segoe UI" panose="020B0502040204020203" pitchFamily="34" charset="0"/>
+            </a:endParaRPr>
+          </a:p>
+        </p:txBody>
+      </p:sp>
+      <p:sp>
+        <p:nvSpPr>
+          <p:cNvPr id="20" name="TextBox 19"/>
+          <p:cNvSpPr txBox="1"/>
+          <p:nvPr/>
+        </p:nvSpPr>
+        <p:spPr>
+          <a:xfrm>
+            <a:off x="7838476" y="2125794"/>
+            <a:ext cx="2773405" cy="1141799"/>
+          </a:xfrm>
+          <a:prstGeom prst="rect">
+            <a:avLst/>
+          </a:prstGeom>
+          <a:noFill/>
+        </p:spPr>
+        <p:txBody>
+          <a:bodyPr wrap="square" lIns="91416" tIns="45708" rIns="91416" bIns="45708" rtlCol="0">
+            <a:noAutofit/>
+          </a:bodyPr>
+          <a:lstStyle/>
+          <a:p>
+            <a:pPr marL="285750" indent="-285750" defTabSz="913951">
+              <a:buFont typeface="Arial" panose="020B0604020202020204" pitchFamily="34" charset="0"/>
+              <a:buChar char="•"/>
+            </a:pPr>
+            <a:r>
+              <a:rPr lang="en-US" sz="1400" dirty="0">
+                <a:solidFill>
+                  <a:schemeClr val="bg2">
+                    <a:lumMod val="50000"/>
+                  </a:schemeClr>
+                </a:solidFill>
+                <a:cs typeface="Segoe UI" panose="020B0502040204020203" pitchFamily="34" charset="0"/>
+              </a:rPr>
+              <a:t>You remediate the forms which were flagged in the planning step. This remediation is done by if possible fixing the form, if that’s not possible then an alternative has to be developed</a:t>
+            </a:r>
+          </a:p>
+        </p:txBody>
+      </p:sp>
+      <p:sp>
+        <p:nvSpPr>
+          <p:cNvPr id="22" name="TextBox 21"/>
+          <p:cNvSpPr txBox="1"/>
+          <p:nvPr/>
+        </p:nvSpPr>
+        <p:spPr>
+          <a:xfrm>
+            <a:off x="4534660" y="2127489"/>
+            <a:ext cx="2943725" cy="1123921"/>
+          </a:xfrm>
+          <a:prstGeom prst="rect">
+            <a:avLst/>
+          </a:prstGeom>
+          <a:noFill/>
+        </p:spPr>
+        <p:txBody>
+          <a:bodyPr wrap="square" lIns="91416" tIns="45708" rIns="91416" bIns="45708" rtlCol="0">
+            <a:noAutofit/>
+          </a:bodyPr>
+          <a:lstStyle/>
+          <a:p>
+            <a:pPr marL="285750" indent="-285750" defTabSz="913951">
+              <a:buFont typeface="Arial" panose="020B0604020202020204" pitchFamily="34" charset="0"/>
+              <a:buChar char="•"/>
+            </a:pPr>
+            <a:r>
+              <a:rPr lang="en-US" sz="1400" dirty="0">
+                <a:solidFill>
+                  <a:schemeClr val="bg2">
+                    <a:lumMod val="50000"/>
+                  </a:schemeClr>
+                </a:solidFill>
+                <a:cs typeface="Segoe UI" panose="020B0502040204020203" pitchFamily="34" charset="0"/>
+              </a:rPr>
+              <a:t>You test the forms taking over from analysis: you would want to understand which forms will fail as these forms will require remediation</a:t>
+            </a:r>
+          </a:p>
+        </p:txBody>
+      </p:sp>
+      <p:sp>
+        <p:nvSpPr>
+          <p:cNvPr id="5" name="Rectangle 4"/>
+          <p:cNvSpPr/>
+          <p:nvPr/>
+        </p:nvSpPr>
+        <p:spPr bwMode="auto">
+          <a:xfrm>
+            <a:off x="1275349" y="2153104"/>
+            <a:ext cx="3048443" cy="2681277"/>
+          </a:xfrm>
+          <a:prstGeom prst="rect">
+            <a:avLst/>
+          </a:prstGeom>
+          <a:noFill/>
+          <a:ln>
+            <a:solidFill>
+              <a:srgbClr val="00188F"/>
+            </a:solidFill>
+            <a:headEnd type="none" w="med" len="med"/>
+            <a:tailEnd type="none" w="med" len="med"/>
+          </a:ln>
+          <a:effectLst/>
+        </p:spPr>
+        <p:style>
+          <a:lnRef idx="1">
+            <a:schemeClr val="accent2"/>
+          </a:lnRef>
+          <a:fillRef idx="3">
+            <a:schemeClr val="accent2"/>
+          </a:fillRef>
+          <a:effectRef idx="2">
+            <a:schemeClr val="accent2"/>
+          </a:effectRef>
+          <a:fontRef idx="minor">
+            <a:schemeClr val="lt1"/>
+          </a:fontRef>
+        </p:style>
+        <p:txBody>
+          <a:bodyPr rot="0" spcFirstLastPara="0" vertOverflow="overflow" horzOverflow="overflow" vert="horz" wrap="square" lIns="45720" tIns="45720" rIns="45720" bIns="45720" numCol="1" spcCol="0" rtlCol="0" fromWordArt="0" anchor="ctr" anchorCtr="0" forceAA="0" compatLnSpc="1">
+            <a:prstTxWarp prst="textNoShape">
+              <a:avLst/>
+            </a:prstTxWarp>
+            <a:noAutofit/>
+          </a:bodyPr>
+          <a:lstStyle/>
+          <a:p>
+            <a:pPr algn="ctr" defTabSz="914099" fontAlgn="base">
+              <a:spcBef>
+                <a:spcPct val="0"/>
+              </a:spcBef>
+              <a:spcAft>
+                <a:spcPct val="0"/>
+              </a:spcAft>
+            </a:pPr>
+            <a:endParaRPr lang="en-US" sz="2000" dirty="0">
+              <a:gradFill>
+                <a:gsLst>
+                  <a:gs pos="0">
+                    <a:srgbClr val="FFFFFF"/>
+                  </a:gs>
+                  <a:gs pos="100000">
+                    <a:srgbClr val="FFFFFF"/>
+                  </a:gs>
+                </a:gsLst>
+                <a:lin ang="5400000" scaled="0"/>
+              </a:gradFill>
+              <a:ea typeface="Segoe UI" pitchFamily="34" charset="0"/>
+              <a:cs typeface="Segoe UI" pitchFamily="34" charset="0"/>
+            </a:endParaRPr>
+          </a:p>
+        </p:txBody>
+      </p:sp>
+      <p:sp>
+        <p:nvSpPr>
+          <p:cNvPr id="32" name="Rectangle 31"/>
+          <p:cNvSpPr/>
+          <p:nvPr/>
+        </p:nvSpPr>
+        <p:spPr bwMode="auto">
+          <a:xfrm>
+            <a:off x="4524319" y="2147396"/>
+            <a:ext cx="3039764" cy="2681277"/>
+          </a:xfrm>
+          <a:prstGeom prst="rect">
+            <a:avLst/>
+          </a:prstGeom>
+          <a:noFill/>
+          <a:ln>
+            <a:solidFill>
+              <a:srgbClr val="007FDE"/>
+            </a:solidFill>
+            <a:headEnd type="none" w="med" len="med"/>
+            <a:tailEnd type="none" w="med" len="med"/>
+          </a:ln>
+          <a:effectLst/>
+        </p:spPr>
+        <p:style>
+          <a:lnRef idx="1">
+            <a:schemeClr val="accent2"/>
+          </a:lnRef>
+          <a:fillRef idx="3">
+            <a:schemeClr val="accent2"/>
+          </a:fillRef>
+          <a:effectRef idx="2">
+            <a:schemeClr val="accent2"/>
+          </a:effectRef>
+          <a:fontRef idx="minor">
+            <a:schemeClr val="lt1"/>
+          </a:fontRef>
+        </p:style>
+        <p:txBody>
+          <a:bodyPr rot="0" spcFirstLastPara="0" vertOverflow="overflow" horzOverflow="overflow" vert="horz" wrap="square" lIns="45720" tIns="45720" rIns="45720" bIns="45720" numCol="1" spcCol="0" rtlCol="0" fromWordArt="0" anchor="ctr" anchorCtr="0" forceAA="0" compatLnSpc="1">
+            <a:prstTxWarp prst="textNoShape">
+              <a:avLst/>
+            </a:prstTxWarp>
+            <a:noAutofit/>
+          </a:bodyPr>
+          <a:lstStyle/>
+          <a:p>
+            <a:pPr algn="ctr" defTabSz="914099" fontAlgn="base">
+              <a:spcBef>
+                <a:spcPct val="0"/>
+              </a:spcBef>
+              <a:spcAft>
+                <a:spcPct val="0"/>
+              </a:spcAft>
+            </a:pPr>
+            <a:endParaRPr lang="en-US" sz="2000" dirty="0">
+              <a:gradFill>
+                <a:gsLst>
+                  <a:gs pos="0">
+                    <a:srgbClr val="FFFFFF"/>
+                  </a:gs>
+                  <a:gs pos="100000">
+                    <a:srgbClr val="FFFFFF"/>
+                  </a:gs>
+                </a:gsLst>
+                <a:lin ang="5400000" scaled="0"/>
+              </a:gradFill>
+              <a:ea typeface="Segoe UI" pitchFamily="34" charset="0"/>
+              <a:cs typeface="Segoe UI" pitchFamily="34" charset="0"/>
+            </a:endParaRPr>
+          </a:p>
+        </p:txBody>
+      </p:sp>
+      <p:sp>
+        <p:nvSpPr>
+          <p:cNvPr id="33" name="Rectangle 32"/>
+          <p:cNvSpPr/>
+          <p:nvPr/>
+        </p:nvSpPr>
+        <p:spPr bwMode="auto">
+          <a:xfrm>
+            <a:off x="7790230" y="2153103"/>
+            <a:ext cx="3022824" cy="2681277"/>
+          </a:xfrm>
+          <a:prstGeom prst="rect">
+            <a:avLst/>
+          </a:prstGeom>
+          <a:noFill/>
+          <a:ln>
+            <a:solidFill>
+              <a:srgbClr val="008272"/>
+            </a:solidFill>
+            <a:headEnd type="none" w="med" len="med"/>
+            <a:tailEnd type="none" w="med" len="med"/>
+          </a:ln>
+          <a:effectLst/>
+        </p:spPr>
+        <p:style>
+          <a:lnRef idx="1">
+            <a:schemeClr val="accent2"/>
+          </a:lnRef>
+          <a:fillRef idx="3">
+            <a:schemeClr val="accent2"/>
+          </a:fillRef>
+          <a:effectRef idx="2">
+            <a:schemeClr val="accent2"/>
+          </a:effectRef>
+          <a:fontRef idx="minor">
+            <a:schemeClr val="lt1"/>
+          </a:fontRef>
+        </p:style>
+        <p:txBody>
+          <a:bodyPr rot="0" spcFirstLastPara="0" vertOverflow="overflow" horzOverflow="overflow" vert="horz" wrap="square" lIns="45720" tIns="45720" rIns="45720" bIns="45720" numCol="1" spcCol="0" rtlCol="0" fromWordArt="0" anchor="ctr" anchorCtr="0" forceAA="0" compatLnSpc="1">
+            <a:prstTxWarp prst="textNoShape">
+              <a:avLst/>
+            </a:prstTxWarp>
+            <a:noAutofit/>
+          </a:bodyPr>
+          <a:lstStyle/>
+          <a:p>
+            <a:pPr algn="ctr" defTabSz="914099" fontAlgn="base">
+              <a:spcBef>
+                <a:spcPct val="0"/>
+              </a:spcBef>
+              <a:spcAft>
+                <a:spcPct val="0"/>
+              </a:spcAft>
+            </a:pPr>
+            <a:endParaRPr lang="en-US" sz="2000" dirty="0">
+              <a:gradFill>
+                <a:gsLst>
+                  <a:gs pos="0">
+                    <a:srgbClr val="FFFFFF"/>
+                  </a:gs>
+                  <a:gs pos="100000">
+                    <a:srgbClr val="FFFFFF"/>
+                  </a:gs>
+                </a:gsLst>
+                <a:lin ang="5400000" scaled="0"/>
+              </a:gradFill>
+              <a:ea typeface="Segoe UI" pitchFamily="34" charset="0"/>
+              <a:cs typeface="Segoe UI" pitchFamily="34" charset="0"/>
+            </a:endParaRPr>
+          </a:p>
+        </p:txBody>
+      </p:sp>
+    </p:spTree>
+    <p:extLst>
+      <p:ext uri="{BB962C8B-B14F-4D97-AF65-F5344CB8AC3E}">
+        <p14:creationId xmlns:p14="http://schemas.microsoft.com/office/powerpoint/2010/main" val="2959605369"/>
+      </p:ext>
+    </p:extLst>
+  </p:cSld>
+  <p:clrMapOvr>
+    <a:masterClrMapping/>
+  </p:clrMapOvr>
+  <p:transition>
+    <p:fade/>
+  </p:transition>
+</p:sld>
+</file>
+
+<file path=ppt/slides/slide60.xml><?xml version="1.0" encoding="utf-8"?>
 <p:sld xmlns:a="http://schemas.openxmlformats.org/drawingml/2006/main" xmlns:r="http://schemas.openxmlformats.org/officeDocument/2006/relationships" xmlns:p="http://schemas.openxmlformats.org/presentationml/2006/main">
   <p:cSld>
     <p:spTree>
@@ -37167,7 +40324,7 @@
 </p:sld>
 </file>
 
-<file path=ppt/slides/slide53.xml><?xml version="1.0" encoding="utf-8"?>
+<file path=ppt/slides/slide61.xml><?xml version="1.0" encoding="utf-8"?>
 <p:sld xmlns:a="http://schemas.openxmlformats.org/drawingml/2006/main" xmlns:r="http://schemas.openxmlformats.org/officeDocument/2006/relationships" xmlns:p="http://schemas.openxmlformats.org/presentationml/2006/main">
   <p:cSld>
     <p:spTree>
@@ -37320,7 +40477,7 @@
 </p:sld>
 </file>
 
-<file path=ppt/slides/slide54.xml><?xml version="1.0" encoding="utf-8"?>
+<file path=ppt/slides/slide62.xml><?xml version="1.0" encoding="utf-8"?>
 <p:sld xmlns:a="http://schemas.openxmlformats.org/drawingml/2006/main" xmlns:r="http://schemas.openxmlformats.org/officeDocument/2006/relationships" xmlns:p="http://schemas.openxmlformats.org/presentationml/2006/main">
   <p:cSld>
     <p:spTree>
@@ -37699,7 +40856,7 @@
 </p:sld>
 </file>
 
-<file path=ppt/slides/slide55.xml><?xml version="1.0" encoding="utf-8"?>
+<file path=ppt/slides/slide63.xml><?xml version="1.0" encoding="utf-8"?>
 <p:sld xmlns:a="http://schemas.openxmlformats.org/drawingml/2006/main" xmlns:r="http://schemas.openxmlformats.org/officeDocument/2006/relationships" xmlns:p="http://schemas.openxmlformats.org/presentationml/2006/main">
   <p:cSld>
     <p:spTree>
@@ -38056,7 +41213,7 @@
 </p:sld>
 </file>
 
-<file path=ppt/slides/slide56.xml><?xml version="1.0" encoding="utf-8"?>
+<file path=ppt/slides/slide64.xml><?xml version="1.0" encoding="utf-8"?>
 <p:sld xmlns:a="http://schemas.openxmlformats.org/drawingml/2006/main" xmlns:r="http://schemas.openxmlformats.org/officeDocument/2006/relationships" xmlns:p="http://schemas.openxmlformats.org/presentationml/2006/main">
   <p:cSld>
     <p:spTree>
@@ -38397,7 +41554,7 @@
 </p:sld>
 </file>
 
-<file path=ppt/slides/slide57.xml><?xml version="1.0" encoding="utf-8"?>
+<file path=ppt/slides/slide65.xml><?xml version="1.0" encoding="utf-8"?>
 <p:sld xmlns:a="http://schemas.openxmlformats.org/drawingml/2006/main" xmlns:r="http://schemas.openxmlformats.org/officeDocument/2006/relationships" xmlns:p="http://schemas.openxmlformats.org/presentationml/2006/main">
   <p:cSld>
     <p:spTree>
@@ -38618,7 +41775,7 @@
 </p:sld>
 </file>
 
-<file path=ppt/slides/slide58.xml><?xml version="1.0" encoding="utf-8"?>
+<file path=ppt/slides/slide66.xml><?xml version="1.0" encoding="utf-8"?>
 <p:sld xmlns:a="http://schemas.openxmlformats.org/drawingml/2006/main" xmlns:r="http://schemas.openxmlformats.org/officeDocument/2006/relationships" xmlns:p="http://schemas.openxmlformats.org/presentationml/2006/main">
   <p:cSld>
     <p:spTree>
@@ -38755,7 +41912,7 @@
 </p:sld>
 </file>
 
-<file path=ppt/slides/slide59.xml><?xml version="1.0" encoding="utf-8"?>
+<file path=ppt/slides/slide67.xml><?xml version="1.0" encoding="utf-8"?>
 <p:sld xmlns:a="http://schemas.openxmlformats.org/drawingml/2006/main" xmlns:r="http://schemas.openxmlformats.org/officeDocument/2006/relationships" xmlns:p="http://schemas.openxmlformats.org/presentationml/2006/main">
   <p:cSld>
     <p:spTree>
@@ -41060,671 +44217,7 @@
 </p:sld>
 </file>
 
-<file path=ppt/slides/slide6.xml><?xml version="1.0" encoding="utf-8"?>
-<p:sld xmlns:a="http://schemas.openxmlformats.org/drawingml/2006/main" xmlns:r="http://schemas.openxmlformats.org/officeDocument/2006/relationships" xmlns:p="http://schemas.openxmlformats.org/presentationml/2006/main">
-  <p:cSld>
-    <p:spTree>
-      <p:nvGrpSpPr>
-        <p:cNvPr id="1" name=""/>
-        <p:cNvGrpSpPr/>
-        <p:nvPr/>
-      </p:nvGrpSpPr>
-      <p:grpSpPr>
-        <a:xfrm>
-          <a:off x="0" y="0"/>
-          <a:ext cx="0" cy="0"/>
-          <a:chOff x="0" y="0"/>
-          <a:chExt cx="0" cy="0"/>
-        </a:xfrm>
-      </p:grpSpPr>
-      <p:sp>
-        <p:nvSpPr>
-          <p:cNvPr id="4" name="Title 3"/>
-          <p:cNvSpPr>
-            <a:spLocks noGrp="1"/>
-          </p:cNvSpPr>
-          <p:nvPr>
-            <p:ph type="title"/>
-          </p:nvPr>
-        </p:nvSpPr>
-        <p:spPr>
-          <a:xfrm>
-            <a:off x="314060" y="170238"/>
-            <a:ext cx="11149013" cy="747897"/>
-          </a:xfrm>
-        </p:spPr>
-        <p:txBody>
-          <a:bodyPr/>
-          <a:lstStyle/>
-          <a:p>
-            <a:r>
-              <a:rPr lang="en-US" sz="4800" dirty="0"/>
-              <a:t>Recommended steps</a:t>
-            </a:r>
-          </a:p>
-        </p:txBody>
-      </p:sp>
-      <p:sp>
-        <p:nvSpPr>
-          <p:cNvPr id="16" name="Rectangle 15"/>
-          <p:cNvSpPr/>
-          <p:nvPr>
-            <p:custDataLst>
-              <p:tags r:id="rId1"/>
-            </p:custDataLst>
-          </p:nvPr>
-        </p:nvSpPr>
-        <p:spPr bwMode="auto">
-          <a:xfrm>
-            <a:off x="7790229" y="1627001"/>
-            <a:ext cx="3031502" cy="526103"/>
-          </a:xfrm>
-          <a:prstGeom prst="rect">
-            <a:avLst/>
-          </a:prstGeom>
-          <a:solidFill>
-            <a:srgbClr val="008272"/>
-          </a:solidFill>
-          <a:ln>
-            <a:noFill/>
-            <a:headEnd type="none" w="med" len="med"/>
-            <a:tailEnd type="none" w="med" len="med"/>
-          </a:ln>
-          <a:effectLst/>
-        </p:spPr>
-        <p:style>
-          <a:lnRef idx="1">
-            <a:schemeClr val="accent2"/>
-          </a:lnRef>
-          <a:fillRef idx="3">
-            <a:schemeClr val="accent2"/>
-          </a:fillRef>
-          <a:effectRef idx="2">
-            <a:schemeClr val="accent2"/>
-          </a:effectRef>
-          <a:fontRef idx="minor">
-            <a:schemeClr val="lt1"/>
-          </a:fontRef>
-        </p:style>
-        <p:txBody>
-          <a:bodyPr rot="0" spcFirstLastPara="0" vertOverflow="overflow" horzOverflow="overflow" vert="horz" wrap="square" lIns="91416" tIns="45708" rIns="91416" bIns="45708" numCol="1" spcCol="0" rtlCol="0" fromWordArt="0" anchor="ctr" anchorCtr="0" forceAA="0" compatLnSpc="1">
-            <a:prstTxWarp prst="textNoShape">
-              <a:avLst/>
-            </a:prstTxWarp>
-            <a:noAutofit/>
-          </a:bodyPr>
-          <a:lstStyle/>
-          <a:p>
-            <a:pPr algn="ctr" defTabSz="913650" fontAlgn="base">
-              <a:spcBef>
-                <a:spcPct val="0"/>
-              </a:spcBef>
-              <a:spcAft>
-                <a:spcPct val="0"/>
-              </a:spcAft>
-            </a:pPr>
-            <a:r>
-              <a:rPr lang="en-US" sz="2000" dirty="0">
-                <a:gradFill flip="none" rotWithShape="1">
-                  <a:gsLst>
-                    <a:gs pos="0">
-                      <a:srgbClr val="FFFFFF"/>
-                    </a:gs>
-                    <a:gs pos="100000">
-                      <a:srgbClr val="FFFFFF"/>
-                    </a:gs>
-                  </a:gsLst>
-                  <a:lin ang="5400000" scaled="0"/>
-                  <a:tileRect/>
-                </a:gradFill>
-                <a:ea typeface="Segoe UI" pitchFamily="34" charset="0"/>
-                <a:cs typeface="Segoe UI Semibold" panose="020B0702040204020203" pitchFamily="34" charset="0"/>
-              </a:rPr>
-              <a:t>Remediation</a:t>
-            </a:r>
-          </a:p>
-        </p:txBody>
-      </p:sp>
-      <p:sp>
-        <p:nvSpPr>
-          <p:cNvPr id="17" name="Rectangle 16"/>
-          <p:cNvSpPr/>
-          <p:nvPr>
-            <p:custDataLst>
-              <p:tags r:id="rId2"/>
-            </p:custDataLst>
-          </p:nvPr>
-        </p:nvSpPr>
-        <p:spPr bwMode="auto">
-          <a:xfrm>
-            <a:off x="1275349" y="1627001"/>
-            <a:ext cx="3056705" cy="526103"/>
-          </a:xfrm>
-          <a:prstGeom prst="rect">
-            <a:avLst/>
-          </a:prstGeom>
-          <a:solidFill>
-            <a:schemeClr val="accent5"/>
-          </a:solidFill>
-          <a:ln>
-            <a:noFill/>
-            <a:headEnd type="none" w="med" len="med"/>
-            <a:tailEnd type="none" w="med" len="med"/>
-          </a:ln>
-          <a:effectLst/>
-        </p:spPr>
-        <p:style>
-          <a:lnRef idx="1">
-            <a:schemeClr val="accent2"/>
-          </a:lnRef>
-          <a:fillRef idx="3">
-            <a:schemeClr val="accent2"/>
-          </a:fillRef>
-          <a:effectRef idx="2">
-            <a:schemeClr val="accent2"/>
-          </a:effectRef>
-          <a:fontRef idx="minor">
-            <a:schemeClr val="lt1"/>
-          </a:fontRef>
-        </p:style>
-        <p:txBody>
-          <a:bodyPr rot="0" spcFirstLastPara="0" vertOverflow="overflow" horzOverflow="overflow" vert="horz" wrap="square" lIns="91416" tIns="45708" rIns="91416" bIns="45708" numCol="1" spcCol="0" rtlCol="0" fromWordArt="0" anchor="ctr" anchorCtr="0" forceAA="0" compatLnSpc="1">
-            <a:prstTxWarp prst="textNoShape">
-              <a:avLst/>
-            </a:prstTxWarp>
-            <a:noAutofit/>
-          </a:bodyPr>
-          <a:lstStyle/>
-          <a:p>
-            <a:pPr algn="ctr" defTabSz="913650" fontAlgn="base">
-              <a:spcBef>
-                <a:spcPct val="0"/>
-              </a:spcBef>
-              <a:spcAft>
-                <a:spcPct val="0"/>
-              </a:spcAft>
-            </a:pPr>
-            <a:r>
-              <a:rPr lang="en-US" sz="2000" dirty="0">
-                <a:gradFill flip="none" rotWithShape="1">
-                  <a:gsLst>
-                    <a:gs pos="0">
-                      <a:srgbClr val="FFFFFF"/>
-                    </a:gs>
-                    <a:gs pos="100000">
-                      <a:srgbClr val="FFFFFF"/>
-                    </a:gs>
-                  </a:gsLst>
-                  <a:lin ang="5400000" scaled="0"/>
-                  <a:tileRect/>
-                </a:gradFill>
-                <a:ea typeface="Segoe UI" pitchFamily="34" charset="0"/>
-                <a:cs typeface="Segoe UI Semibold" panose="020B0702040204020203" pitchFamily="34" charset="0"/>
-              </a:rPr>
-              <a:t>Analysis</a:t>
-            </a:r>
-          </a:p>
-        </p:txBody>
-      </p:sp>
-      <p:sp>
-        <p:nvSpPr>
-          <p:cNvPr id="18" name="Rectangle 17"/>
-          <p:cNvSpPr/>
-          <p:nvPr>
-            <p:custDataLst>
-              <p:tags r:id="rId3"/>
-            </p:custDataLst>
-          </p:nvPr>
-        </p:nvSpPr>
-        <p:spPr bwMode="auto">
-          <a:xfrm>
-            <a:off x="4524318" y="1628696"/>
-            <a:ext cx="3048443" cy="526103"/>
-          </a:xfrm>
-          <a:prstGeom prst="rect">
-            <a:avLst/>
-          </a:prstGeom>
-          <a:solidFill>
-            <a:srgbClr val="007FDE"/>
-          </a:solidFill>
-          <a:ln>
-            <a:noFill/>
-            <a:headEnd type="none" w="med" len="med"/>
-            <a:tailEnd type="none" w="med" len="med"/>
-          </a:ln>
-          <a:effectLst/>
-        </p:spPr>
-        <p:style>
-          <a:lnRef idx="1">
-            <a:schemeClr val="accent2"/>
-          </a:lnRef>
-          <a:fillRef idx="3">
-            <a:schemeClr val="accent2"/>
-          </a:fillRef>
-          <a:effectRef idx="2">
-            <a:schemeClr val="accent2"/>
-          </a:effectRef>
-          <a:fontRef idx="minor">
-            <a:schemeClr val="lt1"/>
-          </a:fontRef>
-        </p:style>
-        <p:txBody>
-          <a:bodyPr rot="0" spcFirstLastPara="0" vertOverflow="overflow" horzOverflow="overflow" vert="horz" wrap="square" lIns="91416" tIns="45708" rIns="91416" bIns="45708" numCol="1" spcCol="0" rtlCol="0" fromWordArt="0" anchor="ctr" anchorCtr="0" forceAA="0" compatLnSpc="1">
-            <a:prstTxWarp prst="textNoShape">
-              <a:avLst/>
-            </a:prstTxWarp>
-            <a:noAutofit/>
-          </a:bodyPr>
-          <a:lstStyle/>
-          <a:p>
-            <a:pPr algn="ctr" defTabSz="913650" fontAlgn="base">
-              <a:spcBef>
-                <a:spcPct val="0"/>
-              </a:spcBef>
-              <a:spcAft>
-                <a:spcPct val="0"/>
-              </a:spcAft>
-            </a:pPr>
-            <a:r>
-              <a:rPr lang="en-US" sz="2000" dirty="0">
-                <a:gradFill flip="none" rotWithShape="1">
-                  <a:gsLst>
-                    <a:gs pos="0">
-                      <a:srgbClr val="FFFFFF"/>
-                    </a:gs>
-                    <a:gs pos="100000">
-                      <a:srgbClr val="FFFFFF"/>
-                    </a:gs>
-                  </a:gsLst>
-                  <a:lin ang="5400000" scaled="0"/>
-                  <a:tileRect/>
-                </a:gradFill>
-                <a:ea typeface="Segoe UI" pitchFamily="34" charset="0"/>
-                <a:cs typeface="Segoe UI Semibold" panose="020B0702040204020203" pitchFamily="34" charset="0"/>
-              </a:rPr>
-              <a:t>Planning</a:t>
-            </a:r>
-          </a:p>
-        </p:txBody>
-      </p:sp>
-      <p:sp>
-        <p:nvSpPr>
-          <p:cNvPr id="19" name="TextBox 18"/>
-          <p:cNvSpPr txBox="1"/>
-          <p:nvPr/>
-        </p:nvSpPr>
-        <p:spPr>
-          <a:xfrm>
-            <a:off x="1317775" y="2125794"/>
-            <a:ext cx="2959554" cy="1141801"/>
-          </a:xfrm>
-          <a:prstGeom prst="rect">
-            <a:avLst/>
-          </a:prstGeom>
-          <a:noFill/>
-        </p:spPr>
-        <p:txBody>
-          <a:bodyPr wrap="square" lIns="91416" tIns="45708" rIns="91416" bIns="45708" rtlCol="0">
-            <a:noAutofit/>
-          </a:bodyPr>
-          <a:lstStyle/>
-          <a:p>
-            <a:pPr marL="285750" indent="-285750" defTabSz="913951">
-              <a:buFont typeface="Arial" panose="020B0604020202020204" pitchFamily="34" charset="0"/>
-              <a:buChar char="•"/>
-            </a:pPr>
-            <a:r>
-              <a:rPr lang="en-US" sz="1400" dirty="0">
-                <a:solidFill>
-                  <a:schemeClr val="bg2">
-                    <a:lumMod val="50000"/>
-                  </a:schemeClr>
-                </a:solidFill>
-                <a:cs typeface="Segoe UI" panose="020B0502040204020203" pitchFamily="34" charset="0"/>
-              </a:rPr>
-              <a:t>You verify which of the forms you receive from us are still needed. Exclude forms of which you’re sure they’re not relevant, the other should be taken over to the planning step</a:t>
-            </a:r>
-          </a:p>
-          <a:p>
-            <a:pPr defTabSz="913951"/>
-            <a:endParaRPr lang="en-US" sz="1400" dirty="0">
-              <a:solidFill>
-                <a:schemeClr val="bg2">
-                  <a:lumMod val="50000"/>
-                </a:schemeClr>
-              </a:solidFill>
-              <a:cs typeface="Segoe UI" panose="020B0502040204020203" pitchFamily="34" charset="0"/>
-            </a:endParaRPr>
-          </a:p>
-          <a:p>
-            <a:pPr defTabSz="913951"/>
-            <a:endParaRPr lang="en-US" sz="1400" dirty="0">
-              <a:solidFill>
-                <a:schemeClr val="bg2">
-                  <a:lumMod val="50000"/>
-                </a:schemeClr>
-              </a:solidFill>
-              <a:cs typeface="Segoe UI" panose="020B0502040204020203" pitchFamily="34" charset="0"/>
-            </a:endParaRPr>
-          </a:p>
-        </p:txBody>
-      </p:sp>
-      <p:sp>
-        <p:nvSpPr>
-          <p:cNvPr id="20" name="TextBox 19"/>
-          <p:cNvSpPr txBox="1"/>
-          <p:nvPr/>
-        </p:nvSpPr>
-        <p:spPr>
-          <a:xfrm>
-            <a:off x="7838476" y="2125794"/>
-            <a:ext cx="2773405" cy="1141799"/>
-          </a:xfrm>
-          <a:prstGeom prst="rect">
-            <a:avLst/>
-          </a:prstGeom>
-          <a:noFill/>
-        </p:spPr>
-        <p:txBody>
-          <a:bodyPr wrap="square" lIns="91416" tIns="45708" rIns="91416" bIns="45708" rtlCol="0">
-            <a:noAutofit/>
-          </a:bodyPr>
-          <a:lstStyle/>
-          <a:p>
-            <a:pPr marL="285750" indent="-285750" defTabSz="913951">
-              <a:buFont typeface="Arial" panose="020B0604020202020204" pitchFamily="34" charset="0"/>
-              <a:buChar char="•"/>
-            </a:pPr>
-            <a:r>
-              <a:rPr lang="en-US" sz="1400" dirty="0">
-                <a:solidFill>
-                  <a:schemeClr val="bg2">
-                    <a:lumMod val="50000"/>
-                  </a:schemeClr>
-                </a:solidFill>
-                <a:cs typeface="Segoe UI" panose="020B0502040204020203" pitchFamily="34" charset="0"/>
-              </a:rPr>
-              <a:t>You remediate the forms which were flagged in the planning step. This remediation is done by if possible fixing the form, if that’s not possible then an alternative has to be developed</a:t>
-            </a:r>
-          </a:p>
-        </p:txBody>
-      </p:sp>
-      <p:sp>
-        <p:nvSpPr>
-          <p:cNvPr id="22" name="TextBox 21"/>
-          <p:cNvSpPr txBox="1"/>
-          <p:nvPr/>
-        </p:nvSpPr>
-        <p:spPr>
-          <a:xfrm>
-            <a:off x="4534660" y="2127489"/>
-            <a:ext cx="2943725" cy="1123921"/>
-          </a:xfrm>
-          <a:prstGeom prst="rect">
-            <a:avLst/>
-          </a:prstGeom>
-          <a:noFill/>
-        </p:spPr>
-        <p:txBody>
-          <a:bodyPr wrap="square" lIns="91416" tIns="45708" rIns="91416" bIns="45708" rtlCol="0">
-            <a:noAutofit/>
-          </a:bodyPr>
-          <a:lstStyle/>
-          <a:p>
-            <a:pPr marL="285750" indent="-285750" defTabSz="913951">
-              <a:buFont typeface="Arial" panose="020B0604020202020204" pitchFamily="34" charset="0"/>
-              <a:buChar char="•"/>
-            </a:pPr>
-            <a:r>
-              <a:rPr lang="en-US" sz="1400" dirty="0">
-                <a:solidFill>
-                  <a:schemeClr val="bg2">
-                    <a:lumMod val="50000"/>
-                  </a:schemeClr>
-                </a:solidFill>
-                <a:cs typeface="Segoe UI" panose="020B0502040204020203" pitchFamily="34" charset="0"/>
-              </a:rPr>
-              <a:t>You test the forms taking over from analysis: you would want to understand which forms will fail as these forms will require remediation</a:t>
-            </a:r>
-          </a:p>
-        </p:txBody>
-      </p:sp>
-      <p:sp>
-        <p:nvSpPr>
-          <p:cNvPr id="5" name="Rectangle 4"/>
-          <p:cNvSpPr/>
-          <p:nvPr/>
-        </p:nvSpPr>
-        <p:spPr bwMode="auto">
-          <a:xfrm>
-            <a:off x="1275349" y="2153104"/>
-            <a:ext cx="3048443" cy="2681277"/>
-          </a:xfrm>
-          <a:prstGeom prst="rect">
-            <a:avLst/>
-          </a:prstGeom>
-          <a:noFill/>
-          <a:ln>
-            <a:solidFill>
-              <a:srgbClr val="00188F"/>
-            </a:solidFill>
-            <a:headEnd type="none" w="med" len="med"/>
-            <a:tailEnd type="none" w="med" len="med"/>
-          </a:ln>
-          <a:effectLst/>
-        </p:spPr>
-        <p:style>
-          <a:lnRef idx="1">
-            <a:schemeClr val="accent2"/>
-          </a:lnRef>
-          <a:fillRef idx="3">
-            <a:schemeClr val="accent2"/>
-          </a:fillRef>
-          <a:effectRef idx="2">
-            <a:schemeClr val="accent2"/>
-          </a:effectRef>
-          <a:fontRef idx="minor">
-            <a:schemeClr val="lt1"/>
-          </a:fontRef>
-        </p:style>
-        <p:txBody>
-          <a:bodyPr rot="0" spcFirstLastPara="0" vertOverflow="overflow" horzOverflow="overflow" vert="horz" wrap="square" lIns="45720" tIns="45720" rIns="45720" bIns="45720" numCol="1" spcCol="0" rtlCol="0" fromWordArt="0" anchor="ctr" anchorCtr="0" forceAA="0" compatLnSpc="1">
-            <a:prstTxWarp prst="textNoShape">
-              <a:avLst/>
-            </a:prstTxWarp>
-            <a:noAutofit/>
-          </a:bodyPr>
-          <a:lstStyle/>
-          <a:p>
-            <a:pPr algn="ctr" defTabSz="914099" fontAlgn="base">
-              <a:spcBef>
-                <a:spcPct val="0"/>
-              </a:spcBef>
-              <a:spcAft>
-                <a:spcPct val="0"/>
-              </a:spcAft>
-            </a:pPr>
-            <a:endParaRPr lang="en-US" sz="2000" dirty="0">
-              <a:gradFill>
-                <a:gsLst>
-                  <a:gs pos="0">
-                    <a:srgbClr val="FFFFFF"/>
-                  </a:gs>
-                  <a:gs pos="100000">
-                    <a:srgbClr val="FFFFFF"/>
-                  </a:gs>
-                </a:gsLst>
-                <a:lin ang="5400000" scaled="0"/>
-              </a:gradFill>
-              <a:ea typeface="Segoe UI" pitchFamily="34" charset="0"/>
-              <a:cs typeface="Segoe UI" pitchFamily="34" charset="0"/>
-            </a:endParaRPr>
-          </a:p>
-        </p:txBody>
-      </p:sp>
-      <p:sp>
-        <p:nvSpPr>
-          <p:cNvPr id="32" name="Rectangle 31"/>
-          <p:cNvSpPr/>
-          <p:nvPr/>
-        </p:nvSpPr>
-        <p:spPr bwMode="auto">
-          <a:xfrm>
-            <a:off x="4524319" y="2147396"/>
-            <a:ext cx="3039764" cy="2681277"/>
-          </a:xfrm>
-          <a:prstGeom prst="rect">
-            <a:avLst/>
-          </a:prstGeom>
-          <a:noFill/>
-          <a:ln>
-            <a:solidFill>
-              <a:srgbClr val="007FDE"/>
-            </a:solidFill>
-            <a:headEnd type="none" w="med" len="med"/>
-            <a:tailEnd type="none" w="med" len="med"/>
-          </a:ln>
-          <a:effectLst/>
-        </p:spPr>
-        <p:style>
-          <a:lnRef idx="1">
-            <a:schemeClr val="accent2"/>
-          </a:lnRef>
-          <a:fillRef idx="3">
-            <a:schemeClr val="accent2"/>
-          </a:fillRef>
-          <a:effectRef idx="2">
-            <a:schemeClr val="accent2"/>
-          </a:effectRef>
-          <a:fontRef idx="minor">
-            <a:schemeClr val="lt1"/>
-          </a:fontRef>
-        </p:style>
-        <p:txBody>
-          <a:bodyPr rot="0" spcFirstLastPara="0" vertOverflow="overflow" horzOverflow="overflow" vert="horz" wrap="square" lIns="45720" tIns="45720" rIns="45720" bIns="45720" numCol="1" spcCol="0" rtlCol="0" fromWordArt="0" anchor="ctr" anchorCtr="0" forceAA="0" compatLnSpc="1">
-            <a:prstTxWarp prst="textNoShape">
-              <a:avLst/>
-            </a:prstTxWarp>
-            <a:noAutofit/>
-          </a:bodyPr>
-          <a:lstStyle/>
-          <a:p>
-            <a:pPr algn="ctr" defTabSz="914099" fontAlgn="base">
-              <a:spcBef>
-                <a:spcPct val="0"/>
-              </a:spcBef>
-              <a:spcAft>
-                <a:spcPct val="0"/>
-              </a:spcAft>
-            </a:pPr>
-            <a:endParaRPr lang="en-US" sz="2000" dirty="0">
-              <a:gradFill>
-                <a:gsLst>
-                  <a:gs pos="0">
-                    <a:srgbClr val="FFFFFF"/>
-                  </a:gs>
-                  <a:gs pos="100000">
-                    <a:srgbClr val="FFFFFF"/>
-                  </a:gs>
-                </a:gsLst>
-                <a:lin ang="5400000" scaled="0"/>
-              </a:gradFill>
-              <a:ea typeface="Segoe UI" pitchFamily="34" charset="0"/>
-              <a:cs typeface="Segoe UI" pitchFamily="34" charset="0"/>
-            </a:endParaRPr>
-          </a:p>
-        </p:txBody>
-      </p:sp>
-      <p:sp>
-        <p:nvSpPr>
-          <p:cNvPr id="33" name="Rectangle 32"/>
-          <p:cNvSpPr/>
-          <p:nvPr/>
-        </p:nvSpPr>
-        <p:spPr bwMode="auto">
-          <a:xfrm>
-            <a:off x="7790230" y="2153103"/>
-            <a:ext cx="3022824" cy="2681277"/>
-          </a:xfrm>
-          <a:prstGeom prst="rect">
-            <a:avLst/>
-          </a:prstGeom>
-          <a:noFill/>
-          <a:ln>
-            <a:solidFill>
-              <a:srgbClr val="008272"/>
-            </a:solidFill>
-            <a:headEnd type="none" w="med" len="med"/>
-            <a:tailEnd type="none" w="med" len="med"/>
-          </a:ln>
-          <a:effectLst/>
-        </p:spPr>
-        <p:style>
-          <a:lnRef idx="1">
-            <a:schemeClr val="accent2"/>
-          </a:lnRef>
-          <a:fillRef idx="3">
-            <a:schemeClr val="accent2"/>
-          </a:fillRef>
-          <a:effectRef idx="2">
-            <a:schemeClr val="accent2"/>
-          </a:effectRef>
-          <a:fontRef idx="minor">
-            <a:schemeClr val="lt1"/>
-          </a:fontRef>
-        </p:style>
-        <p:txBody>
-          <a:bodyPr rot="0" spcFirstLastPara="0" vertOverflow="overflow" horzOverflow="overflow" vert="horz" wrap="square" lIns="45720" tIns="45720" rIns="45720" bIns="45720" numCol="1" spcCol="0" rtlCol="0" fromWordArt="0" anchor="ctr" anchorCtr="0" forceAA="0" compatLnSpc="1">
-            <a:prstTxWarp prst="textNoShape">
-              <a:avLst/>
-            </a:prstTxWarp>
-            <a:noAutofit/>
-          </a:bodyPr>
-          <a:lstStyle/>
-          <a:p>
-            <a:pPr algn="ctr" defTabSz="914099" fontAlgn="base">
-              <a:spcBef>
-                <a:spcPct val="0"/>
-              </a:spcBef>
-              <a:spcAft>
-                <a:spcPct val="0"/>
-              </a:spcAft>
-            </a:pPr>
-            <a:endParaRPr lang="en-US" sz="2000" dirty="0">
-              <a:gradFill>
-                <a:gsLst>
-                  <a:gs pos="0">
-                    <a:srgbClr val="FFFFFF"/>
-                  </a:gs>
-                  <a:gs pos="100000">
-                    <a:srgbClr val="FFFFFF"/>
-                  </a:gs>
-                </a:gsLst>
-                <a:lin ang="5400000" scaled="0"/>
-              </a:gradFill>
-              <a:ea typeface="Segoe UI" pitchFamily="34" charset="0"/>
-              <a:cs typeface="Segoe UI" pitchFamily="34" charset="0"/>
-            </a:endParaRPr>
-          </a:p>
-        </p:txBody>
-      </p:sp>
-    </p:spTree>
-    <p:extLst>
-      <p:ext uri="{BB962C8B-B14F-4D97-AF65-F5344CB8AC3E}">
-        <p14:creationId xmlns:p14="http://schemas.microsoft.com/office/powerpoint/2010/main" val="2959605369"/>
-      </p:ext>
-    </p:extLst>
-  </p:cSld>
-  <p:clrMapOvr>
-    <a:masterClrMapping/>
-  </p:clrMapOvr>
-  <p:transition>
-    <p:fade/>
-  </p:transition>
-</p:sld>
-</file>
-
-<file path=ppt/slides/slide60.xml><?xml version="1.0" encoding="utf-8"?>
+<file path=ppt/slides/slide68.xml><?xml version="1.0" encoding="utf-8"?>
 <p:sld xmlns:a="http://schemas.openxmlformats.org/drawingml/2006/main" xmlns:r="http://schemas.openxmlformats.org/officeDocument/2006/relationships" xmlns:p="http://schemas.openxmlformats.org/presentationml/2006/main">
   <p:cSld>
     <p:spTree>
@@ -41753,7 +44246,7 @@
         </p:nvSpPr>
         <p:spPr>
           <a:xfrm>
-            <a:off x="978696" y="2854337"/>
+            <a:off x="978695" y="4192726"/>
             <a:ext cx="10237787" cy="997196"/>
           </a:xfrm>
         </p:spPr>
@@ -41767,7 +44260,7 @@
                   <a:schemeClr val="bg1"/>
                 </a:solidFill>
               </a:rPr>
-              <a:t>Fixing forms with “unsupported” soap/rest calls</a:t>
+              <a:t>Fixing forms with “unsupported” soap calls + validation of “supported” soap calls</a:t>
             </a:r>
             <a:endParaRPr lang="nl-BE" dirty="0">
               <a:solidFill>
@@ -41789,7 +44282,7 @@
         </p:nvSpPr>
         <p:spPr>
           <a:xfrm>
-            <a:off x="978696" y="4170618"/>
+            <a:off x="978696" y="5639636"/>
             <a:ext cx="10237787" cy="498598"/>
           </a:xfrm>
         </p:spPr>
@@ -41860,28 +44353,16 @@
           </a:bodyPr>
           <a:lstStyle/>
           <a:p>
-            <a:pPr marL="0" marR="0" lvl="0" indent="0" algn="ctr" defTabSz="914099" eaLnBrk="1" fontAlgn="base" latinLnBrk="0" hangingPunct="1">
-              <a:lnSpc>
-                <a:spcPct val="100000"/>
-              </a:lnSpc>
+            <a:pPr algn="ctr" defTabSz="914099" fontAlgn="base">
               <a:spcBef>
                 <a:spcPct val="0"/>
               </a:spcBef>
               <a:spcAft>
                 <a:spcPct val="0"/>
               </a:spcAft>
-              <a:buClrTx/>
-              <a:buSzTx/>
-              <a:buFontTx/>
-              <a:buNone/>
-              <a:tabLst/>
-              <a:defRPr/>
             </a:pPr>
             <a:r>
-              <a:rPr kumimoji="0" lang="en-US" sz="12000" b="0" i="0" u="none" strike="noStrike" kern="0" cap="none" spc="0" normalizeH="0" baseline="0" noProof="0" dirty="0">
-                <a:ln>
-                  <a:noFill/>
-                </a:ln>
+              <a:rPr lang="en-US" sz="12000" dirty="0">
                 <a:gradFill>
                   <a:gsLst>
                     <a:gs pos="0">
@@ -41893,18 +44374,12 @@
                   </a:gsLst>
                   <a:lin ang="5400000" scaled="0"/>
                 </a:gradFill>
-                <a:effectLst/>
-                <a:uLnTx/>
-                <a:uFillTx/>
                 <a:ea typeface="Segoe UI" pitchFamily="34" charset="0"/>
                 <a:cs typeface="Segoe UI" pitchFamily="34" charset="0"/>
               </a:rPr>
               <a:t>3</a:t>
             </a:r>
-            <a:endParaRPr kumimoji="0" lang="nl-BE" sz="12000" b="0" i="0" u="none" strike="noStrike" kern="0" cap="none" spc="0" normalizeH="0" baseline="0" noProof="0" dirty="0" err="1">
-              <a:ln>
-                <a:noFill/>
-              </a:ln>
+            <a:endParaRPr lang="nl-BE" sz="12000" dirty="0" err="1">
               <a:gradFill>
                 <a:gsLst>
                   <a:gs pos="0">
@@ -41916,9 +44391,6 @@
                 </a:gsLst>
                 <a:lin ang="5400000" scaled="0"/>
               </a:gradFill>
-              <a:effectLst/>
-              <a:uLnTx/>
-              <a:uFillTx/>
               <a:ea typeface="Segoe UI" pitchFamily="34" charset="0"/>
               <a:cs typeface="Segoe UI" pitchFamily="34" charset="0"/>
             </a:endParaRPr>
@@ -41928,7 +44400,7 @@
     </p:spTree>
     <p:extLst>
       <p:ext uri="{BB962C8B-B14F-4D97-AF65-F5344CB8AC3E}">
-        <p14:creationId xmlns:p14="http://schemas.microsoft.com/office/powerpoint/2010/main" val="2800485762"/>
+        <p14:creationId xmlns:p14="http://schemas.microsoft.com/office/powerpoint/2010/main" val="3484816870"/>
       </p:ext>
     </p:extLst>
   </p:cSld>
@@ -41950,7 +44422,7 @@
 </p:sld>
 </file>
 
-<file path=ppt/slides/slide61.xml><?xml version="1.0" encoding="utf-8"?>
+<file path=ppt/slides/slide69.xml><?xml version="1.0" encoding="utf-8"?>
 <p:sld xmlns:a="http://schemas.openxmlformats.org/drawingml/2006/main" xmlns:r="http://schemas.openxmlformats.org/officeDocument/2006/relationships" xmlns:p="http://schemas.openxmlformats.org/presentationml/2006/main">
   <p:cSld>
     <p:spTree>
@@ -42165,7 +44637,62 @@
 </p:sld>
 </file>
 
-<file path=ppt/slides/slide62.xml><?xml version="1.0" encoding="utf-8"?>
+<file path=ppt/slides/slide7.xml><?xml version="1.0" encoding="utf-8"?>
+<p:sld xmlns:a="http://schemas.openxmlformats.org/drawingml/2006/main" xmlns:r="http://schemas.openxmlformats.org/officeDocument/2006/relationships" xmlns:p="http://schemas.openxmlformats.org/presentationml/2006/main">
+  <p:cSld>
+    <p:spTree>
+      <p:nvGrpSpPr>
+        <p:cNvPr id="1" name=""/>
+        <p:cNvGrpSpPr/>
+        <p:nvPr/>
+      </p:nvGrpSpPr>
+      <p:grpSpPr>
+        <a:xfrm>
+          <a:off x="0" y="0"/>
+          <a:ext cx="0" cy="0"/>
+          <a:chOff x="0" y="0"/>
+          <a:chExt cx="0" cy="0"/>
+        </a:xfrm>
+      </p:grpSpPr>
+      <p:sp>
+        <p:nvSpPr>
+          <p:cNvPr id="4" name="Title 3"/>
+          <p:cNvSpPr>
+            <a:spLocks noGrp="1"/>
+          </p:cNvSpPr>
+          <p:nvPr>
+            <p:ph type="title"/>
+          </p:nvPr>
+        </p:nvSpPr>
+        <p:spPr/>
+        <p:txBody>
+          <a:bodyPr/>
+          <a:lstStyle/>
+          <a:p>
+            <a:r>
+              <a:rPr lang="en-US" dirty="0"/>
+              <a:t>Analysis approach</a:t>
+            </a:r>
+          </a:p>
+        </p:txBody>
+      </p:sp>
+    </p:spTree>
+    <p:extLst>
+      <p:ext uri="{BB962C8B-B14F-4D97-AF65-F5344CB8AC3E}">
+        <p14:creationId xmlns:p14="http://schemas.microsoft.com/office/powerpoint/2010/main" val="700521740"/>
+      </p:ext>
+    </p:extLst>
+  </p:cSld>
+  <p:clrMapOvr>
+    <a:masterClrMapping/>
+  </p:clrMapOvr>
+  <p:transition>
+    <p:fade/>
+  </p:transition>
+</p:sld>
+</file>
+
+<file path=ppt/slides/slide70.xml><?xml version="1.0" encoding="utf-8"?>
 <p:sld xmlns:a="http://schemas.openxmlformats.org/drawingml/2006/main" xmlns:r="http://schemas.openxmlformats.org/officeDocument/2006/relationships" xmlns:p="http://schemas.openxmlformats.org/presentationml/2006/main">
   <p:cSld>
     <p:spTree>
@@ -44784,7 +47311,388 @@
 </p:sld>
 </file>
 
-<file path=ppt/slides/slide63.xml><?xml version="1.0" encoding="utf-8"?>
+<file path=ppt/slides/slide71.xml><?xml version="1.0" encoding="utf-8"?>
+<p:sld xmlns:a="http://schemas.openxmlformats.org/drawingml/2006/main" xmlns:r="http://schemas.openxmlformats.org/officeDocument/2006/relationships" xmlns:p="http://schemas.openxmlformats.org/presentationml/2006/main">
+  <p:cSld>
+    <p:spTree>
+      <p:nvGrpSpPr>
+        <p:cNvPr id="1" name=""/>
+        <p:cNvGrpSpPr/>
+        <p:nvPr/>
+      </p:nvGrpSpPr>
+      <p:grpSpPr>
+        <a:xfrm>
+          <a:off x="0" y="0"/>
+          <a:ext cx="0" cy="0"/>
+          <a:chOff x="0" y="0"/>
+          <a:chExt cx="0" cy="0"/>
+        </a:xfrm>
+      </p:grpSpPr>
+      <p:sp>
+        <p:nvSpPr>
+          <p:cNvPr id="3" name="Title 2"/>
+          <p:cNvSpPr>
+            <a:spLocks noGrp="1"/>
+          </p:cNvSpPr>
+          <p:nvPr>
+            <p:ph type="title"/>
+          </p:nvPr>
+        </p:nvSpPr>
+        <p:spPr/>
+        <p:txBody>
+          <a:bodyPr/>
+          <a:lstStyle/>
+          <a:p>
+            <a:r>
+              <a:rPr lang="en-US" dirty="0"/>
+              <a:t>Calling “supported” ASMX services</a:t>
+            </a:r>
+          </a:p>
+        </p:txBody>
+      </p:sp>
+      <p:sp>
+        <p:nvSpPr>
+          <p:cNvPr id="4" name="Text Placeholder 3"/>
+          <p:cNvSpPr>
+            <a:spLocks noGrp="1"/>
+          </p:cNvSpPr>
+          <p:nvPr>
+            <p:ph type="body" sz="quarter" idx="10"/>
+          </p:nvPr>
+        </p:nvSpPr>
+        <p:spPr/>
+        <p:txBody>
+          <a:bodyPr/>
+          <a:lstStyle/>
+          <a:p>
+            <a:r>
+              <a:rPr lang="en-US" dirty="0"/>
+              <a:t>Typically these are defined using UDCX files connected to the form</a:t>
+            </a:r>
+          </a:p>
+          <a:p>
+            <a:r>
+              <a:rPr lang="en-US" dirty="0"/>
+              <a:t>ASMX endpoint in connected UDCX file must refer to the same site collection as the form: </a:t>
+            </a:r>
+          </a:p>
+          <a:p>
+            <a:pPr lvl="1"/>
+            <a:r>
+              <a:rPr lang="en-US" dirty="0"/>
+              <a:t>e.g. form is hosted on </a:t>
+            </a:r>
+            <a:r>
+              <a:rPr lang="en-US" dirty="0">
+                <a:hlinkClick r:id="rId2"/>
+              </a:rPr>
+              <a:t>https://contoso.sharepoint.com/sites/HR</a:t>
+            </a:r>
+            <a:r>
+              <a:rPr lang="en-US" dirty="0"/>
+              <a:t>  whereas the UDCX points to an ASMX endpoint hosted in </a:t>
+            </a:r>
+            <a:r>
+              <a:rPr lang="en-US" dirty="0">
+                <a:hlinkClick r:id="rId3"/>
+              </a:rPr>
+              <a:t>https://contoso.sharepoint.com</a:t>
+            </a:r>
+            <a:r>
+              <a:rPr lang="en-US" dirty="0"/>
+              <a:t> will not work anymore</a:t>
+            </a:r>
+          </a:p>
+          <a:p>
+            <a:pPr lvl="1"/>
+            <a:r>
+              <a:rPr lang="en-US" dirty="0"/>
+              <a:t>Use the “</a:t>
+            </a:r>
+            <a:r>
+              <a:rPr lang="en-US" dirty="0" err="1"/>
+              <a:t>InfopathForms_CrossSiteWebService</a:t>
+            </a:r>
+            <a:r>
+              <a:rPr lang="en-US" dirty="0"/>
+              <a:t>” report to verify this:</a:t>
+            </a:r>
+          </a:p>
+          <a:p>
+            <a:pPr lvl="2"/>
+            <a:r>
+              <a:rPr lang="en-US" dirty="0"/>
+              <a:t> </a:t>
+            </a:r>
+          </a:p>
+        </p:txBody>
+      </p:sp>
+      <p:pic>
+        <p:nvPicPr>
+          <p:cNvPr id="5" name="Picture 4"/>
+          <p:cNvPicPr>
+            <a:picLocks noChangeAspect="1"/>
+          </p:cNvPicPr>
+          <p:nvPr/>
+        </p:nvPicPr>
+        <p:blipFill>
+          <a:blip r:embed="rId4"/>
+          <a:stretch>
+            <a:fillRect/>
+          </a:stretch>
+        </p:blipFill>
+        <p:spPr>
+          <a:xfrm>
+            <a:off x="1283448" y="5304040"/>
+            <a:ext cx="6638095" cy="1323810"/>
+          </a:xfrm>
+          <a:prstGeom prst="rect">
+            <a:avLst/>
+          </a:prstGeom>
+        </p:spPr>
+      </p:pic>
+      <p:sp>
+        <p:nvSpPr>
+          <p:cNvPr id="6" name="Speech Bubble: Rectangle 5"/>
+          <p:cNvSpPr/>
+          <p:nvPr/>
+        </p:nvSpPr>
+        <p:spPr bwMode="auto">
+          <a:xfrm>
+            <a:off x="3100710" y="5359043"/>
+            <a:ext cx="7652085" cy="883628"/>
+          </a:xfrm>
+          <a:prstGeom prst="wedgeRectCallout">
+            <a:avLst>
+              <a:gd name="adj1" fmla="val -61201"/>
+              <a:gd name="adj2" fmla="val 8482"/>
+            </a:avLst>
+          </a:prstGeom>
+          <a:solidFill>
+            <a:schemeClr val="accent1"/>
+          </a:solidFill>
+          <a:ln>
+            <a:noFill/>
+            <a:headEnd type="none" w="med" len="med"/>
+            <a:tailEnd type="none" w="med" len="med"/>
+          </a:ln>
+          <a:effectLst/>
+        </p:spPr>
+        <p:style>
+          <a:lnRef idx="1">
+            <a:schemeClr val="accent2"/>
+          </a:lnRef>
+          <a:fillRef idx="3">
+            <a:schemeClr val="accent2"/>
+          </a:fillRef>
+          <a:effectRef idx="2">
+            <a:schemeClr val="accent2"/>
+          </a:effectRef>
+          <a:fontRef idx="minor">
+            <a:schemeClr val="lt1"/>
+          </a:fontRef>
+        </p:style>
+        <p:txBody>
+          <a:bodyPr rot="0" spcFirstLastPara="0" vertOverflow="overflow" horzOverflow="overflow" vert="horz" wrap="square" lIns="45720" tIns="45720" rIns="45720" bIns="45720" numCol="1" spcCol="0" rtlCol="0" fromWordArt="0" anchor="ctr" anchorCtr="0" forceAA="0" compatLnSpc="1">
+            <a:prstTxWarp prst="textNoShape">
+              <a:avLst/>
+            </a:prstTxWarp>
+            <a:noAutofit/>
+          </a:bodyPr>
+          <a:lstStyle/>
+          <a:p>
+            <a:pPr defTabSz="914099" fontAlgn="base">
+              <a:spcBef>
+                <a:spcPct val="0"/>
+              </a:spcBef>
+              <a:spcAft>
+                <a:spcPct val="0"/>
+              </a:spcAft>
+            </a:pPr>
+            <a:r>
+              <a:rPr lang="en-US" u="sng" dirty="0">
+                <a:gradFill>
+                  <a:gsLst>
+                    <a:gs pos="0">
+                      <a:srgbClr val="FFFFFF"/>
+                    </a:gs>
+                    <a:gs pos="100000">
+                      <a:srgbClr val="FFFFFF"/>
+                    </a:gs>
+                  </a:gsLst>
+                  <a:lin ang="5400000" scaled="0"/>
+                </a:gradFill>
+                <a:ea typeface="Segoe UI" pitchFamily="34" charset="0"/>
+                <a:cs typeface="Segoe UI" pitchFamily="34" charset="0"/>
+              </a:rPr>
+              <a:t>Update UDCX</a:t>
+            </a:r>
+            <a:r>
+              <a:rPr lang="en-US" dirty="0">
+                <a:gradFill>
+                  <a:gsLst>
+                    <a:gs pos="0">
+                      <a:srgbClr val="FFFFFF"/>
+                    </a:gs>
+                    <a:gs pos="100000">
+                      <a:srgbClr val="FFFFFF"/>
+                    </a:gs>
+                  </a:gsLst>
+                  <a:lin ang="5400000" scaled="0"/>
+                </a:gradFill>
+                <a:ea typeface="Segoe UI" pitchFamily="34" charset="0"/>
+                <a:cs typeface="Segoe UI" pitchFamily="34" charset="0"/>
+              </a:rPr>
+              <a:t>: fix </a:t>
+            </a:r>
+            <a:r>
+              <a:rPr lang="en-US" dirty="0" err="1">
+                <a:gradFill>
+                  <a:gsLst>
+                    <a:gs pos="0">
+                      <a:srgbClr val="FFFFFF"/>
+                    </a:gs>
+                    <a:gs pos="100000">
+                      <a:srgbClr val="FFFFFF"/>
+                    </a:gs>
+                  </a:gsLst>
+                  <a:lin ang="5400000" scaled="0"/>
+                </a:gradFill>
+                <a:ea typeface="Segoe UI" pitchFamily="34" charset="0"/>
+                <a:cs typeface="Segoe UI" pitchFamily="34" charset="0"/>
+              </a:rPr>
+              <a:t>url</a:t>
+            </a:r>
+            <a:r>
+              <a:rPr lang="en-US" dirty="0">
+                <a:gradFill>
+                  <a:gsLst>
+                    <a:gs pos="0">
+                      <a:srgbClr val="FFFFFF"/>
+                    </a:gs>
+                    <a:gs pos="100000">
+                      <a:srgbClr val="FFFFFF"/>
+                    </a:gs>
+                  </a:gsLst>
+                  <a:lin ang="5400000" scaled="0"/>
+                </a:gradFill>
+                <a:ea typeface="Segoe UI" pitchFamily="34" charset="0"/>
+                <a:cs typeface="Segoe UI" pitchFamily="34" charset="0"/>
+              </a:rPr>
+              <a:t> in UDCX file</a:t>
+            </a:r>
+          </a:p>
+          <a:p>
+            <a:pPr defTabSz="914099" fontAlgn="base">
+              <a:spcBef>
+                <a:spcPct val="0"/>
+              </a:spcBef>
+              <a:spcAft>
+                <a:spcPct val="0"/>
+              </a:spcAft>
+            </a:pPr>
+            <a:r>
+              <a:rPr lang="en-US" u="sng" dirty="0">
+                <a:gradFill>
+                  <a:gsLst>
+                    <a:gs pos="0">
+                      <a:srgbClr val="FFFFFF"/>
+                    </a:gs>
+                    <a:gs pos="100000">
+                      <a:srgbClr val="FFFFFF"/>
+                    </a:gs>
+                  </a:gsLst>
+                  <a:lin ang="5400000" scaled="0"/>
+                </a:gradFill>
+                <a:ea typeface="Segoe UI" pitchFamily="34" charset="0"/>
+                <a:cs typeface="Segoe UI" pitchFamily="34" charset="0"/>
+              </a:rPr>
+              <a:t>Republish Form</a:t>
+            </a:r>
+            <a:r>
+              <a:rPr lang="en-US" dirty="0">
+                <a:gradFill>
+                  <a:gsLst>
+                    <a:gs pos="0">
+                      <a:srgbClr val="FFFFFF"/>
+                    </a:gs>
+                    <a:gs pos="100000">
+                      <a:srgbClr val="FFFFFF"/>
+                    </a:gs>
+                  </a:gsLst>
+                  <a:lin ang="5400000" scaled="0"/>
+                </a:gradFill>
+                <a:ea typeface="Segoe UI" pitchFamily="34" charset="0"/>
+                <a:cs typeface="Segoe UI" pitchFamily="34" charset="0"/>
+              </a:rPr>
+              <a:t>: form requires a new UDCX file which means republishing</a:t>
+            </a:r>
+          </a:p>
+          <a:p>
+            <a:pPr defTabSz="914099" fontAlgn="base">
+              <a:spcBef>
+                <a:spcPct val="0"/>
+              </a:spcBef>
+              <a:spcAft>
+                <a:spcPct val="0"/>
+              </a:spcAft>
+            </a:pPr>
+            <a:r>
+              <a:rPr lang="en-US" u="sng" dirty="0">
+                <a:gradFill>
+                  <a:gsLst>
+                    <a:gs pos="0">
+                      <a:srgbClr val="FFFFFF"/>
+                    </a:gs>
+                    <a:gs pos="100000">
+                      <a:srgbClr val="FFFFFF"/>
+                    </a:gs>
+                  </a:gsLst>
+                  <a:lin ang="5400000" scaled="0"/>
+                </a:gradFill>
+                <a:ea typeface="Segoe UI" pitchFamily="34" charset="0"/>
+                <a:cs typeface="Segoe UI" pitchFamily="34" charset="0"/>
+              </a:rPr>
+              <a:t>None</a:t>
+            </a:r>
+            <a:r>
+              <a:rPr lang="en-US" dirty="0">
+                <a:gradFill>
+                  <a:gsLst>
+                    <a:gs pos="0">
+                      <a:srgbClr val="FFFFFF"/>
+                    </a:gs>
+                    <a:gs pos="100000">
+                      <a:srgbClr val="FFFFFF"/>
+                    </a:gs>
+                  </a:gsLst>
+                  <a:lin ang="5400000" scaled="0"/>
+                </a:gradFill>
+                <a:ea typeface="Segoe UI" pitchFamily="34" charset="0"/>
+                <a:cs typeface="Segoe UI" pitchFamily="34" charset="0"/>
+              </a:rPr>
+              <a:t>: no action needed</a:t>
+            </a:r>
+          </a:p>
+        </p:txBody>
+      </p:sp>
+    </p:spTree>
+    <p:extLst>
+      <p:ext uri="{BB962C8B-B14F-4D97-AF65-F5344CB8AC3E}">
+        <p14:creationId xmlns:p14="http://schemas.microsoft.com/office/powerpoint/2010/main" val="1918357926"/>
+      </p:ext>
+    </p:extLst>
+  </p:cSld>
+  <p:clrMapOvr>
+    <a:masterClrMapping/>
+  </p:clrMapOvr>
+  <p:transition>
+    <p:fade/>
+  </p:transition>
+</p:sld>
+</file>
+
+<file path=ppt/slides/slide72.xml><?xml version="1.0" encoding="utf-8"?>
 <p:sld xmlns:a="http://schemas.openxmlformats.org/drawingml/2006/main" xmlns:r="http://schemas.openxmlformats.org/officeDocument/2006/relationships" xmlns:p="http://schemas.openxmlformats.org/presentationml/2006/main">
   <p:cSld>
     <p:spTree>
@@ -45005,7 +47913,7 @@
 </p:sld>
 </file>
 
-<file path=ppt/slides/slide64.xml><?xml version="1.0" encoding="utf-8"?>
+<file path=ppt/slides/slide73.xml><?xml version="1.0" encoding="utf-8"?>
 <p:sld xmlns:a="http://schemas.openxmlformats.org/drawingml/2006/main" xmlns:r="http://schemas.openxmlformats.org/officeDocument/2006/relationships" xmlns:p="http://schemas.openxmlformats.org/presentationml/2006/main">
   <p:cSld>
     <p:spTree>
@@ -45665,7 +48573,7 @@
 </p:sld>
 </file>
 
-<file path=ppt/slides/slide65.xml><?xml version="1.0" encoding="utf-8"?>
+<file path=ppt/slides/slide74.xml><?xml version="1.0" encoding="utf-8"?>
 <p:sld xmlns:a="http://schemas.openxmlformats.org/drawingml/2006/main" xmlns:r="http://schemas.openxmlformats.org/officeDocument/2006/relationships" xmlns:p="http://schemas.openxmlformats.org/presentationml/2006/main">
   <p:cSld>
     <p:spTree>
@@ -45782,7 +48690,7 @@
 </p:sld>
 </file>
 
-<file path=ppt/slides/slide66.xml><?xml version="1.0" encoding="utf-8"?>
+<file path=ppt/slides/slide75.xml><?xml version="1.0" encoding="utf-8"?>
 <p:sld xmlns:a="http://schemas.openxmlformats.org/drawingml/2006/main" xmlns:r="http://schemas.openxmlformats.org/officeDocument/2006/relationships" xmlns:p="http://schemas.openxmlformats.org/presentationml/2006/main">
   <p:cSld>
     <p:spTree>
@@ -48010,7 +50918,7 @@
 </p:sld>
 </file>
 
-<file path=ppt/slides/slide67.xml><?xml version="1.0" encoding="utf-8"?>
+<file path=ppt/slides/slide76.xml><?xml version="1.0" encoding="utf-8"?>
 <p:sld xmlns:a="http://schemas.openxmlformats.org/drawingml/2006/main" xmlns:r="http://schemas.openxmlformats.org/officeDocument/2006/relationships" xmlns:p="http://schemas.openxmlformats.org/presentationml/2006/main">
   <p:cSld>
     <p:spTree>
@@ -48645,7 +51553,7 @@
 </p:sld>
 </file>
 
-<file path=ppt/slides/slide68.xml><?xml version="1.0" encoding="utf-8"?>
+<file path=ppt/slides/slide77.xml><?xml version="1.0" encoding="utf-8"?>
 <p:sld xmlns:a="http://schemas.openxmlformats.org/drawingml/2006/main" xmlns:r="http://schemas.openxmlformats.org/officeDocument/2006/relationships" xmlns:p="http://schemas.openxmlformats.org/presentationml/2006/main">
   <p:cSld>
     <p:spTree>
@@ -48768,7 +51676,7 @@
 </p:sld>
 </file>
 
-<file path=ppt/slides/slide69.xml><?xml version="1.0" encoding="utf-8"?>
+<file path=ppt/slides/slide78.xml><?xml version="1.0" encoding="utf-8"?>
 <p:sld xmlns:a="http://schemas.openxmlformats.org/drawingml/2006/main" xmlns:r="http://schemas.openxmlformats.org/officeDocument/2006/relationships" xmlns:p="http://schemas.openxmlformats.org/presentationml/2006/main">
   <p:cSld>
     <p:spTree>
@@ -48842,14 +51750,14 @@
           <a:lstStyle/>
           <a:p>
             <a:r>
-              <a:rPr lang="en-US" dirty="0">
+              <a:rPr lang="en-US" strike="sngStrike" dirty="0">
                 <a:solidFill>
                   <a:schemeClr val="bg1"/>
                 </a:solidFill>
               </a:rPr>
               <a:t>In case you want to keep using InfoPath…</a:t>
             </a:r>
-            <a:endParaRPr lang="nl-BE" dirty="0">
+            <a:endParaRPr lang="nl-BE" strike="sngStrike" dirty="0">
               <a:solidFill>
                 <a:schemeClr val="bg1"/>
               </a:solidFill>
@@ -48904,28 +51812,16 @@
           </a:bodyPr>
           <a:lstStyle/>
           <a:p>
-            <a:pPr marL="0" marR="0" lvl="0" indent="0" algn="ctr" defTabSz="914099" eaLnBrk="1" fontAlgn="base" latinLnBrk="0" hangingPunct="1">
-              <a:lnSpc>
-                <a:spcPct val="100000"/>
-              </a:lnSpc>
+            <a:pPr algn="ctr" defTabSz="914099" fontAlgn="base">
               <a:spcBef>
                 <a:spcPct val="0"/>
               </a:spcBef>
               <a:spcAft>
                 <a:spcPct val="0"/>
               </a:spcAft>
-              <a:buClrTx/>
-              <a:buSzTx/>
-              <a:buFontTx/>
-              <a:buNone/>
-              <a:tabLst/>
-              <a:defRPr/>
             </a:pPr>
             <a:r>
-              <a:rPr kumimoji="0" lang="en-US" sz="12000" b="0" i="0" u="none" strike="noStrike" kern="0" cap="none" spc="0" normalizeH="0" baseline="0" noProof="0" dirty="0">
-                <a:ln>
-                  <a:noFill/>
-                </a:ln>
+              <a:rPr lang="en-US" sz="12000" dirty="0">
                 <a:gradFill>
                   <a:gsLst>
                     <a:gs pos="0">
@@ -48937,18 +51833,12 @@
                   </a:gsLst>
                   <a:lin ang="5400000" scaled="0"/>
                 </a:gradFill>
-                <a:effectLst/>
-                <a:uLnTx/>
-                <a:uFillTx/>
                 <a:ea typeface="Segoe UI" pitchFamily="34" charset="0"/>
                 <a:cs typeface="Segoe UI" pitchFamily="34" charset="0"/>
               </a:rPr>
               <a:t>5</a:t>
             </a:r>
-            <a:endParaRPr kumimoji="0" lang="nl-BE" sz="12000" b="0" i="0" u="none" strike="noStrike" kern="0" cap="none" spc="0" normalizeH="0" baseline="0" noProof="0" dirty="0" err="1">
-              <a:ln>
-                <a:noFill/>
-              </a:ln>
+            <a:endParaRPr lang="nl-BE" sz="12000" dirty="0" err="1">
               <a:gradFill>
                 <a:gsLst>
                   <a:gs pos="0">
@@ -48960,19 +51850,95 @@
                 </a:gsLst>
                 <a:lin ang="5400000" scaled="0"/>
               </a:gradFill>
-              <a:effectLst/>
-              <a:uLnTx/>
-              <a:uFillTx/>
               <a:ea typeface="Segoe UI" pitchFamily="34" charset="0"/>
               <a:cs typeface="Segoe UI" pitchFamily="34" charset="0"/>
             </a:endParaRPr>
+          </a:p>
+        </p:txBody>
+      </p:sp>
+      <p:sp>
+        <p:nvSpPr>
+          <p:cNvPr id="5" name="Speech Bubble: Rectangle 4"/>
+          <p:cNvSpPr/>
+          <p:nvPr/>
+        </p:nvSpPr>
+        <p:spPr bwMode="auto">
+          <a:xfrm>
+            <a:off x="2935705" y="5665155"/>
+            <a:ext cx="5018887" cy="1058779"/>
+          </a:xfrm>
+          <a:prstGeom prst="wedgeRectCallout">
+            <a:avLst>
+              <a:gd name="adj1" fmla="val -43756"/>
+              <a:gd name="adj2" fmla="val -73214"/>
+            </a:avLst>
+          </a:prstGeom>
+          <a:solidFill>
+            <a:schemeClr val="accent1"/>
+          </a:solidFill>
+          <a:ln>
+            <a:noFill/>
+            <a:headEnd type="none" w="med" len="med"/>
+            <a:tailEnd type="none" w="med" len="med"/>
+          </a:ln>
+          <a:effectLst/>
+        </p:spPr>
+        <p:style>
+          <a:lnRef idx="1">
+            <a:schemeClr val="accent2"/>
+          </a:lnRef>
+          <a:fillRef idx="3">
+            <a:schemeClr val="accent2"/>
+          </a:fillRef>
+          <a:effectRef idx="2">
+            <a:schemeClr val="accent2"/>
+          </a:effectRef>
+          <a:fontRef idx="minor">
+            <a:schemeClr val="lt1"/>
+          </a:fontRef>
+        </p:style>
+        <p:txBody>
+          <a:bodyPr rot="0" spcFirstLastPara="0" vertOverflow="overflow" horzOverflow="overflow" vert="horz" wrap="square" lIns="45720" tIns="45720" rIns="45720" bIns="45720" numCol="1" spcCol="0" rtlCol="0" fromWordArt="0" anchor="ctr" anchorCtr="0" forceAA="0" compatLnSpc="1">
+            <a:prstTxWarp prst="textNoShape">
+              <a:avLst/>
+            </a:prstTxWarp>
+            <a:noAutofit/>
+          </a:bodyPr>
+          <a:lstStyle/>
+          <a:p>
+            <a:pPr algn="ctr" defTabSz="914099" fontAlgn="base">
+              <a:spcBef>
+                <a:spcPct val="0"/>
+              </a:spcBef>
+              <a:spcAft>
+                <a:spcPct val="0"/>
+              </a:spcAft>
+            </a:pPr>
+            <a:r>
+              <a:rPr lang="en-US" sz="2200" dirty="0">
+                <a:gradFill>
+                  <a:gsLst>
+                    <a:gs pos="0">
+                      <a:srgbClr val="FFFFFF"/>
+                    </a:gs>
+                    <a:gs pos="100000">
+                      <a:srgbClr val="FFFFFF"/>
+                    </a:gs>
+                  </a:gsLst>
+                  <a:lin ang="5400000" scaled="0"/>
+                </a:gradFill>
+                <a:ea typeface="Segoe UI" pitchFamily="34" charset="0"/>
+                <a:cs typeface="Segoe UI" pitchFamily="34" charset="0"/>
+              </a:rPr>
+              <a:t>Forms with code behind do not work anymore and require remediation!</a:t>
+            </a:r>
           </a:p>
         </p:txBody>
       </p:sp>
     </p:spTree>
     <p:extLst>
       <p:ext uri="{BB962C8B-B14F-4D97-AF65-F5344CB8AC3E}">
-        <p14:creationId xmlns:p14="http://schemas.microsoft.com/office/powerpoint/2010/main" val="1007129204"/>
+        <p14:creationId xmlns:p14="http://schemas.microsoft.com/office/powerpoint/2010/main" val="249084612"/>
       </p:ext>
     </p:extLst>
   </p:cSld>
@@ -48994,62 +51960,7 @@
 </p:sld>
 </file>
 
-<file path=ppt/slides/slide7.xml><?xml version="1.0" encoding="utf-8"?>
-<p:sld xmlns:a="http://schemas.openxmlformats.org/drawingml/2006/main" xmlns:r="http://schemas.openxmlformats.org/officeDocument/2006/relationships" xmlns:p="http://schemas.openxmlformats.org/presentationml/2006/main">
-  <p:cSld>
-    <p:spTree>
-      <p:nvGrpSpPr>
-        <p:cNvPr id="1" name=""/>
-        <p:cNvGrpSpPr/>
-        <p:nvPr/>
-      </p:nvGrpSpPr>
-      <p:grpSpPr>
-        <a:xfrm>
-          <a:off x="0" y="0"/>
-          <a:ext cx="0" cy="0"/>
-          <a:chOff x="0" y="0"/>
-          <a:chExt cx="0" cy="0"/>
-        </a:xfrm>
-      </p:grpSpPr>
-      <p:sp>
-        <p:nvSpPr>
-          <p:cNvPr id="4" name="Title 3"/>
-          <p:cNvSpPr>
-            <a:spLocks noGrp="1"/>
-          </p:cNvSpPr>
-          <p:nvPr>
-            <p:ph type="title"/>
-          </p:nvPr>
-        </p:nvSpPr>
-        <p:spPr/>
-        <p:txBody>
-          <a:bodyPr/>
-          <a:lstStyle/>
-          <a:p>
-            <a:r>
-              <a:rPr lang="en-US" dirty="0"/>
-              <a:t>Analysis approach</a:t>
-            </a:r>
-          </a:p>
-        </p:txBody>
-      </p:sp>
-    </p:spTree>
-    <p:extLst>
-      <p:ext uri="{BB962C8B-B14F-4D97-AF65-F5344CB8AC3E}">
-        <p14:creationId xmlns:p14="http://schemas.microsoft.com/office/powerpoint/2010/main" val="700521740"/>
-      </p:ext>
-    </p:extLst>
-  </p:cSld>
-  <p:clrMapOvr>
-    <a:masterClrMapping/>
-  </p:clrMapOvr>
-  <p:transition>
-    <p:fade/>
-  </p:transition>
-</p:sld>
-</file>
-
-<file path=ppt/slides/slide70.xml><?xml version="1.0" encoding="utf-8"?>
+<file path=ppt/slides/slide79.xml><?xml version="1.0" encoding="utf-8"?>
 <p:sld xmlns:a="http://schemas.openxmlformats.org/drawingml/2006/main" xmlns:r="http://schemas.openxmlformats.org/officeDocument/2006/relationships" xmlns:p="http://schemas.openxmlformats.org/presentationml/2006/main">
   <p:cSld>
     <p:spTree>
@@ -49399,7 +52310,125 @@
 </p:sld>
 </file>
 
-<file path=ppt/slides/slide71.xml><?xml version="1.0" encoding="utf-8"?>
+<file path=ppt/slides/slide8.xml><?xml version="1.0" encoding="utf-8"?>
+<p:sld xmlns:a="http://schemas.openxmlformats.org/drawingml/2006/main" xmlns:r="http://schemas.openxmlformats.org/officeDocument/2006/relationships" xmlns:p="http://schemas.openxmlformats.org/presentationml/2006/main">
+  <p:cSld>
+    <p:spTree>
+      <p:nvGrpSpPr>
+        <p:cNvPr id="1" name=""/>
+        <p:cNvGrpSpPr/>
+        <p:nvPr/>
+      </p:nvGrpSpPr>
+      <p:grpSpPr>
+        <a:xfrm>
+          <a:off x="0" y="0"/>
+          <a:ext cx="0" cy="0"/>
+          <a:chOff x="0" y="0"/>
+          <a:chExt cx="0" cy="0"/>
+        </a:xfrm>
+      </p:grpSpPr>
+      <p:sp>
+        <p:nvSpPr>
+          <p:cNvPr id="2" name="Title 1"/>
+          <p:cNvSpPr>
+            <a:spLocks noGrp="1"/>
+          </p:cNvSpPr>
+          <p:nvPr>
+            <p:ph type="title"/>
+          </p:nvPr>
+        </p:nvSpPr>
+        <p:spPr/>
+        <p:txBody>
+          <a:bodyPr/>
+          <a:lstStyle/>
+          <a:p>
+            <a:r>
+              <a:rPr lang="en-US" dirty="0"/>
+              <a:t>Analysis process</a:t>
+            </a:r>
+            <a:endParaRPr lang="nl-BE" dirty="0"/>
+          </a:p>
+        </p:txBody>
+      </p:sp>
+      <p:sp>
+        <p:nvSpPr>
+          <p:cNvPr id="3" name="Text Placeholder 2"/>
+          <p:cNvSpPr>
+            <a:spLocks noGrp="1"/>
+          </p:cNvSpPr>
+          <p:nvPr>
+            <p:ph type="body" sz="quarter" idx="10"/>
+          </p:nvPr>
+        </p:nvSpPr>
+        <p:spPr>
+          <a:xfrm>
+            <a:off x="519112" y="1447799"/>
+            <a:ext cx="11149013" cy="3019426"/>
+          </a:xfrm>
+        </p:spPr>
+        <p:txBody>
+          <a:bodyPr/>
+          <a:lstStyle/>
+          <a:p>
+            <a:r>
+              <a:rPr lang="en-US" dirty="0"/>
+              <a:t>Obtain data by reading all XSN files in all content databases and extract the relevant properties</a:t>
+            </a:r>
+          </a:p>
+          <a:p>
+            <a:r>
+              <a:rPr lang="en-US" dirty="0"/>
+              <a:t>Analyze extracted data and list “potential problematic” forms </a:t>
+            </a:r>
+          </a:p>
+          <a:p>
+            <a:r>
+              <a:rPr lang="en-US" dirty="0"/>
+              <a:t>Collect usage information for those “potential problematic” forms</a:t>
+            </a:r>
+          </a:p>
+          <a:p>
+            <a:r>
+              <a:rPr lang="en-US" dirty="0"/>
+              <a:t>Analyze code behind for those “potential problematic” forms</a:t>
+            </a:r>
+          </a:p>
+          <a:p>
+            <a:endParaRPr lang="en-US" dirty="0"/>
+          </a:p>
+          <a:p>
+            <a:pPr marL="0" indent="0">
+              <a:buNone/>
+            </a:pPr>
+            <a:endParaRPr lang="en-US" dirty="0"/>
+          </a:p>
+          <a:p>
+            <a:pPr lvl="1"/>
+            <a:endParaRPr lang="en-US" dirty="0"/>
+          </a:p>
+          <a:p>
+            <a:pPr lvl="1"/>
+            <a:endParaRPr lang="nl-BE" dirty="0"/>
+          </a:p>
+        </p:txBody>
+      </p:sp>
+    </p:spTree>
+    <p:extLst>
+      <p:ext uri="{BB962C8B-B14F-4D97-AF65-F5344CB8AC3E}">
+        <p14:creationId xmlns:p14="http://schemas.microsoft.com/office/powerpoint/2010/main" val="1635021590"/>
+      </p:ext>
+    </p:extLst>
+  </p:cSld>
+  <p:clrMapOvr>
+    <a:masterClrMapping/>
+  </p:clrMapOvr>
+  <p:transition>
+    <p:fade/>
+  </p:transition>
+</p:sld>
+</file>
+
+<file path=ppt/slides/slide80.xml><?xml version="1.0" encoding="utf-8"?>
 <p:sld xmlns:a="http://schemas.openxmlformats.org/drawingml/2006/main" xmlns:r="http://schemas.openxmlformats.org/officeDocument/2006/relationships" xmlns:p="http://schemas.openxmlformats.org/presentationml/2006/main">
   <p:cSld>
     <p:spTree>
@@ -49569,7 +52598,7 @@
 </p:sld>
 </file>
 
-<file path=ppt/slides/slide72.xml><?xml version="1.0" encoding="utf-8"?>
+<file path=ppt/slides/slide81.xml><?xml version="1.0" encoding="utf-8"?>
 <p:sld xmlns:a="http://schemas.openxmlformats.org/drawingml/2006/main" xmlns:r="http://schemas.openxmlformats.org/officeDocument/2006/relationships" xmlns:p="http://schemas.openxmlformats.org/presentationml/2006/main">
   <p:cSld>
     <p:spTree>
@@ -49669,7 +52698,7 @@
 </p:sld>
 </file>
 
-<file path=ppt/slides/slide73.xml><?xml version="1.0" encoding="utf-8"?>
+<file path=ppt/slides/slide82.xml><?xml version="1.0" encoding="utf-8"?>
 <p:sld xmlns:a="http://schemas.openxmlformats.org/drawingml/2006/main" xmlns:r="http://schemas.openxmlformats.org/officeDocument/2006/relationships" xmlns:p="http://schemas.openxmlformats.org/presentationml/2006/main">
   <p:cSld>
     <p:spTree>
@@ -49753,7 +52782,7 @@
 </p:sld>
 </file>
 
-<file path=ppt/slides/slide74.xml><?xml version="1.0" encoding="utf-8"?>
+<file path=ppt/slides/slide83.xml><?xml version="1.0" encoding="utf-8"?>
 <p:sld xmlns:a="http://schemas.openxmlformats.org/drawingml/2006/main" xmlns:r="http://schemas.openxmlformats.org/officeDocument/2006/relationships" xmlns:p="http://schemas.openxmlformats.org/presentationml/2006/main">
   <p:cSld>
     <p:spTree>
@@ -51617,7 +54646,7 @@
 </p:sld>
 </file>
 
-<file path=ppt/slides/slide75.xml><?xml version="1.0" encoding="utf-8"?>
+<file path=ppt/slides/slide84.xml><?xml version="1.0" encoding="utf-8"?>
 <p:sld xmlns:a="http://schemas.openxmlformats.org/drawingml/2006/main" xmlns:r="http://schemas.openxmlformats.org/officeDocument/2006/relationships" xmlns:p="http://schemas.openxmlformats.org/presentationml/2006/main">
   <p:cSld>
     <p:spTree>
@@ -51727,7 +54756,7 @@
 </p:sld>
 </file>
 
-<file path=ppt/slides/slide76.xml><?xml version="1.0" encoding="utf-8"?>
+<file path=ppt/slides/slide85.xml><?xml version="1.0" encoding="utf-8"?>
 <p:sld xmlns:a="http://schemas.openxmlformats.org/drawingml/2006/main" xmlns:r="http://schemas.openxmlformats.org/officeDocument/2006/relationships" xmlns:p="http://schemas.openxmlformats.org/presentationml/2006/main">
   <p:cSld>
     <p:spTree>
@@ -51761,7 +54790,7 @@
           <a:p>
             <a:r>
               <a:rPr lang="en-US" dirty="0"/>
-              <a:t>Single Page App (knockout.js = JS + HTML)</a:t>
+              <a:t>Single Page App (knockout.js)</a:t>
             </a:r>
             <a:endParaRPr lang="nl-BE" dirty="0"/>
           </a:p>
@@ -52287,7 +55316,7 @@
 </p:sld>
 </file>
 
-<file path=ppt/slides/slide77.xml><?xml version="1.0" encoding="utf-8"?>
+<file path=ppt/slides/slide86.xml><?xml version="1.0" encoding="utf-8"?>
 <p:sld xmlns:a="http://schemas.openxmlformats.org/drawingml/2006/main" xmlns:r="http://schemas.openxmlformats.org/officeDocument/2006/relationships" xmlns:p="http://schemas.openxmlformats.org/presentationml/2006/main">
   <p:cSld>
     <p:spTree>
@@ -52851,7 +55880,7 @@
 </p:sld>
 </file>
 
-<file path=ppt/slides/slide78.xml><?xml version="1.0" encoding="utf-8"?>
+<file path=ppt/slides/slide87.xml><?xml version="1.0" encoding="utf-8"?>
 <p:sld xmlns:a="http://schemas.openxmlformats.org/drawingml/2006/main" xmlns:r="http://schemas.openxmlformats.org/officeDocument/2006/relationships" xmlns:p="http://schemas.openxmlformats.org/presentationml/2006/main">
   <p:cSld>
     <p:spTree>
@@ -53415,7 +56444,7 @@
 </p:sld>
 </file>
 
-<file path=ppt/slides/slide79.xml><?xml version="1.0" encoding="utf-8"?>
+<file path=ppt/slides/slide88.xml><?xml version="1.0" encoding="utf-8"?>
 <p:sld xmlns:a="http://schemas.openxmlformats.org/drawingml/2006/main" xmlns:r="http://schemas.openxmlformats.org/officeDocument/2006/relationships" xmlns:p="http://schemas.openxmlformats.org/presentationml/2006/main">
   <p:cSld>
     <p:spTree>
@@ -53470,7 +56499,7 @@
 </p:sld>
 </file>
 
-<file path=ppt/slides/slide8.xml><?xml version="1.0" encoding="utf-8"?>
+<file path=ppt/slides/slide89.xml><?xml version="1.0" encoding="utf-8"?>
 <p:sld xmlns:a="http://schemas.openxmlformats.org/drawingml/2006/main" xmlns:r="http://schemas.openxmlformats.org/officeDocument/2006/relationships" xmlns:p="http://schemas.openxmlformats.org/presentationml/2006/main">
   <p:cSld>
     <p:spTree>
@@ -53504,7 +56533,7 @@
           <a:p>
             <a:r>
               <a:rPr lang="en-US" dirty="0"/>
-              <a:t>Analysis process</a:t>
+              <a:t>Introduction</a:t>
             </a:r>
             <a:endParaRPr lang="nl-BE" dirty="0"/>
           </a:p>
@@ -53520,190 +56549,29 @@
             <p:ph type="body" sz="quarter" idx="10"/>
           </p:nvPr>
         </p:nvSpPr>
-        <p:spPr>
-          <a:xfrm>
-            <a:off x="519112" y="1447799"/>
-            <a:ext cx="11149013" cy="3019426"/>
-          </a:xfrm>
-        </p:spPr>
+        <p:spPr/>
         <p:txBody>
           <a:bodyPr/>
           <a:lstStyle/>
           <a:p>
             <a:r>
               <a:rPr lang="en-US" dirty="0"/>
-              <a:t>Obtain data by reading all XSN files in all content databases and extract the relevant properties</a:t>
+              <a:t>The InfoPath JDP program is helping remediate problematic forms</a:t>
             </a:r>
           </a:p>
           <a:p>
             <a:r>
               <a:rPr lang="en-US" dirty="0"/>
-              <a:t>Analyze extracted data and list “potential problematic” forms </a:t>
-            </a:r>
-          </a:p>
-          <a:p>
-            <a:r>
-              <a:rPr lang="en-US" dirty="0"/>
-              <a:t>Collect usage information for those “potential problematic” forms</a:t>
-            </a:r>
-          </a:p>
-          <a:p>
-            <a:r>
-              <a:rPr lang="en-US" dirty="0"/>
-              <a:t>Analyze code behind for those “potential problematic” forms</a:t>
-            </a:r>
-          </a:p>
-          <a:p>
-            <a:endParaRPr lang="en-US" dirty="0"/>
-          </a:p>
-          <a:p>
-            <a:pPr marL="0" indent="0">
-              <a:buNone/>
-            </a:pPr>
-            <a:endParaRPr lang="en-US" dirty="0"/>
-          </a:p>
-          <a:p>
-            <a:pPr lvl="1"/>
-            <a:endParaRPr lang="en-US" dirty="0"/>
-          </a:p>
-          <a:p>
-            <a:pPr lvl="1"/>
+              <a:t>This section offers InfoPath Safe Driving Rules: what are the InfoPath patterns that should be avoided in the future</a:t>
+            </a:r>
             <a:endParaRPr lang="nl-BE" dirty="0"/>
-          </a:p>
-        </p:txBody>
-      </p:sp>
-      <p:sp>
-        <p:nvSpPr>
-          <p:cNvPr id="4" name="Rectangle 3"/>
-          <p:cNvSpPr/>
-          <p:nvPr/>
-        </p:nvSpPr>
-        <p:spPr bwMode="auto">
-          <a:xfrm>
-            <a:off x="6940230" y="228600"/>
-            <a:ext cx="4993019" cy="698957"/>
-          </a:xfrm>
-          <a:prstGeom prst="rect">
-            <a:avLst/>
-          </a:prstGeom>
-          <a:solidFill>
-            <a:schemeClr val="accent1"/>
-          </a:solidFill>
-          <a:ln>
-            <a:noFill/>
-            <a:headEnd type="none" w="med" len="med"/>
-            <a:tailEnd type="none" w="med" len="med"/>
-          </a:ln>
-          <a:effectLst/>
-        </p:spPr>
-        <p:style>
-          <a:lnRef idx="1">
-            <a:schemeClr val="accent2"/>
-          </a:lnRef>
-          <a:fillRef idx="3">
-            <a:schemeClr val="accent2"/>
-          </a:fillRef>
-          <a:effectRef idx="2">
-            <a:schemeClr val="accent2"/>
-          </a:effectRef>
-          <a:fontRef idx="minor">
-            <a:schemeClr val="lt1"/>
-          </a:fontRef>
-        </p:style>
-        <p:txBody>
-          <a:bodyPr rot="0" spcFirstLastPara="0" vertOverflow="overflow" horzOverflow="overflow" vert="horz" wrap="square" lIns="45720" tIns="45720" rIns="45720" bIns="45720" numCol="1" spcCol="0" rtlCol="0" fromWordArt="0" anchor="ctr" anchorCtr="0" forceAA="0" compatLnSpc="1">
-            <a:prstTxWarp prst="textNoShape">
-              <a:avLst/>
-            </a:prstTxWarp>
-            <a:noAutofit/>
-          </a:bodyPr>
-          <a:lstStyle/>
-          <a:p>
-            <a:pPr algn="ctr" defTabSz="914099" fontAlgn="base">
-              <a:spcBef>
-                <a:spcPct val="0"/>
-              </a:spcBef>
-              <a:spcAft>
-                <a:spcPct val="0"/>
-              </a:spcAft>
-            </a:pPr>
-            <a:r>
-              <a:rPr lang="en-US" sz="2200" dirty="0">
-                <a:gradFill>
-                  <a:gsLst>
-                    <a:gs pos="0">
-                      <a:srgbClr val="FFFFFF"/>
-                    </a:gs>
-                    <a:gs pos="100000">
-                      <a:srgbClr val="FFFFFF"/>
-                    </a:gs>
-                  </a:gsLst>
-                  <a:lin ang="5400000" scaled="0"/>
-                </a:gradFill>
-                <a:ea typeface="Segoe UI" pitchFamily="34" charset="0"/>
-                <a:cs typeface="Segoe UI" pitchFamily="34" charset="0"/>
-              </a:rPr>
-              <a:t>See analysis tools in the </a:t>
-            </a:r>
-            <a:r>
-              <a:rPr lang="en-US" sz="2200" dirty="0">
-                <a:gradFill>
-                  <a:gsLst>
-                    <a:gs pos="0">
-                      <a:srgbClr val="FFFFFF"/>
-                    </a:gs>
-                    <a:gs pos="100000">
-                      <a:srgbClr val="FFFFFF"/>
-                    </a:gs>
-                  </a:gsLst>
-                  <a:lin ang="5400000" scaled="0"/>
-                </a:gradFill>
-                <a:ea typeface="Segoe UI" pitchFamily="34" charset="0"/>
-                <a:cs typeface="Segoe UI" pitchFamily="34" charset="0"/>
-                <a:hlinkClick r:id="rId3"/>
-              </a:rPr>
-              <a:t>PnP-Transformation</a:t>
-            </a:r>
-            <a:r>
-              <a:rPr lang="en-US" sz="2200" dirty="0">
-                <a:gradFill>
-                  <a:gsLst>
-                    <a:gs pos="0">
-                      <a:srgbClr val="FFFFFF"/>
-                    </a:gs>
-                    <a:gs pos="100000">
-                      <a:srgbClr val="FFFFFF"/>
-                    </a:gs>
-                  </a:gsLst>
-                  <a:lin ang="5400000" scaled="0"/>
-                </a:gradFill>
-                <a:ea typeface="Segoe UI" pitchFamily="34" charset="0"/>
-                <a:cs typeface="Segoe UI" pitchFamily="34" charset="0"/>
-              </a:rPr>
-              <a:t> repository</a:t>
-            </a:r>
-            <a:endParaRPr lang="nl-BE" sz="2200" dirty="0">
-              <a:gradFill>
-                <a:gsLst>
-                  <a:gs pos="0">
-                    <a:srgbClr val="FFFFFF"/>
-                  </a:gs>
-                  <a:gs pos="100000">
-                    <a:srgbClr val="FFFFFF"/>
-                  </a:gs>
-                </a:gsLst>
-                <a:lin ang="5400000" scaled="0"/>
-              </a:gradFill>
-              <a:ea typeface="Segoe UI" pitchFamily="34" charset="0"/>
-              <a:cs typeface="Segoe UI" pitchFamily="34" charset="0"/>
-            </a:endParaRPr>
           </a:p>
         </p:txBody>
       </p:sp>
     </p:spTree>
     <p:extLst>
       <p:ext uri="{BB962C8B-B14F-4D97-AF65-F5344CB8AC3E}">
-        <p14:creationId xmlns:p14="http://schemas.microsoft.com/office/powerpoint/2010/main" val="1635021590"/>
+        <p14:creationId xmlns:p14="http://schemas.microsoft.com/office/powerpoint/2010/main" val="2687365635"/>
       </p:ext>
     </p:extLst>
   </p:cSld>
@@ -53716,7 +56584,7 @@
 </p:sld>
 </file>
 
-<file path=ppt/slides/slide80.xml><?xml version="1.0" encoding="utf-8"?>
+<file path=ppt/slides/slide9.xml><?xml version="1.0" encoding="utf-8"?>
 <p:sld xmlns:a="http://schemas.openxmlformats.org/drawingml/2006/main" xmlns:r="http://schemas.openxmlformats.org/officeDocument/2006/relationships" xmlns:p="http://schemas.openxmlformats.org/presentationml/2006/main">
   <p:cSld>
     <p:spTree>
@@ -53750,7 +56618,7 @@
           <a:p>
             <a:r>
               <a:rPr lang="en-US" dirty="0"/>
-              <a:t>Introduction</a:t>
+              <a:t>Potentially problematic forms</a:t>
             </a:r>
             <a:endParaRPr lang="nl-BE" dirty="0"/>
           </a:p>
@@ -53773,13 +56641,50 @@
           <a:p>
             <a:r>
               <a:rPr lang="en-US" dirty="0"/>
-              <a:t>The InfoPath JDP program is helping remediate problematic forms</a:t>
+              <a:t>All forms with managed code</a:t>
             </a:r>
           </a:p>
           <a:p>
             <a:r>
               <a:rPr lang="en-US" dirty="0"/>
-              <a:t>This section offers InfoPath Safe Driving Rules: what are the InfoPath patterns that should be avoided in the future</a:t>
+              <a:t>All forms with unsupported soap or rest calls</a:t>
+            </a:r>
+          </a:p>
+          <a:p>
+            <a:r>
+              <a:rPr lang="en-US" dirty="0"/>
+              <a:t>All forms that have a data connection (ado / </a:t>
+            </a:r>
+            <a:r>
+              <a:rPr lang="en-US" dirty="0" err="1"/>
+              <a:t>bdc</a:t>
+            </a:r>
+            <a:r>
+              <a:rPr lang="en-US" dirty="0"/>
+              <a:t>)</a:t>
+            </a:r>
+          </a:p>
+          <a:p>
+            <a:endParaRPr lang="en-US" dirty="0"/>
+          </a:p>
+          <a:p>
+            <a:r>
+              <a:rPr lang="en-US" dirty="0"/>
+              <a:t>Note:</a:t>
+            </a:r>
+          </a:p>
+          <a:p>
+            <a:pPr lvl="1"/>
+            <a:r>
+              <a:rPr lang="en-US" b="1" dirty="0"/>
+              <a:t>Forms that only can be opened in InfoPath client are always marked as safe</a:t>
+            </a:r>
+          </a:p>
+          <a:p>
+            <a:pPr lvl="1"/>
+            <a:r>
+              <a:rPr lang="en-US" dirty="0"/>
+              <a:t>Very old (InfoPath 2003 (version 11)) forms are marked as safe since they can only be opened by the client anyway</a:t>
             </a:r>
             <a:endParaRPr lang="nl-BE" dirty="0"/>
           </a:p>
@@ -53788,7 +56693,7 @@
     </p:spTree>
     <p:extLst>
       <p:ext uri="{BB962C8B-B14F-4D97-AF65-F5344CB8AC3E}">
-        <p14:creationId xmlns:p14="http://schemas.microsoft.com/office/powerpoint/2010/main" val="2687365635"/>
+        <p14:creationId xmlns:p14="http://schemas.microsoft.com/office/powerpoint/2010/main" val="243042454"/>
       </p:ext>
     </p:extLst>
   </p:cSld>
@@ -53801,7 +56706,7 @@
 </p:sld>
 </file>
 
-<file path=ppt/slides/slide81.xml><?xml version="1.0" encoding="utf-8"?>
+<file path=ppt/slides/slide90.xml><?xml version="1.0" encoding="utf-8"?>
 <p:sld xmlns:a="http://schemas.openxmlformats.org/drawingml/2006/main" xmlns:r="http://schemas.openxmlformats.org/officeDocument/2006/relationships" xmlns:p="http://schemas.openxmlformats.org/presentationml/2006/main">
   <p:cSld>
     <p:spTree>
@@ -53872,33 +56777,65 @@
             <a:pPr lvl="1"/>
             <a:r>
               <a:rPr lang="en-US" dirty="0"/>
-              <a:t>Sandboxed solutions with code are deprecated in </a:t>
-            </a:r>
-            <a:r>
-              <a:rPr lang="en-US" dirty="0" err="1"/>
+              <a:t>Sandboxed solutions with code </a:t>
+            </a:r>
+            <a:r>
+              <a:rPr lang="en-US" strike="sngStrike" dirty="0"/>
+              <a:t>are deprecated in </a:t>
+            </a:r>
+            <a:r>
+              <a:rPr lang="en-US" strike="sngStrike" dirty="0" err="1"/>
               <a:t>DvNext</a:t>
             </a:r>
             <a:r>
-              <a:rPr lang="en-US" dirty="0"/>
+              <a:rPr lang="en-US" strike="sngStrike" dirty="0"/>
               <a:t>/MT and should be avoided if possible. See </a:t>
             </a:r>
             <a:r>
-              <a:rPr lang="nl-BE" dirty="0">
+              <a:rPr lang="nl-BE" strike="sngStrike" dirty="0">
                 <a:hlinkClick r:id="rId2"/>
               </a:rPr>
               <a:t>http://blogs.msdn.com/b/sharepointdev/archive/2014/01/14/deprecation-of-custom-code-in-sandboxed-solutions.aspx</a:t>
             </a:r>
             <a:r>
+              <a:rPr lang="nl-BE" strike="sngStrike" dirty="0"/>
+              <a:t> </a:t>
+            </a:r>
+            <a:r>
+              <a:rPr lang="nl-BE" strike="sngStrike" dirty="0" err="1"/>
+              <a:t>for</a:t>
+            </a:r>
+            <a:r>
+              <a:rPr lang="nl-BE" strike="sngStrike" dirty="0"/>
+              <a:t> more details</a:t>
+            </a:r>
+            <a:r>
+              <a:rPr lang="nl-BE" dirty="0"/>
+              <a:t> are </a:t>
+            </a:r>
+            <a:r>
+              <a:rPr lang="nl-BE" dirty="0" err="1"/>
+              <a:t>not</a:t>
+            </a:r>
+            <a:r>
               <a:rPr lang="nl-BE" dirty="0"/>
               <a:t> </a:t>
             </a:r>
             <a:r>
               <a:rPr lang="nl-BE" dirty="0" err="1"/>
-              <a:t>for</a:t>
+              <a:t>allowed</a:t>
             </a:r>
             <a:r>
               <a:rPr lang="nl-BE" dirty="0"/>
-              <a:t> more details.</a:t>
+              <a:t> </a:t>
+            </a:r>
+            <a:r>
+              <a:rPr lang="nl-BE" dirty="0" err="1"/>
+              <a:t>anymore</a:t>
+            </a:r>
+            <a:r>
+              <a:rPr lang="nl-BE" dirty="0"/>
+              <a:t>.</a:t>
             </a:r>
             <a:endParaRPr lang="en-US" dirty="0"/>
           </a:p>
@@ -53932,7 +56869,7 @@
     </p:spTree>
     <p:extLst>
       <p:ext uri="{BB962C8B-B14F-4D97-AF65-F5344CB8AC3E}">
-        <p14:creationId xmlns:p14="http://schemas.microsoft.com/office/powerpoint/2010/main" val="4226207671"/>
+        <p14:creationId xmlns:p14="http://schemas.microsoft.com/office/powerpoint/2010/main" val="1285495714"/>
       </p:ext>
     </p:extLst>
   </p:cSld>
@@ -53945,7 +56882,7 @@
 </p:sld>
 </file>
 
-<file path=ppt/slides/slide82.xml><?xml version="1.0" encoding="utf-8"?>
+<file path=ppt/slides/slide91.xml><?xml version="1.0" encoding="utf-8"?>
 <p:sld xmlns:a="http://schemas.openxmlformats.org/drawingml/2006/main" xmlns:r="http://schemas.openxmlformats.org/officeDocument/2006/relationships" xmlns:p="http://schemas.openxmlformats.org/presentationml/2006/main">
   <p:cSld>
     <p:spTree>
@@ -54094,7 +57031,7 @@
     </p:spTree>
     <p:extLst>
       <p:ext uri="{BB962C8B-B14F-4D97-AF65-F5344CB8AC3E}">
-        <p14:creationId xmlns:p14="http://schemas.microsoft.com/office/powerpoint/2010/main" val="4158628381"/>
+        <p14:creationId xmlns:p14="http://schemas.microsoft.com/office/powerpoint/2010/main" val="489201574"/>
       </p:ext>
     </p:extLst>
   </p:cSld>
@@ -54107,7 +57044,7 @@
 </p:sld>
 </file>
 
-<file path=ppt/slides/slide83.xml><?xml version="1.0" encoding="utf-8"?>
+<file path=ppt/slides/slide92.xml><?xml version="1.0" encoding="utf-8"?>
 <p:sld xmlns:a="http://schemas.openxmlformats.org/drawingml/2006/main" xmlns:r="http://schemas.openxmlformats.org/officeDocument/2006/relationships" xmlns:p="http://schemas.openxmlformats.org/presentationml/2006/main">
   <p:cSld>
     <p:spTree>
@@ -54277,7 +57214,7 @@
     </p:spTree>
     <p:extLst>
       <p:ext uri="{BB962C8B-B14F-4D97-AF65-F5344CB8AC3E}">
-        <p14:creationId xmlns:p14="http://schemas.microsoft.com/office/powerpoint/2010/main" val="3978482875"/>
+        <p14:creationId xmlns:p14="http://schemas.microsoft.com/office/powerpoint/2010/main" val="671508415"/>
       </p:ext>
     </p:extLst>
   </p:cSld>
@@ -54290,7 +57227,7 @@
 </p:sld>
 </file>
 
-<file path=ppt/slides/slide84.xml><?xml version="1.0" encoding="utf-8"?>
+<file path=ppt/slides/slide93.xml><?xml version="1.0" encoding="utf-8"?>
 <p:sld xmlns:a="http://schemas.openxmlformats.org/drawingml/2006/main" xmlns:r="http://schemas.openxmlformats.org/officeDocument/2006/relationships" xmlns:p="http://schemas.openxmlformats.org/presentationml/2006/main">
   <p:cSld>
     <p:spTree>
@@ -54324,7 +57261,7 @@
           <a:p>
             <a:r>
               <a:rPr lang="en-US" dirty="0"/>
-              <a:t>Rule 3: Ensure hostnames are DNS resolvable by the SP farm</a:t>
+              <a:t>Rule 3: Avoid reusing UDCX files across site collections</a:t>
             </a:r>
             <a:endParaRPr lang="nl-BE" dirty="0"/>
           </a:p>
@@ -54342,7 +57279,7 @@
         </p:nvSpPr>
         <p:spPr>
           <a:xfrm>
-            <a:off x="519112" y="1822766"/>
+            <a:off x="519112" y="1862240"/>
             <a:ext cx="11149013" cy="2043636"/>
           </a:xfrm>
         </p:spPr>
@@ -54359,7 +57296,7 @@
             <a:pPr lvl="1"/>
             <a:r>
               <a:rPr lang="en-US" dirty="0"/>
-              <a:t>There’s no AD/DNS level integration in </a:t>
+              <a:t>SharePoint </a:t>
             </a:r>
             <a:r>
               <a:rPr lang="en-US" dirty="0" err="1"/>
@@ -54367,22 +57304,15 @@
             </a:r>
             <a:r>
               <a:rPr lang="en-US" dirty="0"/>
-              <a:t>/MT, also not when a private peering (MPLS/AER) connection is used. </a:t>
-            </a:r>
-          </a:p>
-          <a:p>
-            <a:pPr lvl="1"/>
+              <a:t>/MT has can call a set of supported ASMX services (see </a:t>
+            </a:r>
+            <a:r>
+              <a:rPr lang="en-US" dirty="0" err="1"/>
+              <a:t>prev</a:t>
+            </a:r>
             <a:r>
               <a:rPr lang="en-US" dirty="0"/>
-              <a:t>SharePoint </a:t>
-            </a:r>
-            <a:r>
-              <a:rPr lang="en-US" dirty="0" err="1"/>
-              <a:t>DvNext</a:t>
-            </a:r>
-            <a:r>
-              <a:rPr lang="en-US" dirty="0"/>
-              <a:t>/MT does only resolve DNS from public DNS</a:t>
+              <a:t> rule) but only when they’re called from the same site collection as the one hosting the form. Reusing UDCX files from other forms hosted on other site collections works in on-premises but fails in online</a:t>
             </a:r>
           </a:p>
           <a:p>
@@ -54399,8 +57329,12 @@
             <a:pPr lvl="1"/>
             <a:r>
               <a:rPr lang="en-US" dirty="0"/>
-              <a:t>Register your internal services in public DNS with an IP address that’s routed via the connection (MPLS/AER/Internet) you need </a:t>
-            </a:r>
+              <a:t>Give each site collection their own UDCX files</a:t>
+            </a:r>
+            <a:endParaRPr lang="nl-BE" dirty="0"/>
+          </a:p>
+          <a:p>
+            <a:pPr lvl="1"/>
             <a:endParaRPr lang="nl-BE" dirty="0"/>
           </a:p>
         </p:txBody>
@@ -54408,7 +57342,7 @@
     </p:spTree>
     <p:extLst>
       <p:ext uri="{BB962C8B-B14F-4D97-AF65-F5344CB8AC3E}">
-        <p14:creationId xmlns:p14="http://schemas.microsoft.com/office/powerpoint/2010/main" val="170746525"/>
+        <p14:creationId xmlns:p14="http://schemas.microsoft.com/office/powerpoint/2010/main" val="3126516188"/>
       </p:ext>
     </p:extLst>
   </p:cSld>
@@ -54421,7 +57355,7 @@
 </p:sld>
 </file>
 
-<file path=ppt/slides/slide85.xml><?xml version="1.0" encoding="utf-8"?>
+<file path=ppt/slides/slide94.xml><?xml version="1.0" encoding="utf-8"?>
 <p:sld xmlns:a="http://schemas.openxmlformats.org/drawingml/2006/main" xmlns:r="http://schemas.openxmlformats.org/officeDocument/2006/relationships" xmlns:p="http://schemas.openxmlformats.org/presentationml/2006/main">
   <p:cSld>
     <p:spTree>
@@ -54455,7 +57389,7 @@
           <a:p>
             <a:r>
               <a:rPr lang="en-US" dirty="0"/>
-              <a:t>Rule 4: Ensure your custom services are reachable by the SP farm</a:t>
+              <a:t>Rule 4: Ensure hostnames are DNS resolvable by the SP farm</a:t>
             </a:r>
             <a:endParaRPr lang="nl-BE" dirty="0"/>
           </a:p>
@@ -54490,7 +57424,30 @@
             <a:pPr lvl="1"/>
             <a:r>
               <a:rPr lang="en-US" dirty="0"/>
-              <a:t>Network ACL’s at customer side might block traffic and make your custom service not reachable</a:t>
+              <a:t>There’s no AD/DNS level integration in </a:t>
+            </a:r>
+            <a:r>
+              <a:rPr lang="en-US" dirty="0" err="1"/>
+              <a:t>DvNext</a:t>
+            </a:r>
+            <a:r>
+              <a:rPr lang="en-US" dirty="0"/>
+              <a:t>/MT, also not when a private peering (MPLS/AER) connection is used. </a:t>
+            </a:r>
+          </a:p>
+          <a:p>
+            <a:pPr lvl="1"/>
+            <a:r>
+              <a:rPr lang="en-US" dirty="0"/>
+              <a:t>SharePoint </a:t>
+            </a:r>
+            <a:r>
+              <a:rPr lang="en-US" dirty="0" err="1"/>
+              <a:t>DvNext</a:t>
+            </a:r>
+            <a:r>
+              <a:rPr lang="en-US" dirty="0"/>
+              <a:t>/MT does only resolve DNS from public DNS</a:t>
             </a:r>
           </a:p>
           <a:p>
@@ -54507,7 +57464,7 @@
             <a:pPr lvl="1"/>
             <a:r>
               <a:rPr lang="en-US" dirty="0"/>
-              <a:t>Ensure that the resolved IP address of the service is reachable from the SP servers. This might mean opening up ACL’s in your network configuration</a:t>
+              <a:t>Register your internal services in public DNS with an IP address that’s routed via the connection (MPLS/AER/Internet) you need </a:t>
             </a:r>
             <a:endParaRPr lang="nl-BE" dirty="0"/>
           </a:p>
@@ -54516,7 +57473,7 @@
     </p:spTree>
     <p:extLst>
       <p:ext uri="{BB962C8B-B14F-4D97-AF65-F5344CB8AC3E}">
-        <p14:creationId xmlns:p14="http://schemas.microsoft.com/office/powerpoint/2010/main" val="2922294041"/>
+        <p14:creationId xmlns:p14="http://schemas.microsoft.com/office/powerpoint/2010/main" val="621511109"/>
       </p:ext>
     </p:extLst>
   </p:cSld>
@@ -54529,7 +57486,7 @@
 </p:sld>
 </file>
 
-<file path=ppt/slides/slide86.xml><?xml version="1.0" encoding="utf-8"?>
+<file path=ppt/slides/slide95.xml><?xml version="1.0" encoding="utf-8"?>
 <p:sld xmlns:a="http://schemas.openxmlformats.org/drawingml/2006/main" xmlns:r="http://schemas.openxmlformats.org/officeDocument/2006/relationships" xmlns:p="http://schemas.openxmlformats.org/presentationml/2006/main">
   <p:cSld>
     <p:spTree>
@@ -54563,7 +57520,115 @@
           <a:p>
             <a:r>
               <a:rPr lang="en-US" dirty="0"/>
-              <a:t>Rule 5: Secure your custom services using a publicly trusted certificate</a:t>
+              <a:t>Rule 5: Ensure your custom services are reachable by the SP farm</a:t>
+            </a:r>
+            <a:endParaRPr lang="nl-BE" dirty="0"/>
+          </a:p>
+        </p:txBody>
+      </p:sp>
+      <p:sp>
+        <p:nvSpPr>
+          <p:cNvPr id="3" name="Text Placeholder 2"/>
+          <p:cNvSpPr>
+            <a:spLocks noGrp="1"/>
+          </p:cNvSpPr>
+          <p:nvPr>
+            <p:ph type="body" sz="quarter" idx="10"/>
+          </p:nvPr>
+        </p:nvSpPr>
+        <p:spPr>
+          <a:xfrm>
+            <a:off x="519112" y="1822766"/>
+            <a:ext cx="11149013" cy="2043636"/>
+          </a:xfrm>
+        </p:spPr>
+        <p:txBody>
+          <a:bodyPr/>
+          <a:lstStyle/>
+          <a:p>
+            <a:r>
+              <a:rPr lang="en-US" dirty="0"/>
+              <a:t>Why:</a:t>
+            </a:r>
+          </a:p>
+          <a:p>
+            <a:pPr lvl="1"/>
+            <a:r>
+              <a:rPr lang="en-US" dirty="0"/>
+              <a:t>Network ACL’s at customer side might block traffic and make your custom service not reachable</a:t>
+            </a:r>
+          </a:p>
+          <a:p>
+            <a:pPr lvl="1"/>
+            <a:endParaRPr lang="en-US" dirty="0"/>
+          </a:p>
+          <a:p>
+            <a:r>
+              <a:rPr lang="en-US" dirty="0"/>
+              <a:t>Alternative approach:</a:t>
+            </a:r>
+          </a:p>
+          <a:p>
+            <a:pPr lvl="1"/>
+            <a:r>
+              <a:rPr lang="en-US" dirty="0"/>
+              <a:t>Ensure that the resolved IP address of the service is reachable from the SP servers. This might mean opening up ACL’s in your network configuration</a:t>
+            </a:r>
+            <a:endParaRPr lang="nl-BE" dirty="0"/>
+          </a:p>
+        </p:txBody>
+      </p:sp>
+    </p:spTree>
+    <p:extLst>
+      <p:ext uri="{BB962C8B-B14F-4D97-AF65-F5344CB8AC3E}">
+        <p14:creationId xmlns:p14="http://schemas.microsoft.com/office/powerpoint/2010/main" val="4290372326"/>
+      </p:ext>
+    </p:extLst>
+  </p:cSld>
+  <p:clrMapOvr>
+    <a:masterClrMapping/>
+  </p:clrMapOvr>
+  <p:transition>
+    <p:fade/>
+  </p:transition>
+</p:sld>
+</file>
+
+<file path=ppt/slides/slide96.xml><?xml version="1.0" encoding="utf-8"?>
+<p:sld xmlns:a="http://schemas.openxmlformats.org/drawingml/2006/main" xmlns:r="http://schemas.openxmlformats.org/officeDocument/2006/relationships" xmlns:p="http://schemas.openxmlformats.org/presentationml/2006/main">
+  <p:cSld>
+    <p:spTree>
+      <p:nvGrpSpPr>
+        <p:cNvPr id="1" name=""/>
+        <p:cNvGrpSpPr/>
+        <p:nvPr/>
+      </p:nvGrpSpPr>
+      <p:grpSpPr>
+        <a:xfrm>
+          <a:off x="0" y="0"/>
+          <a:ext cx="0" cy="0"/>
+          <a:chOff x="0" y="0"/>
+          <a:chExt cx="0" cy="0"/>
+        </a:xfrm>
+      </p:grpSpPr>
+      <p:sp>
+        <p:nvSpPr>
+          <p:cNvPr id="2" name="Title 1"/>
+          <p:cNvSpPr>
+            <a:spLocks noGrp="1"/>
+          </p:cNvSpPr>
+          <p:nvPr>
+            <p:ph type="title"/>
+          </p:nvPr>
+        </p:nvSpPr>
+        <p:spPr/>
+        <p:txBody>
+          <a:bodyPr/>
+          <a:lstStyle/>
+          <a:p>
+            <a:r>
+              <a:rPr lang="en-US" dirty="0"/>
+              <a:t>Rule 6: Secure your custom services using a publicly trusted certificate</a:t>
             </a:r>
             <a:endParaRPr lang="nl-BE" dirty="0"/>
           </a:p>
@@ -54636,7 +57701,7 @@
     </p:spTree>
     <p:extLst>
       <p:ext uri="{BB962C8B-B14F-4D97-AF65-F5344CB8AC3E}">
-        <p14:creationId xmlns:p14="http://schemas.microsoft.com/office/powerpoint/2010/main" val="704470363"/>
+        <p14:creationId xmlns:p14="http://schemas.microsoft.com/office/powerpoint/2010/main" val="4035209495"/>
       </p:ext>
     </p:extLst>
   </p:cSld>
@@ -54649,7 +57714,7 @@
 </p:sld>
 </file>
 
-<file path=ppt/slides/slide87.xml><?xml version="1.0" encoding="utf-8"?>
+<file path=ppt/slides/slide97.xml><?xml version="1.0" encoding="utf-8"?>
 <p:sld xmlns:a="http://schemas.openxmlformats.org/drawingml/2006/main" xmlns:r="http://schemas.openxmlformats.org/officeDocument/2006/relationships" xmlns:p="http://schemas.openxmlformats.org/presentationml/2006/main">
   <p:cSld>
     <p:spTree>
@@ -54682,7 +57747,7 @@
 </p:sld>
 </file>
 
-<file path=ppt/slides/slide88.xml><?xml version="1.0" encoding="utf-8"?>
+<file path=ppt/slides/slide98.xml><?xml version="1.0" encoding="utf-8"?>
 <p:sld xmlns:a="http://schemas.openxmlformats.org/drawingml/2006/main" xmlns:r="http://schemas.openxmlformats.org/officeDocument/2006/relationships" xmlns:p="http://schemas.openxmlformats.org/presentationml/2006/main">
   <p:cSld>
     <p:spTree>
@@ -54826,128 +57891,6 @@
       </p:transition>
     </mc:Fallback>
   </mc:AlternateContent>
-</p:sld>
-</file>
-
-<file path=ppt/slides/slide9.xml><?xml version="1.0" encoding="utf-8"?>
-<p:sld xmlns:a="http://schemas.openxmlformats.org/drawingml/2006/main" xmlns:r="http://schemas.openxmlformats.org/officeDocument/2006/relationships" xmlns:p="http://schemas.openxmlformats.org/presentationml/2006/main">
-  <p:cSld>
-    <p:spTree>
-      <p:nvGrpSpPr>
-        <p:cNvPr id="1" name=""/>
-        <p:cNvGrpSpPr/>
-        <p:nvPr/>
-      </p:nvGrpSpPr>
-      <p:grpSpPr>
-        <a:xfrm>
-          <a:off x="0" y="0"/>
-          <a:ext cx="0" cy="0"/>
-          <a:chOff x="0" y="0"/>
-          <a:chExt cx="0" cy="0"/>
-        </a:xfrm>
-      </p:grpSpPr>
-      <p:sp>
-        <p:nvSpPr>
-          <p:cNvPr id="2" name="Title 1"/>
-          <p:cNvSpPr>
-            <a:spLocks noGrp="1"/>
-          </p:cNvSpPr>
-          <p:nvPr>
-            <p:ph type="title"/>
-          </p:nvPr>
-        </p:nvSpPr>
-        <p:spPr/>
-        <p:txBody>
-          <a:bodyPr/>
-          <a:lstStyle/>
-          <a:p>
-            <a:r>
-              <a:rPr lang="en-US" dirty="0"/>
-              <a:t>Potentially problematic forms</a:t>
-            </a:r>
-            <a:endParaRPr lang="nl-BE" dirty="0"/>
-          </a:p>
-        </p:txBody>
-      </p:sp>
-      <p:sp>
-        <p:nvSpPr>
-          <p:cNvPr id="3" name="Text Placeholder 2"/>
-          <p:cNvSpPr>
-            <a:spLocks noGrp="1"/>
-          </p:cNvSpPr>
-          <p:nvPr>
-            <p:ph type="body" sz="quarter" idx="10"/>
-          </p:nvPr>
-        </p:nvSpPr>
-        <p:spPr/>
-        <p:txBody>
-          <a:bodyPr/>
-          <a:lstStyle/>
-          <a:p>
-            <a:r>
-              <a:rPr lang="en-US" dirty="0"/>
-              <a:t>All forms with managed code</a:t>
-            </a:r>
-          </a:p>
-          <a:p>
-            <a:r>
-              <a:rPr lang="en-US" dirty="0"/>
-              <a:t>All forms with unsupported soap or rest calls</a:t>
-            </a:r>
-          </a:p>
-          <a:p>
-            <a:r>
-              <a:rPr lang="en-US" dirty="0"/>
-              <a:t>All forms that have a data connection (ado / </a:t>
-            </a:r>
-            <a:r>
-              <a:rPr lang="en-US" dirty="0" err="1"/>
-              <a:t>bdc</a:t>
-            </a:r>
-            <a:r>
-              <a:rPr lang="en-US" dirty="0"/>
-              <a:t>)</a:t>
-            </a:r>
-          </a:p>
-          <a:p>
-            <a:endParaRPr lang="en-US" dirty="0"/>
-          </a:p>
-          <a:p>
-            <a:r>
-              <a:rPr lang="en-US" dirty="0"/>
-              <a:t>Note:</a:t>
-            </a:r>
-          </a:p>
-          <a:p>
-            <a:pPr lvl="1"/>
-            <a:r>
-              <a:rPr lang="en-US" b="1" dirty="0"/>
-              <a:t>Forms that only can be opened in InfoPath client are always marked as safe</a:t>
-            </a:r>
-          </a:p>
-          <a:p>
-            <a:pPr lvl="1"/>
-            <a:r>
-              <a:rPr lang="en-US" dirty="0"/>
-              <a:t>Very old (InfoPath 2003 (version 11)) forms are marked as safe since they can only be opened by the client anyway</a:t>
-            </a:r>
-            <a:endParaRPr lang="nl-BE" dirty="0"/>
-          </a:p>
-        </p:txBody>
-      </p:sp>
-    </p:spTree>
-    <p:extLst>
-      <p:ext uri="{BB962C8B-B14F-4D97-AF65-F5344CB8AC3E}">
-        <p14:creationId xmlns:p14="http://schemas.microsoft.com/office/powerpoint/2010/main" val="243042454"/>
-      </p:ext>
-    </p:extLst>
-  </p:cSld>
-  <p:clrMapOvr>
-    <a:masterClrMapping/>
-  </p:clrMapOvr>
-  <p:transition>
-    <p:fade/>
-  </p:transition>
 </p:sld>
 </file>
 
@@ -56112,29 +59055,22 @@
 </file>
 
 <file path=customXml/item1.xml><?xml version="1.0" encoding="utf-8"?>
-<Control xmlns="http://schemas.microsoft.com/VisualStudio/2011/storyboarding/control">
-  <Id Name="System.Storyboarding.Backgrounds.WebBrowser" Revision="1" Stencil="System.Storyboarding.Backgrounds" StencilVersion="0.1"/>
-</Control>
+<p:properties xmlns:p="http://schemas.microsoft.com/office/2006/metadata/properties" xmlns:xsi="http://www.w3.org/2001/XMLSchema-instance" xmlns:pc="http://schemas.microsoft.com/office/infopath/2007/PartnerControls">
+  <documentManagement>
+    <SharedWithUsers xmlns="5ec9502b-addf-4716-883a-9e6742fd5109">
+      <UserInfo>
+        <DisplayName/>
+        <AccountId xsi:nil="true"/>
+        <AccountType/>
+      </UserInfo>
+    </SharedWithUsers>
+  </documentManagement>
+</p:properties>
 </file>
 
 <file path=customXml/item2.xml><?xml version="1.0" encoding="utf-8"?>
-<?mso-contentType ?>
-<FormTemplates xmlns="http://schemas.microsoft.com/sharepoint/v3/contenttype/forms">
-  <Display>DocumentLibraryForm</Display>
-  <Edit>DocumentLibraryForm</Edit>
-  <New>DocumentLibraryForm</New>
-</FormTemplates>
-</file>
-
-<file path=customXml/item3.xml><?xml version="1.0" encoding="utf-8"?>
-<Control xmlns="http://schemas.microsoft.com/VisualStudio/2011/storyboarding/control">
-  <Id Name="System.Storyboarding.Backgrounds.WebBrowser" Revision="1" Stencil="System.Storyboarding.Backgrounds" StencilVersion="0.1"/>
-</Control>
-</file>
-
-<file path=customXml/item4.xml><?xml version="1.0" encoding="utf-8"?>
-<ct:contentTypeSchema xmlns:ct="http://schemas.microsoft.com/office/2006/metadata/contentType" xmlns:ma="http://schemas.microsoft.com/office/2006/metadata/properties/metaAttributes" ct:_="" ma:_="" ma:contentTypeName="Document" ma:contentTypeID="0x010100DD7BFE2324FCFB49A665688E9D54E8DB" ma:contentTypeVersion="3" ma:contentTypeDescription="Create a new document." ma:contentTypeScope="" ma:versionID="4d195f25be3b1b106d09dd5eb39adb0f">
-  <xsd:schema xmlns:xsd="http://www.w3.org/2001/XMLSchema" xmlns:xs="http://www.w3.org/2001/XMLSchema" xmlns:p="http://schemas.microsoft.com/office/2006/metadata/properties" xmlns:ns2="5ec9502b-addf-4716-883a-9e6742fd5109" targetNamespace="http://schemas.microsoft.com/office/2006/metadata/properties" ma:root="true" ma:fieldsID="e57dfefa7c7616ba09ddcfd309c2667f" ns2:_="">
+<ct:contentTypeSchema xmlns:ct="http://schemas.microsoft.com/office/2006/metadata/contentType" xmlns:ma="http://schemas.microsoft.com/office/2006/metadata/properties/metaAttributes" ct:_="" ma:_="" ma:contentTypeName="Document" ma:contentTypeID="0x010100DD7BFE2324FCFB49A665688E9D54E8DB" ma:contentTypeVersion="5" ma:contentTypeDescription="Create a new document." ma:contentTypeScope="" ma:versionID="0227b7b727278bd155367b1398863f78">
+  <xsd:schema xmlns:xsd="http://www.w3.org/2001/XMLSchema" xmlns:xs="http://www.w3.org/2001/XMLSchema" xmlns:p="http://schemas.microsoft.com/office/2006/metadata/properties" xmlns:ns2="5ec9502b-addf-4716-883a-9e6742fd5109" targetNamespace="http://schemas.microsoft.com/office/2006/metadata/properties" ma:root="true" ma:fieldsID="8e806668ab63723471b5e0bb22585b22" ns2:_="">
     <xsd:import namespace="5ec9502b-addf-4716-883a-9e6742fd5109"/>
     <xsd:element name="properties">
       <xsd:complexType>
@@ -56145,6 +59081,8 @@
                 <xsd:element ref="ns2:SharedWithUsers" minOccurs="0"/>
                 <xsd:element ref="ns2:SharingHintHash" minOccurs="0"/>
                 <xsd:element ref="ns2:SharedWithDetails" minOccurs="0"/>
+                <xsd:element ref="ns2:LastSharedByUser" minOccurs="0"/>
+                <xsd:element ref="ns2:LastSharedByTime" minOccurs="0"/>
               </xsd:all>
             </xsd:complexType>
           </xsd:element>
@@ -56184,6 +59122,18 @@
         <xsd:restriction base="dms:Note">
           <xsd:maxLength value="255"/>
         </xsd:restriction>
+      </xsd:simpleType>
+    </xsd:element>
+    <xsd:element name="LastSharedByUser" ma:index="11" nillable="true" ma:displayName="Last Shared By User" ma:description="" ma:internalName="LastSharedByUser" ma:readOnly="true">
+      <xsd:simpleType>
+        <xsd:restriction base="dms:Note">
+          <xsd:maxLength value="255"/>
+        </xsd:restriction>
+      </xsd:simpleType>
+    </xsd:element>
+    <xsd:element name="LastSharedByTime" ma:index="12" nillable="true" ma:displayName="Last Shared By Time" ma:description="" ma:internalName="LastSharedByTime" ma:readOnly="true">
+      <xsd:simpleType>
+        <xsd:restriction base="dms:DateTime"/>
       </xsd:simpleType>
     </xsd:element>
   </xsd:schema>
@@ -56286,52 +59236,33 @@
 </ct:contentTypeSchema>
 </file>
 
-<file path=customXml/item5.xml><?xml version="1.0" encoding="utf-8"?>
-<Control xmlns="http://schemas.microsoft.com/VisualStudio/2011/storyboarding/control">
-  <Id Name="System.Storyboarding.Backgrounds.WebBrowser" Revision="1" Stencil="System.Storyboarding.Backgrounds" StencilVersion="0.1"/>
-</Control>
-</file>
-
-<file path=customXml/item6.xml><?xml version="1.0" encoding="utf-8"?>
-<p:properties xmlns:p="http://schemas.microsoft.com/office/2006/metadata/properties" xmlns:xsi="http://www.w3.org/2001/XMLSchema-instance" xmlns:pc="http://schemas.microsoft.com/office/infopath/2007/PartnerControls">
-  <documentManagement>
-    <SharedWithUsers xmlns="5ec9502b-addf-4716-883a-9e6742fd5109">
-      <UserInfo>
-        <DisplayName/>
-        <AccountId xsi:nil="true"/>
-        <AccountType/>
-      </UserInfo>
-    </SharedWithUsers>
-  </documentManagement>
-</p:properties>
+<file path=customXml/item3.xml><?xml version="1.0" encoding="utf-8"?>
+<?mso-contentType ?>
+<FormTemplates xmlns="http://schemas.microsoft.com/sharepoint/v3/contenttype/forms">
+  <Display>DocumentLibraryForm</Display>
+  <Edit>DocumentLibraryForm</Edit>
+  <New>DocumentLibraryForm</New>
+</FormTemplates>
 </file>
 
 <file path=customXml/itemProps1.xml><?xml version="1.0" encoding="utf-8"?>
-<ds:datastoreItem xmlns:ds="http://schemas.openxmlformats.org/officeDocument/2006/customXml" ds:itemID="{6769EEFD-0F61-4AA2-AE02-4E16ED5BCFE8}">
+<ds:datastoreItem xmlns:ds="http://schemas.openxmlformats.org/officeDocument/2006/customXml" ds:itemID="{F1AEA8A7-A694-4DB0-82AB-EF48F2E9B6F9}">
   <ds:schemaRefs>
-    <ds:schemaRef ds:uri="http://schemas.microsoft.com/VisualStudio/2011/storyboarding/control"/>
+    <ds:schemaRef ds:uri="http://schemas.openxmlformats.org/package/2006/metadata/core-properties"/>
+    <ds:schemaRef ds:uri="5ec9502b-addf-4716-883a-9e6742fd5109"/>
+    <ds:schemaRef ds:uri="http://schemas.microsoft.com/office/2006/documentManagement/types"/>
+    <ds:schemaRef ds:uri="http://schemas.microsoft.com/office/infopath/2007/PartnerControls"/>
+    <ds:schemaRef ds:uri="http://purl.org/dc/elements/1.1/"/>
+    <ds:schemaRef ds:uri="http://schemas.microsoft.com/office/2006/metadata/properties"/>
+    <ds:schemaRef ds:uri="http://purl.org/dc/terms/"/>
+    <ds:schemaRef ds:uri="http://www.w3.org/XML/1998/namespace"/>
+    <ds:schemaRef ds:uri="http://purl.org/dc/dcmitype/"/>
   </ds:schemaRefs>
 </ds:datastoreItem>
 </file>
 
 <file path=customXml/itemProps2.xml><?xml version="1.0" encoding="utf-8"?>
-<ds:datastoreItem xmlns:ds="http://schemas.openxmlformats.org/officeDocument/2006/customXml" ds:itemID="{B4606E04-852E-4880-8CD1-0B186F4087B1}">
-  <ds:schemaRefs>
-    <ds:schemaRef ds:uri="http://schemas.microsoft.com/sharepoint/v3/contenttype/forms"/>
-  </ds:schemaRefs>
-</ds:datastoreItem>
-</file>
-
-<file path=customXml/itemProps3.xml><?xml version="1.0" encoding="utf-8"?>
-<ds:datastoreItem xmlns:ds="http://schemas.openxmlformats.org/officeDocument/2006/customXml" ds:itemID="{57ED2E3B-EB43-4252-8C73-98EA6ACC344E}">
-  <ds:schemaRefs>
-    <ds:schemaRef ds:uri="http://schemas.microsoft.com/VisualStudio/2011/storyboarding/control"/>
-  </ds:schemaRefs>
-</ds:datastoreItem>
-</file>
-
-<file path=customXml/itemProps4.xml><?xml version="1.0" encoding="utf-8"?>
-<ds:datastoreItem xmlns:ds="http://schemas.openxmlformats.org/officeDocument/2006/customXml" ds:itemID="{651C9FB9-54B6-46A6-84D4-A6F207E58C93}">
+<ds:datastoreItem xmlns:ds="http://schemas.openxmlformats.org/officeDocument/2006/customXml" ds:itemID="{BE3D6F54-7450-4D0D-BA49-BE70DCDDD53F}">
   <ds:schemaRefs>
     <ds:schemaRef ds:uri="http://schemas.microsoft.com/office/2006/metadata/contentType"/>
     <ds:schemaRef ds:uri="http://schemas.microsoft.com/office/2006/metadata/properties/metaAttributes"/>
@@ -56348,26 +59279,10 @@
 </ds:datastoreItem>
 </file>
 
-<file path=customXml/itemProps5.xml><?xml version="1.0" encoding="utf-8"?>
-<ds:datastoreItem xmlns:ds="http://schemas.openxmlformats.org/officeDocument/2006/customXml" ds:itemID="{CE030D2D-A334-4C40-95AD-E97580D89B11}">
+<file path=customXml/itemProps3.xml><?xml version="1.0" encoding="utf-8"?>
+<ds:datastoreItem xmlns:ds="http://schemas.openxmlformats.org/officeDocument/2006/customXml" ds:itemID="{B4606E04-852E-4880-8CD1-0B186F4087B1}">
   <ds:schemaRefs>
-    <ds:schemaRef ds:uri="http://schemas.microsoft.com/VisualStudio/2011/storyboarding/control"/>
-  </ds:schemaRefs>
-</ds:datastoreItem>
-</file>
-
-<file path=customXml/itemProps6.xml><?xml version="1.0" encoding="utf-8"?>
-<ds:datastoreItem xmlns:ds="http://schemas.openxmlformats.org/officeDocument/2006/customXml" ds:itemID="{F1AEA8A7-A694-4DB0-82AB-EF48F2E9B6F9}">
-  <ds:schemaRefs>
-    <ds:schemaRef ds:uri="http://purl.org/dc/dcmitype/"/>
-    <ds:schemaRef ds:uri="http://schemas.microsoft.com/office/2006/documentManagement/types"/>
-    <ds:schemaRef ds:uri="http://purl.org/dc/elements/1.1/"/>
-    <ds:schemaRef ds:uri="http://schemas.microsoft.com/office/2006/metadata/properties"/>
-    <ds:schemaRef ds:uri="http://purl.org/dc/terms/"/>
-    <ds:schemaRef ds:uri="http://schemas.openxmlformats.org/package/2006/metadata/core-properties"/>
-    <ds:schemaRef ds:uri="5ec9502b-addf-4716-883a-9e6742fd5109"/>
-    <ds:schemaRef ds:uri="http://schemas.microsoft.com/office/infopath/2007/PartnerControls"/>
-    <ds:schemaRef ds:uri="http://www.w3.org/XML/1998/namespace"/>
+    <ds:schemaRef ds:uri="http://schemas.microsoft.com/sharepoint/v3/contenttype/forms"/>
   </ds:schemaRefs>
 </ds:datastoreItem>
 </file>
--- a/InfoPath/Guidance/Decks/Office 365 JDP InfoPath - Self-service manual.pptx
+++ b/InfoPath/Guidance/Decks/Office 365 JDP InfoPath - Self-service manual.pptx
@@ -1399,21 +1399,21 @@
     </dgm:pt>
   </dgm:ptLst>
   <dgm:cxnLst>
+    <dgm:cxn modelId="{4AC00209-014F-407C-B24F-893209C03251}" srcId="{2C0D2936-777E-4462-91B0-BF17C8D984B7}" destId="{DD3693BF-5BC7-4D55-89BB-9299761E946F}" srcOrd="1" destOrd="0" parTransId="{F941A24A-D8DC-4663-BE5C-352F9BCBFF60}" sibTransId="{79028361-ED90-423C-B571-0E83E3A82E55}"/>
+    <dgm:cxn modelId="{A46E6612-9901-4293-93BC-8309175F27B3}" type="presOf" srcId="{3DACF297-5310-45A0-A3A6-565C1FF8EA6C}" destId="{BF6E078A-929A-40EC-B13E-4F5DD3D77741}" srcOrd="0" destOrd="0" presId="urn:microsoft.com/office/officeart/2005/8/layout/hProcess9"/>
     <dgm:cxn modelId="{8550A028-DBE0-4509-8EBA-FF2670BEB209}" srcId="{3DACF297-5310-45A0-A3A6-565C1FF8EA6C}" destId="{216489DD-1295-42FE-9259-277E9CCC362F}" srcOrd="0" destOrd="0" parTransId="{1D433916-A002-4778-B48D-9DDD70A115C7}" sibTransId="{4851FB91-2FBB-4F8A-93B7-0A093DB4D683}"/>
+    <dgm:cxn modelId="{7F320C29-D82C-48F1-8FEA-5D541AB56FFA}" srcId="{2C0D2936-777E-4462-91B0-BF17C8D984B7}" destId="{60281A9A-CE93-4D2D-8AA3-2F987CBD6EDE}" srcOrd="0" destOrd="0" parTransId="{E312DF7D-AC9E-4854-9E71-E56779E8A574}" sibTransId="{0F0CD3E3-4887-4745-8716-8AAEB49E408E}"/>
+    <dgm:cxn modelId="{22246132-5F0C-4F00-A599-E10801C67AC2}" type="presOf" srcId="{216489DD-1295-42FE-9259-277E9CCC362F}" destId="{BF6E078A-929A-40EC-B13E-4F5DD3D77741}" srcOrd="0" destOrd="1" presId="urn:microsoft.com/office/officeart/2005/8/layout/hProcess9"/>
     <dgm:cxn modelId="{A3000F35-8275-4336-A82F-6BCBDA6444ED}" srcId="{3DACF297-5310-45A0-A3A6-565C1FF8EA6C}" destId="{D4879109-1274-4907-AD12-68D7E14A75B6}" srcOrd="1" destOrd="0" parTransId="{F972065F-F7DD-400A-B75F-BED682691CFE}" sibTransId="{04C21E68-B319-406C-9002-25A178F24478}"/>
-    <dgm:cxn modelId="{4AC00209-014F-407C-B24F-893209C03251}" srcId="{2C0D2936-777E-4462-91B0-BF17C8D984B7}" destId="{DD3693BF-5BC7-4D55-89BB-9299761E946F}" srcOrd="1" destOrd="0" parTransId="{F941A24A-D8DC-4663-BE5C-352F9BCBFF60}" sibTransId="{79028361-ED90-423C-B571-0E83E3A82E55}"/>
+    <dgm:cxn modelId="{1AB3576F-59CA-4E84-BA4E-F163CAE56C0D}" type="presOf" srcId="{E5F77C07-D3D6-4EB8-97AF-AC07C923E65D}" destId="{56BB8D5B-54FE-4F9F-AA61-A715B9428C6B}" srcOrd="0" destOrd="3" presId="urn:microsoft.com/office/officeart/2005/8/layout/hProcess9"/>
     <dgm:cxn modelId="{07984D59-0746-4103-8827-F02AA3FBD227}" type="presOf" srcId="{D4879109-1274-4907-AD12-68D7E14A75B6}" destId="{BF6E078A-929A-40EC-B13E-4F5DD3D77741}" srcOrd="0" destOrd="2" presId="urn:microsoft.com/office/officeart/2005/8/layout/hProcess9"/>
-    <dgm:cxn modelId="{1AB3576F-59CA-4E84-BA4E-F163CAE56C0D}" type="presOf" srcId="{E5F77C07-D3D6-4EB8-97AF-AC07C923E65D}" destId="{56BB8D5B-54FE-4F9F-AA61-A715B9428C6B}" srcOrd="0" destOrd="3" presId="urn:microsoft.com/office/officeart/2005/8/layout/hProcess9"/>
-    <dgm:cxn modelId="{A46E6612-9901-4293-93BC-8309175F27B3}" type="presOf" srcId="{3DACF297-5310-45A0-A3A6-565C1FF8EA6C}" destId="{BF6E078A-929A-40EC-B13E-4F5DD3D77741}" srcOrd="0" destOrd="0" presId="urn:microsoft.com/office/officeart/2005/8/layout/hProcess9"/>
-    <dgm:cxn modelId="{7F320C29-D82C-48F1-8FEA-5D541AB56FFA}" srcId="{2C0D2936-777E-4462-91B0-BF17C8D984B7}" destId="{60281A9A-CE93-4D2D-8AA3-2F987CBD6EDE}" srcOrd="0" destOrd="0" parTransId="{E312DF7D-AC9E-4854-9E71-E56779E8A574}" sibTransId="{0F0CD3E3-4887-4745-8716-8AAEB49E408E}"/>
     <dgm:cxn modelId="{DE60C889-A13C-44CA-90C1-67996AFA25AB}" srcId="{2C0D2936-777E-4462-91B0-BF17C8D984B7}" destId="{E5F77C07-D3D6-4EB8-97AF-AC07C923E65D}" srcOrd="2" destOrd="0" parTransId="{2F2C7294-0CDB-44C4-81AB-3454406A111B}" sibTransId="{B6FE82DF-0EBE-44B4-82C4-E07C50CB806F}"/>
+    <dgm:cxn modelId="{55C2A38E-3FB1-4167-B574-6FCEC43B4E6C}" type="presOf" srcId="{DD3693BF-5BC7-4D55-89BB-9299761E946F}" destId="{56BB8D5B-54FE-4F9F-AA61-A715B9428C6B}" srcOrd="0" destOrd="2" presId="urn:microsoft.com/office/officeart/2005/8/layout/hProcess9"/>
     <dgm:cxn modelId="{062EC294-B7AD-48C0-BB6E-834AB1DA29F5}" srcId="{67D58608-672F-49E3-9FCB-4F7F16754615}" destId="{2C0D2936-777E-4462-91B0-BF17C8D984B7}" srcOrd="0" destOrd="0" parTransId="{B1F19F3B-11D9-452A-A287-D6276AE5ADC6}" sibTransId="{D1B9B65C-645A-4C34-9A7F-4D5BC7BCC172}"/>
+    <dgm:cxn modelId="{539D75DA-F954-4B2A-A237-46636C4C53B4}" type="presOf" srcId="{67D58608-672F-49E3-9FCB-4F7F16754615}" destId="{EBC16904-9330-4C95-844C-44D2FC5FD5C2}" srcOrd="0" destOrd="0" presId="urn:microsoft.com/office/officeart/2005/8/layout/hProcess9"/>
     <dgm:cxn modelId="{B6611AF3-002F-4B27-8A77-0E6FCC5226FB}" srcId="{67D58608-672F-49E3-9FCB-4F7F16754615}" destId="{3DACF297-5310-45A0-A3A6-565C1FF8EA6C}" srcOrd="1" destOrd="0" parTransId="{E83DE440-3F97-4262-A6C9-2CA6A6313409}" sibTransId="{2AFAE38B-6127-4F74-80C8-EE268B893CA9}"/>
-    <dgm:cxn modelId="{22246132-5F0C-4F00-A599-E10801C67AC2}" type="presOf" srcId="{216489DD-1295-42FE-9259-277E9CCC362F}" destId="{BF6E078A-929A-40EC-B13E-4F5DD3D77741}" srcOrd="0" destOrd="1" presId="urn:microsoft.com/office/officeart/2005/8/layout/hProcess9"/>
+    <dgm:cxn modelId="{7590F8F6-B79C-4B5B-B00B-593126B7D55D}" type="presOf" srcId="{60281A9A-CE93-4D2D-8AA3-2F987CBD6EDE}" destId="{56BB8D5B-54FE-4F9F-AA61-A715B9428C6B}" srcOrd="0" destOrd="1" presId="urn:microsoft.com/office/officeart/2005/8/layout/hProcess9"/>
     <dgm:cxn modelId="{5716D4F9-2A68-441E-966F-26E65242A281}" type="presOf" srcId="{2C0D2936-777E-4462-91B0-BF17C8D984B7}" destId="{56BB8D5B-54FE-4F9F-AA61-A715B9428C6B}" srcOrd="0" destOrd="0" presId="urn:microsoft.com/office/officeart/2005/8/layout/hProcess9"/>
-    <dgm:cxn modelId="{539D75DA-F954-4B2A-A237-46636C4C53B4}" type="presOf" srcId="{67D58608-672F-49E3-9FCB-4F7F16754615}" destId="{EBC16904-9330-4C95-844C-44D2FC5FD5C2}" srcOrd="0" destOrd="0" presId="urn:microsoft.com/office/officeart/2005/8/layout/hProcess9"/>
-    <dgm:cxn modelId="{7590F8F6-B79C-4B5B-B00B-593126B7D55D}" type="presOf" srcId="{60281A9A-CE93-4D2D-8AA3-2F987CBD6EDE}" destId="{56BB8D5B-54FE-4F9F-AA61-A715B9428C6B}" srcOrd="0" destOrd="1" presId="urn:microsoft.com/office/officeart/2005/8/layout/hProcess9"/>
-    <dgm:cxn modelId="{55C2A38E-3FB1-4167-B574-6FCEC43B4E6C}" type="presOf" srcId="{DD3693BF-5BC7-4D55-89BB-9299761E946F}" destId="{56BB8D5B-54FE-4F9F-AA61-A715B9428C6B}" srcOrd="0" destOrd="2" presId="urn:microsoft.com/office/officeart/2005/8/layout/hProcess9"/>
     <dgm:cxn modelId="{1664BA72-61CC-46BE-B991-7FB6C156BD06}" type="presParOf" srcId="{EBC16904-9330-4C95-844C-44D2FC5FD5C2}" destId="{60687949-2C33-48A3-9990-0047C6AD407B}" srcOrd="0" destOrd="0" presId="urn:microsoft.com/office/officeart/2005/8/layout/hProcess9"/>
     <dgm:cxn modelId="{A91EA486-5FCE-4BE5-937E-B842D18ABD23}" type="presParOf" srcId="{EBC16904-9330-4C95-844C-44D2FC5FD5C2}" destId="{21C35B38-7DC4-4586-AEDA-AF17BC8F9661}" srcOrd="1" destOrd="0" presId="urn:microsoft.com/office/officeart/2005/8/layout/hProcess9"/>
     <dgm:cxn modelId="{9DA7DDE7-C44D-4C82-873E-67861BD4237C}" type="presParOf" srcId="{21C35B38-7DC4-4586-AEDA-AF17BC8F9661}" destId="{56BB8D5B-54FE-4F9F-AA61-A715B9428C6B}" srcOrd="0" destOrd="0" presId="urn:microsoft.com/office/officeart/2005/8/layout/hProcess9"/>
@@ -2999,7 +2999,7 @@
           <a:p>
             <a:fld id="{DE219B1A-AE41-483B-A766-69B9363DDA6A}" type="datetimeFigureOut">
               <a:rPr lang="en-US" smtClean="0"/>
-              <a:t>11/22/2016</a:t>
+              <a:t>4/19/2017</a:t>
             </a:fld>
             <a:endParaRPr lang="en-US"/>
           </a:p>
@@ -3208,7 +3208,7 @@
           <a:p>
             <a:fld id="{D51B1278-D92B-4AF3-A9C1-71DD298190CE}" type="datetimeFigureOut">
               <a:rPr lang="en-US" smtClean="0"/>
-              <a:t>11/22/2016</a:t>
+              <a:t>4/19/2017</a:t>
             </a:fld>
             <a:endParaRPr lang="en-US"/>
           </a:p>
@@ -3651,7 +3651,7 @@
                 </a:solidFill>
               </a:rPr>
               <a:pPr/>
-              <a:t>11/22/2016</a:t>
+              <a:t>4/19/2017</a:t>
             </a:fld>
             <a:endParaRPr lang="en-US" dirty="0">
               <a:solidFill>
@@ -3965,7 +3965,7 @@
           <a:p>
             <a:fld id="{59D60AD9-3E85-41DF-99CB-B9873EE0A778}" type="datetime1">
               <a:rPr lang="en-US" smtClean="0"/>
-              <a:t>11/22/2016</a:t>
+              <a:t>4/19/2017</a:t>
             </a:fld>
             <a:endParaRPr lang="en-US"/>
           </a:p>
@@ -4235,7 +4235,7 @@
           <a:p>
             <a:fld id="{D23A6FA6-4DB3-4DBD-BC02-3E825058E62E}" type="datetime1">
               <a:rPr lang="en-US" smtClean="0"/>
-              <a:t>11/22/2016</a:t>
+              <a:t>4/19/2017</a:t>
             </a:fld>
             <a:endParaRPr lang="en-US"/>
           </a:p>
@@ -4553,7 +4553,7 @@
                 <a:tabLst/>
                 <a:defRPr/>
               </a:pPr>
-              <a:t>11/22/2016</a:t>
+              <a:t>4/19/2017</a:t>
             </a:fld>
             <a:endParaRPr kumimoji="0" lang="en-US" sz="1800" b="0" i="0" u="none" strike="noStrike" kern="0" cap="none" spc="0" normalizeH="0" baseline="0" noProof="0">
               <a:ln>
@@ -5072,7 +5072,7 @@
                 <a:tabLst/>
                 <a:defRPr/>
               </a:pPr>
-              <a:t>11/22/2016</a:t>
+              <a:t>4/19/2017</a:t>
             </a:fld>
             <a:endParaRPr kumimoji="0" lang="en-US" sz="1800" b="0" i="0" u="none" strike="noStrike" kern="0" cap="none" spc="0" normalizeH="0" baseline="0" noProof="0">
               <a:ln>
@@ -5524,7 +5524,7 @@
                 <a:tabLst/>
                 <a:defRPr/>
               </a:pPr>
-              <a:t>11/22/2016</a:t>
+              <a:t>4/19/2017</a:t>
             </a:fld>
             <a:endParaRPr kumimoji="0" lang="en-US" sz="1800" b="0" i="0" u="none" strike="noStrike" kern="0" cap="none" spc="0" normalizeH="0" baseline="0" noProof="0">
               <a:ln>
@@ -56640,53 +56640,70 @@
           <a:lstStyle/>
           <a:p>
             <a:r>
-              <a:rPr lang="en-US" dirty="0"/>
+              <a:rPr lang="en-US" sz="3200" dirty="0"/>
               <a:t>All forms with managed code</a:t>
             </a:r>
           </a:p>
           <a:p>
             <a:r>
-              <a:rPr lang="en-US" dirty="0"/>
+              <a:rPr lang="en-US" sz="3200" dirty="0"/>
               <a:t>All forms with unsupported soap or rest calls</a:t>
             </a:r>
           </a:p>
           <a:p>
             <a:r>
-              <a:rPr lang="en-US" dirty="0"/>
+              <a:rPr lang="en-US" sz="3200" dirty="0"/>
               <a:t>All forms that have a data connection (ado / </a:t>
             </a:r>
             <a:r>
-              <a:rPr lang="en-US" dirty="0" err="1"/>
+              <a:rPr lang="en-US" sz="3200" dirty="0" err="1"/>
               <a:t>bdc</a:t>
             </a:r>
             <a:r>
-              <a:rPr lang="en-US" dirty="0"/>
+              <a:rPr lang="en-US" sz="3200" dirty="0"/>
               <a:t>)</a:t>
             </a:r>
           </a:p>
           <a:p>
-            <a:endParaRPr lang="en-US" dirty="0"/>
-          </a:p>
-          <a:p>
-            <a:r>
-              <a:rPr lang="en-US" dirty="0"/>
+            <a:r>
+              <a:rPr lang="en-US" sz="3200" dirty="0"/>
+              <a:t>See </a:t>
+            </a:r>
+            <a:r>
+              <a:rPr lang="en-US" sz="3200" dirty="0">
+                <a:hlinkClick r:id="rId2"/>
+              </a:rPr>
+              <a:t>https://support.microsoft.com/en-us/help/4017854</a:t>
+            </a:r>
+            <a:r>
+              <a:rPr lang="en-US" sz="3200" dirty="0"/>
+              <a:t> for a list of differences between InfoPath in on-premises vs InfoPath in SharePoint Online</a:t>
+            </a:r>
+            <a:endParaRPr lang="en-US" sz="3200" dirty="0"/>
+          </a:p>
+          <a:p>
+            <a:endParaRPr lang="en-US" sz="3200" dirty="0"/>
+          </a:p>
+          <a:p>
+            <a:r>
+              <a:rPr lang="en-US" sz="3200" dirty="0"/>
               <a:t>Note:</a:t>
             </a:r>
           </a:p>
           <a:p>
             <a:pPr lvl="1"/>
             <a:r>
-              <a:rPr lang="en-US" b="1" dirty="0"/>
+              <a:rPr lang="en-US" sz="1800" b="1" dirty="0"/>
               <a:t>Forms that only can be opened in InfoPath client are always marked as safe</a:t>
             </a:r>
           </a:p>
           <a:p>
             <a:pPr lvl="1"/>
             <a:r>
-              <a:rPr lang="en-US" dirty="0"/>
+              <a:rPr lang="en-US" sz="1800" dirty="0"/>
               <a:t>Very old (InfoPath 2003 (version 11)) forms are marked as safe since they can only be opened by the client anyway</a:t>
             </a:r>
-            <a:endParaRPr lang="nl-BE" dirty="0"/>
+            <a:endParaRPr lang="nl-BE" sz="1800" dirty="0"/>
           </a:p>
         </p:txBody>
       </p:sp>
@@ -59055,6 +59072,15 @@
 </file>
 
 <file path=customXml/item1.xml><?xml version="1.0" encoding="utf-8"?>
+<?mso-contentType ?>
+<FormTemplates xmlns="http://schemas.microsoft.com/sharepoint/v3/contenttype/forms">
+  <Display>DocumentLibraryForm</Display>
+  <Edit>DocumentLibraryForm</Edit>
+  <New>DocumentLibraryForm</New>
+</FormTemplates>
+</file>
+
+<file path=customXml/item2.xml><?xml version="1.0" encoding="utf-8"?>
 <p:properties xmlns:p="http://schemas.microsoft.com/office/2006/metadata/properties" xmlns:xsi="http://www.w3.org/2001/XMLSchema-instance" xmlns:pc="http://schemas.microsoft.com/office/infopath/2007/PartnerControls">
   <documentManagement>
     <SharedWithUsers xmlns="5ec9502b-addf-4716-883a-9e6742fd5109">
@@ -59068,7 +59094,7 @@
 </p:properties>
 </file>
 
-<file path=customXml/item2.xml><?xml version="1.0" encoding="utf-8"?>
+<file path=customXml/item3.xml><?xml version="1.0" encoding="utf-8"?>
 <ct:contentTypeSchema xmlns:ct="http://schemas.microsoft.com/office/2006/metadata/contentType" xmlns:ma="http://schemas.microsoft.com/office/2006/metadata/properties/metaAttributes" ct:_="" ma:_="" ma:contentTypeName="Document" ma:contentTypeID="0x010100DD7BFE2324FCFB49A665688E9D54E8DB" ma:contentTypeVersion="5" ma:contentTypeDescription="Create a new document." ma:contentTypeScope="" ma:versionID="0227b7b727278bd155367b1398863f78">
   <xsd:schema xmlns:xsd="http://www.w3.org/2001/XMLSchema" xmlns:xs="http://www.w3.org/2001/XMLSchema" xmlns:p="http://schemas.microsoft.com/office/2006/metadata/properties" xmlns:ns2="5ec9502b-addf-4716-883a-9e6742fd5109" targetNamespace="http://schemas.microsoft.com/office/2006/metadata/properties" ma:root="true" ma:fieldsID="8e806668ab63723471b5e0bb22585b22" ns2:_="">
     <xsd:import namespace="5ec9502b-addf-4716-883a-9e6742fd5109"/>
@@ -59236,16 +59262,15 @@
 </ct:contentTypeSchema>
 </file>
 
-<file path=customXml/item3.xml><?xml version="1.0" encoding="utf-8"?>
-<?mso-contentType ?>
-<FormTemplates xmlns="http://schemas.microsoft.com/sharepoint/v3/contenttype/forms">
-  <Display>DocumentLibraryForm</Display>
-  <Edit>DocumentLibraryForm</Edit>
-  <New>DocumentLibraryForm</New>
-</FormTemplates>
+<file path=customXml/itemProps1.xml><?xml version="1.0" encoding="utf-8"?>
+<ds:datastoreItem xmlns:ds="http://schemas.openxmlformats.org/officeDocument/2006/customXml" ds:itemID="{B4606E04-852E-4880-8CD1-0B186F4087B1}">
+  <ds:schemaRefs>
+    <ds:schemaRef ds:uri="http://schemas.microsoft.com/sharepoint/v3/contenttype/forms"/>
+  </ds:schemaRefs>
+</ds:datastoreItem>
 </file>
 
-<file path=customXml/itemProps1.xml><?xml version="1.0" encoding="utf-8"?>
+<file path=customXml/itemProps2.xml><?xml version="1.0" encoding="utf-8"?>
 <ds:datastoreItem xmlns:ds="http://schemas.openxmlformats.org/officeDocument/2006/customXml" ds:itemID="{F1AEA8A7-A694-4DB0-82AB-EF48F2E9B6F9}">
   <ds:schemaRefs>
     <ds:schemaRef ds:uri="http://schemas.openxmlformats.org/package/2006/metadata/core-properties"/>
@@ -59261,7 +59286,7 @@
 </ds:datastoreItem>
 </file>
 
-<file path=customXml/itemProps2.xml><?xml version="1.0" encoding="utf-8"?>
+<file path=customXml/itemProps3.xml><?xml version="1.0" encoding="utf-8"?>
 <ds:datastoreItem xmlns:ds="http://schemas.openxmlformats.org/officeDocument/2006/customXml" ds:itemID="{BE3D6F54-7450-4D0D-BA49-BE70DCDDD53F}">
   <ds:schemaRefs>
     <ds:schemaRef ds:uri="http://schemas.microsoft.com/office/2006/metadata/contentType"/>
@@ -59277,12 +59302,4 @@
     <ds:schemaRef ds:uri="http://schemas.microsoft.com/internal/obd"/>
   </ds:schemaRefs>
 </ds:datastoreItem>
-</file>
-
-<file path=customXml/itemProps3.xml><?xml version="1.0" encoding="utf-8"?>
-<ds:datastoreItem xmlns:ds="http://schemas.openxmlformats.org/officeDocument/2006/customXml" ds:itemID="{B4606E04-852E-4880-8CD1-0B186F4087B1}">
-  <ds:schemaRefs>
-    <ds:schemaRef ds:uri="http://schemas.microsoft.com/sharepoint/v3/contenttype/forms"/>
-  </ds:schemaRefs>
-</ds:datastoreItem>
 </file>